--- a/doc/实现阶段/SE-2017秋-G10-实现阶段PPT最新.pptx
+++ b/doc/实现阶段/SE-2017秋-G10-实现阶段PPT最新.pptx
@@ -6,7 +6,7 @@
     <p:sldMasterId id="2147483679" r:id="rId2"/>
   </p:sldMasterIdLst>
   <p:notesMasterIdLst>
-    <p:notesMasterId r:id="rId34"/>
+    <p:notesMasterId r:id="rId38"/>
   </p:notesMasterIdLst>
   <p:sldIdLst>
     <p:sldId id="256" r:id="rId3"/>
@@ -20,26 +20,30 @@
     <p:sldId id="340" r:id="rId11"/>
     <p:sldId id="320" r:id="rId12"/>
     <p:sldId id="321" r:id="rId13"/>
-    <p:sldId id="339" r:id="rId14"/>
-    <p:sldId id="322" r:id="rId15"/>
-    <p:sldId id="303" r:id="rId16"/>
-    <p:sldId id="344" r:id="rId17"/>
-    <p:sldId id="306" r:id="rId18"/>
-    <p:sldId id="335" r:id="rId19"/>
-    <p:sldId id="307" r:id="rId20"/>
-    <p:sldId id="338" r:id="rId21"/>
-    <p:sldId id="336" r:id="rId22"/>
-    <p:sldId id="337" r:id="rId23"/>
-    <p:sldId id="309" r:id="rId24"/>
-    <p:sldId id="310" r:id="rId25"/>
-    <p:sldId id="331" r:id="rId26"/>
-    <p:sldId id="333" r:id="rId27"/>
-    <p:sldId id="341" r:id="rId28"/>
-    <p:sldId id="312" r:id="rId29"/>
-    <p:sldId id="342" r:id="rId30"/>
-    <p:sldId id="343" r:id="rId31"/>
-    <p:sldId id="334" r:id="rId32"/>
-    <p:sldId id="280" r:id="rId33"/>
+    <p:sldId id="345" r:id="rId14"/>
+    <p:sldId id="339" r:id="rId15"/>
+    <p:sldId id="322" r:id="rId16"/>
+    <p:sldId id="303" r:id="rId17"/>
+    <p:sldId id="338" r:id="rId18"/>
+    <p:sldId id="344" r:id="rId19"/>
+    <p:sldId id="306" r:id="rId20"/>
+    <p:sldId id="335" r:id="rId21"/>
+    <p:sldId id="307" r:id="rId22"/>
+    <p:sldId id="346" r:id="rId23"/>
+    <p:sldId id="347" r:id="rId24"/>
+    <p:sldId id="336" r:id="rId25"/>
+    <p:sldId id="337" r:id="rId26"/>
+    <p:sldId id="309" r:id="rId27"/>
+    <p:sldId id="310" r:id="rId28"/>
+    <p:sldId id="331" r:id="rId29"/>
+    <p:sldId id="348" r:id="rId30"/>
+    <p:sldId id="333" r:id="rId31"/>
+    <p:sldId id="341" r:id="rId32"/>
+    <p:sldId id="312" r:id="rId33"/>
+    <p:sldId id="342" r:id="rId34"/>
+    <p:sldId id="343" r:id="rId35"/>
+    <p:sldId id="334" r:id="rId36"/>
+    <p:sldId id="280" r:id="rId37"/>
   </p:sldIdLst>
   <p:sldSz cx="12192000" cy="6858000"/>
   <p:notesSz cx="6858000" cy="9144000"/>
@@ -231,7 +235,7 @@
           <a:p>
             <a:fld id="{3E6E1E63-6347-BD4F-A808-7F54FA34CE72}" type="datetimeFigureOut">
               <a:rPr kumimoji="1" lang="zh-CN" altLang="en-US" smtClean="0"/>
-              <a:t>2017/12/26</a:t>
+              <a:t>2018/1/5</a:t>
             </a:fld>
             <a:endParaRPr kumimoji="1" lang="zh-CN" altLang="en-US"/>
           </a:p>
@@ -731,7 +735,7 @@
           <a:p>
             <a:fld id="{211EDE8F-5748-564A-B104-45C8D6344219}" type="slidenum">
               <a:rPr kumimoji="1" lang="zh-CN" altLang="en-US" smtClean="0"/>
-              <a:t>17</a:t>
+              <a:t>16</a:t>
             </a:fld>
             <a:endParaRPr kumimoji="1" lang="zh-CN" altLang="en-US"/>
           </a:p>
@@ -740,7 +744,7 @@
     </p:spTree>
     <p:extLst>
       <p:ext uri="{BB962C8B-B14F-4D97-AF65-F5344CB8AC3E}">
-        <p14:creationId xmlns:p14="http://schemas.microsoft.com/office/powerpoint/2010/main" val="1948678381"/>
+        <p14:creationId xmlns:p14="http://schemas.microsoft.com/office/powerpoint/2010/main" val="642680998"/>
       </p:ext>
     </p:extLst>
   </p:cSld>
@@ -815,7 +819,7 @@
           <a:p>
             <a:fld id="{211EDE8F-5748-564A-B104-45C8D6344219}" type="slidenum">
               <a:rPr kumimoji="1" lang="zh-CN" altLang="en-US" smtClean="0"/>
-              <a:t>18</a:t>
+              <a:t>19</a:t>
             </a:fld>
             <a:endParaRPr kumimoji="1" lang="zh-CN" altLang="en-US"/>
           </a:p>
@@ -824,7 +828,7 @@
     </p:spTree>
     <p:extLst>
       <p:ext uri="{BB962C8B-B14F-4D97-AF65-F5344CB8AC3E}">
-        <p14:creationId xmlns:p14="http://schemas.microsoft.com/office/powerpoint/2010/main" val="3803033880"/>
+        <p14:creationId xmlns:p14="http://schemas.microsoft.com/office/powerpoint/2010/main" val="1948678381"/>
       </p:ext>
     </p:extLst>
   </p:cSld>
@@ -899,7 +903,7 @@
           <a:p>
             <a:fld id="{211EDE8F-5748-564A-B104-45C8D6344219}" type="slidenum">
               <a:rPr kumimoji="1" lang="zh-CN" altLang="en-US" smtClean="0"/>
-              <a:t>19</a:t>
+              <a:t>20</a:t>
             </a:fld>
             <a:endParaRPr kumimoji="1" lang="zh-CN" altLang="en-US"/>
           </a:p>
@@ -908,7 +912,7 @@
     </p:spTree>
     <p:extLst>
       <p:ext uri="{BB962C8B-B14F-4D97-AF65-F5344CB8AC3E}">
-        <p14:creationId xmlns:p14="http://schemas.microsoft.com/office/powerpoint/2010/main" val="642680998"/>
+        <p14:creationId xmlns:p14="http://schemas.microsoft.com/office/powerpoint/2010/main" val="3803033880"/>
       </p:ext>
     </p:extLst>
   </p:cSld>
@@ -983,7 +987,7 @@
           <a:p>
             <a:fld id="{211EDE8F-5748-564A-B104-45C8D6344219}" type="slidenum">
               <a:rPr kumimoji="1" lang="zh-CN" altLang="en-US" smtClean="0"/>
-              <a:t>20</a:t>
+              <a:t>23</a:t>
             </a:fld>
             <a:endParaRPr kumimoji="1" lang="zh-CN" altLang="en-US"/>
           </a:p>
@@ -1067,7 +1071,7 @@
           <a:p>
             <a:fld id="{211EDE8F-5748-564A-B104-45C8D6344219}" type="slidenum">
               <a:rPr kumimoji="1" lang="zh-CN" altLang="en-US" smtClean="0"/>
-              <a:t>21</a:t>
+              <a:t>24</a:t>
             </a:fld>
             <a:endParaRPr kumimoji="1" lang="zh-CN" altLang="en-US"/>
           </a:p>
@@ -1151,7 +1155,7 @@
           <a:p>
             <a:fld id="{211EDE8F-5748-564A-B104-45C8D6344219}" type="slidenum">
               <a:rPr kumimoji="1" lang="zh-CN" altLang="en-US" smtClean="0"/>
-              <a:t>28</a:t>
+              <a:t>32</a:t>
             </a:fld>
             <a:endParaRPr kumimoji="1" lang="zh-CN" altLang="en-US"/>
           </a:p>
@@ -1235,7 +1239,7 @@
           <a:p>
             <a:fld id="{211EDE8F-5748-564A-B104-45C8D6344219}" type="slidenum">
               <a:rPr kumimoji="1" lang="zh-CN" altLang="en-US" smtClean="0"/>
-              <a:t>29</a:t>
+              <a:t>33</a:t>
             </a:fld>
             <a:endParaRPr kumimoji="1" lang="zh-CN" altLang="en-US"/>
           </a:p>
@@ -11421,7 +11425,7 @@
         <p:spPr>
           <a:xfrm>
             <a:off x="970383" y="1201068"/>
-            <a:ext cx="10419106" cy="5259773"/>
+            <a:ext cx="10419106" cy="3648435"/>
           </a:xfrm>
           <a:prstGeom prst="rect">
             <a:avLst/>
@@ -11521,7 +11525,7 @@
                 <a:ea typeface="DengXian Light" charset="-122"/>
                 <a:cs typeface="Times New Roman" charset="0"/>
               </a:rPr>
-              <a:t>美化部分</a:t>
+              <a:t>部分</a:t>
             </a:r>
             <a:endParaRPr lang="en-US" altLang="zh-CN" sz="2400" b="1" kern="100" dirty="0" smtClean="0">
               <a:effectLst/>
@@ -11558,45 +11562,9 @@
               </a:rPr>
               <a:t>Ui</a:t>
             </a:r>
-            <a:r>
-              <a:rPr lang="zh-CN" altLang="en-US" sz="2400" b="1" kern="100" dirty="0" smtClean="0">
-                <a:latin typeface="DengXian Light" charset="-122"/>
-                <a:ea typeface="DengXian Light" charset="-122"/>
-                <a:cs typeface="Times New Roman" charset="0"/>
-              </a:rPr>
-              <a:t>美化</a:t>
-            </a:r>
             <a:endParaRPr lang="en-US" altLang="zh-CN" sz="2400" b="1" kern="100" dirty="0" smtClean="0">
               <a:latin typeface="DengXian Light" charset="-122"/>
               <a:ea typeface="DengXian Light" charset="-122"/>
-              <a:cs typeface="Times New Roman" charset="0"/>
-            </a:endParaRPr>
-          </a:p>
-          <a:p>
-            <a:pPr algn="just">
-              <a:lnSpc>
-                <a:spcPct val="173000"/>
-              </a:lnSpc>
-              <a:spcBef>
-                <a:spcPts val="1300"/>
-              </a:spcBef>
-              <a:spcAft>
-                <a:spcPts val="1300"/>
-              </a:spcAft>
-            </a:pPr>
-            <a:r>
-              <a:rPr lang="zh-CN" altLang="en-US" sz="2400" b="1" kern="100" dirty="0" smtClean="0">
-                <a:effectLst/>
-                <a:latin typeface="DengXian Light" charset="-122"/>
-                <a:ea typeface="DengXian Light" charset="-122"/>
-                <a:cs typeface="Times New Roman" charset="0"/>
-              </a:rPr>
-              <a:t>走查分工：盛轶群检查钱金港的代码，钱金港检查刘坤的代码，刘坤检查盛轶群的代码</a:t>
-            </a:r>
-            <a:endParaRPr lang="zh-CN" altLang="zh-CN" kern="100" dirty="0">
-              <a:effectLst/>
-              <a:latin typeface="DengXian" charset="-122"/>
-              <a:ea typeface="DengXian" charset="-122"/>
               <a:cs typeface="Times New Roman" charset="0"/>
             </a:endParaRPr>
           </a:p>
@@ -11623,6 +11591,384 @@
 </file>
 
 <file path=ppt/slides/slide12.xml><?xml version="1.0" encoding="utf-8"?>
+<p:sld xmlns:a="http://schemas.openxmlformats.org/drawingml/2006/main" xmlns:r="http://schemas.openxmlformats.org/officeDocument/2006/relationships" xmlns:p="http://schemas.openxmlformats.org/presentationml/2006/main">
+  <p:cSld>
+    <p:spTree>
+      <p:nvGrpSpPr>
+        <p:cNvPr id="1" name=""/>
+        <p:cNvGrpSpPr/>
+        <p:nvPr/>
+      </p:nvGrpSpPr>
+      <p:grpSpPr>
+        <a:xfrm>
+          <a:off x="0" y="0"/>
+          <a:ext cx="0" cy="0"/>
+          <a:chOff x="0" y="0"/>
+          <a:chExt cx="0" cy="0"/>
+        </a:xfrm>
+      </p:grpSpPr>
+      <p:sp>
+        <p:nvSpPr>
+          <p:cNvPr id="2" name="文本占位符 1"/>
+          <p:cNvSpPr>
+            <a:spLocks noGrp="1"/>
+          </p:cNvSpPr>
+          <p:nvPr>
+            <p:ph type="body" sz="quarter" idx="12"/>
+          </p:nvPr>
+        </p:nvSpPr>
+        <p:spPr/>
+        <p:txBody>
+          <a:bodyPr/>
+          <a:lstStyle/>
+          <a:p>
+            <a:r>
+              <a:rPr lang="en-US" altLang="zh-CN" dirty="0" smtClean="0"/>
+              <a:t>02</a:t>
+            </a:r>
+            <a:endParaRPr lang="zh-CN" altLang="en-US" dirty="0"/>
+          </a:p>
+        </p:txBody>
+      </p:sp>
+      <p:sp>
+        <p:nvSpPr>
+          <p:cNvPr id="3" name="文本占位符 2"/>
+          <p:cNvSpPr>
+            <a:spLocks noGrp="1"/>
+          </p:cNvSpPr>
+          <p:nvPr>
+            <p:ph type="body" sz="quarter" idx="13"/>
+          </p:nvPr>
+        </p:nvSpPr>
+        <p:spPr/>
+        <p:txBody>
+          <a:bodyPr/>
+          <a:lstStyle/>
+          <a:p>
+            <a:r>
+              <a:rPr lang="zh-CN" altLang="en-US" dirty="0" smtClean="0"/>
+              <a:t>内部</a:t>
+            </a:r>
+            <a:r>
+              <a:rPr lang="zh-CN" altLang="en-US" dirty="0"/>
+              <a:t>走查</a:t>
+            </a:r>
+          </a:p>
+        </p:txBody>
+      </p:sp>
+      <p:graphicFrame>
+        <p:nvGraphicFramePr>
+          <p:cNvPr id="4" name="表格 3"/>
+          <p:cNvGraphicFramePr>
+            <a:graphicFrameLocks noGrp="1"/>
+          </p:cNvGraphicFramePr>
+          <p:nvPr>
+            <p:extLst>
+              <p:ext uri="{D42A27DB-BD31-4B8C-83A1-F6EECF244321}">
+                <p14:modId xmlns:p14="http://schemas.microsoft.com/office/powerpoint/2010/main" val="1493847135"/>
+              </p:ext>
+            </p:extLst>
+          </p:nvPr>
+        </p:nvGraphicFramePr>
+        <p:xfrm>
+          <a:off x="1302240" y="1635371"/>
+          <a:ext cx="9424374" cy="2724442"/>
+        </p:xfrm>
+        <a:graphic>
+          <a:graphicData uri="http://schemas.openxmlformats.org/drawingml/2006/table">
+            <a:tbl>
+              <a:tblPr firstRow="1" bandRow="1">
+                <a:tableStyleId>{5C22544A-7EE6-4342-B048-85BDC9FD1C3A}</a:tableStyleId>
+              </a:tblPr>
+              <a:tblGrid>
+                <a:gridCol w="3141458">
+                  <a:extLst>
+                    <a:ext uri="{9D8B030D-6E8A-4147-A177-3AD203B41FA5}">
+                      <a16:colId xmlns:a16="http://schemas.microsoft.com/office/drawing/2014/main" xmlns="" val="2645241744"/>
+                    </a:ext>
+                  </a:extLst>
+                </a:gridCol>
+                <a:gridCol w="3141458">
+                  <a:extLst>
+                    <a:ext uri="{9D8B030D-6E8A-4147-A177-3AD203B41FA5}">
+                      <a16:colId xmlns:a16="http://schemas.microsoft.com/office/drawing/2014/main" xmlns="" val="3248733852"/>
+                    </a:ext>
+                  </a:extLst>
+                </a:gridCol>
+                <a:gridCol w="3141458">
+                  <a:extLst>
+                    <a:ext uri="{9D8B030D-6E8A-4147-A177-3AD203B41FA5}">
+                      <a16:colId xmlns:a16="http://schemas.microsoft.com/office/drawing/2014/main" xmlns="" val="1303944476"/>
+                    </a:ext>
+                  </a:extLst>
+                </a:gridCol>
+              </a:tblGrid>
+              <a:tr h="473816">
+                <a:tc>
+                  <a:txBody>
+                    <a:bodyPr/>
+                    <a:lstStyle/>
+                    <a:p>
+                      <a:r>
+                        <a:rPr lang="zh-CN" altLang="en-US" dirty="0" smtClean="0"/>
+                        <a:t>姓名</a:t>
+                      </a:r>
+                      <a:endParaRPr lang="zh-CN" altLang="en-US" dirty="0"/>
+                    </a:p>
+                  </a:txBody>
+                  <a:tcPr/>
+                </a:tc>
+                <a:tc>
+                  <a:txBody>
+                    <a:bodyPr/>
+                    <a:lstStyle/>
+                    <a:p>
+                      <a:r>
+                        <a:rPr lang="zh-CN" altLang="en-US" dirty="0" smtClean="0"/>
+                        <a:t>分工</a:t>
+                      </a:r>
+                      <a:endParaRPr lang="zh-CN" altLang="en-US" dirty="0"/>
+                    </a:p>
+                  </a:txBody>
+                  <a:tcPr/>
+                </a:tc>
+                <a:tc>
+                  <a:txBody>
+                    <a:bodyPr/>
+                    <a:lstStyle/>
+                    <a:p>
+                      <a:endParaRPr lang="zh-CN" altLang="en-US" dirty="0"/>
+                    </a:p>
+                  </a:txBody>
+                  <a:tcPr/>
+                </a:tc>
+                <a:extLst>
+                  <a:ext uri="{0D108BD9-81ED-4DB2-BD59-A6C34878D82A}">
+                    <a16:rowId xmlns:a16="http://schemas.microsoft.com/office/drawing/2014/main" xmlns="" val="916376356"/>
+                  </a:ext>
+                </a:extLst>
+              </a:tr>
+              <a:tr h="829178">
+                <a:tc>
+                  <a:txBody>
+                    <a:bodyPr/>
+                    <a:lstStyle/>
+                    <a:p>
+                      <a:r>
+                        <a:rPr lang="zh-CN" altLang="en-US" dirty="0" smtClean="0"/>
+                        <a:t>郑楠</a:t>
+                      </a:r>
+                      <a:endParaRPr lang="zh-CN" altLang="en-US" dirty="0"/>
+                    </a:p>
+                  </a:txBody>
+                  <a:tcPr/>
+                </a:tc>
+                <a:tc>
+                  <a:txBody>
+                    <a:bodyPr/>
+                    <a:lstStyle/>
+                    <a:p>
+                      <a:r>
+                        <a:rPr lang="zh-CN" altLang="en-US" dirty="0" smtClean="0"/>
+                        <a:t>走查组组长</a:t>
+                      </a:r>
+                      <a:endParaRPr lang="zh-CN" altLang="en-US" dirty="0"/>
+                    </a:p>
+                  </a:txBody>
+                  <a:tcPr/>
+                </a:tc>
+                <a:tc>
+                  <a:txBody>
+                    <a:bodyPr/>
+                    <a:lstStyle/>
+                    <a:p>
+                      <a:r>
+                        <a:rPr lang="zh-CN" altLang="en-US" dirty="0" smtClean="0"/>
+                        <a:t>负责走查整个工程结构、代码</a:t>
+                      </a:r>
+                      <a:endParaRPr lang="zh-CN" altLang="en-US" dirty="0"/>
+                    </a:p>
+                  </a:txBody>
+                  <a:tcPr/>
+                </a:tc>
+                <a:extLst>
+                  <a:ext uri="{0D108BD9-81ED-4DB2-BD59-A6C34878D82A}">
+                    <a16:rowId xmlns:a16="http://schemas.microsoft.com/office/drawing/2014/main" xmlns="" val="3362806730"/>
+                  </a:ext>
+                </a:extLst>
+              </a:tr>
+              <a:tr h="473816">
+                <a:tc>
+                  <a:txBody>
+                    <a:bodyPr/>
+                    <a:lstStyle/>
+                    <a:p>
+                      <a:r>
+                        <a:rPr lang="zh-CN" altLang="en-US" dirty="0" smtClean="0"/>
+                        <a:t>刘坤</a:t>
+                      </a:r>
+                      <a:endParaRPr lang="zh-CN" altLang="en-US" dirty="0"/>
+                    </a:p>
+                  </a:txBody>
+                  <a:tcPr/>
+                </a:tc>
+                <a:tc>
+                  <a:txBody>
+                    <a:bodyPr/>
+                    <a:lstStyle/>
+                    <a:p>
+                      <a:r>
+                        <a:rPr lang="zh-CN" altLang="en-US" dirty="0" smtClean="0"/>
+                        <a:t>组员</a:t>
+                      </a:r>
+                      <a:endParaRPr lang="zh-CN" altLang="en-US" dirty="0"/>
+                    </a:p>
+                  </a:txBody>
+                  <a:tcPr/>
+                </a:tc>
+                <a:tc>
+                  <a:txBody>
+                    <a:bodyPr/>
+                    <a:lstStyle/>
+                    <a:p>
+                      <a:r>
+                        <a:rPr lang="zh-CN" altLang="en-US" dirty="0" smtClean="0"/>
+                        <a:t>负责前端走查</a:t>
+                      </a:r>
+                      <a:endParaRPr lang="zh-CN" altLang="en-US" dirty="0"/>
+                    </a:p>
+                  </a:txBody>
+                  <a:tcPr/>
+                </a:tc>
+                <a:extLst>
+                  <a:ext uri="{0D108BD9-81ED-4DB2-BD59-A6C34878D82A}">
+                    <a16:rowId xmlns:a16="http://schemas.microsoft.com/office/drawing/2014/main" xmlns="" val="3379803800"/>
+                  </a:ext>
+                </a:extLst>
+              </a:tr>
+              <a:tr h="473816">
+                <a:tc>
+                  <a:txBody>
+                    <a:bodyPr/>
+                    <a:lstStyle/>
+                    <a:p>
+                      <a:r>
+                        <a:rPr lang="zh-CN" altLang="en-US" dirty="0" smtClean="0"/>
+                        <a:t>盛轶群</a:t>
+                      </a:r>
+                      <a:endParaRPr lang="zh-CN" altLang="en-US" dirty="0"/>
+                    </a:p>
+                  </a:txBody>
+                  <a:tcPr/>
+                </a:tc>
+                <a:tc>
+                  <a:txBody>
+                    <a:bodyPr/>
+                    <a:lstStyle/>
+                    <a:p>
+                      <a:r>
+                        <a:rPr lang="zh-CN" altLang="en-US" dirty="0" smtClean="0"/>
+                        <a:t>组员</a:t>
+                      </a:r>
+                      <a:endParaRPr lang="zh-CN" altLang="en-US" dirty="0"/>
+                    </a:p>
+                  </a:txBody>
+                  <a:tcPr/>
+                </a:tc>
+                <a:tc>
+                  <a:txBody>
+                    <a:bodyPr/>
+                    <a:lstStyle/>
+                    <a:p>
+                      <a:r>
+                        <a:rPr lang="zh-CN" altLang="en-US" dirty="0" smtClean="0"/>
+                        <a:t>负责后端走查</a:t>
+                      </a:r>
+                      <a:endParaRPr lang="zh-CN" altLang="en-US" dirty="0"/>
+                    </a:p>
+                  </a:txBody>
+                  <a:tcPr/>
+                </a:tc>
+                <a:extLst>
+                  <a:ext uri="{0D108BD9-81ED-4DB2-BD59-A6C34878D82A}">
+                    <a16:rowId xmlns:a16="http://schemas.microsoft.com/office/drawing/2014/main" xmlns="" val="3419393619"/>
+                  </a:ext>
+                </a:extLst>
+              </a:tr>
+              <a:tr h="473816">
+                <a:tc>
+                  <a:txBody>
+                    <a:bodyPr/>
+                    <a:lstStyle/>
+                    <a:p>
+                      <a:r>
+                        <a:rPr lang="zh-CN" altLang="en-US" dirty="0" smtClean="0"/>
+                        <a:t>钱金港</a:t>
+                      </a:r>
+                      <a:endParaRPr lang="zh-CN" altLang="en-US" dirty="0"/>
+                    </a:p>
+                  </a:txBody>
+                  <a:tcPr/>
+                </a:tc>
+                <a:tc>
+                  <a:txBody>
+                    <a:bodyPr/>
+                    <a:lstStyle/>
+                    <a:p>
+                      <a:r>
+                        <a:rPr lang="zh-CN" altLang="en-US" dirty="0" smtClean="0"/>
+                        <a:t>组员</a:t>
+                      </a:r>
+                      <a:endParaRPr lang="zh-CN" altLang="en-US" dirty="0"/>
+                    </a:p>
+                  </a:txBody>
+                  <a:tcPr/>
+                </a:tc>
+                <a:tc>
+                  <a:txBody>
+                    <a:bodyPr/>
+                    <a:lstStyle/>
+                    <a:p>
+                      <a:r>
+                        <a:rPr lang="zh-CN" altLang="en-US" dirty="0" smtClean="0"/>
+                        <a:t>负责后端代码走查</a:t>
+                      </a:r>
+                      <a:endParaRPr lang="zh-CN" altLang="en-US" dirty="0"/>
+                    </a:p>
+                  </a:txBody>
+                  <a:tcPr/>
+                </a:tc>
+                <a:extLst>
+                  <a:ext uri="{0D108BD9-81ED-4DB2-BD59-A6C34878D82A}">
+                    <a16:rowId xmlns:a16="http://schemas.microsoft.com/office/drawing/2014/main" xmlns="" val="2938428421"/>
+                  </a:ext>
+                </a:extLst>
+              </a:tr>
+            </a:tbl>
+          </a:graphicData>
+        </a:graphic>
+      </p:graphicFrame>
+    </p:spTree>
+    <p:extLst>
+      <p:ext uri="{BB962C8B-B14F-4D97-AF65-F5344CB8AC3E}">
+        <p14:creationId xmlns:p14="http://schemas.microsoft.com/office/powerpoint/2010/main" val="2167932278"/>
+      </p:ext>
+    </p:extLst>
+  </p:cSld>
+  <p:clrMapOvr>
+    <a:masterClrMapping/>
+  </p:clrMapOvr>
+  <p:timing>
+    <p:tnLst>
+      <p:par>
+        <p:cTn id="1" dur="indefinite" restart="never" nodeType="tmRoot"/>
+      </p:par>
+    </p:tnLst>
+  </p:timing>
+</p:sld>
+</file>
+
+<file path=ppt/slides/slide13.xml><?xml version="1.0" encoding="utf-8"?>
 <p:sld xmlns:a="http://schemas.openxmlformats.org/drawingml/2006/main" xmlns:r="http://schemas.openxmlformats.org/officeDocument/2006/relationships" xmlns:p="http://schemas.openxmlformats.org/presentationml/2006/main">
   <p:cSld>
     <p:spTree>
@@ -11885,7 +12231,7 @@
 </p:sld>
 </file>
 
-<file path=ppt/slides/slide13.xml><?xml version="1.0" encoding="utf-8"?>
+<file path=ppt/slides/slide14.xml><?xml version="1.0" encoding="utf-8"?>
 <p:sld xmlns:a="http://schemas.openxmlformats.org/drawingml/2006/main" xmlns:r="http://schemas.openxmlformats.org/officeDocument/2006/relationships" xmlns:p="http://schemas.openxmlformats.org/presentationml/2006/main">
   <p:cSld>
     <p:spTree>
@@ -12088,7 +12434,7 @@
 </p:sld>
 </file>
 
-<file path=ppt/slides/slide14.xml><?xml version="1.0" encoding="utf-8"?>
+<file path=ppt/slides/slide15.xml><?xml version="1.0" encoding="utf-8"?>
 <p:sld xmlns:a="http://schemas.openxmlformats.org/drawingml/2006/main" xmlns:r="http://schemas.openxmlformats.org/officeDocument/2006/relationships" xmlns:p="http://schemas.openxmlformats.org/presentationml/2006/main">
   <p:cSld>
     <p:spTree>
@@ -12223,7 +12569,227 @@
 </p:sld>
 </file>
 
-<file path=ppt/slides/slide15.xml><?xml version="1.0" encoding="utf-8"?>
+<file path=ppt/slides/slide16.xml><?xml version="1.0" encoding="utf-8"?>
+<p:sld xmlns:a="http://schemas.openxmlformats.org/drawingml/2006/main" xmlns:r="http://schemas.openxmlformats.org/officeDocument/2006/relationships" xmlns:p="http://schemas.openxmlformats.org/presentationml/2006/main">
+  <p:cSld>
+    <p:spTree>
+      <p:nvGrpSpPr>
+        <p:cNvPr id="1" name=""/>
+        <p:cNvGrpSpPr/>
+        <p:nvPr/>
+      </p:nvGrpSpPr>
+      <p:grpSpPr>
+        <a:xfrm>
+          <a:off x="0" y="0"/>
+          <a:ext cx="0" cy="0"/>
+          <a:chOff x="0" y="0"/>
+          <a:chExt cx="0" cy="0"/>
+        </a:xfrm>
+      </p:grpSpPr>
+      <p:sp>
+        <p:nvSpPr>
+          <p:cNvPr id="2" name="文本占位符 1"/>
+          <p:cNvSpPr>
+            <a:spLocks noGrp="1"/>
+          </p:cNvSpPr>
+          <p:nvPr>
+            <p:ph type="body" sz="quarter" idx="12"/>
+          </p:nvPr>
+        </p:nvSpPr>
+        <p:spPr/>
+        <p:txBody>
+          <a:bodyPr/>
+          <a:lstStyle/>
+          <a:p>
+            <a:r>
+              <a:rPr kumimoji="1" lang="en-US" altLang="zh-CN" dirty="0" smtClean="0"/>
+              <a:t>03</a:t>
+            </a:r>
+            <a:endParaRPr kumimoji="1" lang="zh-CN" altLang="en-US" dirty="0"/>
+          </a:p>
+        </p:txBody>
+      </p:sp>
+      <p:sp>
+        <p:nvSpPr>
+          <p:cNvPr id="3" name="文本占位符 2"/>
+          <p:cNvSpPr>
+            <a:spLocks noGrp="1"/>
+          </p:cNvSpPr>
+          <p:nvPr>
+            <p:ph type="body" sz="quarter" idx="13"/>
+          </p:nvPr>
+        </p:nvSpPr>
+        <p:spPr/>
+        <p:txBody>
+          <a:bodyPr/>
+          <a:lstStyle/>
+          <a:p>
+            <a:r>
+              <a:rPr kumimoji="1" lang="zh-CN" altLang="en-US" dirty="0" smtClean="0"/>
+              <a:t>测试工具</a:t>
+            </a:r>
+            <a:endParaRPr kumimoji="1" lang="zh-CN" altLang="en-US" dirty="0"/>
+          </a:p>
+        </p:txBody>
+      </p:sp>
+      <p:pic>
+        <p:nvPicPr>
+          <p:cNvPr id="21" name="图片 20"/>
+          <p:cNvPicPr>
+            <a:picLocks noChangeAspect="1"/>
+          </p:cNvPicPr>
+          <p:nvPr/>
+        </p:nvPicPr>
+        <p:blipFill>
+          <a:blip r:embed="rId3">
+            <a:extLst>
+              <a:ext uri="{28A0092B-C50C-407E-A947-70E740481C1C}">
+                <a14:useLocalDpi xmlns:a14="http://schemas.microsoft.com/office/drawing/2010/main" val="0"/>
+              </a:ext>
+            </a:extLst>
+          </a:blip>
+          <a:stretch>
+            <a:fillRect/>
+          </a:stretch>
+        </p:blipFill>
+        <p:spPr>
+          <a:xfrm>
+            <a:off x="9781311" y="162538"/>
+            <a:ext cx="2244436" cy="713763"/>
+          </a:xfrm>
+          <a:prstGeom prst="rect">
+            <a:avLst/>
+          </a:prstGeom>
+        </p:spPr>
+      </p:pic>
+      <p:sp>
+        <p:nvSpPr>
+          <p:cNvPr id="7" name="AutoShape 2" descr="https://timgsa.baidu.com/timg?image&amp;quality=80&amp;size=b9999_10000&amp;sec=1508644358879&amp;di=ad8dab2c14263e092edb301109512333&amp;imgtype=0&amp;src=http%3A%2F%2Fkjwy.5any.com%2FRjgc%2Fcontent%2Fimages%2F01%2Frjgc-tp-0111.jpg"/>
+          <p:cNvSpPr>
+            <a:spLocks noChangeAspect="1" noChangeArrowheads="1"/>
+          </p:cNvSpPr>
+          <p:nvPr/>
+        </p:nvSpPr>
+        <p:spPr bwMode="auto">
+          <a:xfrm>
+            <a:off x="155575" y="-144463"/>
+            <a:ext cx="304800" cy="304801"/>
+          </a:xfrm>
+          <a:prstGeom prst="rect">
+            <a:avLst/>
+          </a:prstGeom>
+          <a:noFill/>
+          <a:extLst>
+            <a:ext uri="{909E8E84-426E-40DD-AFC4-6F175D3DCCD1}">
+              <a14:hiddenFill xmlns:a14="http://schemas.microsoft.com/office/drawing/2010/main">
+                <a:solidFill>
+                  <a:srgbClr val="FFFFFF"/>
+                </a:solidFill>
+              </a14:hiddenFill>
+            </a:ext>
+          </a:extLst>
+        </p:spPr>
+        <p:txBody>
+          <a:bodyPr vert="horz" wrap="square" lIns="91440" tIns="45720" rIns="91440" bIns="45720" numCol="1" anchor="t" anchorCtr="0" compatLnSpc="1">
+            <a:prstTxWarp prst="textNoShape">
+              <a:avLst/>
+            </a:prstTxWarp>
+          </a:bodyPr>
+          <a:lstStyle/>
+          <a:p>
+            <a:endParaRPr lang="zh-CN" altLang="en-US"/>
+          </a:p>
+        </p:txBody>
+      </p:sp>
+      <p:sp>
+        <p:nvSpPr>
+          <p:cNvPr id="4" name="文本框 3"/>
+          <p:cNvSpPr txBox="1"/>
+          <p:nvPr/>
+        </p:nvSpPr>
+        <p:spPr>
+          <a:xfrm>
+            <a:off x="1340772" y="2021661"/>
+            <a:ext cx="6726782" cy="1231106"/>
+          </a:xfrm>
+          <a:prstGeom prst="rect">
+            <a:avLst/>
+          </a:prstGeom>
+          <a:noFill/>
+        </p:spPr>
+        <p:txBody>
+          <a:bodyPr wrap="square" rtlCol="0">
+            <a:spAutoFit/>
+          </a:bodyPr>
+          <a:lstStyle/>
+          <a:p>
+            <a:r>
+              <a:rPr lang="en-US" altLang="zh-CN" sz="2800" b="1" kern="100" dirty="0" smtClean="0">
+                <a:latin typeface="DengXian Light" charset="-122"/>
+                <a:ea typeface="DengXian Light" charset="-122"/>
+                <a:cs typeface="Times New Roman" charset="0"/>
+              </a:rPr>
+              <a:t>Junit4</a:t>
+            </a:r>
+            <a:r>
+              <a:rPr lang="zh-CN" altLang="en-US" sz="2800" b="1" kern="100" dirty="0" smtClean="0">
+                <a:latin typeface="DengXian Light" charset="-122"/>
+                <a:ea typeface="DengXian Light" charset="-122"/>
+                <a:cs typeface="Times New Roman" charset="0"/>
+              </a:rPr>
+              <a:t>：针对单元模块进行测试</a:t>
+            </a:r>
+            <a:endParaRPr lang="en-US" altLang="zh-CN" sz="2800" b="1" kern="100" dirty="0" smtClean="0">
+              <a:latin typeface="DengXian Light" charset="-122"/>
+              <a:ea typeface="DengXian Light" charset="-122"/>
+              <a:cs typeface="Times New Roman" charset="0"/>
+            </a:endParaRPr>
+          </a:p>
+          <a:p>
+            <a:endParaRPr kumimoji="1" lang="en-US" altLang="zh-CN" dirty="0" smtClean="0"/>
+          </a:p>
+          <a:p>
+            <a:endParaRPr lang="en-US" altLang="zh-CN" sz="2800" b="1" kern="100" dirty="0">
+              <a:latin typeface="DengXian Light" charset="-122"/>
+              <a:ea typeface="DengXian Light" charset="-122"/>
+              <a:cs typeface="Times New Roman" charset="0"/>
+            </a:endParaRPr>
+          </a:p>
+        </p:txBody>
+      </p:sp>
+    </p:spTree>
+    <p:extLst>
+      <p:ext uri="{BB962C8B-B14F-4D97-AF65-F5344CB8AC3E}">
+        <p14:creationId xmlns:p14="http://schemas.microsoft.com/office/powerpoint/2010/main" val="2010549049"/>
+      </p:ext>
+    </p:extLst>
+  </p:cSld>
+  <p:clrMapOvr>
+    <a:masterClrMapping/>
+  </p:clrMapOvr>
+  <mc:AlternateContent xmlns:mc="http://schemas.openxmlformats.org/markup-compatibility/2006" xmlns:p14="http://schemas.microsoft.com/office/powerpoint/2010/main">
+    <mc:Choice Requires="p14">
+      <p:transition spd="med" p14:dur="700">
+        <p:fade/>
+      </p:transition>
+    </mc:Choice>
+    <mc:Fallback xmlns="">
+      <p:transition spd="med">
+        <p:fade/>
+      </p:transition>
+    </mc:Fallback>
+  </mc:AlternateContent>
+  <p:timing>
+    <p:tnLst>
+      <p:par>
+        <p:cTn id="1" dur="indefinite" restart="never" nodeType="tmRoot"/>
+      </p:par>
+    </p:tnLst>
+  </p:timing>
+</p:sld>
+</file>
+
+<file path=ppt/slides/slide17.xml><?xml version="1.0" encoding="utf-8"?>
 <p:sld xmlns:a="http://schemas.openxmlformats.org/drawingml/2006/main" xmlns:r="http://schemas.openxmlformats.org/officeDocument/2006/relationships" xmlns:p="http://schemas.openxmlformats.org/presentationml/2006/main">
   <p:cSld>
     <p:spTree>
@@ -12310,10 +12876,17 @@
   <p:clrMapOvr>
     <a:masterClrMapping/>
   </p:clrMapOvr>
+  <p:timing>
+    <p:tnLst>
+      <p:par>
+        <p:cTn id="1" dur="indefinite" restart="never" nodeType="tmRoot"/>
+      </p:par>
+    </p:tnLst>
+  </p:timing>
 </p:sld>
 </file>
 
-<file path=ppt/slides/slide16.xml><?xml version="1.0" encoding="utf-8"?>
+<file path=ppt/slides/slide18.xml><?xml version="1.0" encoding="utf-8"?>
 <p:sld xmlns:a="http://schemas.openxmlformats.org/drawingml/2006/main" xmlns:r="http://schemas.openxmlformats.org/officeDocument/2006/relationships" xmlns:p="http://schemas.openxmlformats.org/presentationml/2006/main">
   <p:cSld>
     <p:spTree>
@@ -12542,7 +13115,7 @@
 </p:sld>
 </file>
 
-<file path=ppt/slides/slide17.xml><?xml version="1.0" encoding="utf-8"?>
+<file path=ppt/slides/slide19.xml><?xml version="1.0" encoding="utf-8"?>
 <p:sld xmlns:a="http://schemas.openxmlformats.org/drawingml/2006/main" xmlns:r="http://schemas.openxmlformats.org/officeDocument/2006/relationships" xmlns:p="http://schemas.openxmlformats.org/presentationml/2006/main">
   <p:cSld>
     <p:spTree>
@@ -12820,7 +13393,7 @@
                 <a:ea typeface="DengXian Light" charset="-122"/>
                 <a:cs typeface="Times New Roman" charset="0"/>
               </a:rPr>
-              <a:t>白盒测试技术：条件覆盖。</a:t>
+              <a:t>白盒测试技术：条件组合覆盖。</a:t>
             </a:r>
             <a:endParaRPr lang="en-US" altLang="zh-CN" b="1" kern="100" dirty="0" smtClean="0">
               <a:latin typeface="DengXian Light" charset="-122"/>
@@ -12835,7 +13408,23 @@
                 <a:ea typeface="DengXian Light" charset="-122"/>
                 <a:cs typeface="Times New Roman" charset="0"/>
               </a:rPr>
-              <a:t>我们针对每一个功能的各种输入，采用条件覆盖。</a:t>
+              <a:t>我们针对每一个</a:t>
+            </a:r>
+            <a:r>
+              <a:rPr lang="zh-CN" altLang="en-US" b="1" kern="100" dirty="0">
+                <a:latin typeface="DengXian Light" charset="-122"/>
+                <a:ea typeface="DengXian Light" charset="-122"/>
+                <a:cs typeface="Times New Roman" charset="0"/>
+              </a:rPr>
+              <a:t>方法</a:t>
+            </a:r>
+            <a:r>
+              <a:rPr lang="zh-CN" altLang="en-US" b="1" kern="100" dirty="0" smtClean="0">
+                <a:latin typeface="DengXian Light" charset="-122"/>
+                <a:ea typeface="DengXian Light" charset="-122"/>
+                <a:cs typeface="Times New Roman" charset="0"/>
+              </a:rPr>
+              <a:t>的各种输入，采用条件组合覆盖。</a:t>
             </a:r>
             <a:endParaRPr lang="en-US" altLang="zh-CN" b="1" kern="100" dirty="0" smtClean="0">
               <a:latin typeface="DengXian Light" charset="-122"/>
@@ -12849,707 +13438,6 @@
     <p:extLst>
       <p:ext uri="{BB962C8B-B14F-4D97-AF65-F5344CB8AC3E}">
         <p14:creationId xmlns:p14="http://schemas.microsoft.com/office/powerpoint/2010/main" val="229213236"/>
-      </p:ext>
-    </p:extLst>
-  </p:cSld>
-  <p:clrMapOvr>
-    <a:masterClrMapping/>
-  </p:clrMapOvr>
-  <mc:AlternateContent xmlns:mc="http://schemas.openxmlformats.org/markup-compatibility/2006" xmlns:p14="http://schemas.microsoft.com/office/powerpoint/2010/main">
-    <mc:Choice Requires="p14">
-      <p:transition spd="med" p14:dur="700">
-        <p:fade/>
-      </p:transition>
-    </mc:Choice>
-    <mc:Fallback xmlns="">
-      <p:transition spd="med">
-        <p:fade/>
-      </p:transition>
-    </mc:Fallback>
-  </mc:AlternateContent>
-  <p:timing>
-    <p:tnLst>
-      <p:par>
-        <p:cTn id="1" dur="indefinite" restart="never" nodeType="tmRoot"/>
-      </p:par>
-    </p:tnLst>
-  </p:timing>
-</p:sld>
-</file>
-
-<file path=ppt/slides/slide18.xml><?xml version="1.0" encoding="utf-8"?>
-<p:sld xmlns:a="http://schemas.openxmlformats.org/drawingml/2006/main" xmlns:r="http://schemas.openxmlformats.org/officeDocument/2006/relationships" xmlns:p="http://schemas.openxmlformats.org/presentationml/2006/main">
-  <p:cSld>
-    <p:spTree>
-      <p:nvGrpSpPr>
-        <p:cNvPr id="1" name=""/>
-        <p:cNvGrpSpPr/>
-        <p:nvPr/>
-      </p:nvGrpSpPr>
-      <p:grpSpPr>
-        <a:xfrm>
-          <a:off x="0" y="0"/>
-          <a:ext cx="0" cy="0"/>
-          <a:chOff x="0" y="0"/>
-          <a:chExt cx="0" cy="0"/>
-        </a:xfrm>
-      </p:grpSpPr>
-      <p:sp>
-        <p:nvSpPr>
-          <p:cNvPr id="2" name="文本占位符 1"/>
-          <p:cNvSpPr>
-            <a:spLocks noGrp="1"/>
-          </p:cNvSpPr>
-          <p:nvPr>
-            <p:ph type="body" sz="quarter" idx="12"/>
-          </p:nvPr>
-        </p:nvSpPr>
-        <p:spPr/>
-        <p:txBody>
-          <a:bodyPr/>
-          <a:lstStyle/>
-          <a:p>
-            <a:r>
-              <a:rPr kumimoji="1" lang="en-US" altLang="zh-CN" dirty="0" smtClean="0"/>
-              <a:t>04</a:t>
-            </a:r>
-            <a:endParaRPr kumimoji="1" lang="zh-CN" altLang="en-US" dirty="0"/>
-          </a:p>
-        </p:txBody>
-      </p:sp>
-      <p:sp>
-        <p:nvSpPr>
-          <p:cNvPr id="3" name="文本占位符 2"/>
-          <p:cNvSpPr>
-            <a:spLocks noGrp="1"/>
-          </p:cNvSpPr>
-          <p:nvPr>
-            <p:ph type="body" sz="quarter" idx="13"/>
-          </p:nvPr>
-        </p:nvSpPr>
-        <p:spPr/>
-        <p:txBody>
-          <a:bodyPr/>
-          <a:lstStyle/>
-          <a:p>
-            <a:r>
-              <a:rPr kumimoji="1" lang="zh-CN" altLang="en-US" dirty="0" smtClean="0"/>
-              <a:t>测试范围</a:t>
-            </a:r>
-            <a:endParaRPr kumimoji="1" lang="zh-CN" altLang="en-US" dirty="0"/>
-          </a:p>
-        </p:txBody>
-      </p:sp>
-      <p:pic>
-        <p:nvPicPr>
-          <p:cNvPr id="21" name="图片 20"/>
-          <p:cNvPicPr>
-            <a:picLocks noChangeAspect="1"/>
-          </p:cNvPicPr>
-          <p:nvPr/>
-        </p:nvPicPr>
-        <p:blipFill>
-          <a:blip r:embed="rId3">
-            <a:extLst>
-              <a:ext uri="{28A0092B-C50C-407E-A947-70E740481C1C}">
-                <a14:useLocalDpi xmlns:a14="http://schemas.microsoft.com/office/drawing/2010/main" val="0"/>
-              </a:ext>
-            </a:extLst>
-          </a:blip>
-          <a:stretch>
-            <a:fillRect/>
-          </a:stretch>
-        </p:blipFill>
-        <p:spPr>
-          <a:xfrm>
-            <a:off x="9781311" y="162538"/>
-            <a:ext cx="2244436" cy="713763"/>
-          </a:xfrm>
-          <a:prstGeom prst="rect">
-            <a:avLst/>
-          </a:prstGeom>
-        </p:spPr>
-      </p:pic>
-      <p:sp>
-        <p:nvSpPr>
-          <p:cNvPr id="7" name="AutoShape 2" descr="https://timgsa.baidu.com/timg?image&amp;quality=80&amp;size=b9999_10000&amp;sec=1508644358879&amp;di=ad8dab2c14263e092edb301109512333&amp;imgtype=0&amp;src=http%3A%2F%2Fkjwy.5any.com%2FRjgc%2Fcontent%2Fimages%2F01%2Frjgc-tp-0111.jpg"/>
-          <p:cNvSpPr>
-            <a:spLocks noChangeAspect="1" noChangeArrowheads="1"/>
-          </p:cNvSpPr>
-          <p:nvPr/>
-        </p:nvSpPr>
-        <p:spPr bwMode="auto">
-          <a:xfrm>
-            <a:off x="155575" y="-144463"/>
-            <a:ext cx="304800" cy="304801"/>
-          </a:xfrm>
-          <a:prstGeom prst="rect">
-            <a:avLst/>
-          </a:prstGeom>
-          <a:noFill/>
-          <a:extLst>
-            <a:ext uri="{909E8E84-426E-40DD-AFC4-6F175D3DCCD1}">
-              <a14:hiddenFill xmlns:a14="http://schemas.microsoft.com/office/drawing/2010/main">
-                <a:solidFill>
-                  <a:srgbClr val="FFFFFF"/>
-                </a:solidFill>
-              </a14:hiddenFill>
-            </a:ext>
-          </a:extLst>
-        </p:spPr>
-        <p:txBody>
-          <a:bodyPr vert="horz" wrap="square" lIns="91440" tIns="45720" rIns="91440" bIns="45720" numCol="1" anchor="t" anchorCtr="0" compatLnSpc="1">
-            <a:prstTxWarp prst="textNoShape">
-              <a:avLst/>
-            </a:prstTxWarp>
-          </a:bodyPr>
-          <a:lstStyle/>
-          <a:p>
-            <a:endParaRPr lang="zh-CN" altLang="en-US"/>
-          </a:p>
-        </p:txBody>
-      </p:sp>
-      <p:sp>
-        <p:nvSpPr>
-          <p:cNvPr id="4" name="文本框 3"/>
-          <p:cNvSpPr txBox="1"/>
-          <p:nvPr/>
-        </p:nvSpPr>
-        <p:spPr>
-          <a:xfrm>
-            <a:off x="970383" y="1477651"/>
-            <a:ext cx="6726782" cy="3970318"/>
-          </a:xfrm>
-          <a:prstGeom prst="rect">
-            <a:avLst/>
-          </a:prstGeom>
-          <a:noFill/>
-        </p:spPr>
-        <p:txBody>
-          <a:bodyPr wrap="square" rtlCol="0">
-            <a:spAutoFit/>
-          </a:bodyPr>
-          <a:lstStyle/>
-          <a:p>
-            <a:r>
-              <a:rPr lang="en-US" altLang="zh-CN" b="1" kern="100" dirty="0" smtClean="0">
-                <a:latin typeface="DengXian Light" charset="-122"/>
-                <a:ea typeface="DengXian Light" charset="-122"/>
-                <a:cs typeface="Times New Roman" charset="0"/>
-              </a:rPr>
-              <a:t>1</a:t>
-            </a:r>
-            <a:r>
-              <a:rPr lang="zh-CN" altLang="en-US" b="1" kern="100" dirty="0" smtClean="0">
-                <a:latin typeface="DengXian Light" charset="-122"/>
-                <a:ea typeface="DengXian Light" charset="-122"/>
-                <a:cs typeface="Times New Roman" charset="0"/>
-              </a:rPr>
-              <a:t>子系统范围</a:t>
-            </a:r>
-            <a:endParaRPr lang="en-US" altLang="zh-CN" b="1" kern="100" dirty="0" smtClean="0">
-              <a:latin typeface="DengXian Light" charset="-122"/>
-              <a:ea typeface="DengXian Light" charset="-122"/>
-              <a:cs typeface="Times New Roman" charset="0"/>
-            </a:endParaRPr>
-          </a:p>
-          <a:p>
-            <a:r>
-              <a:rPr kumimoji="1" lang="zh-CN" altLang="en-US" b="1" kern="100" dirty="0" smtClean="0">
-                <a:latin typeface="DengXian Light" charset="-122"/>
-                <a:ea typeface="DengXian Light" charset="-122"/>
-                <a:cs typeface="Times New Roman" charset="0"/>
-              </a:rPr>
-              <a:t>活动浏览系统：</a:t>
-            </a:r>
-            <a:endParaRPr kumimoji="1" lang="en-US" altLang="zh-CN" b="1" kern="100" dirty="0" smtClean="0">
-              <a:latin typeface="DengXian Light" charset="-122"/>
-              <a:ea typeface="DengXian Light" charset="-122"/>
-              <a:cs typeface="Times New Roman" charset="0"/>
-            </a:endParaRPr>
-          </a:p>
-          <a:p>
-            <a:r>
-              <a:rPr kumimoji="1" lang="en-US" altLang="zh-CN" b="1" kern="100" dirty="0" smtClean="0">
-                <a:latin typeface="DengXian Light" charset="-122"/>
-                <a:ea typeface="DengXian Light" charset="-122"/>
-                <a:cs typeface="Times New Roman" charset="0"/>
-              </a:rPr>
-              <a:t>1:</a:t>
-            </a:r>
-            <a:r>
-              <a:rPr kumimoji="1" lang="zh-CN" altLang="en-US" b="1" kern="100" dirty="0" smtClean="0">
-                <a:latin typeface="DengXian Light" charset="-122"/>
-                <a:ea typeface="DengXian Light" charset="-122"/>
-                <a:cs typeface="Times New Roman" charset="0"/>
-              </a:rPr>
-              <a:t>活动详情浏览系统</a:t>
-            </a:r>
-            <a:endParaRPr kumimoji="1" lang="en-US" altLang="zh-CN" b="1" kern="100" dirty="0" smtClean="0">
-              <a:latin typeface="DengXian Light" charset="-122"/>
-              <a:ea typeface="DengXian Light" charset="-122"/>
-              <a:cs typeface="Times New Roman" charset="0"/>
-            </a:endParaRPr>
-          </a:p>
-          <a:p>
-            <a:r>
-              <a:rPr kumimoji="1" lang="en-US" altLang="zh-CN" b="1" kern="100" dirty="0" smtClean="0">
-                <a:latin typeface="DengXian Light" charset="-122"/>
-                <a:ea typeface="DengXian Light" charset="-122"/>
-                <a:cs typeface="Times New Roman" charset="0"/>
-              </a:rPr>
-              <a:t>2</a:t>
-            </a:r>
-            <a:r>
-              <a:rPr kumimoji="1" lang="zh-CN" altLang="en-US" b="1" kern="100" dirty="0" smtClean="0">
-                <a:latin typeface="DengXian Light" charset="-122"/>
-                <a:ea typeface="DengXian Light" charset="-122"/>
-                <a:cs typeface="Times New Roman" charset="0"/>
-              </a:rPr>
-              <a:t>活动搜索系统</a:t>
-            </a:r>
-            <a:endParaRPr kumimoji="1" lang="en-US" altLang="zh-CN" b="1" kern="100" dirty="0" smtClean="0">
-              <a:latin typeface="DengXian Light" charset="-122"/>
-              <a:ea typeface="DengXian Light" charset="-122"/>
-              <a:cs typeface="Times New Roman" charset="0"/>
-            </a:endParaRPr>
-          </a:p>
-          <a:p>
-            <a:r>
-              <a:rPr kumimoji="1" lang="en-US" altLang="zh-CN" b="1" kern="100" dirty="0" smtClean="0">
-                <a:latin typeface="DengXian Light" charset="-122"/>
-                <a:ea typeface="DengXian Light" charset="-122"/>
-                <a:cs typeface="Times New Roman" charset="0"/>
-              </a:rPr>
-              <a:t>3</a:t>
-            </a:r>
-            <a:r>
-              <a:rPr kumimoji="1" lang="zh-CN" altLang="en-US" b="1" kern="100" dirty="0" smtClean="0">
-                <a:latin typeface="DengXian Light" charset="-122"/>
-                <a:ea typeface="DengXian Light" charset="-122"/>
-                <a:cs typeface="Times New Roman" charset="0"/>
-              </a:rPr>
-              <a:t>活动参与系统</a:t>
-            </a:r>
-            <a:endParaRPr kumimoji="1" lang="en-US" altLang="zh-CN" b="1" kern="100" dirty="0" smtClean="0">
-              <a:latin typeface="DengXian Light" charset="-122"/>
-              <a:ea typeface="DengXian Light" charset="-122"/>
-              <a:cs typeface="Times New Roman" charset="0"/>
-            </a:endParaRPr>
-          </a:p>
-          <a:p>
-            <a:r>
-              <a:rPr kumimoji="1" lang="zh-CN" altLang="en-US" b="1" kern="100" dirty="0" smtClean="0">
-                <a:latin typeface="DengXian Light" charset="-122"/>
-                <a:ea typeface="DengXian Light" charset="-122"/>
-                <a:cs typeface="Times New Roman" charset="0"/>
-              </a:rPr>
-              <a:t>个人活动系统</a:t>
-            </a:r>
-            <a:endParaRPr kumimoji="1" lang="en-US" altLang="zh-CN" b="1" kern="100" dirty="0" smtClean="0">
-              <a:latin typeface="DengXian Light" charset="-122"/>
-              <a:ea typeface="DengXian Light" charset="-122"/>
-              <a:cs typeface="Times New Roman" charset="0"/>
-            </a:endParaRPr>
-          </a:p>
-          <a:p>
-            <a:r>
-              <a:rPr kumimoji="1" lang="en-US" altLang="zh-CN" b="1" kern="100" dirty="0" smtClean="0">
-                <a:latin typeface="DengXian Light" charset="-122"/>
-                <a:ea typeface="DengXian Light" charset="-122"/>
-                <a:cs typeface="Times New Roman" charset="0"/>
-              </a:rPr>
-              <a:t>1:</a:t>
-            </a:r>
-            <a:r>
-              <a:rPr kumimoji="1" lang="zh-CN" altLang="en-US" b="1" kern="100" dirty="0" smtClean="0">
-                <a:latin typeface="DengXian Light" charset="-122"/>
-                <a:ea typeface="DengXian Light" charset="-122"/>
-                <a:cs typeface="Times New Roman" charset="0"/>
-              </a:rPr>
-              <a:t>个人分时活动系统</a:t>
-            </a:r>
-            <a:endParaRPr kumimoji="1" lang="en-US" altLang="zh-CN" b="1" kern="100" dirty="0" smtClean="0">
-              <a:latin typeface="DengXian Light" charset="-122"/>
-              <a:ea typeface="DengXian Light" charset="-122"/>
-              <a:cs typeface="Times New Roman" charset="0"/>
-            </a:endParaRPr>
-          </a:p>
-          <a:p>
-            <a:r>
-              <a:rPr kumimoji="1" lang="en-US" altLang="zh-CN" b="1" kern="100" dirty="0" smtClean="0">
-                <a:latin typeface="DengXian Light" charset="-122"/>
-                <a:ea typeface="DengXian Light" charset="-122"/>
-                <a:cs typeface="Times New Roman" charset="0"/>
-              </a:rPr>
-              <a:t>2:</a:t>
-            </a:r>
-            <a:r>
-              <a:rPr kumimoji="1" lang="zh-CN" altLang="en-US" b="1" kern="100" dirty="0" smtClean="0">
-                <a:latin typeface="DengXian Light" charset="-122"/>
-                <a:ea typeface="DengXian Light" charset="-122"/>
-                <a:cs typeface="Times New Roman" charset="0"/>
-              </a:rPr>
-              <a:t>活动详情浏览系统</a:t>
-            </a:r>
-            <a:endParaRPr kumimoji="1" lang="en-US" altLang="zh-CN" b="1" kern="100" dirty="0" smtClean="0">
-              <a:latin typeface="DengXian Light" charset="-122"/>
-              <a:ea typeface="DengXian Light" charset="-122"/>
-              <a:cs typeface="Times New Roman" charset="0"/>
-            </a:endParaRPr>
-          </a:p>
-          <a:p>
-            <a:r>
-              <a:rPr kumimoji="1" lang="zh-CN" altLang="en-US" b="1" kern="100" dirty="0" smtClean="0">
-                <a:latin typeface="DengXian Light" charset="-122"/>
-                <a:ea typeface="DengXian Light" charset="-122"/>
-                <a:cs typeface="Times New Roman" charset="0"/>
-              </a:rPr>
-              <a:t>活动处理系统</a:t>
-            </a:r>
-            <a:endParaRPr kumimoji="1" lang="en-US" altLang="zh-CN" b="1" kern="100" dirty="0" smtClean="0">
-              <a:latin typeface="DengXian Light" charset="-122"/>
-              <a:ea typeface="DengXian Light" charset="-122"/>
-              <a:cs typeface="Times New Roman" charset="0"/>
-            </a:endParaRPr>
-          </a:p>
-          <a:p>
-            <a:r>
-              <a:rPr kumimoji="1" lang="en-US" altLang="zh-CN" b="1" kern="100" dirty="0" smtClean="0">
-                <a:latin typeface="DengXian Light" charset="-122"/>
-                <a:ea typeface="DengXian Light" charset="-122"/>
-                <a:cs typeface="Times New Roman" charset="0"/>
-              </a:rPr>
-              <a:t>1:</a:t>
-            </a:r>
-            <a:r>
-              <a:rPr kumimoji="1" lang="zh-CN" altLang="en-US" b="1" kern="100" dirty="0" smtClean="0">
-                <a:latin typeface="DengXian Light" charset="-122"/>
-                <a:ea typeface="DengXian Light" charset="-122"/>
-                <a:cs typeface="Times New Roman" charset="0"/>
-              </a:rPr>
-              <a:t>活动发布系统</a:t>
-            </a:r>
-            <a:endParaRPr kumimoji="1" lang="en-US" altLang="zh-CN" b="1" kern="100" dirty="0" smtClean="0">
-              <a:latin typeface="DengXian Light" charset="-122"/>
-              <a:ea typeface="DengXian Light" charset="-122"/>
-              <a:cs typeface="Times New Roman" charset="0"/>
-            </a:endParaRPr>
-          </a:p>
-          <a:p>
-            <a:r>
-              <a:rPr kumimoji="1" lang="en-US" altLang="zh-CN" b="1" kern="100" dirty="0" smtClean="0">
-                <a:latin typeface="DengXian Light" charset="-122"/>
-                <a:ea typeface="DengXian Light" charset="-122"/>
-                <a:cs typeface="Times New Roman" charset="0"/>
-              </a:rPr>
-              <a:t>2:</a:t>
-            </a:r>
-            <a:r>
-              <a:rPr kumimoji="1" lang="zh-CN" altLang="en-US" b="1" kern="100" dirty="0" smtClean="0">
-                <a:latin typeface="DengXian Light" charset="-122"/>
-                <a:ea typeface="DengXian Light" charset="-122"/>
-                <a:cs typeface="Times New Roman" charset="0"/>
-              </a:rPr>
-              <a:t>活动通过系统</a:t>
-            </a:r>
-            <a:endParaRPr kumimoji="1" lang="en-US" altLang="zh-CN" b="1" kern="100" dirty="0" smtClean="0">
-              <a:latin typeface="DengXian Light" charset="-122"/>
-              <a:ea typeface="DengXian Light" charset="-122"/>
-              <a:cs typeface="Times New Roman" charset="0"/>
-            </a:endParaRPr>
-          </a:p>
-          <a:p>
-            <a:r>
-              <a:rPr kumimoji="1" lang="zh-CN" altLang="en-US" b="1" kern="100" dirty="0" smtClean="0">
-                <a:latin typeface="DengXian Light" charset="-122"/>
-                <a:ea typeface="DengXian Light" charset="-122"/>
-                <a:cs typeface="Times New Roman" charset="0"/>
-              </a:rPr>
-              <a:t>个人系统</a:t>
-            </a:r>
-            <a:endParaRPr kumimoji="1" lang="en-US" altLang="zh-CN" b="1" kern="100" dirty="0" smtClean="0">
-              <a:latin typeface="DengXian Light" charset="-122"/>
-              <a:ea typeface="DengXian Light" charset="-122"/>
-              <a:cs typeface="Times New Roman" charset="0"/>
-            </a:endParaRPr>
-          </a:p>
-          <a:p>
-            <a:r>
-              <a:rPr kumimoji="1" lang="en-US" altLang="zh-CN" b="1" kern="100" dirty="0" smtClean="0">
-                <a:latin typeface="DengXian Light" charset="-122"/>
-                <a:ea typeface="DengXian Light" charset="-122"/>
-                <a:cs typeface="Times New Roman" charset="0"/>
-              </a:rPr>
-              <a:t>1:</a:t>
-            </a:r>
-            <a:r>
-              <a:rPr kumimoji="1" lang="zh-CN" altLang="en-US" b="1" kern="100" dirty="0" smtClean="0">
-                <a:latin typeface="DengXian Light" charset="-122"/>
-                <a:ea typeface="DengXian Light" charset="-122"/>
-                <a:cs typeface="Times New Roman" charset="0"/>
-              </a:rPr>
-              <a:t>登陆系统</a:t>
-            </a:r>
-            <a:endParaRPr kumimoji="1" lang="en-US" altLang="zh-CN" b="1" kern="100" dirty="0" smtClean="0">
-              <a:latin typeface="DengXian Light" charset="-122"/>
-              <a:ea typeface="DengXian Light" charset="-122"/>
-              <a:cs typeface="Times New Roman" charset="0"/>
-            </a:endParaRPr>
-          </a:p>
-          <a:p>
-            <a:r>
-              <a:rPr kumimoji="1" lang="en-US" altLang="zh-CN" b="1" kern="100" dirty="0" smtClean="0">
-                <a:latin typeface="DengXian Light" charset="-122"/>
-                <a:ea typeface="DengXian Light" charset="-122"/>
-                <a:cs typeface="Times New Roman" charset="0"/>
-              </a:rPr>
-              <a:t>2:</a:t>
-            </a:r>
-            <a:r>
-              <a:rPr kumimoji="1" lang="zh-CN" altLang="en-US" b="1" kern="100" dirty="0" smtClean="0">
-                <a:latin typeface="DengXian Light" charset="-122"/>
-                <a:ea typeface="DengXian Light" charset="-122"/>
-                <a:cs typeface="Times New Roman" charset="0"/>
-              </a:rPr>
-              <a:t>登出系统</a:t>
-            </a:r>
-            <a:endParaRPr kumimoji="1" lang="zh-CN" altLang="en-US" dirty="0"/>
-          </a:p>
-        </p:txBody>
-      </p:sp>
-    </p:spTree>
-    <p:extLst>
-      <p:ext uri="{BB962C8B-B14F-4D97-AF65-F5344CB8AC3E}">
-        <p14:creationId xmlns:p14="http://schemas.microsoft.com/office/powerpoint/2010/main" val="1036203668"/>
-      </p:ext>
-    </p:extLst>
-  </p:cSld>
-  <p:clrMapOvr>
-    <a:masterClrMapping/>
-  </p:clrMapOvr>
-  <mc:AlternateContent xmlns:mc="http://schemas.openxmlformats.org/markup-compatibility/2006" xmlns:p14="http://schemas.microsoft.com/office/powerpoint/2010/main">
-    <mc:Choice Requires="p14">
-      <p:transition spd="med" p14:dur="700">
-        <p:fade/>
-      </p:transition>
-    </mc:Choice>
-    <mc:Fallback xmlns="">
-      <p:transition spd="med">
-        <p:fade/>
-      </p:transition>
-    </mc:Fallback>
-  </mc:AlternateContent>
-  <p:timing>
-    <p:tnLst>
-      <p:par>
-        <p:cTn id="1" dur="indefinite" restart="never" nodeType="tmRoot"/>
-      </p:par>
-    </p:tnLst>
-  </p:timing>
-</p:sld>
-</file>
-
-<file path=ppt/slides/slide19.xml><?xml version="1.0" encoding="utf-8"?>
-<p:sld xmlns:a="http://schemas.openxmlformats.org/drawingml/2006/main" xmlns:r="http://schemas.openxmlformats.org/officeDocument/2006/relationships" xmlns:p="http://schemas.openxmlformats.org/presentationml/2006/main">
-  <p:cSld>
-    <p:spTree>
-      <p:nvGrpSpPr>
-        <p:cNvPr id="1" name=""/>
-        <p:cNvGrpSpPr/>
-        <p:nvPr/>
-      </p:nvGrpSpPr>
-      <p:grpSpPr>
-        <a:xfrm>
-          <a:off x="0" y="0"/>
-          <a:ext cx="0" cy="0"/>
-          <a:chOff x="0" y="0"/>
-          <a:chExt cx="0" cy="0"/>
-        </a:xfrm>
-      </p:grpSpPr>
-      <p:sp>
-        <p:nvSpPr>
-          <p:cNvPr id="2" name="文本占位符 1"/>
-          <p:cNvSpPr>
-            <a:spLocks noGrp="1"/>
-          </p:cNvSpPr>
-          <p:nvPr>
-            <p:ph type="body" sz="quarter" idx="12"/>
-          </p:nvPr>
-        </p:nvSpPr>
-        <p:spPr/>
-        <p:txBody>
-          <a:bodyPr/>
-          <a:lstStyle/>
-          <a:p>
-            <a:r>
-              <a:rPr kumimoji="1" lang="en-US" altLang="zh-CN" dirty="0" smtClean="0"/>
-              <a:t>04</a:t>
-            </a:r>
-            <a:endParaRPr kumimoji="1" lang="zh-CN" altLang="en-US" dirty="0"/>
-          </a:p>
-        </p:txBody>
-      </p:sp>
-      <p:sp>
-        <p:nvSpPr>
-          <p:cNvPr id="3" name="文本占位符 2"/>
-          <p:cNvSpPr>
-            <a:spLocks noGrp="1"/>
-          </p:cNvSpPr>
-          <p:nvPr>
-            <p:ph type="body" sz="quarter" idx="13"/>
-          </p:nvPr>
-        </p:nvSpPr>
-        <p:spPr/>
-        <p:txBody>
-          <a:bodyPr/>
-          <a:lstStyle/>
-          <a:p>
-            <a:r>
-              <a:rPr kumimoji="1" lang="zh-CN" altLang="en-US" dirty="0" smtClean="0"/>
-              <a:t>测试工具</a:t>
-            </a:r>
-            <a:endParaRPr kumimoji="1" lang="zh-CN" altLang="en-US" dirty="0"/>
-          </a:p>
-        </p:txBody>
-      </p:sp>
-      <p:pic>
-        <p:nvPicPr>
-          <p:cNvPr id="21" name="图片 20"/>
-          <p:cNvPicPr>
-            <a:picLocks noChangeAspect="1"/>
-          </p:cNvPicPr>
-          <p:nvPr/>
-        </p:nvPicPr>
-        <p:blipFill>
-          <a:blip r:embed="rId3">
-            <a:extLst>
-              <a:ext uri="{28A0092B-C50C-407E-A947-70E740481C1C}">
-                <a14:useLocalDpi xmlns:a14="http://schemas.microsoft.com/office/drawing/2010/main" val="0"/>
-              </a:ext>
-            </a:extLst>
-          </a:blip>
-          <a:stretch>
-            <a:fillRect/>
-          </a:stretch>
-        </p:blipFill>
-        <p:spPr>
-          <a:xfrm>
-            <a:off x="9781311" y="162538"/>
-            <a:ext cx="2244436" cy="713763"/>
-          </a:xfrm>
-          <a:prstGeom prst="rect">
-            <a:avLst/>
-          </a:prstGeom>
-        </p:spPr>
-      </p:pic>
-      <p:sp>
-        <p:nvSpPr>
-          <p:cNvPr id="7" name="AutoShape 2" descr="https://timgsa.baidu.com/timg?image&amp;quality=80&amp;size=b9999_10000&amp;sec=1508644358879&amp;di=ad8dab2c14263e092edb301109512333&amp;imgtype=0&amp;src=http%3A%2F%2Fkjwy.5any.com%2FRjgc%2Fcontent%2Fimages%2F01%2Frjgc-tp-0111.jpg"/>
-          <p:cNvSpPr>
-            <a:spLocks noChangeAspect="1" noChangeArrowheads="1"/>
-          </p:cNvSpPr>
-          <p:nvPr/>
-        </p:nvSpPr>
-        <p:spPr bwMode="auto">
-          <a:xfrm>
-            <a:off x="155575" y="-144463"/>
-            <a:ext cx="304800" cy="304801"/>
-          </a:xfrm>
-          <a:prstGeom prst="rect">
-            <a:avLst/>
-          </a:prstGeom>
-          <a:noFill/>
-          <a:extLst>
-            <a:ext uri="{909E8E84-426E-40DD-AFC4-6F175D3DCCD1}">
-              <a14:hiddenFill xmlns:a14="http://schemas.microsoft.com/office/drawing/2010/main">
-                <a:solidFill>
-                  <a:srgbClr val="FFFFFF"/>
-                </a:solidFill>
-              </a14:hiddenFill>
-            </a:ext>
-          </a:extLst>
-        </p:spPr>
-        <p:txBody>
-          <a:bodyPr vert="horz" wrap="square" lIns="91440" tIns="45720" rIns="91440" bIns="45720" numCol="1" anchor="t" anchorCtr="0" compatLnSpc="1">
-            <a:prstTxWarp prst="textNoShape">
-              <a:avLst/>
-            </a:prstTxWarp>
-          </a:bodyPr>
-          <a:lstStyle/>
-          <a:p>
-            <a:endParaRPr lang="zh-CN" altLang="en-US"/>
-          </a:p>
-        </p:txBody>
-      </p:sp>
-      <p:sp>
-        <p:nvSpPr>
-          <p:cNvPr id="4" name="文本框 3"/>
-          <p:cNvSpPr txBox="1"/>
-          <p:nvPr/>
-        </p:nvSpPr>
-        <p:spPr>
-          <a:xfrm>
-            <a:off x="1340772" y="1662846"/>
-            <a:ext cx="6726782" cy="1231106"/>
-          </a:xfrm>
-          <a:prstGeom prst="rect">
-            <a:avLst/>
-          </a:prstGeom>
-          <a:noFill/>
-        </p:spPr>
-        <p:txBody>
-          <a:bodyPr wrap="square" rtlCol="0">
-            <a:spAutoFit/>
-          </a:bodyPr>
-          <a:lstStyle/>
-          <a:p>
-            <a:r>
-              <a:rPr lang="en-US" altLang="zh-CN" sz="2800" b="1" kern="100" dirty="0" smtClean="0">
-                <a:latin typeface="DengXian Light" charset="-122"/>
-                <a:ea typeface="DengXian Light" charset="-122"/>
-                <a:cs typeface="Times New Roman" charset="0"/>
-              </a:rPr>
-              <a:t>Junit4</a:t>
-            </a:r>
-            <a:r>
-              <a:rPr lang="zh-CN" altLang="en-US" sz="2800" b="1" kern="100" dirty="0" smtClean="0">
-                <a:latin typeface="DengXian Light" charset="-122"/>
-                <a:ea typeface="DengXian Light" charset="-122"/>
-                <a:cs typeface="Times New Roman" charset="0"/>
-              </a:rPr>
-              <a:t>：针对单元模块进行测试</a:t>
-            </a:r>
-            <a:endParaRPr lang="en-US" altLang="zh-CN" sz="2800" b="1" kern="100" dirty="0" smtClean="0">
-              <a:latin typeface="DengXian Light" charset="-122"/>
-              <a:ea typeface="DengXian Light" charset="-122"/>
-              <a:cs typeface="Times New Roman" charset="0"/>
-            </a:endParaRPr>
-          </a:p>
-          <a:p>
-            <a:endParaRPr kumimoji="1" lang="en-US" altLang="zh-CN" dirty="0" smtClean="0"/>
-          </a:p>
-          <a:p>
-            <a:r>
-              <a:rPr lang="en-US" altLang="zh-CN" sz="2800" b="1" kern="100" dirty="0" err="1" smtClean="0">
-                <a:latin typeface="DengXian Light" charset="-122"/>
-                <a:ea typeface="DengXian Light" charset="-122"/>
-                <a:cs typeface="Times New Roman" charset="0"/>
-              </a:rPr>
-              <a:t>AndroidInstrumentedTest</a:t>
-            </a:r>
-            <a:endParaRPr lang="en-US" altLang="zh-CN" sz="2800" b="1" kern="100" dirty="0">
-              <a:latin typeface="DengXian Light" charset="-122"/>
-              <a:ea typeface="DengXian Light" charset="-122"/>
-              <a:cs typeface="Times New Roman" charset="0"/>
-            </a:endParaRPr>
-          </a:p>
-        </p:txBody>
-      </p:sp>
-    </p:spTree>
-    <p:extLst>
-      <p:ext uri="{BB962C8B-B14F-4D97-AF65-F5344CB8AC3E}">
-        <p14:creationId xmlns:p14="http://schemas.microsoft.com/office/powerpoint/2010/main" val="2010549049"/>
       </p:ext>
     </p:extLst>
   </p:cSld>
@@ -14130,7 +14018,7 @@
           <a:p>
             <a:r>
               <a:rPr kumimoji="1" lang="zh-CN" altLang="en-US" dirty="0" smtClean="0"/>
-              <a:t>测试用例设计</a:t>
+              <a:t>测试范围</a:t>
             </a:r>
             <a:endParaRPr kumimoji="1" lang="zh-CN" altLang="en-US" dirty="0"/>
           </a:p>
@@ -14205,1219 +14093,6 @@
           </a:p>
         </p:txBody>
       </p:sp>
-      <p:graphicFrame>
-        <p:nvGraphicFramePr>
-          <p:cNvPr id="5" name="表格 4"/>
-          <p:cNvGraphicFramePr>
-            <a:graphicFrameLocks noGrp="1"/>
-          </p:cNvGraphicFramePr>
-          <p:nvPr>
-            <p:extLst>
-              <p:ext uri="{D42A27DB-BD31-4B8C-83A1-F6EECF244321}">
-                <p14:modId xmlns:p14="http://schemas.microsoft.com/office/powerpoint/2010/main" val="337637528"/>
-              </p:ext>
-            </p:extLst>
-          </p:nvPr>
-        </p:nvGraphicFramePr>
-        <p:xfrm>
-          <a:off x="1516285" y="1388961"/>
-          <a:ext cx="7462298" cy="4374697"/>
-        </p:xfrm>
-        <a:graphic>
-          <a:graphicData uri="http://schemas.openxmlformats.org/drawingml/2006/table">
-            <a:tbl>
-              <a:tblPr firstRow="1" firstCol="1" bandRow="1">
-                <a:tableStyleId>{5C22544A-7EE6-4342-B048-85BDC9FD1C3A}</a:tableStyleId>
-              </a:tblPr>
-              <a:tblGrid>
-                <a:gridCol w="1010151">
-                  <a:extLst>
-                    <a:ext uri="{9D8B030D-6E8A-4147-A177-3AD203B41FA5}">
-                      <a16:colId xmlns:a16="http://schemas.microsoft.com/office/drawing/2014/main" xmlns="" val="20000"/>
-                    </a:ext>
-                  </a:extLst>
-                </a:gridCol>
-                <a:gridCol w="1084947">
-                  <a:extLst>
-                    <a:ext uri="{9D8B030D-6E8A-4147-A177-3AD203B41FA5}">
-                      <a16:colId xmlns:a16="http://schemas.microsoft.com/office/drawing/2014/main" xmlns="" val="20001"/>
-                    </a:ext>
-                  </a:extLst>
-                </a:gridCol>
-                <a:gridCol w="924671">
-                  <a:extLst>
-                    <a:ext uri="{9D8B030D-6E8A-4147-A177-3AD203B41FA5}">
-                      <a16:colId xmlns:a16="http://schemas.microsoft.com/office/drawing/2014/main" xmlns="" val="20002"/>
-                    </a:ext>
-                  </a:extLst>
-                </a:gridCol>
-                <a:gridCol w="812888">
-                  <a:extLst>
-                    <a:ext uri="{9D8B030D-6E8A-4147-A177-3AD203B41FA5}">
-                      <a16:colId xmlns:a16="http://schemas.microsoft.com/office/drawing/2014/main" xmlns="" val="20003"/>
-                    </a:ext>
-                  </a:extLst>
-                </a:gridCol>
-                <a:gridCol w="1354540">
-                  <a:extLst>
-                    <a:ext uri="{9D8B030D-6E8A-4147-A177-3AD203B41FA5}">
-                      <a16:colId xmlns:a16="http://schemas.microsoft.com/office/drawing/2014/main" xmlns="" val="20004"/>
-                    </a:ext>
-                  </a:extLst>
-                </a:gridCol>
-                <a:gridCol w="2275101">
-                  <a:extLst>
-                    <a:ext uri="{9D8B030D-6E8A-4147-A177-3AD203B41FA5}">
-                      <a16:colId xmlns:a16="http://schemas.microsoft.com/office/drawing/2014/main" xmlns="" val="20005"/>
-                    </a:ext>
-                  </a:extLst>
-                </a:gridCol>
-              </a:tblGrid>
-              <a:tr h="548439">
-                <a:tc>
-                  <a:txBody>
-                    <a:bodyPr/>
-                    <a:lstStyle/>
-                    <a:p>
-                      <a:pPr algn="ctr">
-                        <a:spcAft>
-                          <a:spcPts val="0"/>
-                        </a:spcAft>
-                      </a:pPr>
-                      <a:r>
-                        <a:rPr lang="zh-CN" sz="2000" kern="0">
-                          <a:effectLst/>
-                        </a:rPr>
-                        <a:t>数据编号</a:t>
-                      </a:r>
-                      <a:endParaRPr lang="zh-CN" sz="3200" kern="100">
-                        <a:effectLst/>
-                        <a:latin typeface="DengXian" charset="-122"/>
-                        <a:ea typeface="DengXian" charset="-122"/>
-                        <a:cs typeface="Times New Roman" charset="0"/>
-                      </a:endParaRPr>
-                    </a:p>
-                  </a:txBody>
-                  <a:tcPr marL="68580" marR="68580" marT="0" marB="0"/>
-                </a:tc>
-                <a:tc>
-                  <a:txBody>
-                    <a:bodyPr/>
-                    <a:lstStyle/>
-                    <a:p>
-                      <a:pPr algn="ctr">
-                        <a:spcAft>
-                          <a:spcPts val="0"/>
-                        </a:spcAft>
-                      </a:pPr>
-                      <a:r>
-                        <a:rPr lang="zh-CN" sz="2000" kern="0">
-                          <a:effectLst/>
-                        </a:rPr>
-                        <a:t>用户编号</a:t>
-                      </a:r>
-                      <a:endParaRPr lang="zh-CN" sz="3200" kern="100">
-                        <a:effectLst/>
-                        <a:latin typeface="DengXian" charset="-122"/>
-                        <a:ea typeface="DengXian" charset="-122"/>
-                        <a:cs typeface="Times New Roman" charset="0"/>
-                      </a:endParaRPr>
-                    </a:p>
-                  </a:txBody>
-                  <a:tcPr marL="68580" marR="68580" marT="0" marB="0" anchor="ctr"/>
-                </a:tc>
-                <a:tc>
-                  <a:txBody>
-                    <a:bodyPr/>
-                    <a:lstStyle/>
-                    <a:p>
-                      <a:pPr algn="ctr">
-                        <a:spcAft>
-                          <a:spcPts val="0"/>
-                        </a:spcAft>
-                      </a:pPr>
-                      <a:r>
-                        <a:rPr lang="zh-CN" sz="2000" kern="0">
-                          <a:effectLst/>
-                        </a:rPr>
-                        <a:t>密码</a:t>
-                      </a:r>
-                      <a:endParaRPr lang="zh-CN" sz="3200" kern="100">
-                        <a:effectLst/>
-                        <a:latin typeface="DengXian" charset="-122"/>
-                        <a:ea typeface="DengXian" charset="-122"/>
-                        <a:cs typeface="Times New Roman" charset="0"/>
-                      </a:endParaRPr>
-                    </a:p>
-                  </a:txBody>
-                  <a:tcPr marL="68580" marR="68580" marT="0" marB="0" anchor="ctr"/>
-                </a:tc>
-                <a:tc>
-                  <a:txBody>
-                    <a:bodyPr/>
-                    <a:lstStyle/>
-                    <a:p>
-                      <a:pPr algn="ctr">
-                        <a:spcAft>
-                          <a:spcPts val="0"/>
-                        </a:spcAft>
-                      </a:pPr>
-                      <a:r>
-                        <a:rPr lang="zh-CN" sz="2000" kern="0">
-                          <a:effectLst/>
-                        </a:rPr>
-                        <a:t>用户组</a:t>
-                      </a:r>
-                      <a:endParaRPr lang="zh-CN" sz="3200" kern="100">
-                        <a:effectLst/>
-                        <a:latin typeface="DengXian" charset="-122"/>
-                        <a:ea typeface="DengXian" charset="-122"/>
-                        <a:cs typeface="Times New Roman" charset="0"/>
-                      </a:endParaRPr>
-                    </a:p>
-                  </a:txBody>
-                  <a:tcPr marL="68580" marR="68580" marT="0" marB="0" anchor="ctr"/>
-                </a:tc>
-                <a:tc>
-                  <a:txBody>
-                    <a:bodyPr/>
-                    <a:lstStyle/>
-                    <a:p>
-                      <a:pPr algn="ctr">
-                        <a:spcAft>
-                          <a:spcPts val="0"/>
-                        </a:spcAft>
-                      </a:pPr>
-                      <a:r>
-                        <a:rPr lang="zh-CN" sz="2000" kern="0">
-                          <a:effectLst/>
-                        </a:rPr>
-                        <a:t>用户名是否非法</a:t>
-                      </a:r>
-                      <a:endParaRPr lang="zh-CN" sz="3200" kern="100">
-                        <a:effectLst/>
-                        <a:latin typeface="DengXian" charset="-122"/>
-                        <a:ea typeface="DengXian" charset="-122"/>
-                        <a:cs typeface="Times New Roman" charset="0"/>
-                      </a:endParaRPr>
-                    </a:p>
-                  </a:txBody>
-                  <a:tcPr marL="68580" marR="68580" marT="0" marB="0" anchor="ctr"/>
-                </a:tc>
-                <a:tc>
-                  <a:txBody>
-                    <a:bodyPr/>
-                    <a:lstStyle/>
-                    <a:p>
-                      <a:pPr algn="ctr">
-                        <a:spcAft>
-                          <a:spcPts val="0"/>
-                        </a:spcAft>
-                      </a:pPr>
-                      <a:r>
-                        <a:rPr lang="zh-CN" sz="2000" kern="0">
-                          <a:effectLst/>
-                        </a:rPr>
-                        <a:t>密码是否非法</a:t>
-                      </a:r>
-                      <a:endParaRPr lang="zh-CN" sz="3200" kern="100">
-                        <a:effectLst/>
-                        <a:latin typeface="DengXian" charset="-122"/>
-                        <a:ea typeface="DengXian" charset="-122"/>
-                        <a:cs typeface="Times New Roman" charset="0"/>
-                      </a:endParaRPr>
-                    </a:p>
-                  </a:txBody>
-                  <a:tcPr marL="68580" marR="68580" marT="0" marB="0" anchor="ctr"/>
-                </a:tc>
-                <a:extLst>
-                  <a:ext uri="{0D108BD9-81ED-4DB2-BD59-A6C34878D82A}">
-                    <a16:rowId xmlns:a16="http://schemas.microsoft.com/office/drawing/2014/main" xmlns="" val="10000"/>
-                  </a:ext>
-                </a:extLst>
-              </a:tr>
-              <a:tr h="291207">
-                <a:tc>
-                  <a:txBody>
-                    <a:bodyPr/>
-                    <a:lstStyle/>
-                    <a:p>
-                      <a:pPr algn="just">
-                        <a:spcAft>
-                          <a:spcPts val="0"/>
-                        </a:spcAft>
-                      </a:pPr>
-                      <a:r>
-                        <a:rPr lang="en-US" sz="2000" kern="0">
-                          <a:effectLst/>
-                        </a:rPr>
-                        <a:t>1</a:t>
-                      </a:r>
-                      <a:endParaRPr lang="zh-CN" sz="3200" kern="100">
-                        <a:effectLst/>
-                        <a:latin typeface="DengXian" charset="-122"/>
-                        <a:ea typeface="DengXian" charset="-122"/>
-                        <a:cs typeface="Times New Roman" charset="0"/>
-                      </a:endParaRPr>
-                    </a:p>
-                  </a:txBody>
-                  <a:tcPr marL="68580" marR="68580" marT="0" marB="0"/>
-                </a:tc>
-                <a:tc>
-                  <a:txBody>
-                    <a:bodyPr/>
-                    <a:lstStyle/>
-                    <a:p>
-                      <a:pPr algn="just">
-                        <a:spcAft>
-                          <a:spcPts val="0"/>
-                        </a:spcAft>
-                      </a:pPr>
-                      <a:r>
-                        <a:rPr lang="en-US" sz="2000" kern="0">
-                          <a:effectLst/>
-                        </a:rPr>
-                        <a:t>31501095</a:t>
-                      </a:r>
-                      <a:endParaRPr lang="zh-CN" sz="3200" kern="100">
-                        <a:effectLst/>
-                        <a:latin typeface="DengXian" charset="-122"/>
-                        <a:ea typeface="DengXian" charset="-122"/>
-                        <a:cs typeface="Times New Roman" charset="0"/>
-                      </a:endParaRPr>
-                    </a:p>
-                  </a:txBody>
-                  <a:tcPr marL="68580" marR="68580" marT="0" marB="0" anchor="ctr"/>
-                </a:tc>
-                <a:tc>
-                  <a:txBody>
-                    <a:bodyPr/>
-                    <a:lstStyle/>
-                    <a:p>
-                      <a:pPr algn="just">
-                        <a:spcAft>
-                          <a:spcPts val="0"/>
-                        </a:spcAft>
-                      </a:pPr>
-                      <a:r>
-                        <a:rPr lang="en-US" sz="2000" kern="0">
-                          <a:effectLst/>
-                        </a:rPr>
-                        <a:t>123456</a:t>
-                      </a:r>
-                      <a:endParaRPr lang="zh-CN" sz="3200" kern="100">
-                        <a:effectLst/>
-                        <a:latin typeface="DengXian" charset="-122"/>
-                        <a:ea typeface="DengXian" charset="-122"/>
-                        <a:cs typeface="Times New Roman" charset="0"/>
-                      </a:endParaRPr>
-                    </a:p>
-                  </a:txBody>
-                  <a:tcPr marL="68580" marR="68580" marT="0" marB="0" anchor="ctr"/>
-                </a:tc>
-                <a:tc>
-                  <a:txBody>
-                    <a:bodyPr/>
-                    <a:lstStyle/>
-                    <a:p>
-                      <a:pPr algn="just">
-                        <a:spcAft>
-                          <a:spcPts val="0"/>
-                        </a:spcAft>
-                      </a:pPr>
-                      <a:r>
-                        <a:rPr lang="en-US" sz="2000" kern="0">
-                          <a:effectLst/>
-                        </a:rPr>
-                        <a:t>  Stu</a:t>
-                      </a:r>
-                      <a:endParaRPr lang="zh-CN" sz="3200" kern="100">
-                        <a:effectLst/>
-                        <a:latin typeface="DengXian" charset="-122"/>
-                        <a:ea typeface="DengXian" charset="-122"/>
-                        <a:cs typeface="Times New Roman" charset="0"/>
-                      </a:endParaRPr>
-                    </a:p>
-                  </a:txBody>
-                  <a:tcPr marL="68580" marR="68580" marT="0" marB="0" anchor="ctr"/>
-                </a:tc>
-                <a:tc>
-                  <a:txBody>
-                    <a:bodyPr/>
-                    <a:lstStyle/>
-                    <a:p>
-                      <a:pPr algn="ctr">
-                        <a:spcAft>
-                          <a:spcPts val="0"/>
-                        </a:spcAft>
-                      </a:pPr>
-                      <a:r>
-                        <a:rPr lang="zh-CN" sz="2000" kern="0">
-                          <a:effectLst/>
-                        </a:rPr>
-                        <a:t>否</a:t>
-                      </a:r>
-                      <a:endParaRPr lang="zh-CN" sz="3200" kern="100">
-                        <a:effectLst/>
-                        <a:latin typeface="DengXian" charset="-122"/>
-                        <a:ea typeface="DengXian" charset="-122"/>
-                        <a:cs typeface="Times New Roman" charset="0"/>
-                      </a:endParaRPr>
-                    </a:p>
-                  </a:txBody>
-                  <a:tcPr marL="68580" marR="68580" marT="0" marB="0" anchor="ctr"/>
-                </a:tc>
-                <a:tc>
-                  <a:txBody>
-                    <a:bodyPr/>
-                    <a:lstStyle/>
-                    <a:p>
-                      <a:pPr algn="ctr">
-                        <a:spcAft>
-                          <a:spcPts val="0"/>
-                        </a:spcAft>
-                      </a:pPr>
-                      <a:r>
-                        <a:rPr lang="zh-CN" sz="2000" kern="0">
-                          <a:effectLst/>
-                        </a:rPr>
-                        <a:t>否</a:t>
-                      </a:r>
-                      <a:endParaRPr lang="zh-CN" sz="3200" kern="100">
-                        <a:effectLst/>
-                        <a:latin typeface="DengXian" charset="-122"/>
-                        <a:ea typeface="DengXian" charset="-122"/>
-                        <a:cs typeface="Times New Roman" charset="0"/>
-                      </a:endParaRPr>
-                    </a:p>
-                  </a:txBody>
-                  <a:tcPr marL="68580" marR="68580" marT="0" marB="0" anchor="ctr"/>
-                </a:tc>
-                <a:extLst>
-                  <a:ext uri="{0D108BD9-81ED-4DB2-BD59-A6C34878D82A}">
-                    <a16:rowId xmlns:a16="http://schemas.microsoft.com/office/drawing/2014/main" xmlns="" val="10001"/>
-                  </a:ext>
-                </a:extLst>
-              </a:tr>
-              <a:tr h="291207">
-                <a:tc>
-                  <a:txBody>
-                    <a:bodyPr/>
-                    <a:lstStyle/>
-                    <a:p>
-                      <a:pPr algn="just">
-                        <a:spcAft>
-                          <a:spcPts val="0"/>
-                        </a:spcAft>
-                      </a:pPr>
-                      <a:r>
-                        <a:rPr lang="en-US" sz="2000" kern="0">
-                          <a:effectLst/>
-                        </a:rPr>
-                        <a:t>2</a:t>
-                      </a:r>
-                      <a:endParaRPr lang="zh-CN" sz="3200" kern="100">
-                        <a:effectLst/>
-                        <a:latin typeface="DengXian" charset="-122"/>
-                        <a:ea typeface="DengXian" charset="-122"/>
-                        <a:cs typeface="Times New Roman" charset="0"/>
-                      </a:endParaRPr>
-                    </a:p>
-                  </a:txBody>
-                  <a:tcPr marL="68580" marR="68580" marT="0" marB="0"/>
-                </a:tc>
-                <a:tc>
-                  <a:txBody>
-                    <a:bodyPr/>
-                    <a:lstStyle/>
-                    <a:p>
-                      <a:pPr algn="just">
-                        <a:spcAft>
-                          <a:spcPts val="0"/>
-                        </a:spcAft>
-                      </a:pPr>
-                      <a:r>
-                        <a:rPr lang="en-US" sz="2000" kern="0">
-                          <a:effectLst/>
-                        </a:rPr>
-                        <a:t>Zucc0001</a:t>
-                      </a:r>
-                      <a:endParaRPr lang="zh-CN" sz="3200" kern="100">
-                        <a:effectLst/>
-                        <a:latin typeface="DengXian" charset="-122"/>
-                        <a:ea typeface="DengXian" charset="-122"/>
-                        <a:cs typeface="Times New Roman" charset="0"/>
-                      </a:endParaRPr>
-                    </a:p>
-                  </a:txBody>
-                  <a:tcPr marL="68580" marR="68580" marT="0" marB="0" anchor="ctr"/>
-                </a:tc>
-                <a:tc>
-                  <a:txBody>
-                    <a:bodyPr/>
-                    <a:lstStyle/>
-                    <a:p>
-                      <a:pPr algn="just">
-                        <a:spcAft>
-                          <a:spcPts val="0"/>
-                        </a:spcAft>
-                      </a:pPr>
-                      <a:r>
-                        <a:rPr lang="en-US" sz="2000" kern="0">
-                          <a:effectLst/>
-                        </a:rPr>
-                        <a:t>123456</a:t>
-                      </a:r>
-                      <a:endParaRPr lang="zh-CN" sz="3200" kern="100">
-                        <a:effectLst/>
-                        <a:latin typeface="DengXian" charset="-122"/>
-                        <a:ea typeface="DengXian" charset="-122"/>
-                        <a:cs typeface="Times New Roman" charset="0"/>
-                      </a:endParaRPr>
-                    </a:p>
-                  </a:txBody>
-                  <a:tcPr marL="68580" marR="68580" marT="0" marB="0" anchor="ctr"/>
-                </a:tc>
-                <a:tc>
-                  <a:txBody>
-                    <a:bodyPr/>
-                    <a:lstStyle/>
-                    <a:p>
-                      <a:pPr algn="ctr">
-                        <a:spcAft>
-                          <a:spcPts val="0"/>
-                        </a:spcAft>
-                      </a:pPr>
-                      <a:r>
-                        <a:rPr lang="en-US" sz="2000" kern="0">
-                          <a:effectLst/>
-                        </a:rPr>
-                        <a:t>Org</a:t>
-                      </a:r>
-                      <a:endParaRPr lang="zh-CN" sz="3200" kern="100">
-                        <a:effectLst/>
-                        <a:latin typeface="DengXian" charset="-122"/>
-                        <a:ea typeface="DengXian" charset="-122"/>
-                        <a:cs typeface="Times New Roman" charset="0"/>
-                      </a:endParaRPr>
-                    </a:p>
-                  </a:txBody>
-                  <a:tcPr marL="68580" marR="68580" marT="0" marB="0" anchor="ctr"/>
-                </a:tc>
-                <a:tc>
-                  <a:txBody>
-                    <a:bodyPr/>
-                    <a:lstStyle/>
-                    <a:p>
-                      <a:pPr algn="ctr">
-                        <a:spcAft>
-                          <a:spcPts val="0"/>
-                        </a:spcAft>
-                      </a:pPr>
-                      <a:r>
-                        <a:rPr lang="zh-CN" sz="2000" kern="0">
-                          <a:effectLst/>
-                        </a:rPr>
-                        <a:t>否</a:t>
-                      </a:r>
-                      <a:endParaRPr lang="zh-CN" sz="3200" kern="100">
-                        <a:effectLst/>
-                        <a:latin typeface="DengXian" charset="-122"/>
-                        <a:ea typeface="DengXian" charset="-122"/>
-                        <a:cs typeface="Times New Roman" charset="0"/>
-                      </a:endParaRPr>
-                    </a:p>
-                  </a:txBody>
-                  <a:tcPr marL="68580" marR="68580" marT="0" marB="0" anchor="ctr"/>
-                </a:tc>
-                <a:tc>
-                  <a:txBody>
-                    <a:bodyPr/>
-                    <a:lstStyle/>
-                    <a:p>
-                      <a:pPr algn="ctr">
-                        <a:spcAft>
-                          <a:spcPts val="0"/>
-                        </a:spcAft>
-                      </a:pPr>
-                      <a:r>
-                        <a:rPr lang="zh-CN" sz="2000" kern="0">
-                          <a:effectLst/>
-                        </a:rPr>
-                        <a:t>否</a:t>
-                      </a:r>
-                      <a:endParaRPr lang="zh-CN" sz="3200" kern="100">
-                        <a:effectLst/>
-                        <a:latin typeface="DengXian" charset="-122"/>
-                        <a:ea typeface="DengXian" charset="-122"/>
-                        <a:cs typeface="Times New Roman" charset="0"/>
-                      </a:endParaRPr>
-                    </a:p>
-                  </a:txBody>
-                  <a:tcPr marL="68580" marR="68580" marT="0" marB="0" anchor="ctr"/>
-                </a:tc>
-                <a:extLst>
-                  <a:ext uri="{0D108BD9-81ED-4DB2-BD59-A6C34878D82A}">
-                    <a16:rowId xmlns:a16="http://schemas.microsoft.com/office/drawing/2014/main" xmlns="" val="10002"/>
-                  </a:ext>
-                </a:extLst>
-              </a:tr>
-              <a:tr h="717097">
-                <a:tc>
-                  <a:txBody>
-                    <a:bodyPr/>
-                    <a:lstStyle/>
-                    <a:p>
-                      <a:pPr algn="just">
-                        <a:spcAft>
-                          <a:spcPts val="0"/>
-                        </a:spcAft>
-                      </a:pPr>
-                      <a:r>
-                        <a:rPr lang="en-US" sz="2000" kern="0">
-                          <a:effectLst/>
-                        </a:rPr>
-                        <a:t>3</a:t>
-                      </a:r>
-                      <a:endParaRPr lang="zh-CN" sz="3200" kern="100">
-                        <a:effectLst/>
-                        <a:latin typeface="DengXian" charset="-122"/>
-                        <a:ea typeface="DengXian" charset="-122"/>
-                        <a:cs typeface="Times New Roman" charset="0"/>
-                      </a:endParaRPr>
-                    </a:p>
-                  </a:txBody>
-                  <a:tcPr marL="68580" marR="68580" marT="0" marB="0"/>
-                </a:tc>
-                <a:tc>
-                  <a:txBody>
-                    <a:bodyPr/>
-                    <a:lstStyle/>
-                    <a:p>
-                      <a:pPr algn="just">
-                        <a:spcAft>
-                          <a:spcPts val="0"/>
-                        </a:spcAft>
-                      </a:pPr>
-                      <a:r>
-                        <a:rPr lang="en-US" sz="2000" kern="0">
-                          <a:effectLst/>
-                        </a:rPr>
-                        <a:t>Tea0001</a:t>
-                      </a:r>
-                      <a:endParaRPr lang="zh-CN" sz="3200" kern="100">
-                        <a:effectLst/>
-                        <a:latin typeface="DengXian" charset="-122"/>
-                        <a:ea typeface="DengXian" charset="-122"/>
-                        <a:cs typeface="Times New Roman" charset="0"/>
-                      </a:endParaRPr>
-                    </a:p>
-                  </a:txBody>
-                  <a:tcPr marL="68580" marR="68580" marT="0" marB="0" anchor="ctr"/>
-                </a:tc>
-                <a:tc>
-                  <a:txBody>
-                    <a:bodyPr/>
-                    <a:lstStyle/>
-                    <a:p>
-                      <a:pPr algn="just">
-                        <a:spcAft>
-                          <a:spcPts val="0"/>
-                        </a:spcAft>
-                      </a:pPr>
-                      <a:r>
-                        <a:rPr lang="en-US" sz="2000" kern="0">
-                          <a:effectLst/>
-                        </a:rPr>
-                        <a:t>123456</a:t>
-                      </a:r>
-                      <a:endParaRPr lang="zh-CN" sz="3200" kern="100">
-                        <a:effectLst/>
-                        <a:latin typeface="DengXian" charset="-122"/>
-                        <a:ea typeface="DengXian" charset="-122"/>
-                        <a:cs typeface="Times New Roman" charset="0"/>
-                      </a:endParaRPr>
-                    </a:p>
-                  </a:txBody>
-                  <a:tcPr marL="68580" marR="68580" marT="0" marB="0" anchor="ctr"/>
-                </a:tc>
-                <a:tc>
-                  <a:txBody>
-                    <a:bodyPr/>
-                    <a:lstStyle/>
-                    <a:p>
-                      <a:pPr algn="ctr">
-                        <a:spcAft>
-                          <a:spcPts val="0"/>
-                        </a:spcAft>
-                      </a:pPr>
-                      <a:r>
-                        <a:rPr lang="en-US" sz="2000" kern="0">
-                          <a:effectLst/>
-                        </a:rPr>
-                        <a:t>Tea</a:t>
-                      </a:r>
-                      <a:endParaRPr lang="zh-CN" sz="3200" kern="100">
-                        <a:effectLst/>
-                        <a:latin typeface="DengXian" charset="-122"/>
-                        <a:ea typeface="DengXian" charset="-122"/>
-                        <a:cs typeface="Times New Roman" charset="0"/>
-                      </a:endParaRPr>
-                    </a:p>
-                  </a:txBody>
-                  <a:tcPr marL="68580" marR="68580" marT="0" marB="0" anchor="ctr"/>
-                </a:tc>
-                <a:tc>
-                  <a:txBody>
-                    <a:bodyPr/>
-                    <a:lstStyle/>
-                    <a:p>
-                      <a:pPr algn="ctr">
-                        <a:spcAft>
-                          <a:spcPts val="0"/>
-                        </a:spcAft>
-                      </a:pPr>
-                      <a:r>
-                        <a:rPr lang="zh-CN" sz="2000" kern="0">
-                          <a:effectLst/>
-                        </a:rPr>
-                        <a:t>否</a:t>
-                      </a:r>
-                      <a:endParaRPr lang="zh-CN" sz="3200" kern="100">
-                        <a:effectLst/>
-                        <a:latin typeface="DengXian" charset="-122"/>
-                        <a:ea typeface="DengXian" charset="-122"/>
-                        <a:cs typeface="Times New Roman" charset="0"/>
-                      </a:endParaRPr>
-                    </a:p>
-                  </a:txBody>
-                  <a:tcPr marL="68580" marR="68580" marT="0" marB="0" anchor="ctr"/>
-                </a:tc>
-                <a:tc>
-                  <a:txBody>
-                    <a:bodyPr/>
-                    <a:lstStyle/>
-                    <a:p>
-                      <a:pPr algn="ctr">
-                        <a:spcAft>
-                          <a:spcPts val="0"/>
-                        </a:spcAft>
-                      </a:pPr>
-                      <a:r>
-                        <a:rPr lang="zh-CN" sz="2000" kern="0">
-                          <a:effectLst/>
-                        </a:rPr>
-                        <a:t>否</a:t>
-                      </a:r>
-                      <a:endParaRPr lang="zh-CN" sz="3200" kern="100">
-                        <a:effectLst/>
-                        <a:latin typeface="DengXian" charset="-122"/>
-                        <a:ea typeface="DengXian" charset="-122"/>
-                        <a:cs typeface="Times New Roman" charset="0"/>
-                      </a:endParaRPr>
-                    </a:p>
-                  </a:txBody>
-                  <a:tcPr marL="68580" marR="68580" marT="0" marB="0" anchor="ctr"/>
-                </a:tc>
-                <a:extLst>
-                  <a:ext uri="{0D108BD9-81ED-4DB2-BD59-A6C34878D82A}">
-                    <a16:rowId xmlns:a16="http://schemas.microsoft.com/office/drawing/2014/main" xmlns="" val="10003"/>
-                  </a:ext>
-                </a:extLst>
-              </a:tr>
-              <a:tr h="546013">
-                <a:tc>
-                  <a:txBody>
-                    <a:bodyPr/>
-                    <a:lstStyle/>
-                    <a:p>
-                      <a:pPr algn="just">
-                        <a:spcAft>
-                          <a:spcPts val="0"/>
-                        </a:spcAft>
-                      </a:pPr>
-                      <a:r>
-                        <a:rPr lang="en-US" sz="2000" kern="0">
-                          <a:effectLst/>
-                        </a:rPr>
-                        <a:t>4</a:t>
-                      </a:r>
-                      <a:endParaRPr lang="zh-CN" sz="3200" kern="100">
-                        <a:effectLst/>
-                        <a:latin typeface="DengXian" charset="-122"/>
-                        <a:ea typeface="DengXian" charset="-122"/>
-                        <a:cs typeface="Times New Roman" charset="0"/>
-                      </a:endParaRPr>
-                    </a:p>
-                  </a:txBody>
-                  <a:tcPr marL="68580" marR="68580" marT="0" marB="0"/>
-                </a:tc>
-                <a:tc>
-                  <a:txBody>
-                    <a:bodyPr/>
-                    <a:lstStyle/>
-                    <a:p>
-                      <a:pPr algn="just">
-                        <a:spcAft>
-                          <a:spcPts val="0"/>
-                        </a:spcAft>
-                      </a:pPr>
-                      <a:r>
-                        <a:rPr lang="en-US" sz="2000" kern="0">
-                          <a:effectLst/>
-                        </a:rPr>
-                        <a:t>31501095</a:t>
-                      </a:r>
-                      <a:endParaRPr lang="zh-CN" sz="3200" kern="100">
-                        <a:effectLst/>
-                        <a:latin typeface="DengXian" charset="-122"/>
-                        <a:ea typeface="DengXian" charset="-122"/>
-                        <a:cs typeface="Times New Roman" charset="0"/>
-                      </a:endParaRPr>
-                    </a:p>
-                  </a:txBody>
-                  <a:tcPr marL="68580" marR="68580" marT="0" marB="0" anchor="ctr"/>
-                </a:tc>
-                <a:tc>
-                  <a:txBody>
-                    <a:bodyPr/>
-                    <a:lstStyle/>
-                    <a:p>
-                      <a:pPr algn="just">
-                        <a:spcAft>
-                          <a:spcPts val="0"/>
-                        </a:spcAft>
-                      </a:pPr>
-                      <a:r>
-                        <a:rPr lang="en-US" sz="2000" kern="0">
-                          <a:effectLst/>
-                        </a:rPr>
-                        <a:t>0</a:t>
-                      </a:r>
-                      <a:endParaRPr lang="zh-CN" sz="3200" kern="100">
-                        <a:effectLst/>
-                        <a:latin typeface="DengXian" charset="-122"/>
-                        <a:ea typeface="DengXian" charset="-122"/>
-                        <a:cs typeface="Times New Roman" charset="0"/>
-                      </a:endParaRPr>
-                    </a:p>
-                  </a:txBody>
-                  <a:tcPr marL="68580" marR="68580" marT="0" marB="0" anchor="ctr"/>
-                </a:tc>
-                <a:tc>
-                  <a:txBody>
-                    <a:bodyPr/>
-                    <a:lstStyle/>
-                    <a:p>
-                      <a:pPr algn="ctr">
-                        <a:spcAft>
-                          <a:spcPts val="0"/>
-                        </a:spcAft>
-                      </a:pPr>
-                      <a:r>
-                        <a:rPr lang="en-US" sz="2000" kern="0">
-                          <a:effectLst/>
-                        </a:rPr>
-                        <a:t>Stu</a:t>
-                      </a:r>
-                      <a:endParaRPr lang="zh-CN" sz="3200" kern="100">
-                        <a:effectLst/>
-                        <a:latin typeface="DengXian" charset="-122"/>
-                        <a:ea typeface="DengXian" charset="-122"/>
-                        <a:cs typeface="Times New Roman" charset="0"/>
-                      </a:endParaRPr>
-                    </a:p>
-                  </a:txBody>
-                  <a:tcPr marL="68580" marR="68580" marT="0" marB="0" anchor="ctr"/>
-                </a:tc>
-                <a:tc>
-                  <a:txBody>
-                    <a:bodyPr/>
-                    <a:lstStyle/>
-                    <a:p>
-                      <a:pPr algn="ctr">
-                        <a:spcAft>
-                          <a:spcPts val="0"/>
-                        </a:spcAft>
-                      </a:pPr>
-                      <a:r>
-                        <a:rPr lang="zh-CN" sz="2000" kern="0">
-                          <a:effectLst/>
-                        </a:rPr>
-                        <a:t>否</a:t>
-                      </a:r>
-                      <a:endParaRPr lang="zh-CN" sz="3200" kern="100">
-                        <a:effectLst/>
-                        <a:latin typeface="DengXian" charset="-122"/>
-                        <a:ea typeface="DengXian" charset="-122"/>
-                        <a:cs typeface="Times New Roman" charset="0"/>
-                      </a:endParaRPr>
-                    </a:p>
-                  </a:txBody>
-                  <a:tcPr marL="68580" marR="68580" marT="0" marB="0" anchor="ctr"/>
-                </a:tc>
-                <a:tc>
-                  <a:txBody>
-                    <a:bodyPr/>
-                    <a:lstStyle/>
-                    <a:p>
-                      <a:pPr algn="ctr">
-                        <a:spcAft>
-                          <a:spcPts val="0"/>
-                        </a:spcAft>
-                      </a:pPr>
-                      <a:r>
-                        <a:rPr lang="zh-CN" sz="2000" kern="0">
-                          <a:effectLst/>
-                        </a:rPr>
-                        <a:t>是</a:t>
-                      </a:r>
-                      <a:endParaRPr lang="zh-CN" sz="3200" kern="100">
-                        <a:effectLst/>
-                        <a:latin typeface="DengXian" charset="-122"/>
-                        <a:ea typeface="DengXian" charset="-122"/>
-                        <a:cs typeface="Times New Roman" charset="0"/>
-                      </a:endParaRPr>
-                    </a:p>
-                  </a:txBody>
-                  <a:tcPr marL="68580" marR="68580" marT="0" marB="0" anchor="ctr"/>
-                </a:tc>
-                <a:extLst>
-                  <a:ext uri="{0D108BD9-81ED-4DB2-BD59-A6C34878D82A}">
-                    <a16:rowId xmlns:a16="http://schemas.microsoft.com/office/drawing/2014/main" xmlns="" val="10004"/>
-                  </a:ext>
-                </a:extLst>
-              </a:tr>
-              <a:tr h="563000">
-                <a:tc>
-                  <a:txBody>
-                    <a:bodyPr/>
-                    <a:lstStyle/>
-                    <a:p>
-                      <a:pPr algn="just">
-                        <a:spcAft>
-                          <a:spcPts val="0"/>
-                        </a:spcAft>
-                      </a:pPr>
-                      <a:r>
-                        <a:rPr lang="en-US" sz="2000" kern="0">
-                          <a:effectLst/>
-                        </a:rPr>
-                        <a:t>5</a:t>
-                      </a:r>
-                      <a:endParaRPr lang="zh-CN" sz="3200" kern="100">
-                        <a:effectLst/>
-                        <a:latin typeface="DengXian" charset="-122"/>
-                        <a:ea typeface="DengXian" charset="-122"/>
-                        <a:cs typeface="Times New Roman" charset="0"/>
-                      </a:endParaRPr>
-                    </a:p>
-                  </a:txBody>
-                  <a:tcPr marL="68580" marR="68580" marT="0" marB="0"/>
-                </a:tc>
-                <a:tc>
-                  <a:txBody>
-                    <a:bodyPr/>
-                    <a:lstStyle/>
-                    <a:p>
-                      <a:pPr algn="just">
-                        <a:spcAft>
-                          <a:spcPts val="0"/>
-                        </a:spcAft>
-                      </a:pPr>
-                      <a:r>
-                        <a:rPr lang="en-US" sz="2000" kern="0">
-                          <a:effectLst/>
-                        </a:rPr>
-                        <a:t>Null</a:t>
-                      </a:r>
-                      <a:endParaRPr lang="zh-CN" sz="3200" kern="100">
-                        <a:effectLst/>
-                        <a:latin typeface="DengXian" charset="-122"/>
-                        <a:ea typeface="DengXian" charset="-122"/>
-                        <a:cs typeface="Times New Roman" charset="0"/>
-                      </a:endParaRPr>
-                    </a:p>
-                  </a:txBody>
-                  <a:tcPr marL="68580" marR="68580" marT="0" marB="0" anchor="ctr"/>
-                </a:tc>
-                <a:tc>
-                  <a:txBody>
-                    <a:bodyPr/>
-                    <a:lstStyle/>
-                    <a:p>
-                      <a:pPr algn="just">
-                        <a:spcAft>
-                          <a:spcPts val="0"/>
-                        </a:spcAft>
-                      </a:pPr>
-                      <a:r>
-                        <a:rPr lang="en-US" sz="2000" kern="0">
-                          <a:effectLst/>
-                        </a:rPr>
-                        <a:t>123456</a:t>
-                      </a:r>
-                      <a:endParaRPr lang="zh-CN" sz="3200" kern="100">
-                        <a:effectLst/>
-                        <a:latin typeface="DengXian" charset="-122"/>
-                        <a:ea typeface="DengXian" charset="-122"/>
-                        <a:cs typeface="Times New Roman" charset="0"/>
-                      </a:endParaRPr>
-                    </a:p>
-                  </a:txBody>
-                  <a:tcPr marL="68580" marR="68580" marT="0" marB="0" anchor="ctr"/>
-                </a:tc>
-                <a:tc>
-                  <a:txBody>
-                    <a:bodyPr/>
-                    <a:lstStyle/>
-                    <a:p>
-                      <a:pPr algn="ctr">
-                        <a:spcAft>
-                          <a:spcPts val="0"/>
-                        </a:spcAft>
-                      </a:pPr>
-                      <a:r>
-                        <a:rPr lang="en-US" sz="2000" kern="0">
-                          <a:effectLst/>
-                        </a:rPr>
-                        <a:t>Stu</a:t>
-                      </a:r>
-                      <a:endParaRPr lang="zh-CN" sz="3200" kern="100">
-                        <a:effectLst/>
-                        <a:latin typeface="DengXian" charset="-122"/>
-                        <a:ea typeface="DengXian" charset="-122"/>
-                        <a:cs typeface="Times New Roman" charset="0"/>
-                      </a:endParaRPr>
-                    </a:p>
-                  </a:txBody>
-                  <a:tcPr marL="68580" marR="68580" marT="0" marB="0" anchor="ctr"/>
-                </a:tc>
-                <a:tc>
-                  <a:txBody>
-                    <a:bodyPr/>
-                    <a:lstStyle/>
-                    <a:p>
-                      <a:pPr algn="ctr">
-                        <a:spcAft>
-                          <a:spcPts val="0"/>
-                        </a:spcAft>
-                      </a:pPr>
-                      <a:r>
-                        <a:rPr lang="zh-CN" sz="2000" kern="0">
-                          <a:effectLst/>
-                        </a:rPr>
-                        <a:t>是</a:t>
-                      </a:r>
-                      <a:endParaRPr lang="zh-CN" sz="3200" kern="100">
-                        <a:effectLst/>
-                        <a:latin typeface="DengXian" charset="-122"/>
-                        <a:ea typeface="DengXian" charset="-122"/>
-                        <a:cs typeface="Times New Roman" charset="0"/>
-                      </a:endParaRPr>
-                    </a:p>
-                  </a:txBody>
-                  <a:tcPr marL="68580" marR="68580" marT="0" marB="0" anchor="ctr"/>
-                </a:tc>
-                <a:tc>
-                  <a:txBody>
-                    <a:bodyPr/>
-                    <a:lstStyle/>
-                    <a:p>
-                      <a:pPr algn="ctr">
-                        <a:spcAft>
-                          <a:spcPts val="0"/>
-                        </a:spcAft>
-                      </a:pPr>
-                      <a:r>
-                        <a:rPr lang="zh-CN" sz="2000" kern="0">
-                          <a:effectLst/>
-                        </a:rPr>
-                        <a:t>否</a:t>
-                      </a:r>
-                      <a:endParaRPr lang="zh-CN" sz="3200" kern="100">
-                        <a:effectLst/>
-                        <a:latin typeface="DengXian" charset="-122"/>
-                        <a:ea typeface="DengXian" charset="-122"/>
-                        <a:cs typeface="Times New Roman" charset="0"/>
-                      </a:endParaRPr>
-                    </a:p>
-                  </a:txBody>
-                  <a:tcPr marL="68580" marR="68580" marT="0" marB="0" anchor="ctr"/>
-                </a:tc>
-                <a:extLst>
-                  <a:ext uri="{0D108BD9-81ED-4DB2-BD59-A6C34878D82A}">
-                    <a16:rowId xmlns:a16="http://schemas.microsoft.com/office/drawing/2014/main" xmlns="" val="10005"/>
-                  </a:ext>
-                </a:extLst>
-              </a:tr>
-              <a:tr h="581200">
-                <a:tc>
-                  <a:txBody>
-                    <a:bodyPr/>
-                    <a:lstStyle/>
-                    <a:p>
-                      <a:pPr algn="just">
-                        <a:spcAft>
-                          <a:spcPts val="0"/>
-                        </a:spcAft>
-                      </a:pPr>
-                      <a:r>
-                        <a:rPr lang="en-US" sz="2000" kern="0">
-                          <a:effectLst/>
-                        </a:rPr>
-                        <a:t>6</a:t>
-                      </a:r>
-                      <a:endParaRPr lang="zh-CN" sz="3200" kern="100">
-                        <a:effectLst/>
-                        <a:latin typeface="DengXian" charset="-122"/>
-                        <a:ea typeface="DengXian" charset="-122"/>
-                        <a:cs typeface="Times New Roman" charset="0"/>
-                      </a:endParaRPr>
-                    </a:p>
-                  </a:txBody>
-                  <a:tcPr marL="68580" marR="68580" marT="0" marB="0"/>
-                </a:tc>
-                <a:tc>
-                  <a:txBody>
-                    <a:bodyPr/>
-                    <a:lstStyle/>
-                    <a:p>
-                      <a:pPr algn="just">
-                        <a:spcAft>
-                          <a:spcPts val="0"/>
-                        </a:spcAft>
-                      </a:pPr>
-                      <a:r>
-                        <a:rPr lang="en-US" sz="2000" kern="0">
-                          <a:effectLst/>
-                        </a:rPr>
-                        <a:t>31501095</a:t>
-                      </a:r>
-                      <a:endParaRPr lang="zh-CN" sz="3200" kern="100">
-                        <a:effectLst/>
-                        <a:latin typeface="DengXian" charset="-122"/>
-                        <a:ea typeface="DengXian" charset="-122"/>
-                        <a:cs typeface="Times New Roman" charset="0"/>
-                      </a:endParaRPr>
-                    </a:p>
-                  </a:txBody>
-                  <a:tcPr marL="68580" marR="68580" marT="0" marB="0" anchor="ctr"/>
-                </a:tc>
-                <a:tc>
-                  <a:txBody>
-                    <a:bodyPr/>
-                    <a:lstStyle/>
-                    <a:p>
-                      <a:pPr algn="just">
-                        <a:spcAft>
-                          <a:spcPts val="0"/>
-                        </a:spcAft>
-                      </a:pPr>
-                      <a:r>
-                        <a:rPr lang="en-US" sz="2000" kern="0">
-                          <a:effectLst/>
-                        </a:rPr>
-                        <a:t>Null</a:t>
-                      </a:r>
-                      <a:endParaRPr lang="zh-CN" sz="3200" kern="100">
-                        <a:effectLst/>
-                        <a:latin typeface="DengXian" charset="-122"/>
-                        <a:ea typeface="DengXian" charset="-122"/>
-                        <a:cs typeface="Times New Roman" charset="0"/>
-                      </a:endParaRPr>
-                    </a:p>
-                  </a:txBody>
-                  <a:tcPr marL="68580" marR="68580" marT="0" marB="0" anchor="ctr"/>
-                </a:tc>
-                <a:tc>
-                  <a:txBody>
-                    <a:bodyPr/>
-                    <a:lstStyle/>
-                    <a:p>
-                      <a:pPr algn="ctr">
-                        <a:spcAft>
-                          <a:spcPts val="0"/>
-                        </a:spcAft>
-                      </a:pPr>
-                      <a:r>
-                        <a:rPr lang="en-US" sz="2000" kern="0">
-                          <a:effectLst/>
-                        </a:rPr>
-                        <a:t>Stu</a:t>
-                      </a:r>
-                      <a:endParaRPr lang="zh-CN" sz="3200" kern="100">
-                        <a:effectLst/>
-                        <a:latin typeface="DengXian" charset="-122"/>
-                        <a:ea typeface="DengXian" charset="-122"/>
-                        <a:cs typeface="Times New Roman" charset="0"/>
-                      </a:endParaRPr>
-                    </a:p>
-                  </a:txBody>
-                  <a:tcPr marL="68580" marR="68580" marT="0" marB="0" anchor="ctr"/>
-                </a:tc>
-                <a:tc>
-                  <a:txBody>
-                    <a:bodyPr/>
-                    <a:lstStyle/>
-                    <a:p>
-                      <a:pPr algn="ctr">
-                        <a:spcAft>
-                          <a:spcPts val="0"/>
-                        </a:spcAft>
-                      </a:pPr>
-                      <a:r>
-                        <a:rPr lang="zh-CN" sz="2000" kern="0">
-                          <a:effectLst/>
-                        </a:rPr>
-                        <a:t>否</a:t>
-                      </a:r>
-                      <a:endParaRPr lang="zh-CN" sz="3200" kern="100">
-                        <a:effectLst/>
-                        <a:latin typeface="DengXian" charset="-122"/>
-                        <a:ea typeface="DengXian" charset="-122"/>
-                        <a:cs typeface="Times New Roman" charset="0"/>
-                      </a:endParaRPr>
-                    </a:p>
-                  </a:txBody>
-                  <a:tcPr marL="68580" marR="68580" marT="0" marB="0" anchor="ctr"/>
-                </a:tc>
-                <a:tc>
-                  <a:txBody>
-                    <a:bodyPr/>
-                    <a:lstStyle/>
-                    <a:p>
-                      <a:pPr algn="ctr">
-                        <a:spcAft>
-                          <a:spcPts val="0"/>
-                        </a:spcAft>
-                      </a:pPr>
-                      <a:r>
-                        <a:rPr lang="zh-CN" sz="2000" kern="0" dirty="0">
-                          <a:effectLst/>
-                        </a:rPr>
-                        <a:t>是</a:t>
-                      </a:r>
-                      <a:endParaRPr lang="zh-CN" sz="3200" kern="100" dirty="0">
-                        <a:effectLst/>
-                        <a:latin typeface="DengXian" charset="-122"/>
-                        <a:ea typeface="DengXian" charset="-122"/>
-                        <a:cs typeface="Times New Roman" charset="0"/>
-                      </a:endParaRPr>
-                    </a:p>
-                  </a:txBody>
-                  <a:tcPr marL="68580" marR="68580" marT="0" marB="0" anchor="ctr"/>
-                </a:tc>
-                <a:extLst>
-                  <a:ext uri="{0D108BD9-81ED-4DB2-BD59-A6C34878D82A}">
-                    <a16:rowId xmlns:a16="http://schemas.microsoft.com/office/drawing/2014/main" xmlns="" val="10006"/>
-                  </a:ext>
-                </a:extLst>
-              </a:tr>
-            </a:tbl>
-          </a:graphicData>
-        </a:graphic>
-      </p:graphicFrame>
       <p:sp>
         <p:nvSpPr>
           <p:cNvPr id="4" name="文本框 3"/>
@@ -15426,8 +14101,8 @@
         </p:nvSpPr>
         <p:spPr>
           <a:xfrm>
-            <a:off x="1516285" y="876301"/>
-            <a:ext cx="7627715" cy="369332"/>
+            <a:off x="970383" y="1477651"/>
+            <a:ext cx="6726782" cy="3970318"/>
           </a:xfrm>
           <a:prstGeom prst="rect">
             <a:avLst/>
@@ -15441,16 +14116,287 @@
           <a:lstStyle/>
           <a:p>
             <a:r>
-              <a:rPr kumimoji="1" lang="zh-CN" altLang="en-US" dirty="0" smtClean="0"/>
-              <a:t>更多测试用例详见</a:t>
-            </a:r>
-            <a:r>
-              <a:rPr kumimoji="1" lang="en-US" altLang="zh-CN" dirty="0" smtClean="0"/>
-              <a:t>G10</a:t>
-            </a:r>
-            <a:r>
-              <a:rPr kumimoji="1" lang="zh-CN" altLang="en-US" dirty="0" smtClean="0"/>
-              <a:t>测试计划</a:t>
+              <a:rPr lang="en-US" altLang="zh-CN" b="1" kern="100" dirty="0" smtClean="0">
+                <a:latin typeface="DengXian Light" charset="-122"/>
+                <a:ea typeface="DengXian Light" charset="-122"/>
+                <a:cs typeface="Times New Roman" charset="0"/>
+              </a:rPr>
+              <a:t>1</a:t>
+            </a:r>
+            <a:r>
+              <a:rPr lang="zh-CN" altLang="en-US" b="1" kern="100" dirty="0" smtClean="0">
+                <a:latin typeface="DengXian Light" charset="-122"/>
+                <a:ea typeface="DengXian Light" charset="-122"/>
+                <a:cs typeface="Times New Roman" charset="0"/>
+              </a:rPr>
+              <a:t>子系统范围</a:t>
+            </a:r>
+            <a:endParaRPr lang="en-US" altLang="zh-CN" b="1" kern="100" dirty="0" smtClean="0">
+              <a:latin typeface="DengXian Light" charset="-122"/>
+              <a:ea typeface="DengXian Light" charset="-122"/>
+              <a:cs typeface="Times New Roman" charset="0"/>
+            </a:endParaRPr>
+          </a:p>
+          <a:p>
+            <a:r>
+              <a:rPr kumimoji="1" lang="zh-CN" altLang="en-US" b="1" kern="100" dirty="0" smtClean="0">
+                <a:latin typeface="DengXian Light" charset="-122"/>
+                <a:ea typeface="DengXian Light" charset="-122"/>
+                <a:cs typeface="Times New Roman" charset="0"/>
+              </a:rPr>
+              <a:t>活动浏览系统：</a:t>
+            </a:r>
+            <a:endParaRPr kumimoji="1" lang="en-US" altLang="zh-CN" b="1" kern="100" dirty="0" smtClean="0">
+              <a:latin typeface="DengXian Light" charset="-122"/>
+              <a:ea typeface="DengXian Light" charset="-122"/>
+              <a:cs typeface="Times New Roman" charset="0"/>
+            </a:endParaRPr>
+          </a:p>
+          <a:p>
+            <a:r>
+              <a:rPr kumimoji="1" lang="en-US" altLang="zh-CN" b="1" kern="100" dirty="0" smtClean="0">
+                <a:latin typeface="DengXian Light" charset="-122"/>
+                <a:ea typeface="DengXian Light" charset="-122"/>
+                <a:cs typeface="Times New Roman" charset="0"/>
+              </a:rPr>
+              <a:t>1:</a:t>
+            </a:r>
+            <a:r>
+              <a:rPr kumimoji="1" lang="zh-CN" altLang="en-US" b="1" kern="100" dirty="0" smtClean="0">
+                <a:latin typeface="DengXian Light" charset="-122"/>
+                <a:ea typeface="DengXian Light" charset="-122"/>
+                <a:cs typeface="Times New Roman" charset="0"/>
+              </a:rPr>
+              <a:t>活动详情浏览系统</a:t>
+            </a:r>
+            <a:endParaRPr kumimoji="1" lang="en-US" altLang="zh-CN" b="1" kern="100" dirty="0" smtClean="0">
+              <a:latin typeface="DengXian Light" charset="-122"/>
+              <a:ea typeface="DengXian Light" charset="-122"/>
+              <a:cs typeface="Times New Roman" charset="0"/>
+            </a:endParaRPr>
+          </a:p>
+          <a:p>
+            <a:r>
+              <a:rPr kumimoji="1" lang="en-US" altLang="zh-CN" b="1" kern="100" dirty="0" smtClean="0">
+                <a:latin typeface="DengXian Light" charset="-122"/>
+                <a:ea typeface="DengXian Light" charset="-122"/>
+                <a:cs typeface="Times New Roman" charset="0"/>
+              </a:rPr>
+              <a:t>2</a:t>
+            </a:r>
+            <a:r>
+              <a:rPr kumimoji="1" lang="zh-CN" altLang="en-US" b="1" kern="100" dirty="0" smtClean="0">
+                <a:latin typeface="DengXian Light" charset="-122"/>
+                <a:ea typeface="DengXian Light" charset="-122"/>
+                <a:cs typeface="Times New Roman" charset="0"/>
+              </a:rPr>
+              <a:t>活动搜索系统</a:t>
+            </a:r>
+            <a:endParaRPr kumimoji="1" lang="en-US" altLang="zh-CN" b="1" kern="100" dirty="0" smtClean="0">
+              <a:latin typeface="DengXian Light" charset="-122"/>
+              <a:ea typeface="DengXian Light" charset="-122"/>
+              <a:cs typeface="Times New Roman" charset="0"/>
+            </a:endParaRPr>
+          </a:p>
+          <a:p>
+            <a:r>
+              <a:rPr kumimoji="1" lang="en-US" altLang="zh-CN" b="1" kern="100" dirty="0" smtClean="0">
+                <a:latin typeface="DengXian Light" charset="-122"/>
+                <a:ea typeface="DengXian Light" charset="-122"/>
+                <a:cs typeface="Times New Roman" charset="0"/>
+              </a:rPr>
+              <a:t>3</a:t>
+            </a:r>
+            <a:r>
+              <a:rPr kumimoji="1" lang="zh-CN" altLang="en-US" b="1" kern="100" dirty="0" smtClean="0">
+                <a:latin typeface="DengXian Light" charset="-122"/>
+                <a:ea typeface="DengXian Light" charset="-122"/>
+                <a:cs typeface="Times New Roman" charset="0"/>
+              </a:rPr>
+              <a:t>活动参与系统</a:t>
+            </a:r>
+            <a:endParaRPr kumimoji="1" lang="en-US" altLang="zh-CN" b="1" kern="100" dirty="0" smtClean="0">
+              <a:latin typeface="DengXian Light" charset="-122"/>
+              <a:ea typeface="DengXian Light" charset="-122"/>
+              <a:cs typeface="Times New Roman" charset="0"/>
+            </a:endParaRPr>
+          </a:p>
+          <a:p>
+            <a:r>
+              <a:rPr kumimoji="1" lang="zh-CN" altLang="en-US" b="1" kern="100" dirty="0" smtClean="0">
+                <a:latin typeface="DengXian Light" charset="-122"/>
+                <a:ea typeface="DengXian Light" charset="-122"/>
+                <a:cs typeface="Times New Roman" charset="0"/>
+              </a:rPr>
+              <a:t>个人活动系统</a:t>
+            </a:r>
+            <a:endParaRPr kumimoji="1" lang="en-US" altLang="zh-CN" b="1" kern="100" dirty="0" smtClean="0">
+              <a:latin typeface="DengXian Light" charset="-122"/>
+              <a:ea typeface="DengXian Light" charset="-122"/>
+              <a:cs typeface="Times New Roman" charset="0"/>
+            </a:endParaRPr>
+          </a:p>
+          <a:p>
+            <a:r>
+              <a:rPr kumimoji="1" lang="en-US" altLang="zh-CN" b="1" kern="100" dirty="0" smtClean="0">
+                <a:latin typeface="DengXian Light" charset="-122"/>
+                <a:ea typeface="DengXian Light" charset="-122"/>
+                <a:cs typeface="Times New Roman" charset="0"/>
+              </a:rPr>
+              <a:t>1:</a:t>
+            </a:r>
+            <a:r>
+              <a:rPr kumimoji="1" lang="zh-CN" altLang="en-US" b="1" kern="100" dirty="0" smtClean="0">
+                <a:latin typeface="DengXian Light" charset="-122"/>
+                <a:ea typeface="DengXian Light" charset="-122"/>
+                <a:cs typeface="Times New Roman" charset="0"/>
+              </a:rPr>
+              <a:t>个人分时活动系统</a:t>
+            </a:r>
+            <a:endParaRPr kumimoji="1" lang="en-US" altLang="zh-CN" b="1" kern="100" dirty="0" smtClean="0">
+              <a:latin typeface="DengXian Light" charset="-122"/>
+              <a:ea typeface="DengXian Light" charset="-122"/>
+              <a:cs typeface="Times New Roman" charset="0"/>
+            </a:endParaRPr>
+          </a:p>
+          <a:p>
+            <a:r>
+              <a:rPr kumimoji="1" lang="en-US" altLang="zh-CN" b="1" kern="100" dirty="0" smtClean="0">
+                <a:latin typeface="DengXian Light" charset="-122"/>
+                <a:ea typeface="DengXian Light" charset="-122"/>
+                <a:cs typeface="Times New Roman" charset="0"/>
+              </a:rPr>
+              <a:t>2:</a:t>
+            </a:r>
+            <a:r>
+              <a:rPr kumimoji="1" lang="zh-CN" altLang="en-US" b="1" kern="100" dirty="0" smtClean="0">
+                <a:latin typeface="DengXian Light" charset="-122"/>
+                <a:ea typeface="DengXian Light" charset="-122"/>
+                <a:cs typeface="Times New Roman" charset="0"/>
+              </a:rPr>
+              <a:t>活动详情浏览系统</a:t>
+            </a:r>
+            <a:endParaRPr kumimoji="1" lang="en-US" altLang="zh-CN" b="1" kern="100" dirty="0" smtClean="0">
+              <a:latin typeface="DengXian Light" charset="-122"/>
+              <a:ea typeface="DengXian Light" charset="-122"/>
+              <a:cs typeface="Times New Roman" charset="0"/>
+            </a:endParaRPr>
+          </a:p>
+          <a:p>
+            <a:r>
+              <a:rPr kumimoji="1" lang="zh-CN" altLang="en-US" b="1" kern="100" dirty="0" smtClean="0">
+                <a:latin typeface="DengXian Light" charset="-122"/>
+                <a:ea typeface="DengXian Light" charset="-122"/>
+                <a:cs typeface="Times New Roman" charset="0"/>
+              </a:rPr>
+              <a:t>活动处理系统</a:t>
+            </a:r>
+            <a:endParaRPr kumimoji="1" lang="en-US" altLang="zh-CN" b="1" kern="100" dirty="0" smtClean="0">
+              <a:latin typeface="DengXian Light" charset="-122"/>
+              <a:ea typeface="DengXian Light" charset="-122"/>
+              <a:cs typeface="Times New Roman" charset="0"/>
+            </a:endParaRPr>
+          </a:p>
+          <a:p>
+            <a:r>
+              <a:rPr kumimoji="1" lang="en-US" altLang="zh-CN" b="1" kern="100" dirty="0" smtClean="0">
+                <a:latin typeface="DengXian Light" charset="-122"/>
+                <a:ea typeface="DengXian Light" charset="-122"/>
+                <a:cs typeface="Times New Roman" charset="0"/>
+              </a:rPr>
+              <a:t>1:</a:t>
+            </a:r>
+            <a:r>
+              <a:rPr kumimoji="1" lang="zh-CN" altLang="en-US" b="1" kern="100" dirty="0" smtClean="0">
+                <a:latin typeface="DengXian Light" charset="-122"/>
+                <a:ea typeface="DengXian Light" charset="-122"/>
+                <a:cs typeface="Times New Roman" charset="0"/>
+              </a:rPr>
+              <a:t>活动发布系统</a:t>
+            </a:r>
+            <a:endParaRPr kumimoji="1" lang="en-US" altLang="zh-CN" b="1" kern="100" dirty="0" smtClean="0">
+              <a:latin typeface="DengXian Light" charset="-122"/>
+              <a:ea typeface="DengXian Light" charset="-122"/>
+              <a:cs typeface="Times New Roman" charset="0"/>
+            </a:endParaRPr>
+          </a:p>
+          <a:p>
+            <a:r>
+              <a:rPr kumimoji="1" lang="en-US" altLang="zh-CN" b="1" kern="100" dirty="0" smtClean="0">
+                <a:latin typeface="DengXian Light" charset="-122"/>
+                <a:ea typeface="DengXian Light" charset="-122"/>
+                <a:cs typeface="Times New Roman" charset="0"/>
+              </a:rPr>
+              <a:t>2:</a:t>
+            </a:r>
+            <a:r>
+              <a:rPr kumimoji="1" lang="zh-CN" altLang="en-US" b="1" kern="100" dirty="0" smtClean="0">
+                <a:latin typeface="DengXian Light" charset="-122"/>
+                <a:ea typeface="DengXian Light" charset="-122"/>
+                <a:cs typeface="Times New Roman" charset="0"/>
+              </a:rPr>
+              <a:t>活动通过系统</a:t>
+            </a:r>
+            <a:endParaRPr kumimoji="1" lang="en-US" altLang="zh-CN" b="1" kern="100" dirty="0" smtClean="0">
+              <a:latin typeface="DengXian Light" charset="-122"/>
+              <a:ea typeface="DengXian Light" charset="-122"/>
+              <a:cs typeface="Times New Roman" charset="0"/>
+            </a:endParaRPr>
+          </a:p>
+          <a:p>
+            <a:r>
+              <a:rPr kumimoji="1" lang="zh-CN" altLang="en-US" b="1" kern="100" dirty="0" smtClean="0">
+                <a:latin typeface="DengXian Light" charset="-122"/>
+                <a:ea typeface="DengXian Light" charset="-122"/>
+                <a:cs typeface="Times New Roman" charset="0"/>
+              </a:rPr>
+              <a:t>个人系统</a:t>
+            </a:r>
+            <a:endParaRPr kumimoji="1" lang="en-US" altLang="zh-CN" b="1" kern="100" dirty="0" smtClean="0">
+              <a:latin typeface="DengXian Light" charset="-122"/>
+              <a:ea typeface="DengXian Light" charset="-122"/>
+              <a:cs typeface="Times New Roman" charset="0"/>
+            </a:endParaRPr>
+          </a:p>
+          <a:p>
+            <a:r>
+              <a:rPr kumimoji="1" lang="en-US" altLang="zh-CN" b="1" kern="100" dirty="0" smtClean="0">
+                <a:latin typeface="DengXian Light" charset="-122"/>
+                <a:ea typeface="DengXian Light" charset="-122"/>
+                <a:cs typeface="Times New Roman" charset="0"/>
+              </a:rPr>
+              <a:t>1:</a:t>
+            </a:r>
+            <a:r>
+              <a:rPr kumimoji="1" lang="zh-CN" altLang="en-US" b="1" kern="100" dirty="0" smtClean="0">
+                <a:latin typeface="DengXian Light" charset="-122"/>
+                <a:ea typeface="DengXian Light" charset="-122"/>
+                <a:cs typeface="Times New Roman" charset="0"/>
+              </a:rPr>
+              <a:t>登陆系统</a:t>
+            </a:r>
+            <a:endParaRPr kumimoji="1" lang="en-US" altLang="zh-CN" b="1" kern="100" dirty="0" smtClean="0">
+              <a:latin typeface="DengXian Light" charset="-122"/>
+              <a:ea typeface="DengXian Light" charset="-122"/>
+              <a:cs typeface="Times New Roman" charset="0"/>
+            </a:endParaRPr>
+          </a:p>
+          <a:p>
+            <a:r>
+              <a:rPr kumimoji="1" lang="en-US" altLang="zh-CN" b="1" kern="100" dirty="0" smtClean="0">
+                <a:latin typeface="DengXian Light" charset="-122"/>
+                <a:ea typeface="DengXian Light" charset="-122"/>
+                <a:cs typeface="Times New Roman" charset="0"/>
+              </a:rPr>
+              <a:t>2:</a:t>
+            </a:r>
+            <a:r>
+              <a:rPr kumimoji="1" lang="zh-CN" altLang="en-US" b="1" kern="100" dirty="0" smtClean="0">
+                <a:latin typeface="DengXian Light" charset="-122"/>
+                <a:ea typeface="DengXian Light" charset="-122"/>
+                <a:cs typeface="Times New Roman" charset="0"/>
+              </a:rPr>
+              <a:t>登出系统</a:t>
             </a:r>
             <a:endParaRPr kumimoji="1" lang="zh-CN" altLang="en-US" dirty="0"/>
           </a:p>
@@ -15459,7 +14405,7 @@
     </p:spTree>
     <p:extLst>
       <p:ext uri="{BB962C8B-B14F-4D97-AF65-F5344CB8AC3E}">
-        <p14:creationId xmlns:p14="http://schemas.microsoft.com/office/powerpoint/2010/main" val="1277883602"/>
+        <p14:creationId xmlns:p14="http://schemas.microsoft.com/office/powerpoint/2010/main" val="1036203668"/>
       </p:ext>
     </p:extLst>
   </p:cSld>
@@ -15545,6 +14491,710 @@
           <a:p>
             <a:r>
               <a:rPr kumimoji="1" lang="zh-CN" altLang="en-US" dirty="0" smtClean="0"/>
+              <a:t>测试用例设计原则</a:t>
+            </a:r>
+            <a:endParaRPr kumimoji="1" lang="zh-CN" altLang="en-US" dirty="0"/>
+          </a:p>
+        </p:txBody>
+      </p:sp>
+      <p:sp>
+        <p:nvSpPr>
+          <p:cNvPr id="4" name="矩形 3"/>
+          <p:cNvSpPr/>
+          <p:nvPr/>
+        </p:nvSpPr>
+        <p:spPr>
+          <a:xfrm>
+            <a:off x="1110083" y="2377819"/>
+            <a:ext cx="9052489" cy="1477328"/>
+          </a:xfrm>
+          <a:prstGeom prst="rect">
+            <a:avLst/>
+          </a:prstGeom>
+        </p:spPr>
+        <p:txBody>
+          <a:bodyPr wrap="square">
+            <a:spAutoFit/>
+          </a:bodyPr>
+          <a:lstStyle/>
+          <a:p>
+            <a:pPr algn="just">
+              <a:spcAft>
+                <a:spcPts val="0"/>
+              </a:spcAft>
+            </a:pPr>
+            <a:r>
+              <a:rPr lang="zh-CN" altLang="zh-CN" kern="100" dirty="0">
+                <a:latin typeface="DengXian" charset="-122"/>
+                <a:ea typeface="DengXian" charset="-122"/>
+                <a:cs typeface="Times New Roman" charset="0"/>
+              </a:rPr>
+              <a:t>本测试采用黑盒测试，使用的测试技术为等价划分。我们根据输入的数据类型，长度不同把输入分为不同的等价类。用一类等价类来代表一类输入</a:t>
+            </a:r>
+            <a:r>
+              <a:rPr lang="zh-CN" altLang="zh-CN" kern="100" dirty="0" smtClean="0">
+                <a:latin typeface="DengXian" charset="-122"/>
+                <a:ea typeface="DengXian" charset="-122"/>
+                <a:cs typeface="Times New Roman" charset="0"/>
+              </a:rPr>
+              <a:t>。</a:t>
+            </a:r>
+            <a:endParaRPr lang="en-US" altLang="zh-CN" kern="100" dirty="0" smtClean="0">
+              <a:latin typeface="DengXian" charset="-122"/>
+              <a:ea typeface="DengXian" charset="-122"/>
+              <a:cs typeface="Times New Roman" charset="0"/>
+            </a:endParaRPr>
+          </a:p>
+          <a:p>
+            <a:pPr algn="just">
+              <a:spcAft>
+                <a:spcPts val="0"/>
+              </a:spcAft>
+            </a:pPr>
+            <a:endParaRPr lang="en-US" altLang="zh-CN" kern="100" dirty="0" smtClean="0">
+              <a:latin typeface="DengXian" charset="-122"/>
+              <a:ea typeface="DengXian" charset="-122"/>
+              <a:cs typeface="Times New Roman" charset="0"/>
+            </a:endParaRPr>
+          </a:p>
+          <a:p>
+            <a:pPr algn="just">
+              <a:spcAft>
+                <a:spcPts val="0"/>
+              </a:spcAft>
+            </a:pPr>
+            <a:r>
+              <a:rPr lang="zh-CN" altLang="zh-CN" kern="100" dirty="0" smtClean="0">
+                <a:latin typeface="DengXian" charset="-122"/>
+                <a:ea typeface="DengXian" charset="-122"/>
+                <a:cs typeface="Times New Roman" charset="0"/>
+              </a:rPr>
+              <a:t>在</a:t>
+            </a:r>
+            <a:r>
+              <a:rPr lang="zh-CN" altLang="zh-CN" kern="100" dirty="0">
+                <a:latin typeface="DengXian" charset="-122"/>
+                <a:ea typeface="DengXian" charset="-122"/>
+                <a:cs typeface="Times New Roman" charset="0"/>
+              </a:rPr>
+              <a:t>等价划分的基础上，我们采用了边界值分析法。在设计测试用例的时候在边界上设置测试用例。</a:t>
+            </a:r>
+            <a:endParaRPr lang="zh-CN" altLang="zh-CN" kern="100" dirty="0">
+              <a:effectLst/>
+              <a:latin typeface="DengXian" charset="-122"/>
+              <a:ea typeface="DengXian" charset="-122"/>
+              <a:cs typeface="Times New Roman" charset="0"/>
+            </a:endParaRPr>
+          </a:p>
+        </p:txBody>
+      </p:sp>
+    </p:spTree>
+    <p:extLst>
+      <p:ext uri="{BB962C8B-B14F-4D97-AF65-F5344CB8AC3E}">
+        <p14:creationId xmlns:p14="http://schemas.microsoft.com/office/powerpoint/2010/main" val="1980514301"/>
+      </p:ext>
+    </p:extLst>
+  </p:cSld>
+  <p:clrMapOvr>
+    <a:masterClrMapping/>
+  </p:clrMapOvr>
+</p:sld>
+</file>
+
+<file path=ppt/slides/slide22.xml><?xml version="1.0" encoding="utf-8"?>
+<p:sld xmlns:a="http://schemas.openxmlformats.org/drawingml/2006/main" xmlns:r="http://schemas.openxmlformats.org/officeDocument/2006/relationships" xmlns:p="http://schemas.openxmlformats.org/presentationml/2006/main">
+  <p:cSld>
+    <p:spTree>
+      <p:nvGrpSpPr>
+        <p:cNvPr id="1" name=""/>
+        <p:cNvGrpSpPr/>
+        <p:nvPr/>
+      </p:nvGrpSpPr>
+      <p:grpSpPr>
+        <a:xfrm>
+          <a:off x="0" y="0"/>
+          <a:ext cx="0" cy="0"/>
+          <a:chOff x="0" y="0"/>
+          <a:chExt cx="0" cy="0"/>
+        </a:xfrm>
+      </p:grpSpPr>
+      <p:sp>
+        <p:nvSpPr>
+          <p:cNvPr id="2" name="文本占位符 1"/>
+          <p:cNvSpPr>
+            <a:spLocks noGrp="1"/>
+          </p:cNvSpPr>
+          <p:nvPr>
+            <p:ph type="body" sz="quarter" idx="12"/>
+          </p:nvPr>
+        </p:nvSpPr>
+        <p:spPr/>
+        <p:txBody>
+          <a:bodyPr/>
+          <a:lstStyle/>
+          <a:p>
+            <a:r>
+              <a:rPr kumimoji="1" lang="en-US" altLang="zh-CN" dirty="0" smtClean="0"/>
+              <a:t>04</a:t>
+            </a:r>
+            <a:endParaRPr kumimoji="1" lang="zh-CN" altLang="en-US" dirty="0"/>
+          </a:p>
+        </p:txBody>
+      </p:sp>
+      <p:sp>
+        <p:nvSpPr>
+          <p:cNvPr id="3" name="文本占位符 2"/>
+          <p:cNvSpPr>
+            <a:spLocks noGrp="1"/>
+          </p:cNvSpPr>
+          <p:nvPr>
+            <p:ph type="body" sz="quarter" idx="13"/>
+          </p:nvPr>
+        </p:nvSpPr>
+        <p:spPr/>
+        <p:txBody>
+          <a:bodyPr/>
+          <a:lstStyle/>
+          <a:p>
+            <a:r>
+              <a:rPr kumimoji="1" lang="zh-CN" altLang="en-US" dirty="0" smtClean="0"/>
+              <a:t>等价类划分示例</a:t>
+            </a:r>
+            <a:endParaRPr kumimoji="1" lang="zh-CN" altLang="en-US" dirty="0"/>
+          </a:p>
+        </p:txBody>
+      </p:sp>
+      <p:graphicFrame>
+        <p:nvGraphicFramePr>
+          <p:cNvPr id="8" name="表格 7"/>
+          <p:cNvGraphicFramePr>
+            <a:graphicFrameLocks noGrp="1"/>
+          </p:cNvGraphicFramePr>
+          <p:nvPr>
+            <p:extLst>
+              <p:ext uri="{D42A27DB-BD31-4B8C-83A1-F6EECF244321}">
+                <p14:modId xmlns:p14="http://schemas.microsoft.com/office/powerpoint/2010/main" val="446099604"/>
+              </p:ext>
+            </p:extLst>
+          </p:nvPr>
+        </p:nvGraphicFramePr>
+        <p:xfrm>
+          <a:off x="824579" y="2129282"/>
+          <a:ext cx="6120231" cy="3229795"/>
+        </p:xfrm>
+        <a:graphic>
+          <a:graphicData uri="http://schemas.openxmlformats.org/drawingml/2006/table">
+            <a:tbl>
+              <a:tblPr firstRow="1" firstCol="1" bandRow="1">
+                <a:tableStyleId>{5C22544A-7EE6-4342-B048-85BDC9FD1C3A}</a:tableStyleId>
+              </a:tblPr>
+              <a:tblGrid>
+                <a:gridCol w="2039585"/>
+                <a:gridCol w="2040323"/>
+                <a:gridCol w="2040323"/>
+              </a:tblGrid>
+              <a:tr h="367564">
+                <a:tc>
+                  <a:txBody>
+                    <a:bodyPr/>
+                    <a:lstStyle/>
+                    <a:p>
+                      <a:pPr algn="just">
+                        <a:spcAft>
+                          <a:spcPts val="0"/>
+                        </a:spcAft>
+                      </a:pPr>
+                      <a:r>
+                        <a:rPr lang="zh-CN" sz="2000" kern="100">
+                          <a:effectLst/>
+                        </a:rPr>
+                        <a:t>输入条件</a:t>
+                      </a:r>
+                      <a:endParaRPr lang="zh-CN" sz="1800" kern="100">
+                        <a:effectLst/>
+                        <a:latin typeface="DengXian" charset="-122"/>
+                        <a:ea typeface="DengXian" charset="-122"/>
+                        <a:cs typeface="Times New Roman" charset="0"/>
+                      </a:endParaRPr>
+                    </a:p>
+                  </a:txBody>
+                  <a:tcPr marL="68580" marR="68580" marT="0" marB="0"/>
+                </a:tc>
+                <a:tc>
+                  <a:txBody>
+                    <a:bodyPr/>
+                    <a:lstStyle/>
+                    <a:p>
+                      <a:pPr algn="just">
+                        <a:spcAft>
+                          <a:spcPts val="0"/>
+                        </a:spcAft>
+                      </a:pPr>
+                      <a:r>
+                        <a:rPr lang="zh-CN" sz="2000" kern="100">
+                          <a:effectLst/>
+                        </a:rPr>
+                        <a:t>有效等价类</a:t>
+                      </a:r>
+                      <a:endParaRPr lang="zh-CN" sz="1800" kern="100">
+                        <a:effectLst/>
+                        <a:latin typeface="DengXian" charset="-122"/>
+                        <a:ea typeface="DengXian" charset="-122"/>
+                        <a:cs typeface="Times New Roman" charset="0"/>
+                      </a:endParaRPr>
+                    </a:p>
+                  </a:txBody>
+                  <a:tcPr marL="68580" marR="68580" marT="0" marB="0"/>
+                </a:tc>
+                <a:tc>
+                  <a:txBody>
+                    <a:bodyPr/>
+                    <a:lstStyle/>
+                    <a:p>
+                      <a:pPr algn="just">
+                        <a:spcAft>
+                          <a:spcPts val="0"/>
+                        </a:spcAft>
+                      </a:pPr>
+                      <a:r>
+                        <a:rPr lang="zh-CN" sz="2000" kern="100">
+                          <a:effectLst/>
+                        </a:rPr>
+                        <a:t>无效等价类</a:t>
+                      </a:r>
+                      <a:endParaRPr lang="zh-CN" sz="1800" kern="100">
+                        <a:effectLst/>
+                        <a:latin typeface="DengXian" charset="-122"/>
+                        <a:ea typeface="DengXian" charset="-122"/>
+                        <a:cs typeface="Times New Roman" charset="0"/>
+                      </a:endParaRPr>
+                    </a:p>
+                  </a:txBody>
+                  <a:tcPr marL="68580" marR="68580" marT="0" marB="0"/>
+                </a:tc>
+              </a:tr>
+              <a:tr h="1102694">
+                <a:tc rowSpan="2">
+                  <a:txBody>
+                    <a:bodyPr/>
+                    <a:lstStyle/>
+                    <a:p>
+                      <a:pPr algn="just">
+                        <a:spcAft>
+                          <a:spcPts val="0"/>
+                        </a:spcAft>
+                      </a:pPr>
+                      <a:r>
+                        <a:rPr lang="zh-CN" sz="2000" kern="100" dirty="0">
+                          <a:effectLst/>
+                        </a:rPr>
+                        <a:t>用户</a:t>
+                      </a:r>
+                      <a:r>
+                        <a:rPr lang="en-US" sz="2000" kern="100" dirty="0">
+                          <a:effectLst/>
+                        </a:rPr>
+                        <a:t>id</a:t>
+                      </a:r>
+                      <a:endParaRPr lang="zh-CN" sz="1800" kern="100" dirty="0">
+                        <a:effectLst/>
+                        <a:latin typeface="DengXian" charset="-122"/>
+                        <a:ea typeface="DengXian" charset="-122"/>
+                        <a:cs typeface="Times New Roman" charset="0"/>
+                      </a:endParaRPr>
+                    </a:p>
+                  </a:txBody>
+                  <a:tcPr marL="68580" marR="68580" marT="0" marB="0"/>
+                </a:tc>
+                <a:tc>
+                  <a:txBody>
+                    <a:bodyPr/>
+                    <a:lstStyle/>
+                    <a:p>
+                      <a:pPr algn="just">
+                        <a:spcAft>
+                          <a:spcPts val="0"/>
+                        </a:spcAft>
+                      </a:pPr>
+                      <a:r>
+                        <a:rPr lang="en-US" sz="2000" kern="100">
+                          <a:effectLst/>
+                        </a:rPr>
+                        <a:t>1</a:t>
+                      </a:r>
+                      <a:r>
+                        <a:rPr lang="zh-CN" sz="2000" kern="100">
+                          <a:effectLst/>
+                        </a:rPr>
+                        <a:t>）</a:t>
+                      </a:r>
+                      <a:r>
+                        <a:rPr lang="en-US" sz="2000" kern="100">
+                          <a:effectLst/>
+                        </a:rPr>
+                        <a:t>6-8</a:t>
+                      </a:r>
+                      <a:r>
+                        <a:rPr lang="zh-CN" sz="2000" kern="100">
+                          <a:effectLst/>
+                        </a:rPr>
+                        <a:t>个字符</a:t>
+                      </a:r>
+                      <a:endParaRPr lang="zh-CN" sz="1800" kern="100">
+                        <a:effectLst/>
+                        <a:latin typeface="DengXian" charset="-122"/>
+                        <a:ea typeface="DengXian" charset="-122"/>
+                        <a:cs typeface="Times New Roman" charset="0"/>
+                      </a:endParaRPr>
+                    </a:p>
+                  </a:txBody>
+                  <a:tcPr marL="68580" marR="68580" marT="0" marB="0"/>
+                </a:tc>
+                <a:tc>
+                  <a:txBody>
+                    <a:bodyPr/>
+                    <a:lstStyle/>
+                    <a:p>
+                      <a:pPr algn="just">
+                        <a:spcAft>
+                          <a:spcPts val="0"/>
+                        </a:spcAft>
+                      </a:pPr>
+                      <a:r>
+                        <a:rPr lang="en-US" sz="2000" kern="100">
+                          <a:effectLst/>
+                        </a:rPr>
+                        <a:t>2</a:t>
+                      </a:r>
+                      <a:r>
+                        <a:rPr lang="zh-CN" sz="2000" kern="100">
+                          <a:effectLst/>
+                        </a:rPr>
+                        <a:t>）多于</a:t>
+                      </a:r>
+                      <a:r>
+                        <a:rPr lang="en-US" sz="2000" kern="100">
+                          <a:effectLst/>
+                        </a:rPr>
+                        <a:t>8</a:t>
+                      </a:r>
+                      <a:r>
+                        <a:rPr lang="zh-CN" sz="2000" kern="100">
+                          <a:effectLst/>
+                        </a:rPr>
+                        <a:t>个字符</a:t>
+                      </a:r>
+                      <a:endParaRPr lang="zh-CN" sz="1800" kern="100">
+                        <a:effectLst/>
+                      </a:endParaRPr>
+                    </a:p>
+                    <a:p>
+                      <a:pPr algn="just">
+                        <a:spcAft>
+                          <a:spcPts val="0"/>
+                        </a:spcAft>
+                      </a:pPr>
+                      <a:r>
+                        <a:rPr lang="en-US" sz="2000" kern="100">
+                          <a:effectLst/>
+                        </a:rPr>
+                        <a:t>3</a:t>
+                      </a:r>
+                      <a:r>
+                        <a:rPr lang="zh-CN" sz="2000" kern="100">
+                          <a:effectLst/>
+                        </a:rPr>
+                        <a:t>）少于</a:t>
+                      </a:r>
+                      <a:r>
+                        <a:rPr lang="en-US" sz="2000" kern="100">
+                          <a:effectLst/>
+                        </a:rPr>
+                        <a:t>6</a:t>
+                      </a:r>
+                      <a:r>
+                        <a:rPr lang="zh-CN" sz="2000" kern="100">
+                          <a:effectLst/>
+                        </a:rPr>
+                        <a:t>个字符</a:t>
+                      </a:r>
+                      <a:endParaRPr lang="zh-CN" sz="1800" kern="100">
+                        <a:effectLst/>
+                      </a:endParaRPr>
+                    </a:p>
+                    <a:p>
+                      <a:pPr algn="just">
+                        <a:spcAft>
+                          <a:spcPts val="0"/>
+                        </a:spcAft>
+                      </a:pPr>
+                      <a:r>
+                        <a:rPr lang="en-US" sz="2000" kern="100">
+                          <a:effectLst/>
+                        </a:rPr>
+                        <a:t>4</a:t>
+                      </a:r>
+                      <a:r>
+                        <a:rPr lang="zh-CN" sz="2000" kern="100">
+                          <a:effectLst/>
+                        </a:rPr>
+                        <a:t>）空</a:t>
+                      </a:r>
+                      <a:endParaRPr lang="zh-CN" sz="1800" kern="100">
+                        <a:effectLst/>
+                        <a:latin typeface="DengXian" charset="-122"/>
+                        <a:ea typeface="DengXian" charset="-122"/>
+                        <a:cs typeface="Times New Roman" charset="0"/>
+                      </a:endParaRPr>
+                    </a:p>
+                  </a:txBody>
+                  <a:tcPr marL="68580" marR="68580" marT="0" marB="0"/>
+                </a:tc>
+              </a:tr>
+              <a:tr h="1759537">
+                <a:tc vMerge="1">
+                  <a:txBody>
+                    <a:bodyPr/>
+                    <a:lstStyle/>
+                    <a:p>
+                      <a:endParaRPr lang="zh-CN" altLang="en-US"/>
+                    </a:p>
+                  </a:txBody>
+                  <a:tcPr/>
+                </a:tc>
+                <a:tc>
+                  <a:txBody>
+                    <a:bodyPr/>
+                    <a:lstStyle/>
+                    <a:p>
+                      <a:pPr algn="just">
+                        <a:spcAft>
+                          <a:spcPts val="0"/>
+                        </a:spcAft>
+                      </a:pPr>
+                      <a:r>
+                        <a:rPr lang="en-US" sz="2000" kern="100">
+                          <a:effectLst/>
+                        </a:rPr>
+                        <a:t>5</a:t>
+                      </a:r>
+                      <a:r>
+                        <a:rPr lang="zh-CN" sz="2000" kern="100">
+                          <a:effectLst/>
+                        </a:rPr>
+                        <a:t>）</a:t>
+                      </a:r>
+                      <a:r>
+                        <a:rPr lang="en-US" sz="2000" kern="100">
+                          <a:effectLst/>
+                        </a:rPr>
+                        <a:t>:</a:t>
+                      </a:r>
+                      <a:r>
+                        <a:rPr lang="zh-CN" sz="2000" kern="100">
+                          <a:effectLst/>
+                        </a:rPr>
+                        <a:t>包含数字，字母</a:t>
+                      </a:r>
+                      <a:endParaRPr lang="zh-CN" sz="1800" kern="100">
+                        <a:effectLst/>
+                        <a:latin typeface="DengXian" charset="-122"/>
+                        <a:ea typeface="DengXian" charset="-122"/>
+                        <a:cs typeface="Times New Roman" charset="0"/>
+                      </a:endParaRPr>
+                    </a:p>
+                  </a:txBody>
+                  <a:tcPr marL="68580" marR="68580" marT="0" marB="0"/>
+                </a:tc>
+                <a:tc>
+                  <a:txBody>
+                    <a:bodyPr/>
+                    <a:lstStyle/>
+                    <a:p>
+                      <a:pPr algn="just">
+                        <a:spcAft>
+                          <a:spcPts val="0"/>
+                        </a:spcAft>
+                      </a:pPr>
+                      <a:r>
+                        <a:rPr lang="en-US" sz="2000" kern="100" dirty="0">
+                          <a:effectLst/>
+                        </a:rPr>
+                        <a:t>6</a:t>
+                      </a:r>
+                      <a:r>
+                        <a:rPr lang="zh-CN" sz="2000" kern="100" dirty="0">
+                          <a:effectLst/>
+                        </a:rPr>
+                        <a:t>）包含除数字，字母以外的字符</a:t>
+                      </a:r>
+                      <a:endParaRPr lang="zh-CN" sz="1800" kern="100" dirty="0">
+                        <a:effectLst/>
+                      </a:endParaRPr>
+                    </a:p>
+                    <a:p>
+                      <a:pPr algn="just">
+                        <a:spcAft>
+                          <a:spcPts val="0"/>
+                        </a:spcAft>
+                      </a:pPr>
+                      <a:r>
+                        <a:rPr lang="en-US" sz="2000" kern="100" dirty="0">
+                          <a:effectLst/>
+                        </a:rPr>
+                        <a:t>7</a:t>
+                      </a:r>
+                      <a:r>
+                        <a:rPr lang="zh-CN" sz="2000" kern="100" dirty="0">
+                          <a:effectLst/>
+                        </a:rPr>
+                        <a:t>）包含中文字符</a:t>
+                      </a:r>
+                      <a:endParaRPr lang="zh-CN" sz="1800" kern="100" dirty="0">
+                        <a:effectLst/>
+                      </a:endParaRPr>
+                    </a:p>
+                    <a:p>
+                      <a:pPr algn="just">
+                        <a:spcAft>
+                          <a:spcPts val="0"/>
+                        </a:spcAft>
+                      </a:pPr>
+                      <a:r>
+                        <a:rPr lang="en-US" sz="2000" kern="100" dirty="0">
+                          <a:effectLst/>
+                        </a:rPr>
+                        <a:t>8</a:t>
+                      </a:r>
+                      <a:r>
+                        <a:rPr lang="zh-CN" sz="2000" kern="100" dirty="0">
+                          <a:effectLst/>
+                        </a:rPr>
+                        <a:t>）包含空格</a:t>
+                      </a:r>
+                      <a:endParaRPr lang="zh-CN" sz="1800" kern="100" dirty="0">
+                        <a:effectLst/>
+                        <a:latin typeface="DengXian" charset="-122"/>
+                        <a:ea typeface="DengXian" charset="-122"/>
+                        <a:cs typeface="Times New Roman" charset="0"/>
+                      </a:endParaRPr>
+                    </a:p>
+                  </a:txBody>
+                  <a:tcPr marL="68580" marR="68580" marT="0" marB="0"/>
+                </a:tc>
+              </a:tr>
+            </a:tbl>
+          </a:graphicData>
+        </a:graphic>
+      </p:graphicFrame>
+      <p:sp>
+        <p:nvSpPr>
+          <p:cNvPr id="10" name="文本框 9"/>
+          <p:cNvSpPr txBox="1"/>
+          <p:nvPr/>
+        </p:nvSpPr>
+        <p:spPr>
+          <a:xfrm>
+            <a:off x="824579" y="1318125"/>
+            <a:ext cx="4526788" cy="369332"/>
+          </a:xfrm>
+          <a:prstGeom prst="rect">
+            <a:avLst/>
+          </a:prstGeom>
+          <a:noFill/>
+        </p:spPr>
+        <p:txBody>
+          <a:bodyPr wrap="square" rtlCol="0">
+            <a:spAutoFit/>
+          </a:bodyPr>
+          <a:lstStyle/>
+          <a:p>
+            <a:r>
+              <a:rPr kumimoji="1" lang="zh-CN" altLang="en-US" dirty="0" smtClean="0"/>
+              <a:t>用户</a:t>
+            </a:r>
+            <a:r>
+              <a:rPr kumimoji="1" lang="en-US" altLang="zh-CN" dirty="0" smtClean="0"/>
+              <a:t>ID</a:t>
+            </a:r>
+            <a:r>
+              <a:rPr kumimoji="1" lang="zh-CN" altLang="en-US" dirty="0" smtClean="0"/>
+              <a:t>的等价类划分</a:t>
+            </a:r>
+            <a:endParaRPr kumimoji="1" lang="zh-CN" altLang="en-US" dirty="0"/>
+          </a:p>
+        </p:txBody>
+      </p:sp>
+    </p:spTree>
+    <p:extLst>
+      <p:ext uri="{BB962C8B-B14F-4D97-AF65-F5344CB8AC3E}">
+        <p14:creationId xmlns:p14="http://schemas.microsoft.com/office/powerpoint/2010/main" val="1880831321"/>
+      </p:ext>
+    </p:extLst>
+  </p:cSld>
+  <p:clrMapOvr>
+    <a:masterClrMapping/>
+  </p:clrMapOvr>
+</p:sld>
+</file>
+
+<file path=ppt/slides/slide23.xml><?xml version="1.0" encoding="utf-8"?>
+<p:sld xmlns:a="http://schemas.openxmlformats.org/drawingml/2006/main" xmlns:r="http://schemas.openxmlformats.org/officeDocument/2006/relationships" xmlns:p="http://schemas.openxmlformats.org/presentationml/2006/main">
+  <p:cSld>
+    <p:spTree>
+      <p:nvGrpSpPr>
+        <p:cNvPr id="1" name=""/>
+        <p:cNvGrpSpPr/>
+        <p:nvPr/>
+      </p:nvGrpSpPr>
+      <p:grpSpPr>
+        <a:xfrm>
+          <a:off x="0" y="0"/>
+          <a:ext cx="0" cy="0"/>
+          <a:chOff x="0" y="0"/>
+          <a:chExt cx="0" cy="0"/>
+        </a:xfrm>
+      </p:grpSpPr>
+      <p:sp>
+        <p:nvSpPr>
+          <p:cNvPr id="2" name="文本占位符 1"/>
+          <p:cNvSpPr>
+            <a:spLocks noGrp="1"/>
+          </p:cNvSpPr>
+          <p:nvPr>
+            <p:ph type="body" sz="quarter" idx="12"/>
+          </p:nvPr>
+        </p:nvSpPr>
+        <p:spPr/>
+        <p:txBody>
+          <a:bodyPr/>
+          <a:lstStyle/>
+          <a:p>
+            <a:r>
+              <a:rPr kumimoji="1" lang="en-US" altLang="zh-CN" dirty="0" smtClean="0"/>
+              <a:t>04</a:t>
+            </a:r>
+            <a:endParaRPr kumimoji="1" lang="zh-CN" altLang="en-US" dirty="0"/>
+          </a:p>
+        </p:txBody>
+      </p:sp>
+      <p:sp>
+        <p:nvSpPr>
+          <p:cNvPr id="3" name="文本占位符 2"/>
+          <p:cNvSpPr>
+            <a:spLocks noGrp="1"/>
+          </p:cNvSpPr>
+          <p:nvPr>
+            <p:ph type="body" sz="quarter" idx="13"/>
+          </p:nvPr>
+        </p:nvSpPr>
+        <p:spPr/>
+        <p:txBody>
+          <a:bodyPr/>
+          <a:lstStyle/>
+          <a:p>
+            <a:r>
+              <a:rPr kumimoji="1" lang="zh-CN" altLang="en-US" dirty="0" smtClean="0"/>
               <a:t>测试用例设计</a:t>
             </a:r>
             <a:endParaRPr kumimoji="1" lang="zh-CN" altLang="en-US" dirty="0"/>
@@ -15620,23 +15270,61 @@
           </a:p>
         </p:txBody>
       </p:sp>
+      <p:sp>
+        <p:nvSpPr>
+          <p:cNvPr id="4" name="文本框 3"/>
+          <p:cNvSpPr txBox="1"/>
+          <p:nvPr/>
+        </p:nvSpPr>
+        <p:spPr>
+          <a:xfrm>
+            <a:off x="3379810" y="365452"/>
+            <a:ext cx="7627715" cy="369332"/>
+          </a:xfrm>
+          <a:prstGeom prst="rect">
+            <a:avLst/>
+          </a:prstGeom>
+          <a:noFill/>
+        </p:spPr>
+        <p:txBody>
+          <a:bodyPr wrap="square" rtlCol="0">
+            <a:spAutoFit/>
+          </a:bodyPr>
+          <a:lstStyle/>
+          <a:p>
+            <a:r>
+              <a:rPr kumimoji="1" lang="zh-CN" altLang="en-US" dirty="0" smtClean="0"/>
+              <a:t>更多测试用例详见</a:t>
+            </a:r>
+            <a:r>
+              <a:rPr kumimoji="1" lang="en-US" altLang="zh-CN" dirty="0" smtClean="0"/>
+              <a:t>G10</a:t>
+            </a:r>
+            <a:r>
+              <a:rPr kumimoji="1" lang="zh-CN" altLang="en-US" dirty="0" smtClean="0"/>
+              <a:t>测试计划</a:t>
+            </a:r>
+            <a:endParaRPr kumimoji="1" lang="zh-CN" altLang="en-US" dirty="0"/>
+          </a:p>
+        </p:txBody>
+      </p:sp>
       <p:graphicFrame>
         <p:nvGraphicFramePr>
-          <p:cNvPr id="4" name="表格 3"/>
+          <p:cNvPr id="6" name="表格 5"/>
           <p:cNvGraphicFramePr>
             <a:graphicFrameLocks noGrp="1"/>
           </p:cNvGraphicFramePr>
           <p:nvPr>
             <p:extLst>
               <p:ext uri="{D42A27DB-BD31-4B8C-83A1-F6EECF244321}">
-                <p14:modId xmlns:p14="http://schemas.microsoft.com/office/powerpoint/2010/main" val="682674205"/>
+                <p14:modId xmlns:p14="http://schemas.microsoft.com/office/powerpoint/2010/main" val="501209465"/>
               </p:ext>
             </p:extLst>
           </p:nvPr>
         </p:nvGraphicFramePr>
         <p:xfrm>
-          <a:off x="1213597" y="791131"/>
-          <a:ext cx="8567713" cy="5434043"/>
+          <a:off x="1110083" y="876301"/>
+          <a:ext cx="7412881" cy="5591256"/>
         </p:xfrm>
         <a:graphic>
           <a:graphicData uri="http://schemas.openxmlformats.org/drawingml/2006/table">
@@ -15645,36 +15333,13 @@
                 <a:tableStyleId>{5C22544A-7EE6-4342-B048-85BDC9FD1C3A}</a:tableStyleId>
               </a:tblPr>
               <a:tblGrid>
-                <a:gridCol w="1805228">
-                  <a:extLst>
-                    <a:ext uri="{9D8B030D-6E8A-4147-A177-3AD203B41FA5}">
-                      <a16:colId xmlns:a16="http://schemas.microsoft.com/office/drawing/2014/main" xmlns="" val="20000"/>
-                    </a:ext>
-                  </a:extLst>
-                </a:gridCol>
-                <a:gridCol w="1802472">
-                  <a:extLst>
-                    <a:ext uri="{9D8B030D-6E8A-4147-A177-3AD203B41FA5}">
-                      <a16:colId xmlns:a16="http://schemas.microsoft.com/office/drawing/2014/main" xmlns="" val="20001"/>
-                    </a:ext>
-                  </a:extLst>
-                </a:gridCol>
-                <a:gridCol w="1806147">
-                  <a:extLst>
-                    <a:ext uri="{9D8B030D-6E8A-4147-A177-3AD203B41FA5}">
-                      <a16:colId xmlns:a16="http://schemas.microsoft.com/office/drawing/2014/main" xmlns="" val="20002"/>
-                    </a:ext>
-                  </a:extLst>
-                </a:gridCol>
-                <a:gridCol w="3153866">
-                  <a:extLst>
-                    <a:ext uri="{9D8B030D-6E8A-4147-A177-3AD203B41FA5}">
-                      <a16:colId xmlns:a16="http://schemas.microsoft.com/office/drawing/2014/main" xmlns="" val="20003"/>
-                    </a:ext>
-                  </a:extLst>
-                </a:gridCol>
+                <a:gridCol w="1369299"/>
+                <a:gridCol w="1482737"/>
+                <a:gridCol w="1140010"/>
+                <a:gridCol w="1367690"/>
+                <a:gridCol w="2053145"/>
               </a:tblGrid>
-              <a:tr h="653298">
+              <a:tr h="472708">
                 <a:tc>
                   <a:txBody>
                     <a:bodyPr/>
@@ -15686,18 +15351,1459 @@
                         </a:spcAft>
                       </a:pPr>
                       <a:r>
-                        <a:rPr lang="zh-CN" sz="1600" kern="0" dirty="0">
-                          <a:solidFill>
-                            <a:schemeClr val="tx1"/>
-                          </a:solidFill>
+                        <a:rPr lang="en-US" sz="2400" kern="0">
+                          <a:effectLst/>
+                        </a:rPr>
+                        <a:t>id</a:t>
+                      </a:r>
+                      <a:r>
+                        <a:rPr lang="zh-CN" sz="2400" kern="0">
+                          <a:effectLst/>
+                        </a:rPr>
+                        <a:t>数据编号</a:t>
+                      </a:r>
+                      <a:endParaRPr lang="zh-CN" sz="3600" kern="100">
+                        <a:effectLst/>
+                        <a:latin typeface="DengXian" charset="-122"/>
+                        <a:ea typeface="DengXian" charset="-122"/>
+                        <a:cs typeface="Times New Roman" charset="0"/>
+                      </a:endParaRPr>
+                    </a:p>
+                  </a:txBody>
+                  <a:tcPr marL="68580" marR="68580" marT="0" marB="0"/>
+                </a:tc>
+                <a:tc>
+                  <a:txBody>
+                    <a:bodyPr/>
+                    <a:lstStyle/>
+                    <a:p>
+                      <a:pPr algn="ctr">
+                        <a:spcAft>
+                          <a:spcPts val="0"/>
+                        </a:spcAft>
+                      </a:pPr>
+                      <a:r>
+                        <a:rPr lang="zh-CN" sz="2400" kern="0">
+                          <a:effectLst/>
+                        </a:rPr>
+                        <a:t>用户编号</a:t>
+                      </a:r>
+                      <a:endParaRPr lang="zh-CN" sz="3600" kern="100">
+                        <a:effectLst/>
+                        <a:latin typeface="DengXian" charset="-122"/>
+                        <a:ea typeface="DengXian" charset="-122"/>
+                        <a:cs typeface="Times New Roman" charset="0"/>
+                      </a:endParaRPr>
+                    </a:p>
+                  </a:txBody>
+                  <a:tcPr marL="68580" marR="68580" marT="0" marB="0" anchor="ctr"/>
+                </a:tc>
+                <a:tc>
+                  <a:txBody>
+                    <a:bodyPr/>
+                    <a:lstStyle/>
+                    <a:p>
+                      <a:pPr algn="ctr">
+                        <a:spcAft>
+                          <a:spcPts val="0"/>
+                        </a:spcAft>
+                      </a:pPr>
+                      <a:r>
+                        <a:rPr lang="zh-CN" sz="2400" kern="0">
+                          <a:effectLst/>
+                        </a:rPr>
+                        <a:t>密码</a:t>
+                      </a:r>
+                      <a:endParaRPr lang="zh-CN" sz="3600" kern="100">
+                        <a:effectLst/>
+                        <a:latin typeface="DengXian" charset="-122"/>
+                        <a:ea typeface="DengXian" charset="-122"/>
+                        <a:cs typeface="Times New Roman" charset="0"/>
+                      </a:endParaRPr>
+                    </a:p>
+                  </a:txBody>
+                  <a:tcPr marL="68580" marR="68580" marT="0" marB="0" anchor="ctr"/>
+                </a:tc>
+                <a:tc>
+                  <a:txBody>
+                    <a:bodyPr/>
+                    <a:lstStyle/>
+                    <a:p>
+                      <a:pPr algn="ctr">
+                        <a:spcAft>
+                          <a:spcPts val="0"/>
+                        </a:spcAft>
+                      </a:pPr>
+                      <a:r>
+                        <a:rPr lang="zh-CN" sz="2400" kern="0">
+                          <a:effectLst/>
+                        </a:rPr>
+                        <a:t>覆盖</a:t>
+                      </a:r>
+                      <a:r>
+                        <a:rPr lang="en-US" sz="2400" kern="0">
+                          <a:effectLst/>
+                        </a:rPr>
+                        <a:t>id</a:t>
+                      </a:r>
+                      <a:r>
+                        <a:rPr lang="zh-CN" sz="2400" kern="0">
+                          <a:effectLst/>
+                        </a:rPr>
+                        <a:t>等价类</a:t>
+                      </a:r>
+                      <a:endParaRPr lang="zh-CN" sz="3600" kern="100">
+                        <a:effectLst/>
+                        <a:latin typeface="DengXian" charset="-122"/>
+                        <a:ea typeface="DengXian" charset="-122"/>
+                        <a:cs typeface="Times New Roman" charset="0"/>
+                      </a:endParaRPr>
+                    </a:p>
+                  </a:txBody>
+                  <a:tcPr marL="68580" marR="68580" marT="0" marB="0" anchor="ctr"/>
+                </a:tc>
+                <a:tc>
+                  <a:txBody>
+                    <a:bodyPr/>
+                    <a:lstStyle/>
+                    <a:p>
+                      <a:pPr algn="ctr">
+                        <a:spcAft>
+                          <a:spcPts val="0"/>
+                        </a:spcAft>
+                      </a:pPr>
+                      <a:r>
+                        <a:rPr lang="zh-CN" sz="2400" kern="0">
+                          <a:effectLst/>
+                        </a:rPr>
+                        <a:t>用户名是否非法</a:t>
+                      </a:r>
+                      <a:endParaRPr lang="zh-CN" sz="3600" kern="100">
+                        <a:effectLst/>
+                        <a:latin typeface="DengXian" charset="-122"/>
+                        <a:ea typeface="DengXian" charset="-122"/>
+                        <a:cs typeface="Times New Roman" charset="0"/>
+                      </a:endParaRPr>
+                    </a:p>
+                  </a:txBody>
+                  <a:tcPr marL="68580" marR="68580" marT="0" marB="0" anchor="ctr"/>
+                </a:tc>
+              </a:tr>
+              <a:tr h="250995">
+                <a:tc>
+                  <a:txBody>
+                    <a:bodyPr/>
+                    <a:lstStyle/>
+                    <a:p>
+                      <a:pPr algn="just">
+                        <a:spcAft>
+                          <a:spcPts val="0"/>
+                        </a:spcAft>
+                      </a:pPr>
+                      <a:r>
+                        <a:rPr lang="en-US" sz="2400" kern="0">
+                          <a:effectLst/>
+                        </a:rPr>
+                        <a:t>1</a:t>
+                      </a:r>
+                      <a:endParaRPr lang="zh-CN" sz="3600" kern="100">
+                        <a:effectLst/>
+                        <a:latin typeface="DengXian" charset="-122"/>
+                        <a:ea typeface="DengXian" charset="-122"/>
+                        <a:cs typeface="Times New Roman" charset="0"/>
+                      </a:endParaRPr>
+                    </a:p>
+                  </a:txBody>
+                  <a:tcPr marL="68580" marR="68580" marT="0" marB="0"/>
+                </a:tc>
+                <a:tc>
+                  <a:txBody>
+                    <a:bodyPr/>
+                    <a:lstStyle/>
+                    <a:p>
+                      <a:pPr algn="just">
+                        <a:spcAft>
+                          <a:spcPts val="0"/>
+                        </a:spcAft>
+                      </a:pPr>
+                      <a:r>
+                        <a:rPr lang="en-US" sz="2400" kern="0">
+                          <a:effectLst/>
+                        </a:rPr>
+                        <a:t>ZUCC0001</a:t>
+                      </a:r>
+                      <a:endParaRPr lang="zh-CN" sz="3600" kern="100">
+                        <a:effectLst/>
+                        <a:latin typeface="DengXian" charset="-122"/>
+                        <a:ea typeface="DengXian" charset="-122"/>
+                        <a:cs typeface="Times New Roman" charset="0"/>
+                      </a:endParaRPr>
+                    </a:p>
+                  </a:txBody>
+                  <a:tcPr marL="68580" marR="68580" marT="0" marB="0" anchor="ctr"/>
+                </a:tc>
+                <a:tc>
+                  <a:txBody>
+                    <a:bodyPr/>
+                    <a:lstStyle/>
+                    <a:p>
+                      <a:pPr algn="just">
+                        <a:spcAft>
+                          <a:spcPts val="0"/>
+                        </a:spcAft>
+                      </a:pPr>
+                      <a:r>
+                        <a:rPr lang="en-US" sz="2400" kern="0">
+                          <a:effectLst/>
+                        </a:rPr>
+                        <a:t>123456</a:t>
+                      </a:r>
+                      <a:endParaRPr lang="zh-CN" sz="3600" kern="100">
+                        <a:effectLst/>
+                        <a:latin typeface="DengXian" charset="-122"/>
+                        <a:ea typeface="DengXian" charset="-122"/>
+                        <a:cs typeface="Times New Roman" charset="0"/>
+                      </a:endParaRPr>
+                    </a:p>
+                  </a:txBody>
+                  <a:tcPr marL="68580" marR="68580" marT="0" marB="0" anchor="ctr"/>
+                </a:tc>
+                <a:tc>
+                  <a:txBody>
+                    <a:bodyPr/>
+                    <a:lstStyle/>
+                    <a:p>
+                      <a:pPr algn="just">
+                        <a:spcAft>
+                          <a:spcPts val="0"/>
+                        </a:spcAft>
+                      </a:pPr>
+                      <a:r>
+                        <a:rPr lang="en-US" sz="2400" kern="0">
+                          <a:effectLst/>
+                        </a:rPr>
+                        <a:t>     1</a:t>
+                      </a:r>
+                      <a:r>
+                        <a:rPr lang="zh-CN" sz="2400" kern="0">
+                          <a:effectLst/>
+                        </a:rPr>
+                        <a:t>，</a:t>
+                      </a:r>
+                      <a:r>
+                        <a:rPr lang="en-US" sz="2400" kern="0">
+                          <a:effectLst/>
+                        </a:rPr>
+                        <a:t>5</a:t>
+                      </a:r>
+                      <a:endParaRPr lang="zh-CN" sz="3600" kern="100">
+                        <a:effectLst/>
+                        <a:latin typeface="DengXian" charset="-122"/>
+                        <a:ea typeface="DengXian" charset="-122"/>
+                        <a:cs typeface="Times New Roman" charset="0"/>
+                      </a:endParaRPr>
+                    </a:p>
+                  </a:txBody>
+                  <a:tcPr marL="68580" marR="68580" marT="0" marB="0" anchor="ctr"/>
+                </a:tc>
+                <a:tc>
+                  <a:txBody>
+                    <a:bodyPr/>
+                    <a:lstStyle/>
+                    <a:p>
+                      <a:pPr algn="ctr">
+                        <a:spcAft>
+                          <a:spcPts val="0"/>
+                        </a:spcAft>
+                      </a:pPr>
+                      <a:r>
+                        <a:rPr lang="zh-CN" sz="2400" kern="0">
+                          <a:effectLst/>
+                        </a:rPr>
+                        <a:t>否</a:t>
+                      </a:r>
+                      <a:endParaRPr lang="zh-CN" sz="3600" kern="100">
+                        <a:effectLst/>
+                        <a:latin typeface="DengXian" charset="-122"/>
+                        <a:ea typeface="DengXian" charset="-122"/>
+                        <a:cs typeface="Times New Roman" charset="0"/>
+                      </a:endParaRPr>
+                    </a:p>
+                  </a:txBody>
+                  <a:tcPr marL="68580" marR="68580" marT="0" marB="0" anchor="ctr"/>
+                </a:tc>
+              </a:tr>
+              <a:tr h="250995">
+                <a:tc>
+                  <a:txBody>
+                    <a:bodyPr/>
+                    <a:lstStyle/>
+                    <a:p>
+                      <a:pPr algn="just">
+                        <a:spcAft>
+                          <a:spcPts val="0"/>
+                        </a:spcAft>
+                      </a:pPr>
+                      <a:r>
+                        <a:rPr lang="en-US" sz="2400" kern="0">
+                          <a:effectLst/>
+                        </a:rPr>
+                        <a:t>2</a:t>
+                      </a:r>
+                      <a:endParaRPr lang="zh-CN" sz="3600" kern="100">
+                        <a:effectLst/>
+                        <a:latin typeface="DengXian" charset="-122"/>
+                        <a:ea typeface="DengXian" charset="-122"/>
+                        <a:cs typeface="Times New Roman" charset="0"/>
+                      </a:endParaRPr>
+                    </a:p>
+                  </a:txBody>
+                  <a:tcPr marL="68580" marR="68580" marT="0" marB="0"/>
+                </a:tc>
+                <a:tc>
+                  <a:txBody>
+                    <a:bodyPr/>
+                    <a:lstStyle/>
+                    <a:p>
+                      <a:pPr algn="just">
+                        <a:spcAft>
+                          <a:spcPts val="0"/>
+                        </a:spcAft>
+                      </a:pPr>
+                      <a:r>
+                        <a:rPr lang="en-US" sz="2400" kern="0">
+                          <a:effectLst/>
+                        </a:rPr>
+                        <a:t>ZUCC00001</a:t>
+                      </a:r>
+                      <a:endParaRPr lang="zh-CN" sz="3600" kern="100">
+                        <a:effectLst/>
+                        <a:latin typeface="DengXian" charset="-122"/>
+                        <a:ea typeface="DengXian" charset="-122"/>
+                        <a:cs typeface="Times New Roman" charset="0"/>
+                      </a:endParaRPr>
+                    </a:p>
+                  </a:txBody>
+                  <a:tcPr marL="68580" marR="68580" marT="0" marB="0" anchor="ctr"/>
+                </a:tc>
+                <a:tc>
+                  <a:txBody>
+                    <a:bodyPr/>
+                    <a:lstStyle/>
+                    <a:p>
+                      <a:pPr algn="just">
+                        <a:spcAft>
+                          <a:spcPts val="0"/>
+                        </a:spcAft>
+                      </a:pPr>
+                      <a:r>
+                        <a:rPr lang="en-US" sz="2400" kern="0">
+                          <a:effectLst/>
+                        </a:rPr>
+                        <a:t>123456</a:t>
+                      </a:r>
+                      <a:endParaRPr lang="zh-CN" sz="3600" kern="100">
+                        <a:effectLst/>
+                        <a:latin typeface="DengXian" charset="-122"/>
+                        <a:ea typeface="DengXian" charset="-122"/>
+                        <a:cs typeface="Times New Roman" charset="0"/>
+                      </a:endParaRPr>
+                    </a:p>
+                  </a:txBody>
+                  <a:tcPr marL="68580" marR="68580" marT="0" marB="0" anchor="ctr"/>
+                </a:tc>
+                <a:tc>
+                  <a:txBody>
+                    <a:bodyPr/>
+                    <a:lstStyle/>
+                    <a:p>
+                      <a:pPr algn="ctr">
+                        <a:spcAft>
+                          <a:spcPts val="0"/>
+                        </a:spcAft>
+                      </a:pPr>
+                      <a:r>
+                        <a:rPr lang="en-US" sz="2400" kern="0">
+                          <a:effectLst/>
+                        </a:rPr>
+                        <a:t>2</a:t>
+                      </a:r>
+                      <a:r>
+                        <a:rPr lang="zh-CN" sz="2400" kern="0">
+                          <a:effectLst/>
+                        </a:rPr>
+                        <a:t>，</a:t>
+                      </a:r>
+                      <a:r>
+                        <a:rPr lang="en-US" sz="2400" kern="0">
+                          <a:effectLst/>
+                        </a:rPr>
+                        <a:t>5</a:t>
+                      </a:r>
+                      <a:endParaRPr lang="zh-CN" sz="3600" kern="100">
+                        <a:effectLst/>
+                        <a:latin typeface="DengXian" charset="-122"/>
+                        <a:ea typeface="DengXian" charset="-122"/>
+                        <a:cs typeface="Times New Roman" charset="0"/>
+                      </a:endParaRPr>
+                    </a:p>
+                  </a:txBody>
+                  <a:tcPr marL="68580" marR="68580" marT="0" marB="0" anchor="ctr"/>
+                </a:tc>
+                <a:tc>
+                  <a:txBody>
+                    <a:bodyPr/>
+                    <a:lstStyle/>
+                    <a:p>
+                      <a:pPr algn="ctr">
+                        <a:spcAft>
+                          <a:spcPts val="0"/>
+                        </a:spcAft>
+                      </a:pPr>
+                      <a:r>
+                        <a:rPr lang="zh-CN" sz="2400" kern="0">
+                          <a:effectLst/>
+                        </a:rPr>
+                        <a:t>是</a:t>
+                      </a:r>
+                      <a:endParaRPr lang="zh-CN" sz="3600" kern="100">
+                        <a:effectLst/>
+                        <a:latin typeface="DengXian" charset="-122"/>
+                        <a:ea typeface="DengXian" charset="-122"/>
+                        <a:cs typeface="Times New Roman" charset="0"/>
+                      </a:endParaRPr>
+                    </a:p>
+                  </a:txBody>
+                  <a:tcPr marL="68580" marR="68580" marT="0" marB="0" anchor="ctr"/>
+                </a:tc>
+              </a:tr>
+              <a:tr h="618076">
+                <a:tc>
+                  <a:txBody>
+                    <a:bodyPr/>
+                    <a:lstStyle/>
+                    <a:p>
+                      <a:pPr algn="just">
+                        <a:spcAft>
+                          <a:spcPts val="0"/>
+                        </a:spcAft>
+                      </a:pPr>
+                      <a:r>
+                        <a:rPr lang="en-US" sz="2400" kern="0">
+                          <a:effectLst/>
+                        </a:rPr>
+                        <a:t>3</a:t>
+                      </a:r>
+                      <a:endParaRPr lang="zh-CN" sz="3600" kern="100">
+                        <a:effectLst/>
+                        <a:latin typeface="DengXian" charset="-122"/>
+                        <a:ea typeface="DengXian" charset="-122"/>
+                        <a:cs typeface="Times New Roman" charset="0"/>
+                      </a:endParaRPr>
+                    </a:p>
+                  </a:txBody>
+                  <a:tcPr marL="68580" marR="68580" marT="0" marB="0"/>
+                </a:tc>
+                <a:tc>
+                  <a:txBody>
+                    <a:bodyPr/>
+                    <a:lstStyle/>
+                    <a:p>
+                      <a:pPr algn="just">
+                        <a:spcAft>
+                          <a:spcPts val="0"/>
+                        </a:spcAft>
+                      </a:pPr>
+                      <a:r>
+                        <a:rPr lang="en-US" sz="2400" kern="0">
+                          <a:effectLst/>
+                        </a:rPr>
+                        <a:t>ZUCC0</a:t>
+                      </a:r>
+                      <a:endParaRPr lang="zh-CN" sz="3600" kern="100">
+                        <a:effectLst/>
+                        <a:latin typeface="DengXian" charset="-122"/>
+                        <a:ea typeface="DengXian" charset="-122"/>
+                        <a:cs typeface="Times New Roman" charset="0"/>
+                      </a:endParaRPr>
+                    </a:p>
+                  </a:txBody>
+                  <a:tcPr marL="68580" marR="68580" marT="0" marB="0" anchor="ctr"/>
+                </a:tc>
+                <a:tc>
+                  <a:txBody>
+                    <a:bodyPr/>
+                    <a:lstStyle/>
+                    <a:p>
+                      <a:pPr algn="just">
+                        <a:spcAft>
+                          <a:spcPts val="0"/>
+                        </a:spcAft>
+                      </a:pPr>
+                      <a:r>
+                        <a:rPr lang="en-US" sz="2400" kern="0">
+                          <a:effectLst/>
+                        </a:rPr>
+                        <a:t>123456</a:t>
+                      </a:r>
+                      <a:endParaRPr lang="zh-CN" sz="3600" kern="100">
+                        <a:effectLst/>
+                        <a:latin typeface="DengXian" charset="-122"/>
+                        <a:ea typeface="DengXian" charset="-122"/>
+                        <a:cs typeface="Times New Roman" charset="0"/>
+                      </a:endParaRPr>
+                    </a:p>
+                  </a:txBody>
+                  <a:tcPr marL="68580" marR="68580" marT="0" marB="0" anchor="ctr"/>
+                </a:tc>
+                <a:tc>
+                  <a:txBody>
+                    <a:bodyPr/>
+                    <a:lstStyle/>
+                    <a:p>
+                      <a:pPr algn="ctr">
+                        <a:spcAft>
+                          <a:spcPts val="0"/>
+                        </a:spcAft>
+                      </a:pPr>
+                      <a:r>
+                        <a:rPr lang="en-US" sz="2400" kern="0">
+                          <a:effectLst/>
+                        </a:rPr>
+                        <a:t>3</a:t>
+                      </a:r>
+                      <a:r>
+                        <a:rPr lang="zh-CN" sz="2400" kern="0">
+                          <a:effectLst/>
+                        </a:rPr>
+                        <a:t>，</a:t>
+                      </a:r>
+                      <a:r>
+                        <a:rPr lang="en-US" sz="2400" kern="0">
+                          <a:effectLst/>
+                        </a:rPr>
+                        <a:t>5</a:t>
+                      </a:r>
+                      <a:endParaRPr lang="zh-CN" sz="3600" kern="100">
+                        <a:effectLst/>
+                        <a:latin typeface="DengXian" charset="-122"/>
+                        <a:ea typeface="DengXian" charset="-122"/>
+                        <a:cs typeface="Times New Roman" charset="0"/>
+                      </a:endParaRPr>
+                    </a:p>
+                  </a:txBody>
+                  <a:tcPr marL="68580" marR="68580" marT="0" marB="0" anchor="ctr"/>
+                </a:tc>
+                <a:tc>
+                  <a:txBody>
+                    <a:bodyPr/>
+                    <a:lstStyle/>
+                    <a:p>
+                      <a:pPr algn="ctr">
+                        <a:spcAft>
+                          <a:spcPts val="0"/>
+                        </a:spcAft>
+                      </a:pPr>
+                      <a:r>
+                        <a:rPr lang="zh-CN" sz="2400" kern="0">
+                          <a:effectLst/>
+                        </a:rPr>
+                        <a:t>是</a:t>
+                      </a:r>
+                      <a:endParaRPr lang="zh-CN" sz="3600" kern="100">
+                        <a:effectLst/>
+                        <a:latin typeface="DengXian" charset="-122"/>
+                        <a:ea typeface="DengXian" charset="-122"/>
+                        <a:cs typeface="Times New Roman" charset="0"/>
+                      </a:endParaRPr>
+                    </a:p>
+                  </a:txBody>
+                  <a:tcPr marL="68580" marR="68580" marT="0" marB="0" anchor="ctr"/>
+                </a:tc>
+              </a:tr>
+              <a:tr h="470616">
+                <a:tc>
+                  <a:txBody>
+                    <a:bodyPr/>
+                    <a:lstStyle/>
+                    <a:p>
+                      <a:pPr algn="just">
+                        <a:spcAft>
+                          <a:spcPts val="0"/>
+                        </a:spcAft>
+                      </a:pPr>
+                      <a:r>
+                        <a:rPr lang="en-US" sz="2400" kern="0">
+                          <a:effectLst/>
+                        </a:rPr>
+                        <a:t>4</a:t>
+                      </a:r>
+                      <a:endParaRPr lang="zh-CN" sz="3600" kern="100">
+                        <a:effectLst/>
+                        <a:latin typeface="DengXian" charset="-122"/>
+                        <a:ea typeface="DengXian" charset="-122"/>
+                        <a:cs typeface="Times New Roman" charset="0"/>
+                      </a:endParaRPr>
+                    </a:p>
+                  </a:txBody>
+                  <a:tcPr marL="68580" marR="68580" marT="0" marB="0"/>
+                </a:tc>
+                <a:tc>
+                  <a:txBody>
+                    <a:bodyPr/>
+                    <a:lstStyle/>
+                    <a:p>
+                      <a:pPr algn="just">
+                        <a:spcAft>
+                          <a:spcPts val="0"/>
+                        </a:spcAft>
+                      </a:pPr>
+                      <a:r>
+                        <a:rPr lang="en-US" sz="2400" kern="0">
+                          <a:effectLst/>
+                        </a:rPr>
+                        <a:t>NULL</a:t>
+                      </a:r>
+                      <a:endParaRPr lang="zh-CN" sz="3600" kern="100">
+                        <a:effectLst/>
+                        <a:latin typeface="DengXian" charset="-122"/>
+                        <a:ea typeface="DengXian" charset="-122"/>
+                        <a:cs typeface="Times New Roman" charset="0"/>
+                      </a:endParaRPr>
+                    </a:p>
+                  </a:txBody>
+                  <a:tcPr marL="68580" marR="68580" marT="0" marB="0" anchor="ctr"/>
+                </a:tc>
+                <a:tc>
+                  <a:txBody>
+                    <a:bodyPr/>
+                    <a:lstStyle/>
+                    <a:p>
+                      <a:pPr algn="just">
+                        <a:spcAft>
+                          <a:spcPts val="0"/>
+                        </a:spcAft>
+                      </a:pPr>
+                      <a:r>
+                        <a:rPr lang="en-US" sz="2400" kern="0">
+                          <a:effectLst/>
+                        </a:rPr>
+                        <a:t>0</a:t>
+                      </a:r>
+                      <a:endParaRPr lang="zh-CN" sz="3600" kern="100">
+                        <a:effectLst/>
+                        <a:latin typeface="DengXian" charset="-122"/>
+                        <a:ea typeface="DengXian" charset="-122"/>
+                        <a:cs typeface="Times New Roman" charset="0"/>
+                      </a:endParaRPr>
+                    </a:p>
+                  </a:txBody>
+                  <a:tcPr marL="68580" marR="68580" marT="0" marB="0" anchor="ctr"/>
+                </a:tc>
+                <a:tc>
+                  <a:txBody>
+                    <a:bodyPr/>
+                    <a:lstStyle/>
+                    <a:p>
+                      <a:pPr algn="ctr">
+                        <a:spcAft>
+                          <a:spcPts val="0"/>
+                        </a:spcAft>
+                      </a:pPr>
+                      <a:r>
+                        <a:rPr lang="en-US" sz="2400" kern="0">
+                          <a:effectLst/>
+                        </a:rPr>
+                        <a:t>4</a:t>
+                      </a:r>
+                      <a:endParaRPr lang="zh-CN" sz="3600" kern="100">
+                        <a:effectLst/>
+                        <a:latin typeface="DengXian" charset="-122"/>
+                        <a:ea typeface="DengXian" charset="-122"/>
+                        <a:cs typeface="Times New Roman" charset="0"/>
+                      </a:endParaRPr>
+                    </a:p>
+                  </a:txBody>
+                  <a:tcPr marL="68580" marR="68580" marT="0" marB="0" anchor="ctr"/>
+                </a:tc>
+                <a:tc>
+                  <a:txBody>
+                    <a:bodyPr/>
+                    <a:lstStyle/>
+                    <a:p>
+                      <a:pPr algn="ctr">
+                        <a:spcAft>
+                          <a:spcPts val="0"/>
+                        </a:spcAft>
+                      </a:pPr>
+                      <a:r>
+                        <a:rPr lang="zh-CN" sz="2400" kern="0">
+                          <a:effectLst/>
+                        </a:rPr>
+                        <a:t>是</a:t>
+                      </a:r>
+                      <a:endParaRPr lang="zh-CN" sz="3600" kern="100">
+                        <a:effectLst/>
+                        <a:latin typeface="DengXian" charset="-122"/>
+                        <a:ea typeface="DengXian" charset="-122"/>
+                        <a:cs typeface="Times New Roman" charset="0"/>
+                      </a:endParaRPr>
+                    </a:p>
+                  </a:txBody>
+                  <a:tcPr marL="68580" marR="68580" marT="0" marB="0" anchor="ctr"/>
+                </a:tc>
+              </a:tr>
+              <a:tr h="485258">
+                <a:tc>
+                  <a:txBody>
+                    <a:bodyPr/>
+                    <a:lstStyle/>
+                    <a:p>
+                      <a:pPr algn="just">
+                        <a:spcAft>
+                          <a:spcPts val="0"/>
+                        </a:spcAft>
+                      </a:pPr>
+                      <a:r>
+                        <a:rPr lang="en-US" sz="2400" kern="0">
+                          <a:effectLst/>
+                        </a:rPr>
+                        <a:t>5</a:t>
+                      </a:r>
+                      <a:endParaRPr lang="zh-CN" sz="3600" kern="100">
+                        <a:effectLst/>
+                        <a:latin typeface="DengXian" charset="-122"/>
+                        <a:ea typeface="DengXian" charset="-122"/>
+                        <a:cs typeface="Times New Roman" charset="0"/>
+                      </a:endParaRPr>
+                    </a:p>
+                  </a:txBody>
+                  <a:tcPr marL="68580" marR="68580" marT="0" marB="0"/>
+                </a:tc>
+                <a:tc>
+                  <a:txBody>
+                    <a:bodyPr/>
+                    <a:lstStyle/>
+                    <a:p>
+                      <a:pPr algn="just">
+                        <a:spcAft>
+                          <a:spcPts val="0"/>
+                        </a:spcAft>
+                      </a:pPr>
+                      <a:r>
+                        <a:rPr lang="en-US" sz="2400" kern="0">
+                          <a:effectLst/>
+                        </a:rPr>
+                        <a:t>ZUCC¥%*1</a:t>
+                      </a:r>
+                      <a:endParaRPr lang="zh-CN" sz="3600" kern="100">
+                        <a:effectLst/>
+                        <a:latin typeface="DengXian" charset="-122"/>
+                        <a:ea typeface="DengXian" charset="-122"/>
+                        <a:cs typeface="Times New Roman" charset="0"/>
+                      </a:endParaRPr>
+                    </a:p>
+                  </a:txBody>
+                  <a:tcPr marL="68580" marR="68580" marT="0" marB="0" anchor="ctr"/>
+                </a:tc>
+                <a:tc>
+                  <a:txBody>
+                    <a:bodyPr/>
+                    <a:lstStyle/>
+                    <a:p>
+                      <a:pPr algn="just">
+                        <a:spcAft>
+                          <a:spcPts val="0"/>
+                        </a:spcAft>
+                      </a:pPr>
+                      <a:r>
+                        <a:rPr lang="en-US" sz="2400" kern="0">
+                          <a:effectLst/>
+                        </a:rPr>
+                        <a:t>123456</a:t>
+                      </a:r>
+                      <a:endParaRPr lang="zh-CN" sz="3600" kern="100">
+                        <a:effectLst/>
+                        <a:latin typeface="DengXian" charset="-122"/>
+                        <a:ea typeface="DengXian" charset="-122"/>
+                        <a:cs typeface="Times New Roman" charset="0"/>
+                      </a:endParaRPr>
+                    </a:p>
+                  </a:txBody>
+                  <a:tcPr marL="68580" marR="68580" marT="0" marB="0" anchor="ctr"/>
+                </a:tc>
+                <a:tc>
+                  <a:txBody>
+                    <a:bodyPr/>
+                    <a:lstStyle/>
+                    <a:p>
+                      <a:pPr algn="ctr">
+                        <a:spcAft>
+                          <a:spcPts val="0"/>
+                        </a:spcAft>
+                      </a:pPr>
+                      <a:r>
+                        <a:rPr lang="en-US" sz="2400" kern="0">
+                          <a:effectLst/>
+                        </a:rPr>
+                        <a:t>1</a:t>
+                      </a:r>
+                      <a:r>
+                        <a:rPr lang="zh-CN" sz="2400" kern="0">
+                          <a:effectLst/>
+                        </a:rPr>
+                        <a:t>，</a:t>
+                      </a:r>
+                      <a:r>
+                        <a:rPr lang="en-US" sz="2400" kern="0">
+                          <a:effectLst/>
+                        </a:rPr>
+                        <a:t>6</a:t>
+                      </a:r>
+                      <a:endParaRPr lang="zh-CN" sz="3600" kern="100">
+                        <a:effectLst/>
+                        <a:latin typeface="DengXian" charset="-122"/>
+                        <a:ea typeface="DengXian" charset="-122"/>
+                        <a:cs typeface="Times New Roman" charset="0"/>
+                      </a:endParaRPr>
+                    </a:p>
+                  </a:txBody>
+                  <a:tcPr marL="68580" marR="68580" marT="0" marB="0" anchor="ctr"/>
+                </a:tc>
+                <a:tc>
+                  <a:txBody>
+                    <a:bodyPr/>
+                    <a:lstStyle/>
+                    <a:p>
+                      <a:pPr algn="ctr">
+                        <a:spcAft>
+                          <a:spcPts val="0"/>
+                        </a:spcAft>
+                      </a:pPr>
+                      <a:r>
+                        <a:rPr lang="zh-CN" sz="2400" kern="0">
+                          <a:effectLst/>
+                        </a:rPr>
+                        <a:t>是</a:t>
+                      </a:r>
+                      <a:endParaRPr lang="zh-CN" sz="3600" kern="100">
+                        <a:effectLst/>
+                        <a:latin typeface="DengXian" charset="-122"/>
+                        <a:ea typeface="DengXian" charset="-122"/>
+                        <a:cs typeface="Times New Roman" charset="0"/>
+                      </a:endParaRPr>
+                    </a:p>
+                  </a:txBody>
+                  <a:tcPr marL="68580" marR="68580" marT="0" marB="0" anchor="ctr"/>
+                </a:tc>
+              </a:tr>
+              <a:tr h="500945">
+                <a:tc>
+                  <a:txBody>
+                    <a:bodyPr/>
+                    <a:lstStyle/>
+                    <a:p>
+                      <a:pPr algn="just">
+                        <a:spcAft>
+                          <a:spcPts val="0"/>
+                        </a:spcAft>
+                      </a:pPr>
+                      <a:r>
+                        <a:rPr lang="en-US" sz="2400" kern="0">
+                          <a:effectLst/>
+                        </a:rPr>
+                        <a:t>6</a:t>
+                      </a:r>
+                      <a:endParaRPr lang="zh-CN" sz="3600" kern="100">
+                        <a:effectLst/>
+                        <a:latin typeface="DengXian" charset="-122"/>
+                        <a:ea typeface="DengXian" charset="-122"/>
+                        <a:cs typeface="Times New Roman" charset="0"/>
+                      </a:endParaRPr>
+                    </a:p>
+                  </a:txBody>
+                  <a:tcPr marL="68580" marR="68580" marT="0" marB="0"/>
+                </a:tc>
+                <a:tc>
+                  <a:txBody>
+                    <a:bodyPr/>
+                    <a:lstStyle/>
+                    <a:p>
+                      <a:pPr algn="just">
+                        <a:spcAft>
+                          <a:spcPts val="0"/>
+                        </a:spcAft>
+                      </a:pPr>
+                      <a:r>
+                        <a:rPr lang="zh-CN" sz="2400" kern="0">
+                          <a:effectLst/>
+                        </a:rPr>
+                        <a:t>城市学院</a:t>
+                      </a:r>
+                      <a:r>
+                        <a:rPr lang="en-US" sz="2400" kern="0">
+                          <a:effectLst/>
+                        </a:rPr>
+                        <a:t>0001</a:t>
+                      </a:r>
+                      <a:endParaRPr lang="zh-CN" sz="3600" kern="100">
+                        <a:effectLst/>
+                        <a:latin typeface="DengXian" charset="-122"/>
+                        <a:ea typeface="DengXian" charset="-122"/>
+                        <a:cs typeface="Times New Roman" charset="0"/>
+                      </a:endParaRPr>
+                    </a:p>
+                  </a:txBody>
+                  <a:tcPr marL="68580" marR="68580" marT="0" marB="0" anchor="ctr"/>
+                </a:tc>
+                <a:tc>
+                  <a:txBody>
+                    <a:bodyPr/>
+                    <a:lstStyle/>
+                    <a:p>
+                      <a:pPr algn="just">
+                        <a:spcAft>
+                          <a:spcPts val="0"/>
+                        </a:spcAft>
+                      </a:pPr>
+                      <a:r>
+                        <a:rPr lang="en-US" sz="2400" kern="0">
+                          <a:effectLst/>
+                        </a:rPr>
+                        <a:t>Null</a:t>
+                      </a:r>
+                      <a:endParaRPr lang="zh-CN" sz="3600" kern="100">
+                        <a:effectLst/>
+                        <a:latin typeface="DengXian" charset="-122"/>
+                        <a:ea typeface="DengXian" charset="-122"/>
+                        <a:cs typeface="Times New Roman" charset="0"/>
+                      </a:endParaRPr>
+                    </a:p>
+                  </a:txBody>
+                  <a:tcPr marL="68580" marR="68580" marT="0" marB="0" anchor="ctr"/>
+                </a:tc>
+                <a:tc>
+                  <a:txBody>
+                    <a:bodyPr/>
+                    <a:lstStyle/>
+                    <a:p>
+                      <a:pPr algn="ctr">
+                        <a:spcAft>
+                          <a:spcPts val="0"/>
+                        </a:spcAft>
+                      </a:pPr>
+                      <a:r>
+                        <a:rPr lang="en-US" sz="2400" kern="0">
+                          <a:effectLst/>
+                        </a:rPr>
+                        <a:t>1</a:t>
+                      </a:r>
+                      <a:r>
+                        <a:rPr lang="zh-CN" sz="2400" kern="0">
+                          <a:effectLst/>
+                        </a:rPr>
+                        <a:t>，</a:t>
+                      </a:r>
+                      <a:r>
+                        <a:rPr lang="en-US" sz="2400" kern="0">
+                          <a:effectLst/>
+                        </a:rPr>
+                        <a:t>7</a:t>
+                      </a:r>
+                      <a:endParaRPr lang="zh-CN" sz="3600" kern="100">
+                        <a:effectLst/>
+                        <a:latin typeface="DengXian" charset="-122"/>
+                        <a:ea typeface="DengXian" charset="-122"/>
+                        <a:cs typeface="Times New Roman" charset="0"/>
+                      </a:endParaRPr>
+                    </a:p>
+                  </a:txBody>
+                  <a:tcPr marL="68580" marR="68580" marT="0" marB="0" anchor="ctr"/>
+                </a:tc>
+                <a:tc>
+                  <a:txBody>
+                    <a:bodyPr/>
+                    <a:lstStyle/>
+                    <a:p>
+                      <a:pPr algn="ctr">
+                        <a:spcAft>
+                          <a:spcPts val="0"/>
+                        </a:spcAft>
+                      </a:pPr>
+                      <a:r>
+                        <a:rPr lang="zh-CN" sz="2400" kern="0">
+                          <a:effectLst/>
+                        </a:rPr>
+                        <a:t>是</a:t>
+                      </a:r>
+                      <a:endParaRPr lang="zh-CN" sz="3600" kern="100">
+                        <a:effectLst/>
+                        <a:latin typeface="DengXian" charset="-122"/>
+                        <a:ea typeface="DengXian" charset="-122"/>
+                        <a:cs typeface="Times New Roman" charset="0"/>
+                      </a:endParaRPr>
+                    </a:p>
+                  </a:txBody>
+                  <a:tcPr marL="68580" marR="68580" marT="0" marB="0" anchor="ctr"/>
+                </a:tc>
+              </a:tr>
+              <a:tr h="500945">
+                <a:tc>
+                  <a:txBody>
+                    <a:bodyPr/>
+                    <a:lstStyle/>
+                    <a:p>
+                      <a:pPr algn="just">
+                        <a:spcAft>
+                          <a:spcPts val="0"/>
+                        </a:spcAft>
+                      </a:pPr>
+                      <a:r>
+                        <a:rPr lang="en-US" sz="2400" kern="0">
+                          <a:effectLst/>
+                        </a:rPr>
+                        <a:t>7</a:t>
+                      </a:r>
+                      <a:endParaRPr lang="zh-CN" sz="3600" kern="100">
+                        <a:effectLst/>
+                        <a:latin typeface="DengXian" charset="-122"/>
+                        <a:ea typeface="DengXian" charset="-122"/>
+                        <a:cs typeface="Times New Roman" charset="0"/>
+                      </a:endParaRPr>
+                    </a:p>
+                  </a:txBody>
+                  <a:tcPr marL="68580" marR="68580" marT="0" marB="0"/>
+                </a:tc>
+                <a:tc>
+                  <a:txBody>
+                    <a:bodyPr/>
+                    <a:lstStyle/>
+                    <a:p>
+                      <a:pPr algn="just">
+                        <a:spcAft>
+                          <a:spcPts val="0"/>
+                        </a:spcAft>
+                      </a:pPr>
+                      <a:r>
+                        <a:rPr lang="zh-CN" sz="2400" kern="0">
+                          <a:effectLst/>
+                        </a:rPr>
+                        <a:t>城市学院</a:t>
+                      </a:r>
+                      <a:r>
+                        <a:rPr lang="en-US" sz="2400" kern="0">
+                          <a:effectLst/>
+                        </a:rPr>
+                        <a:t>   1</a:t>
+                      </a:r>
+                      <a:endParaRPr lang="zh-CN" sz="3600" kern="100">
+                        <a:effectLst/>
+                        <a:latin typeface="DengXian" charset="-122"/>
+                        <a:ea typeface="DengXian" charset="-122"/>
+                        <a:cs typeface="Times New Roman" charset="0"/>
+                      </a:endParaRPr>
+                    </a:p>
+                  </a:txBody>
+                  <a:tcPr marL="68580" marR="68580" marT="0" marB="0" anchor="ctr"/>
+                </a:tc>
+                <a:tc>
+                  <a:txBody>
+                    <a:bodyPr/>
+                    <a:lstStyle/>
+                    <a:p>
+                      <a:pPr algn="just">
+                        <a:spcAft>
+                          <a:spcPts val="0"/>
+                        </a:spcAft>
+                      </a:pPr>
+                      <a:r>
+                        <a:rPr lang="en-US" sz="2400" kern="0" dirty="0">
+                          <a:effectLst/>
+                        </a:rPr>
+                        <a:t> </a:t>
+                      </a:r>
+                      <a:endParaRPr lang="zh-CN" sz="3600" kern="100" dirty="0">
+                        <a:effectLst/>
+                        <a:latin typeface="DengXian" charset="-122"/>
+                        <a:ea typeface="DengXian" charset="-122"/>
+                        <a:cs typeface="Times New Roman" charset="0"/>
+                      </a:endParaRPr>
+                    </a:p>
+                  </a:txBody>
+                  <a:tcPr marL="68580" marR="68580" marT="0" marB="0" anchor="ctr"/>
+                </a:tc>
+                <a:tc>
+                  <a:txBody>
+                    <a:bodyPr/>
+                    <a:lstStyle/>
+                    <a:p>
+                      <a:pPr algn="ctr">
+                        <a:spcAft>
+                          <a:spcPts val="0"/>
+                        </a:spcAft>
+                      </a:pPr>
+                      <a:r>
+                        <a:rPr lang="en-US" sz="2400" kern="0">
+                          <a:effectLst/>
+                        </a:rPr>
+                        <a:t>1</a:t>
+                      </a:r>
+                      <a:r>
+                        <a:rPr lang="zh-CN" sz="2400" kern="0">
+                          <a:effectLst/>
+                        </a:rPr>
+                        <a:t>，</a:t>
+                      </a:r>
+                      <a:r>
+                        <a:rPr lang="en-US" sz="2400" kern="0">
+                          <a:effectLst/>
+                        </a:rPr>
+                        <a:t>8</a:t>
+                      </a:r>
+                      <a:endParaRPr lang="zh-CN" sz="3600" kern="100">
+                        <a:effectLst/>
+                        <a:latin typeface="DengXian" charset="-122"/>
+                        <a:ea typeface="DengXian" charset="-122"/>
+                        <a:cs typeface="Times New Roman" charset="0"/>
+                      </a:endParaRPr>
+                    </a:p>
+                  </a:txBody>
+                  <a:tcPr marL="68580" marR="68580" marT="0" marB="0" anchor="ctr"/>
+                </a:tc>
+                <a:tc>
+                  <a:txBody>
+                    <a:bodyPr/>
+                    <a:lstStyle/>
+                    <a:p>
+                      <a:pPr algn="ctr">
+                        <a:spcAft>
+                          <a:spcPts val="0"/>
+                        </a:spcAft>
+                      </a:pPr>
+                      <a:r>
+                        <a:rPr lang="zh-CN" sz="2400" kern="0" dirty="0">
+                          <a:effectLst/>
+                        </a:rPr>
+                        <a:t>是</a:t>
+                      </a:r>
+                      <a:endParaRPr lang="zh-CN" sz="3600" kern="100" dirty="0">
+                        <a:effectLst/>
+                        <a:latin typeface="DengXian" charset="-122"/>
+                        <a:ea typeface="DengXian" charset="-122"/>
+                        <a:cs typeface="Times New Roman" charset="0"/>
+                      </a:endParaRPr>
+                    </a:p>
+                  </a:txBody>
+                  <a:tcPr marL="68580" marR="68580" marT="0" marB="0" anchor="ctr"/>
+                </a:tc>
+              </a:tr>
+            </a:tbl>
+          </a:graphicData>
+        </a:graphic>
+      </p:graphicFrame>
+    </p:spTree>
+    <p:extLst>
+      <p:ext uri="{BB962C8B-B14F-4D97-AF65-F5344CB8AC3E}">
+        <p14:creationId xmlns:p14="http://schemas.microsoft.com/office/powerpoint/2010/main" val="1277883602"/>
+      </p:ext>
+    </p:extLst>
+  </p:cSld>
+  <p:clrMapOvr>
+    <a:masterClrMapping/>
+  </p:clrMapOvr>
+  <mc:AlternateContent xmlns:mc="http://schemas.openxmlformats.org/markup-compatibility/2006" xmlns:p14="http://schemas.microsoft.com/office/powerpoint/2010/main">
+    <mc:Choice Requires="p14">
+      <p:transition spd="med" p14:dur="700">
+        <p:fade/>
+      </p:transition>
+    </mc:Choice>
+    <mc:Fallback xmlns="">
+      <p:transition spd="med">
+        <p:fade/>
+      </p:transition>
+    </mc:Fallback>
+  </mc:AlternateContent>
+  <p:timing>
+    <p:tnLst>
+      <p:par>
+        <p:cTn id="1" dur="indefinite" restart="never" nodeType="tmRoot"/>
+      </p:par>
+    </p:tnLst>
+  </p:timing>
+</p:sld>
+</file>
+
+<file path=ppt/slides/slide24.xml><?xml version="1.0" encoding="utf-8"?>
+<p:sld xmlns:a="http://schemas.openxmlformats.org/drawingml/2006/main" xmlns:r="http://schemas.openxmlformats.org/officeDocument/2006/relationships" xmlns:p="http://schemas.openxmlformats.org/presentationml/2006/main">
+  <p:cSld>
+    <p:spTree>
+      <p:nvGrpSpPr>
+        <p:cNvPr id="1" name=""/>
+        <p:cNvGrpSpPr/>
+        <p:nvPr/>
+      </p:nvGrpSpPr>
+      <p:grpSpPr>
+        <a:xfrm>
+          <a:off x="0" y="0"/>
+          <a:ext cx="0" cy="0"/>
+          <a:chOff x="0" y="0"/>
+          <a:chExt cx="0" cy="0"/>
+        </a:xfrm>
+      </p:grpSpPr>
+      <p:sp>
+        <p:nvSpPr>
+          <p:cNvPr id="2" name="文本占位符 1"/>
+          <p:cNvSpPr>
+            <a:spLocks noGrp="1"/>
+          </p:cNvSpPr>
+          <p:nvPr>
+            <p:ph type="body" sz="quarter" idx="12"/>
+          </p:nvPr>
+        </p:nvSpPr>
+        <p:spPr/>
+        <p:txBody>
+          <a:bodyPr/>
+          <a:lstStyle/>
+          <a:p>
+            <a:r>
+              <a:rPr kumimoji="1" lang="en-US" altLang="zh-CN" dirty="0" smtClean="0"/>
+              <a:t>04</a:t>
+            </a:r>
+            <a:endParaRPr kumimoji="1" lang="zh-CN" altLang="en-US" dirty="0"/>
+          </a:p>
+        </p:txBody>
+      </p:sp>
+      <p:sp>
+        <p:nvSpPr>
+          <p:cNvPr id="3" name="文本占位符 2"/>
+          <p:cNvSpPr>
+            <a:spLocks noGrp="1"/>
+          </p:cNvSpPr>
+          <p:nvPr>
+            <p:ph type="body" sz="quarter" idx="13"/>
+          </p:nvPr>
+        </p:nvSpPr>
+        <p:spPr/>
+        <p:txBody>
+          <a:bodyPr/>
+          <a:lstStyle/>
+          <a:p>
+            <a:r>
+              <a:rPr kumimoji="1" lang="zh-CN" altLang="en-US" dirty="0" smtClean="0"/>
+              <a:t>测试用例设计</a:t>
+            </a:r>
+            <a:endParaRPr kumimoji="1" lang="zh-CN" altLang="en-US" dirty="0"/>
+          </a:p>
+        </p:txBody>
+      </p:sp>
+      <p:pic>
+        <p:nvPicPr>
+          <p:cNvPr id="21" name="图片 20"/>
+          <p:cNvPicPr>
+            <a:picLocks noChangeAspect="1"/>
+          </p:cNvPicPr>
+          <p:nvPr/>
+        </p:nvPicPr>
+        <p:blipFill>
+          <a:blip r:embed="rId3">
+            <a:extLst>
+              <a:ext uri="{28A0092B-C50C-407E-A947-70E740481C1C}">
+                <a14:useLocalDpi xmlns:a14="http://schemas.microsoft.com/office/drawing/2010/main" val="0"/>
+              </a:ext>
+            </a:extLst>
+          </a:blip>
+          <a:stretch>
+            <a:fillRect/>
+          </a:stretch>
+        </p:blipFill>
+        <p:spPr>
+          <a:xfrm>
+            <a:off x="9781311" y="162538"/>
+            <a:ext cx="2244436" cy="713763"/>
+          </a:xfrm>
+          <a:prstGeom prst="rect">
+            <a:avLst/>
+          </a:prstGeom>
+        </p:spPr>
+      </p:pic>
+      <p:sp>
+        <p:nvSpPr>
+          <p:cNvPr id="7" name="AutoShape 2" descr="https://timgsa.baidu.com/timg?image&amp;quality=80&amp;size=b9999_10000&amp;sec=1508644358879&amp;di=ad8dab2c14263e092edb301109512333&amp;imgtype=0&amp;src=http%3A%2F%2Fkjwy.5any.com%2FRjgc%2Fcontent%2Fimages%2F01%2Frjgc-tp-0111.jpg"/>
+          <p:cNvSpPr>
+            <a:spLocks noChangeAspect="1" noChangeArrowheads="1"/>
+          </p:cNvSpPr>
+          <p:nvPr/>
+        </p:nvSpPr>
+        <p:spPr bwMode="auto">
+          <a:xfrm>
+            <a:off x="155575" y="-144463"/>
+            <a:ext cx="304800" cy="304801"/>
+          </a:xfrm>
+          <a:prstGeom prst="rect">
+            <a:avLst/>
+          </a:prstGeom>
+          <a:noFill/>
+          <a:extLst>
+            <a:ext uri="{909E8E84-426E-40DD-AFC4-6F175D3DCCD1}">
+              <a14:hiddenFill xmlns:a14="http://schemas.microsoft.com/office/drawing/2010/main">
+                <a:solidFill>
+                  <a:srgbClr val="FFFFFF"/>
+                </a:solidFill>
+              </a14:hiddenFill>
+            </a:ext>
+          </a:extLst>
+        </p:spPr>
+        <p:txBody>
+          <a:bodyPr vert="horz" wrap="square" lIns="91440" tIns="45720" rIns="91440" bIns="45720" numCol="1" anchor="t" anchorCtr="0" compatLnSpc="1">
+            <a:prstTxWarp prst="textNoShape">
+              <a:avLst/>
+            </a:prstTxWarp>
+          </a:bodyPr>
+          <a:lstStyle/>
+          <a:p>
+            <a:endParaRPr lang="zh-CN" altLang="en-US"/>
+          </a:p>
+        </p:txBody>
+      </p:sp>
+      <p:graphicFrame>
+        <p:nvGraphicFramePr>
+          <p:cNvPr id="5" name="表格 4"/>
+          <p:cNvGraphicFramePr>
+            <a:graphicFrameLocks noGrp="1"/>
+          </p:cNvGraphicFramePr>
+          <p:nvPr>
+            <p:extLst>
+              <p:ext uri="{D42A27DB-BD31-4B8C-83A1-F6EECF244321}">
+                <p14:modId xmlns:p14="http://schemas.microsoft.com/office/powerpoint/2010/main" val="758726190"/>
+              </p:ext>
+            </p:extLst>
+          </p:nvPr>
+        </p:nvGraphicFramePr>
+        <p:xfrm>
+          <a:off x="1411033" y="1354237"/>
+          <a:ext cx="9550192" cy="4475997"/>
+        </p:xfrm>
+        <a:graphic>
+          <a:graphicData uri="http://schemas.openxmlformats.org/drawingml/2006/table">
+            <a:tbl>
+              <a:tblPr firstRow="1" firstCol="1" bandRow="1">
+                <a:tableStyleId>{5C22544A-7EE6-4342-B048-85BDC9FD1C3A}</a:tableStyleId>
+              </a:tblPr>
+              <a:tblGrid>
+                <a:gridCol w="1221585"/>
+                <a:gridCol w="1453426"/>
+                <a:gridCol w="943999"/>
+                <a:gridCol w="4321810"/>
+                <a:gridCol w="1609372"/>
+              </a:tblGrid>
+              <a:tr h="688346">
+                <a:tc>
+                  <a:txBody>
+                    <a:bodyPr/>
+                    <a:lstStyle/>
+                    <a:p>
+                      <a:pPr algn="ctr">
+                        <a:spcAft>
+                          <a:spcPts val="0"/>
+                        </a:spcAft>
+                      </a:pPr>
+                      <a:r>
+                        <a:rPr lang="zh-CN" sz="1600" kern="0">
                           <a:effectLst/>
                         </a:rPr>
                         <a:t>用例编号</a:t>
                       </a:r>
+                      <a:endParaRPr lang="zh-CN" sz="2400" kern="100">
+                        <a:effectLst/>
+                        <a:latin typeface="DengXian" charset="-122"/>
+                        <a:ea typeface="DengXian" charset="-122"/>
+                        <a:cs typeface="Times New Roman" charset="0"/>
+                      </a:endParaRPr>
+                    </a:p>
+                  </a:txBody>
+                  <a:tcPr marL="68580" marR="68580" marT="0" marB="0" anchor="ctr"/>
+                </a:tc>
+                <a:tc>
+                  <a:txBody>
+                    <a:bodyPr/>
+                    <a:lstStyle/>
+                    <a:p>
+                      <a:pPr algn="ctr">
+                        <a:spcAft>
+                          <a:spcPts val="0"/>
+                        </a:spcAft>
+                      </a:pPr>
+                      <a:r>
+                        <a:rPr lang="en-US" sz="1600" kern="0">
+                          <a:effectLst/>
+                        </a:rPr>
+                        <a:t>Id</a:t>
+                      </a:r>
+                      <a:r>
+                        <a:rPr lang="zh-CN" sz="1600" kern="0">
+                          <a:effectLst/>
+                        </a:rPr>
+                        <a:t>数据编号</a:t>
+                      </a:r>
+                      <a:endParaRPr lang="zh-CN" sz="2400" kern="100">
+                        <a:effectLst/>
+                        <a:latin typeface="DengXian" charset="-122"/>
+                        <a:ea typeface="DengXian" charset="-122"/>
+                        <a:cs typeface="Times New Roman" charset="0"/>
+                      </a:endParaRPr>
+                    </a:p>
+                  </a:txBody>
+                  <a:tcPr marL="68580" marR="68580" marT="0" marB="0" anchor="ctr"/>
+                </a:tc>
+                <a:tc>
+                  <a:txBody>
+                    <a:bodyPr/>
+                    <a:lstStyle/>
+                    <a:p>
+                      <a:pPr algn="ctr">
+                        <a:spcAft>
+                          <a:spcPts val="0"/>
+                        </a:spcAft>
+                      </a:pPr>
+                      <a:r>
+                        <a:rPr lang="zh-CN" sz="1600" kern="0" dirty="0" smtClean="0">
+                          <a:effectLst/>
+                        </a:rPr>
+                        <a:t>密码</a:t>
+                      </a:r>
+                      <a:r>
+                        <a:rPr lang="zh-CN" sz="1600" kern="0" dirty="0">
+                          <a:effectLst/>
+                        </a:rPr>
+                        <a:t>数据编号</a:t>
+                      </a:r>
                       <a:endParaRPr lang="zh-CN" sz="2400" kern="100" dirty="0">
-                        <a:solidFill>
-                          <a:schemeClr val="tx1"/>
-                        </a:solidFill>
+                        <a:effectLst/>
+                        <a:latin typeface="DengXian" charset="-122"/>
+                        <a:ea typeface="DengXian" charset="-122"/>
+                        <a:cs typeface="Times New Roman" charset="0"/>
+                      </a:endParaRPr>
+                    </a:p>
+                  </a:txBody>
+                  <a:tcPr marL="68580" marR="68580" marT="0" marB="0"/>
+                </a:tc>
+                <a:tc>
+                  <a:txBody>
+                    <a:bodyPr/>
+                    <a:lstStyle/>
+                    <a:p>
+                      <a:pPr algn="ctr">
+                        <a:spcAft>
+                          <a:spcPts val="0"/>
+                        </a:spcAft>
+                      </a:pPr>
+                      <a:r>
+                        <a:rPr lang="zh-CN" sz="1600" kern="0">
+                          <a:effectLst/>
+                        </a:rPr>
+                        <a:t>输入</a:t>
+                      </a:r>
+                      <a:endParaRPr lang="zh-CN" sz="2400" kern="100">
                         <a:effectLst/>
                         <a:latin typeface="DengXian" charset="-122"/>
                         <a:ea typeface="DengXian" charset="-122"/>
@@ -15719,17 +16825,143 @@
                       </a:pPr>
                       <a:r>
                         <a:rPr lang="zh-CN" sz="1600" kern="0">
-                          <a:solidFill>
-                            <a:schemeClr val="tx1"/>
-                          </a:solidFill>
                           <a:effectLst/>
                         </a:rPr>
-                        <a:t>数据创建顺序</a:t>
+                        <a:t>预计结果</a:t>
                       </a:r>
                       <a:endParaRPr lang="zh-CN" sz="2400" kern="100">
-                        <a:solidFill>
-                          <a:schemeClr val="tx1"/>
-                        </a:solidFill>
+                        <a:effectLst/>
+                        <a:latin typeface="DengXian" charset="-122"/>
+                        <a:ea typeface="DengXian" charset="-122"/>
+                        <a:cs typeface="Times New Roman" charset="0"/>
+                      </a:endParaRPr>
+                    </a:p>
+                  </a:txBody>
+                  <a:tcPr marL="68580" marR="68580" marT="0" marB="0" anchor="ctr"/>
+                </a:tc>
+              </a:tr>
+              <a:tr h="1677721">
+                <a:tc>
+                  <a:txBody>
+                    <a:bodyPr/>
+                    <a:lstStyle/>
+                    <a:p>
+                      <a:pPr marL="266700" indent="254000">
+                        <a:lnSpc>
+                          <a:spcPts val="1200"/>
+                        </a:lnSpc>
+                        <a:spcAft>
+                          <a:spcPts val="0"/>
+                        </a:spcAft>
+                      </a:pPr>
+                      <a:r>
+                        <a:rPr lang="zh-CN" sz="1600">
+                          <a:effectLst/>
+                        </a:rPr>
+                        <a:t>用例</a:t>
+                      </a:r>
+                      <a:r>
+                        <a:rPr lang="en-US" sz="1600">
+                          <a:effectLst/>
+                        </a:rPr>
+                        <a:t>1</a:t>
+                      </a:r>
+                      <a:endParaRPr lang="zh-CN" sz="1600">
+                        <a:effectLst/>
+                        <a:latin typeface="Times New Roman" charset="0"/>
+                        <a:ea typeface="宋体" charset="-122"/>
+                      </a:endParaRPr>
+                    </a:p>
+                  </a:txBody>
+                  <a:tcPr marL="68580" marR="68580" marT="0" marB="0" anchor="ctr"/>
+                </a:tc>
+                <a:tc>
+                  <a:txBody>
+                    <a:bodyPr/>
+                    <a:lstStyle/>
+                    <a:p>
+                      <a:pPr algn="ctr">
+                        <a:spcAft>
+                          <a:spcPts val="0"/>
+                        </a:spcAft>
+                      </a:pPr>
+                      <a:r>
+                        <a:rPr lang="en-US" altLang="zh-CN" sz="1600" kern="0" dirty="0" smtClean="0">
+                          <a:effectLst/>
+                          <a:latin typeface="+mn-lt"/>
+                          <a:ea typeface="+mn-ea"/>
+                          <a:cs typeface="+mn-cs"/>
+                        </a:rPr>
+                        <a:t>1</a:t>
+                      </a:r>
+                      <a:endParaRPr lang="zh-CN" sz="2400" kern="100" dirty="0">
+                        <a:effectLst/>
+                        <a:latin typeface="DengXian" charset="-122"/>
+                        <a:ea typeface="DengXian" charset="-122"/>
+                        <a:cs typeface="Times New Roman" charset="0"/>
+                      </a:endParaRPr>
+                    </a:p>
+                  </a:txBody>
+                  <a:tcPr marL="68580" marR="68580" marT="0" marB="0" anchor="ctr"/>
+                </a:tc>
+                <a:tc>
+                  <a:txBody>
+                    <a:bodyPr/>
+                    <a:lstStyle/>
+                    <a:p>
+                      <a:pPr algn="ctr">
+                        <a:spcAft>
+                          <a:spcPts val="0"/>
+                        </a:spcAft>
+                      </a:pPr>
+                      <a:r>
+                        <a:rPr lang="en-US" altLang="zh-CN" sz="2400" kern="100" dirty="0" smtClean="0">
+                          <a:effectLst/>
+                          <a:latin typeface="DengXian" charset="-122"/>
+                          <a:ea typeface="DengXian" charset="-122"/>
+                          <a:cs typeface="Times New Roman" charset="0"/>
+                        </a:rPr>
+                        <a:t>1</a:t>
+                      </a:r>
+                      <a:endParaRPr lang="zh-CN" sz="2400" kern="100" dirty="0">
+                        <a:effectLst/>
+                        <a:latin typeface="DengXian" charset="-122"/>
+                        <a:ea typeface="DengXian" charset="-122"/>
+                        <a:cs typeface="Times New Roman" charset="0"/>
+                      </a:endParaRPr>
+                    </a:p>
+                  </a:txBody>
+                  <a:tcPr marL="68580" marR="68580" marT="0" marB="0"/>
+                </a:tc>
+                <a:tc>
+                  <a:txBody>
+                    <a:bodyPr/>
+                    <a:lstStyle/>
+                    <a:p>
+                      <a:pPr algn="ctr">
+                        <a:spcAft>
+                          <a:spcPts val="0"/>
+                        </a:spcAft>
+                      </a:pPr>
+                      <a:r>
+                        <a:rPr lang="zh-CN" sz="1600" kern="0">
+                          <a:effectLst/>
+                        </a:rPr>
+                        <a:t>输入用例</a:t>
+                      </a:r>
+                      <a:r>
+                        <a:rPr lang="en-US" sz="1600" kern="0">
+                          <a:effectLst/>
+                        </a:rPr>
+                        <a:t>1</a:t>
+                      </a:r>
+                      <a:r>
+                        <a:rPr lang="zh-CN" sz="1600" kern="0">
+                          <a:effectLst/>
+                        </a:rPr>
+                        <a:t>数据，点击登陆，后点击登出</a:t>
+                      </a:r>
+                      <a:endParaRPr lang="zh-CN" sz="2400" kern="100">
                         <a:effectLst/>
                         <a:latin typeface="DengXian" charset="-122"/>
                         <a:ea typeface="DengXian" charset="-122"/>
@@ -15751,17 +16983,164 @@
                       </a:pPr>
                       <a:r>
                         <a:rPr lang="zh-CN" sz="1600" kern="0">
-                          <a:solidFill>
-                            <a:schemeClr val="tx1"/>
-                          </a:solidFill>
                           <a:effectLst/>
                         </a:rPr>
-                        <a:t>输入</a:t>
+                        <a:t>用户界面显示数据</a:t>
+                      </a:r>
+                      <a:r>
+                        <a:rPr lang="en-US" sz="1600" kern="0">
+                          <a:effectLst/>
+                        </a:rPr>
+                        <a:t>1</a:t>
+                      </a:r>
+                      <a:r>
+                        <a:rPr lang="zh-CN" sz="1600" kern="0">
+                          <a:effectLst/>
+                        </a:rPr>
+                        <a:t>信息，活动处理界面显示</a:t>
+                      </a:r>
+                      <a:r>
+                        <a:rPr lang="en-US" sz="1600" kern="0">
+                          <a:effectLst/>
+                        </a:rPr>
+                        <a:t>No Access</a:t>
+                      </a:r>
+                      <a:r>
+                        <a:rPr lang="zh-CN" sz="1600" kern="0">
+                          <a:effectLst/>
+                        </a:rPr>
+                        <a:t>。登出后退出登录，个人界面空</a:t>
                       </a:r>
                       <a:endParaRPr lang="zh-CN" sz="2400" kern="100">
-                        <a:solidFill>
-                          <a:schemeClr val="tx1"/>
-                        </a:solidFill>
+                        <a:effectLst/>
+                        <a:latin typeface="DengXian" charset="-122"/>
+                        <a:ea typeface="DengXian" charset="-122"/>
+                        <a:cs typeface="Times New Roman" charset="0"/>
+                      </a:endParaRPr>
+                    </a:p>
+                  </a:txBody>
+                  <a:tcPr marL="68580" marR="68580" marT="0" marB="0" anchor="ctr"/>
+                </a:tc>
+              </a:tr>
+              <a:tr h="1054965">
+                <a:tc>
+                  <a:txBody>
+                    <a:bodyPr/>
+                    <a:lstStyle/>
+                    <a:p>
+                      <a:pPr marL="266700" indent="254000">
+                        <a:lnSpc>
+                          <a:spcPts val="1200"/>
+                        </a:lnSpc>
+                        <a:spcAft>
+                          <a:spcPts val="0"/>
+                        </a:spcAft>
+                      </a:pPr>
+                      <a:r>
+                        <a:rPr lang="zh-CN" sz="1600">
+                          <a:effectLst/>
+                        </a:rPr>
+                        <a:t>用例</a:t>
+                      </a:r>
+                      <a:r>
+                        <a:rPr lang="en-US" sz="1600">
+                          <a:effectLst/>
+                        </a:rPr>
+                        <a:t>2</a:t>
+                      </a:r>
+                      <a:endParaRPr lang="zh-CN" sz="1600">
+                        <a:effectLst/>
+                        <a:latin typeface="Times New Roman" charset="0"/>
+                        <a:ea typeface="宋体" charset="-122"/>
+                      </a:endParaRPr>
+                    </a:p>
+                  </a:txBody>
+                  <a:tcPr marL="68580" marR="68580" marT="0" marB="0" anchor="ctr"/>
+                </a:tc>
+                <a:tc>
+                  <a:txBody>
+                    <a:bodyPr/>
+                    <a:lstStyle/>
+                    <a:p>
+                      <a:pPr algn="ctr">
+                        <a:spcAft>
+                          <a:spcPts val="0"/>
+                        </a:spcAft>
+                      </a:pPr>
+                      <a:r>
+                        <a:rPr lang="en-US" sz="1600" kern="0">
+                          <a:effectLst/>
+                        </a:rPr>
+                        <a:t>1</a:t>
+                      </a:r>
+                      <a:endParaRPr lang="zh-CN" sz="2400" kern="100">
+                        <a:effectLst/>
+                        <a:latin typeface="DengXian" charset="-122"/>
+                        <a:ea typeface="DengXian" charset="-122"/>
+                        <a:cs typeface="Times New Roman" charset="0"/>
+                      </a:endParaRPr>
+                    </a:p>
+                  </a:txBody>
+                  <a:tcPr marL="68580" marR="68580" marT="0" marB="0" anchor="ctr"/>
+                </a:tc>
+                <a:tc>
+                  <a:txBody>
+                    <a:bodyPr/>
+                    <a:lstStyle/>
+                    <a:p>
+                      <a:pPr algn="ctr">
+                        <a:spcAft>
+                          <a:spcPts val="0"/>
+                        </a:spcAft>
+                      </a:pPr>
+                      <a:r>
+                        <a:rPr lang="en-US" altLang="zh-CN" sz="2400" kern="100" dirty="0" smtClean="0">
+                          <a:effectLst/>
+                          <a:latin typeface="DengXian" charset="-122"/>
+                          <a:ea typeface="DengXian" charset="-122"/>
+                          <a:cs typeface="Times New Roman" charset="0"/>
+                        </a:rPr>
+                        <a:t>2</a:t>
+                      </a:r>
+                      <a:endParaRPr lang="zh-CN" sz="2400" kern="100" dirty="0">
+                        <a:effectLst/>
+                        <a:latin typeface="DengXian" charset="-122"/>
+                        <a:ea typeface="DengXian" charset="-122"/>
+                        <a:cs typeface="Times New Roman" charset="0"/>
+                      </a:endParaRPr>
+                    </a:p>
+                  </a:txBody>
+                  <a:tcPr marL="68580" marR="68580" marT="0" marB="0"/>
+                </a:tc>
+                <a:tc>
+                  <a:txBody>
+                    <a:bodyPr/>
+                    <a:lstStyle/>
+                    <a:p>
+                      <a:pPr algn="ctr">
+                        <a:spcAft>
+                          <a:spcPts val="0"/>
+                        </a:spcAft>
+                      </a:pPr>
+                      <a:r>
+                        <a:rPr lang="zh-CN" sz="1600" kern="0">
+                          <a:effectLst/>
+                        </a:rPr>
+                        <a:t>输入用例</a:t>
+                      </a:r>
+                      <a:r>
+                        <a:rPr lang="en-US" sz="1600" kern="0">
+                          <a:effectLst/>
+                        </a:rPr>
+                        <a:t>1</a:t>
+                      </a:r>
+                      <a:r>
+                        <a:rPr lang="zh-CN" sz="1600" kern="0">
+                          <a:effectLst/>
+                        </a:rPr>
+                        <a:t>数据，点击登陆，后点击登出</a:t>
+                      </a:r>
+                      <a:endParaRPr lang="zh-CN" sz="2400" kern="100">
                         <a:effectLst/>
                         <a:latin typeface="DengXian" charset="-122"/>
                         <a:ea typeface="DengXian" charset="-122"/>
@@ -15783,17 +17162,11 @@
                       </a:pPr>
                       <a:r>
                         <a:rPr lang="zh-CN" sz="1600" kern="0">
-                          <a:solidFill>
-                            <a:schemeClr val="tx1"/>
-                          </a:solidFill>
                           <a:effectLst/>
                         </a:rPr>
-                        <a:t>预计结果</a:t>
+                        <a:t>提示，数据格式错误</a:t>
                       </a:r>
                       <a:endParaRPr lang="zh-CN" sz="2400" kern="100">
-                        <a:solidFill>
-                          <a:schemeClr val="tx1"/>
-                        </a:solidFill>
                         <a:effectLst/>
                         <a:latin typeface="DengXian" charset="-122"/>
                         <a:ea typeface="DengXian" charset="-122"/>
@@ -15803,41 +17176,34 @@
                   </a:txBody>
                   <a:tcPr marL="68580" marR="68580" marT="0" marB="0" anchor="ctr"/>
                 </a:tc>
-                <a:extLst>
-                  <a:ext uri="{0D108BD9-81ED-4DB2-BD59-A6C34878D82A}">
-                    <a16:rowId xmlns:a16="http://schemas.microsoft.com/office/drawing/2014/main" xmlns="" val="10000"/>
-                  </a:ext>
-                </a:extLst>
               </a:tr>
-              <a:tr h="1017031">
+              <a:tr h="1054965">
                 <a:tc>
                   <a:txBody>
                     <a:bodyPr/>
                     <a:lstStyle/>
                     <a:p>
-                      <a:pPr marL="342900" lvl="0" indent="-342900" algn="ctr">
+                      <a:pPr marL="266700" indent="254000">
                         <a:lnSpc>
                           <a:spcPts val="1200"/>
                         </a:lnSpc>
                         <a:spcAft>
                           <a:spcPts val="0"/>
                         </a:spcAft>
-                        <a:buFont typeface="+mj-lt"/>
-                        <a:buAutoNum type="arabicPeriod"/>
                       </a:pPr>
                       <a:r>
-                        <a:rPr lang="en-US" sz="1600" dirty="0">
-                          <a:solidFill>
-                            <a:schemeClr val="tx1"/>
-                          </a:solidFill>
+                        <a:rPr lang="zh-CN" sz="1600">
                           <a:effectLst/>
                         </a:rPr>
-                        <a:t> </a:t>
+                        <a:t>用例</a:t>
                       </a:r>
-                      <a:endParaRPr lang="zh-CN" sz="1600" dirty="0">
-                        <a:solidFill>
-                          <a:schemeClr val="tx1"/>
-                        </a:solidFill>
+                      <a:r>
+                        <a:rPr lang="en-US" sz="1600">
+                          <a:effectLst/>
+                        </a:rPr>
+                        <a:t>3</a:t>
+                      </a:r>
+                      <a:endParaRPr lang="zh-CN" sz="1600">
                         <a:effectLst/>
                         <a:latin typeface="Times New Roman" charset="0"/>
                         <a:ea typeface="宋体" charset="-122"/>
@@ -15857,27 +17223,12 @@
                         </a:spcAft>
                       </a:pPr>
                       <a:r>
-                        <a:rPr lang="zh-CN" sz="1600" kern="0" dirty="0">
-                          <a:solidFill>
-                            <a:schemeClr val="tx1"/>
-                          </a:solidFill>
-                          <a:effectLst/>
-                        </a:rPr>
-                        <a:t>数据</a:t>
-                      </a:r>
-                      <a:r>
-                        <a:rPr lang="en-US" sz="1600" kern="0" dirty="0">
-                          <a:solidFill>
-                            <a:schemeClr val="tx1"/>
-                          </a:solidFill>
+                        <a:rPr lang="en-US" sz="1600" kern="0">
                           <a:effectLst/>
                         </a:rPr>
                         <a:t>1</a:t>
                       </a:r>
-                      <a:endParaRPr lang="zh-CN" sz="2400" kern="100" dirty="0">
-                        <a:solidFill>
-                          <a:schemeClr val="tx1"/>
-                        </a:solidFill>
+                      <a:endParaRPr lang="zh-CN" sz="2400" kern="100">
                         <a:effectLst/>
                         <a:latin typeface="DengXian" charset="-122"/>
                         <a:ea typeface="DengXian" charset="-122"/>
@@ -15898,36 +17249,15 @@
                         </a:spcAft>
                       </a:pPr>
                       <a:r>
-                        <a:rPr lang="zh-CN" sz="1600" kern="0">
-                          <a:solidFill>
-                            <a:schemeClr val="tx1"/>
-                          </a:solidFill>
+                        <a:rPr lang="en-US" altLang="zh-CN" sz="1600" kern="0" dirty="0" smtClean="0">
                           <a:effectLst/>
+                          <a:latin typeface="+mn-lt"/>
+                          <a:ea typeface="+mn-ea"/>
+                          <a:cs typeface="+mn-cs"/>
                         </a:rPr>
-                        <a:t>输入数据</a:t>
+                        <a:t>3</a:t>
                       </a:r>
-                      <a:r>
-                        <a:rPr lang="en-US" sz="1600" kern="0">
-                          <a:solidFill>
-                            <a:schemeClr val="tx1"/>
-                          </a:solidFill>
-                          <a:effectLst/>
-                        </a:rPr>
-                        <a:t>1</a:t>
-                      </a:r>
-                      <a:r>
-                        <a:rPr lang="zh-CN" sz="1600" kern="0">
-                          <a:solidFill>
-                            <a:schemeClr val="tx1"/>
-                          </a:solidFill>
-                          <a:effectLst/>
-                        </a:rPr>
-                        <a:t>数据，点击登陆，后点击登出</a:t>
-                      </a:r>
-                      <a:endParaRPr lang="zh-CN" sz="2400" kern="100">
-                        <a:solidFill>
-                          <a:schemeClr val="tx1"/>
-                        </a:solidFill>
+                      <a:endParaRPr lang="zh-CN" sz="2400" kern="100" dirty="0">
                         <a:effectLst/>
                         <a:latin typeface="DengXian" charset="-122"/>
                         <a:ea typeface="DengXian" charset="-122"/>
@@ -15935,7 +17265,7 @@
                       </a:endParaRPr>
                     </a:p>
                   </a:txBody>
-                  <a:tcPr marL="68580" marR="68580" marT="0" marB="0" anchor="ctr"/>
+                  <a:tcPr marL="68580" marR="68580" marT="0" marB="0"/>
                 </a:tc>
                 <a:tc>
                   <a:txBody>
@@ -15949,137 +17279,23 @@
                       </a:pPr>
                       <a:r>
                         <a:rPr lang="zh-CN" sz="1600" kern="0">
-                          <a:solidFill>
-                            <a:schemeClr val="tx1"/>
-                          </a:solidFill>
                           <a:effectLst/>
                         </a:rPr>
-                        <a:t>用户界面显示数据</a:t>
+                        <a:t>输入用例</a:t>
                       </a:r>
                       <a:r>
                         <a:rPr lang="en-US" sz="1600" kern="0">
-                          <a:solidFill>
-                            <a:schemeClr val="tx1"/>
-                          </a:solidFill>
                           <a:effectLst/>
                         </a:rPr>
                         <a:t>1</a:t>
                       </a:r>
                       <a:r>
                         <a:rPr lang="zh-CN" sz="1600" kern="0">
-                          <a:solidFill>
-                            <a:schemeClr val="tx1"/>
-                          </a:solidFill>
                           <a:effectLst/>
                         </a:rPr>
-                        <a:t>信息，活动处理界面显示</a:t>
-                      </a:r>
-                      <a:r>
-                        <a:rPr lang="en-US" sz="1600" kern="0">
-                          <a:solidFill>
-                            <a:schemeClr val="tx1"/>
-                          </a:solidFill>
-                          <a:effectLst/>
-                        </a:rPr>
-                        <a:t>No Access</a:t>
-                      </a:r>
-                      <a:r>
-                        <a:rPr lang="zh-CN" sz="1600" kern="0">
-                          <a:solidFill>
-                            <a:schemeClr val="tx1"/>
-                          </a:solidFill>
-                          <a:effectLst/>
-                        </a:rPr>
-                        <a:t>。登出后退出登录，个人界面空</a:t>
+                        <a:t>数据，点击登陆，后点击登出</a:t>
                       </a:r>
                       <a:endParaRPr lang="zh-CN" sz="2400" kern="100">
-                        <a:solidFill>
-                          <a:schemeClr val="tx1"/>
-                        </a:solidFill>
-                        <a:effectLst/>
-                        <a:latin typeface="DengXian" charset="-122"/>
-                        <a:ea typeface="DengXian" charset="-122"/>
-                        <a:cs typeface="Times New Roman" charset="0"/>
-                      </a:endParaRPr>
-                    </a:p>
-                  </a:txBody>
-                  <a:tcPr marL="68580" marR="68580" marT="0" marB="0" anchor="ctr"/>
-                </a:tc>
-                <a:extLst>
-                  <a:ext uri="{0D108BD9-81ED-4DB2-BD59-A6C34878D82A}">
-                    <a16:rowId xmlns:a16="http://schemas.microsoft.com/office/drawing/2014/main" xmlns="" val="10001"/>
-                  </a:ext>
-                </a:extLst>
-              </a:tr>
-              <a:tr h="1001251">
-                <a:tc>
-                  <a:txBody>
-                    <a:bodyPr/>
-                    <a:lstStyle/>
-                    <a:p>
-                      <a:pPr marL="342900" lvl="0" indent="-342900" algn="ctr">
-                        <a:lnSpc>
-                          <a:spcPts val="1200"/>
-                        </a:lnSpc>
-                        <a:spcAft>
-                          <a:spcPts val="0"/>
-                        </a:spcAft>
-                        <a:buFont typeface="+mj-lt"/>
-                        <a:buAutoNum type="arabicPeriod"/>
-                      </a:pPr>
-                      <a:r>
-                        <a:rPr lang="en-US" sz="1600">
-                          <a:solidFill>
-                            <a:schemeClr val="tx1"/>
-                          </a:solidFill>
-                          <a:effectLst/>
-                        </a:rPr>
-                        <a:t> </a:t>
-                      </a:r>
-                      <a:endParaRPr lang="zh-CN" sz="1600">
-                        <a:solidFill>
-                          <a:schemeClr val="tx1"/>
-                        </a:solidFill>
-                        <a:effectLst/>
-                        <a:latin typeface="Times New Roman" charset="0"/>
-                        <a:ea typeface="宋体" charset="-122"/>
-                      </a:endParaRPr>
-                    </a:p>
-                  </a:txBody>
-                  <a:tcPr marL="68580" marR="68580" marT="0" marB="0" anchor="ctr"/>
-                </a:tc>
-                <a:tc>
-                  <a:txBody>
-                    <a:bodyPr/>
-                    <a:lstStyle/>
-                    <a:p>
-                      <a:pPr algn="ctr">
-                        <a:spcAft>
-                          <a:spcPts val="0"/>
-                        </a:spcAft>
-                      </a:pPr>
-                      <a:r>
-                        <a:rPr lang="zh-CN" sz="1600" kern="0">
-                          <a:solidFill>
-                            <a:schemeClr val="tx1"/>
-                          </a:solidFill>
-                          <a:effectLst/>
-                        </a:rPr>
-                        <a:t>数据</a:t>
-                      </a:r>
-                      <a:r>
-                        <a:rPr lang="en-US" sz="1600" kern="0">
-                          <a:solidFill>
-                            <a:schemeClr val="tx1"/>
-                          </a:solidFill>
-                          <a:effectLst/>
-                        </a:rPr>
-                        <a:t>2</a:t>
-                      </a:r>
-                      <a:endParaRPr lang="zh-CN" sz="2400" kern="100">
-                        <a:solidFill>
-                          <a:schemeClr val="tx1"/>
-                        </a:solidFill>
                         <a:effectLst/>
                         <a:latin typeface="DengXian" charset="-122"/>
                         <a:ea typeface="DengXian" charset="-122"/>
@@ -16101,35 +17317,11 @@
                       </a:pPr>
                       <a:r>
                         <a:rPr lang="zh-CN" sz="1600" kern="0" dirty="0">
-                          <a:solidFill>
-                            <a:schemeClr val="tx1"/>
-                          </a:solidFill>
                           <a:effectLst/>
                         </a:rPr>
-                        <a:t>输入数据</a:t>
-                      </a:r>
-                      <a:r>
-                        <a:rPr lang="en-US" sz="1600" kern="0" dirty="0">
-                          <a:solidFill>
-                            <a:schemeClr val="tx1"/>
-                          </a:solidFill>
-                          <a:effectLst/>
-                        </a:rPr>
-                        <a:t>1</a:t>
-                      </a:r>
-                      <a:r>
-                        <a:rPr lang="zh-CN" sz="1600" kern="0" dirty="0">
-                          <a:solidFill>
-                            <a:schemeClr val="tx1"/>
-                          </a:solidFill>
-                          <a:effectLst/>
-                        </a:rPr>
-                        <a:t>数据，点击登陆，后点击登出</a:t>
+                        <a:t>提示，数据格式错误</a:t>
                       </a:r>
                       <a:endParaRPr lang="zh-CN" sz="2400" kern="100" dirty="0">
-                        <a:solidFill>
-                          <a:schemeClr val="tx1"/>
-                        </a:solidFill>
                         <a:effectLst/>
                         <a:latin typeface="DengXian" charset="-122"/>
                         <a:ea typeface="DengXian" charset="-122"/>
@@ -16139,743 +17331,6 @@
                   </a:txBody>
                   <a:tcPr marL="68580" marR="68580" marT="0" marB="0" anchor="ctr"/>
                 </a:tc>
-                <a:tc>
-                  <a:txBody>
-                    <a:bodyPr/>
-                    <a:lstStyle/>
-                    <a:p>
-                      <a:pPr algn="ctr">
-                        <a:spcAft>
-                          <a:spcPts val="0"/>
-                        </a:spcAft>
-                      </a:pPr>
-                      <a:r>
-                        <a:rPr lang="zh-CN" sz="1600" kern="0">
-                          <a:solidFill>
-                            <a:schemeClr val="tx1"/>
-                          </a:solidFill>
-                          <a:effectLst/>
-                        </a:rPr>
-                        <a:t>用户界面显示数据</a:t>
-                      </a:r>
-                      <a:r>
-                        <a:rPr lang="en-US" sz="1600" kern="0">
-                          <a:solidFill>
-                            <a:schemeClr val="tx1"/>
-                          </a:solidFill>
-                          <a:effectLst/>
-                        </a:rPr>
-                        <a:t>2</a:t>
-                      </a:r>
-                      <a:r>
-                        <a:rPr lang="zh-CN" sz="1600" kern="0">
-                          <a:solidFill>
-                            <a:schemeClr val="tx1"/>
-                          </a:solidFill>
-                          <a:effectLst/>
-                        </a:rPr>
-                        <a:t>信息，活动处理界面显示申请活动。登出后退出登录，个人界面空</a:t>
-                      </a:r>
-                      <a:endParaRPr lang="zh-CN" sz="2400" kern="100">
-                        <a:solidFill>
-                          <a:schemeClr val="tx1"/>
-                        </a:solidFill>
-                        <a:effectLst/>
-                        <a:latin typeface="DengXian" charset="-122"/>
-                        <a:ea typeface="DengXian" charset="-122"/>
-                        <a:cs typeface="Times New Roman" charset="0"/>
-                      </a:endParaRPr>
-                    </a:p>
-                  </a:txBody>
-                  <a:tcPr marL="68580" marR="68580" marT="0" marB="0" anchor="ctr"/>
-                </a:tc>
-                <a:extLst>
-                  <a:ext uri="{0D108BD9-81ED-4DB2-BD59-A6C34878D82A}">
-                    <a16:rowId xmlns:a16="http://schemas.microsoft.com/office/drawing/2014/main" xmlns="" val="10002"/>
-                  </a:ext>
-                </a:extLst>
-              </a:tr>
-              <a:tr h="1001251">
-                <a:tc>
-                  <a:txBody>
-                    <a:bodyPr/>
-                    <a:lstStyle/>
-                    <a:p>
-                      <a:pPr marL="342900" lvl="0" indent="-342900" algn="ctr">
-                        <a:lnSpc>
-                          <a:spcPts val="1200"/>
-                        </a:lnSpc>
-                        <a:spcAft>
-                          <a:spcPts val="0"/>
-                        </a:spcAft>
-                        <a:buFont typeface="+mj-lt"/>
-                        <a:buAutoNum type="arabicPeriod"/>
-                      </a:pPr>
-                      <a:r>
-                        <a:rPr lang="en-US" sz="1600">
-                          <a:solidFill>
-                            <a:schemeClr val="tx1"/>
-                          </a:solidFill>
-                          <a:effectLst/>
-                        </a:rPr>
-                        <a:t> </a:t>
-                      </a:r>
-                      <a:endParaRPr lang="zh-CN" sz="1600">
-                        <a:solidFill>
-                          <a:schemeClr val="tx1"/>
-                        </a:solidFill>
-                        <a:effectLst/>
-                        <a:latin typeface="Times New Roman" charset="0"/>
-                        <a:ea typeface="宋体" charset="-122"/>
-                      </a:endParaRPr>
-                    </a:p>
-                  </a:txBody>
-                  <a:tcPr marL="68580" marR="68580" marT="0" marB="0" anchor="ctr"/>
-                </a:tc>
-                <a:tc>
-                  <a:txBody>
-                    <a:bodyPr/>
-                    <a:lstStyle/>
-                    <a:p>
-                      <a:pPr algn="ctr">
-                        <a:spcAft>
-                          <a:spcPts val="0"/>
-                        </a:spcAft>
-                      </a:pPr>
-                      <a:r>
-                        <a:rPr lang="zh-CN" sz="1600" kern="0">
-                          <a:solidFill>
-                            <a:schemeClr val="tx1"/>
-                          </a:solidFill>
-                          <a:effectLst/>
-                        </a:rPr>
-                        <a:t>数据</a:t>
-                      </a:r>
-                      <a:r>
-                        <a:rPr lang="en-US" sz="1600" kern="0">
-                          <a:solidFill>
-                            <a:schemeClr val="tx1"/>
-                          </a:solidFill>
-                          <a:effectLst/>
-                        </a:rPr>
-                        <a:t>3</a:t>
-                      </a:r>
-                      <a:endParaRPr lang="zh-CN" sz="2400" kern="100">
-                        <a:solidFill>
-                          <a:schemeClr val="tx1"/>
-                        </a:solidFill>
-                        <a:effectLst/>
-                        <a:latin typeface="DengXian" charset="-122"/>
-                        <a:ea typeface="DengXian" charset="-122"/>
-                        <a:cs typeface="Times New Roman" charset="0"/>
-                      </a:endParaRPr>
-                    </a:p>
-                  </a:txBody>
-                  <a:tcPr marL="68580" marR="68580" marT="0" marB="0" anchor="ctr"/>
-                </a:tc>
-                <a:tc>
-                  <a:txBody>
-                    <a:bodyPr/>
-                    <a:lstStyle/>
-                    <a:p>
-                      <a:pPr algn="ctr">
-                        <a:spcAft>
-                          <a:spcPts val="0"/>
-                        </a:spcAft>
-                      </a:pPr>
-                      <a:r>
-                        <a:rPr lang="zh-CN" sz="1600" kern="0">
-                          <a:solidFill>
-                            <a:schemeClr val="tx1"/>
-                          </a:solidFill>
-                          <a:effectLst/>
-                        </a:rPr>
-                        <a:t>输入数据</a:t>
-                      </a:r>
-                      <a:r>
-                        <a:rPr lang="en-US" sz="1600" kern="0">
-                          <a:solidFill>
-                            <a:schemeClr val="tx1"/>
-                          </a:solidFill>
-                          <a:effectLst/>
-                        </a:rPr>
-                        <a:t>1</a:t>
-                      </a:r>
-                      <a:r>
-                        <a:rPr lang="zh-CN" sz="1600" kern="0">
-                          <a:solidFill>
-                            <a:schemeClr val="tx1"/>
-                          </a:solidFill>
-                          <a:effectLst/>
-                        </a:rPr>
-                        <a:t>数据，点击登陆，后点击登出</a:t>
-                      </a:r>
-                      <a:endParaRPr lang="zh-CN" sz="2400" kern="100">
-                        <a:solidFill>
-                          <a:schemeClr val="tx1"/>
-                        </a:solidFill>
-                        <a:effectLst/>
-                        <a:latin typeface="DengXian" charset="-122"/>
-                        <a:ea typeface="DengXian" charset="-122"/>
-                        <a:cs typeface="Times New Roman" charset="0"/>
-                      </a:endParaRPr>
-                    </a:p>
-                  </a:txBody>
-                  <a:tcPr marL="68580" marR="68580" marT="0" marB="0" anchor="ctr"/>
-                </a:tc>
-                <a:tc>
-                  <a:txBody>
-                    <a:bodyPr/>
-                    <a:lstStyle/>
-                    <a:p>
-                      <a:pPr algn="ctr">
-                        <a:spcAft>
-                          <a:spcPts val="0"/>
-                        </a:spcAft>
-                      </a:pPr>
-                      <a:r>
-                        <a:rPr lang="zh-CN" sz="1600" kern="0" dirty="0">
-                          <a:solidFill>
-                            <a:schemeClr val="tx1"/>
-                          </a:solidFill>
-                          <a:effectLst/>
-                        </a:rPr>
-                        <a:t>用户界面显示数据</a:t>
-                      </a:r>
-                      <a:r>
-                        <a:rPr lang="en-US" sz="1600" kern="0" dirty="0">
-                          <a:solidFill>
-                            <a:schemeClr val="tx1"/>
-                          </a:solidFill>
-                          <a:effectLst/>
-                        </a:rPr>
-                        <a:t>1</a:t>
-                      </a:r>
-                      <a:r>
-                        <a:rPr lang="zh-CN" sz="1600" kern="0" dirty="0">
-                          <a:solidFill>
-                            <a:schemeClr val="tx1"/>
-                          </a:solidFill>
-                          <a:effectLst/>
-                        </a:rPr>
-                        <a:t>信息，活动处理界面显示通过活动。登出后退出登录，个人界面空。</a:t>
-                      </a:r>
-                      <a:endParaRPr lang="zh-CN" sz="2400" kern="100" dirty="0">
-                        <a:solidFill>
-                          <a:schemeClr val="tx1"/>
-                        </a:solidFill>
-                        <a:effectLst/>
-                        <a:latin typeface="DengXian" charset="-122"/>
-                        <a:ea typeface="DengXian" charset="-122"/>
-                        <a:cs typeface="Times New Roman" charset="0"/>
-                      </a:endParaRPr>
-                    </a:p>
-                  </a:txBody>
-                  <a:tcPr marL="68580" marR="68580" marT="0" marB="0" anchor="ctr"/>
-                </a:tc>
-                <a:extLst>
-                  <a:ext uri="{0D108BD9-81ED-4DB2-BD59-A6C34878D82A}">
-                    <a16:rowId xmlns:a16="http://schemas.microsoft.com/office/drawing/2014/main" xmlns="" val="10003"/>
-                  </a:ext>
-                </a:extLst>
-              </a:tr>
-              <a:tr h="785852">
-                <a:tc>
-                  <a:txBody>
-                    <a:bodyPr/>
-                    <a:lstStyle/>
-                    <a:p>
-                      <a:pPr marL="342900" lvl="0" indent="-342900" algn="ctr">
-                        <a:lnSpc>
-                          <a:spcPts val="1200"/>
-                        </a:lnSpc>
-                        <a:spcAft>
-                          <a:spcPts val="0"/>
-                        </a:spcAft>
-                        <a:buFont typeface="+mj-lt"/>
-                        <a:buAutoNum type="arabicPeriod"/>
-                      </a:pPr>
-                      <a:r>
-                        <a:rPr lang="en-US" sz="1600">
-                          <a:solidFill>
-                            <a:schemeClr val="tx1"/>
-                          </a:solidFill>
-                          <a:effectLst/>
-                        </a:rPr>
-                        <a:t> </a:t>
-                      </a:r>
-                      <a:endParaRPr lang="zh-CN" sz="1600">
-                        <a:solidFill>
-                          <a:schemeClr val="tx1"/>
-                        </a:solidFill>
-                        <a:effectLst/>
-                        <a:latin typeface="Times New Roman" charset="0"/>
-                        <a:ea typeface="宋体" charset="-122"/>
-                      </a:endParaRPr>
-                    </a:p>
-                  </a:txBody>
-                  <a:tcPr marL="68580" marR="68580" marT="0" marB="0" anchor="ctr"/>
-                </a:tc>
-                <a:tc>
-                  <a:txBody>
-                    <a:bodyPr/>
-                    <a:lstStyle/>
-                    <a:p>
-                      <a:pPr algn="ctr">
-                        <a:spcAft>
-                          <a:spcPts val="0"/>
-                        </a:spcAft>
-                      </a:pPr>
-                      <a:r>
-                        <a:rPr lang="zh-CN" sz="1600" kern="0">
-                          <a:solidFill>
-                            <a:schemeClr val="tx1"/>
-                          </a:solidFill>
-                          <a:effectLst/>
-                        </a:rPr>
-                        <a:t>数据</a:t>
-                      </a:r>
-                      <a:r>
-                        <a:rPr lang="en-US" sz="1600" kern="0">
-                          <a:solidFill>
-                            <a:schemeClr val="tx1"/>
-                          </a:solidFill>
-                          <a:effectLst/>
-                        </a:rPr>
-                        <a:t>4</a:t>
-                      </a:r>
-                      <a:endParaRPr lang="zh-CN" sz="2400" kern="100">
-                        <a:solidFill>
-                          <a:schemeClr val="tx1"/>
-                        </a:solidFill>
-                        <a:effectLst/>
-                        <a:latin typeface="DengXian" charset="-122"/>
-                        <a:ea typeface="DengXian" charset="-122"/>
-                        <a:cs typeface="Times New Roman" charset="0"/>
-                      </a:endParaRPr>
-                    </a:p>
-                  </a:txBody>
-                  <a:tcPr marL="68580" marR="68580" marT="0" marB="0" anchor="ctr"/>
-                </a:tc>
-                <a:tc>
-                  <a:txBody>
-                    <a:bodyPr/>
-                    <a:lstStyle/>
-                    <a:p>
-                      <a:pPr algn="ctr">
-                        <a:spcAft>
-                          <a:spcPts val="0"/>
-                        </a:spcAft>
-                      </a:pPr>
-                      <a:r>
-                        <a:rPr lang="zh-CN" sz="1600" kern="0">
-                          <a:solidFill>
-                            <a:schemeClr val="tx1"/>
-                          </a:solidFill>
-                          <a:effectLst/>
-                        </a:rPr>
-                        <a:t>输入数据</a:t>
-                      </a:r>
-                      <a:r>
-                        <a:rPr lang="en-US" sz="1600" kern="0">
-                          <a:solidFill>
-                            <a:schemeClr val="tx1"/>
-                          </a:solidFill>
-                          <a:effectLst/>
-                        </a:rPr>
-                        <a:t>4</a:t>
-                      </a:r>
-                      <a:r>
-                        <a:rPr lang="zh-CN" sz="1600" kern="0">
-                          <a:solidFill>
-                            <a:schemeClr val="tx1"/>
-                          </a:solidFill>
-                          <a:effectLst/>
-                        </a:rPr>
-                        <a:t>数据，点击登陆</a:t>
-                      </a:r>
-                      <a:endParaRPr lang="zh-CN" sz="2400" kern="100">
-                        <a:solidFill>
-                          <a:schemeClr val="tx1"/>
-                        </a:solidFill>
-                        <a:effectLst/>
-                        <a:latin typeface="DengXian" charset="-122"/>
-                        <a:ea typeface="DengXian" charset="-122"/>
-                        <a:cs typeface="Times New Roman" charset="0"/>
-                      </a:endParaRPr>
-                    </a:p>
-                  </a:txBody>
-                  <a:tcPr marL="68580" marR="68580" marT="0" marB="0" anchor="ctr"/>
-                </a:tc>
-                <a:tc>
-                  <a:txBody>
-                    <a:bodyPr/>
-                    <a:lstStyle/>
-                    <a:p>
-                      <a:pPr algn="ctr">
-                        <a:spcAft>
-                          <a:spcPts val="0"/>
-                        </a:spcAft>
-                      </a:pPr>
-                      <a:r>
-                        <a:rPr lang="zh-CN" sz="1600" kern="0" dirty="0">
-                          <a:solidFill>
-                            <a:schemeClr val="tx1"/>
-                          </a:solidFill>
-                          <a:effectLst/>
-                        </a:rPr>
-                        <a:t>登陆失败。用户界面显示空。</a:t>
-                      </a:r>
-                      <a:endParaRPr lang="zh-CN" sz="2400" kern="100" dirty="0">
-                        <a:solidFill>
-                          <a:schemeClr val="tx1"/>
-                        </a:solidFill>
-                        <a:effectLst/>
-                        <a:latin typeface="DengXian" charset="-122"/>
-                        <a:ea typeface="DengXian" charset="-122"/>
-                        <a:cs typeface="Times New Roman" charset="0"/>
-                      </a:endParaRPr>
-                    </a:p>
-                  </a:txBody>
-                  <a:tcPr marL="68580" marR="68580" marT="0" marB="0" anchor="ctr"/>
-                </a:tc>
-                <a:extLst>
-                  <a:ext uri="{0D108BD9-81ED-4DB2-BD59-A6C34878D82A}">
-                    <a16:rowId xmlns:a16="http://schemas.microsoft.com/office/drawing/2014/main" xmlns="" val="10004"/>
-                  </a:ext>
-                </a:extLst>
-              </a:tr>
-              <a:tr h="378724">
-                <a:tc>
-                  <a:txBody>
-                    <a:bodyPr/>
-                    <a:lstStyle/>
-                    <a:p>
-                      <a:pPr marL="342900" lvl="0" indent="-342900" algn="ctr">
-                        <a:lnSpc>
-                          <a:spcPts val="1200"/>
-                        </a:lnSpc>
-                        <a:spcAft>
-                          <a:spcPts val="0"/>
-                        </a:spcAft>
-                        <a:buFont typeface="+mj-lt"/>
-                        <a:buAutoNum type="arabicPeriod"/>
-                      </a:pPr>
-                      <a:r>
-                        <a:rPr lang="en-US" sz="1600">
-                          <a:solidFill>
-                            <a:schemeClr val="tx1"/>
-                          </a:solidFill>
-                          <a:effectLst/>
-                        </a:rPr>
-                        <a:t> </a:t>
-                      </a:r>
-                      <a:endParaRPr lang="zh-CN" sz="1600">
-                        <a:solidFill>
-                          <a:schemeClr val="tx1"/>
-                        </a:solidFill>
-                        <a:effectLst/>
-                        <a:latin typeface="Times New Roman" charset="0"/>
-                        <a:ea typeface="宋体" charset="-122"/>
-                      </a:endParaRPr>
-                    </a:p>
-                  </a:txBody>
-                  <a:tcPr marL="68580" marR="68580" marT="0" marB="0" anchor="ctr"/>
-                </a:tc>
-                <a:tc>
-                  <a:txBody>
-                    <a:bodyPr/>
-                    <a:lstStyle/>
-                    <a:p>
-                      <a:pPr algn="ctr">
-                        <a:spcAft>
-                          <a:spcPts val="0"/>
-                        </a:spcAft>
-                      </a:pPr>
-                      <a:r>
-                        <a:rPr lang="zh-CN" sz="1600" kern="0">
-                          <a:solidFill>
-                            <a:schemeClr val="tx1"/>
-                          </a:solidFill>
-                          <a:effectLst/>
-                        </a:rPr>
-                        <a:t>数据</a:t>
-                      </a:r>
-                      <a:r>
-                        <a:rPr lang="en-US" sz="1600" kern="0">
-                          <a:solidFill>
-                            <a:schemeClr val="tx1"/>
-                          </a:solidFill>
-                          <a:effectLst/>
-                        </a:rPr>
-                        <a:t>5</a:t>
-                      </a:r>
-                      <a:endParaRPr lang="zh-CN" sz="2400" kern="100">
-                        <a:solidFill>
-                          <a:schemeClr val="tx1"/>
-                        </a:solidFill>
-                        <a:effectLst/>
-                        <a:latin typeface="DengXian" charset="-122"/>
-                        <a:ea typeface="DengXian" charset="-122"/>
-                        <a:cs typeface="Times New Roman" charset="0"/>
-                      </a:endParaRPr>
-                    </a:p>
-                  </a:txBody>
-                  <a:tcPr marL="68580" marR="68580" marT="0" marB="0" anchor="ctr"/>
-                </a:tc>
-                <a:tc>
-                  <a:txBody>
-                    <a:bodyPr/>
-                    <a:lstStyle/>
-                    <a:p>
-                      <a:pPr algn="ctr">
-                        <a:spcAft>
-                          <a:spcPts val="0"/>
-                        </a:spcAft>
-                      </a:pPr>
-                      <a:r>
-                        <a:rPr lang="zh-CN" sz="1600" kern="0">
-                          <a:solidFill>
-                            <a:schemeClr val="tx1"/>
-                          </a:solidFill>
-                          <a:effectLst/>
-                        </a:rPr>
-                        <a:t>输入数据</a:t>
-                      </a:r>
-                      <a:r>
-                        <a:rPr lang="en-US" sz="1600" kern="0">
-                          <a:solidFill>
-                            <a:schemeClr val="tx1"/>
-                          </a:solidFill>
-                          <a:effectLst/>
-                        </a:rPr>
-                        <a:t>5</a:t>
-                      </a:r>
-                      <a:r>
-                        <a:rPr lang="zh-CN" sz="1600" kern="0">
-                          <a:solidFill>
-                            <a:schemeClr val="tx1"/>
-                          </a:solidFill>
-                          <a:effectLst/>
-                        </a:rPr>
-                        <a:t>数据，点击登陆</a:t>
-                      </a:r>
-                      <a:endParaRPr lang="zh-CN" sz="2400" kern="100">
-                        <a:solidFill>
-                          <a:schemeClr val="tx1"/>
-                        </a:solidFill>
-                        <a:effectLst/>
-                        <a:latin typeface="DengXian" charset="-122"/>
-                        <a:ea typeface="DengXian" charset="-122"/>
-                        <a:cs typeface="Times New Roman" charset="0"/>
-                      </a:endParaRPr>
-                    </a:p>
-                  </a:txBody>
-                  <a:tcPr marL="68580" marR="68580" marT="0" marB="0" anchor="ctr"/>
-                </a:tc>
-                <a:tc>
-                  <a:txBody>
-                    <a:bodyPr/>
-                    <a:lstStyle/>
-                    <a:p>
-                      <a:pPr algn="ctr">
-                        <a:spcAft>
-                          <a:spcPts val="0"/>
-                        </a:spcAft>
-                      </a:pPr>
-                      <a:r>
-                        <a:rPr lang="zh-CN" sz="1600" kern="0" dirty="0">
-                          <a:solidFill>
-                            <a:schemeClr val="tx1"/>
-                          </a:solidFill>
-                          <a:effectLst/>
-                        </a:rPr>
-                        <a:t>提示，数据格式错误</a:t>
-                      </a:r>
-                      <a:endParaRPr lang="zh-CN" sz="2400" kern="100" dirty="0">
-                        <a:solidFill>
-                          <a:schemeClr val="tx1"/>
-                        </a:solidFill>
-                        <a:effectLst/>
-                        <a:latin typeface="DengXian" charset="-122"/>
-                        <a:ea typeface="DengXian" charset="-122"/>
-                        <a:cs typeface="Times New Roman" charset="0"/>
-                      </a:endParaRPr>
-                    </a:p>
-                  </a:txBody>
-                  <a:tcPr marL="68580" marR="68580" marT="0" marB="0" anchor="ctr"/>
-                </a:tc>
-                <a:extLst>
-                  <a:ext uri="{0D108BD9-81ED-4DB2-BD59-A6C34878D82A}">
-                    <a16:rowId xmlns:a16="http://schemas.microsoft.com/office/drawing/2014/main" xmlns="" val="10005"/>
-                  </a:ext>
-                </a:extLst>
-              </a:tr>
-              <a:tr h="378724">
-                <a:tc>
-                  <a:txBody>
-                    <a:bodyPr/>
-                    <a:lstStyle/>
-                    <a:p>
-                      <a:pPr marL="342900" lvl="0" indent="-342900" algn="ctr">
-                        <a:lnSpc>
-                          <a:spcPts val="1200"/>
-                        </a:lnSpc>
-                        <a:spcAft>
-                          <a:spcPts val="0"/>
-                        </a:spcAft>
-                        <a:buFont typeface="+mj-lt"/>
-                        <a:buAutoNum type="arabicPeriod"/>
-                      </a:pPr>
-                      <a:r>
-                        <a:rPr lang="en-US" sz="1600" dirty="0">
-                          <a:solidFill>
-                            <a:schemeClr val="tx1"/>
-                          </a:solidFill>
-                          <a:effectLst/>
-                        </a:rPr>
-                        <a:t> </a:t>
-                      </a:r>
-                      <a:endParaRPr lang="zh-CN" sz="1600" dirty="0">
-                        <a:solidFill>
-                          <a:schemeClr val="tx1"/>
-                        </a:solidFill>
-                        <a:effectLst/>
-                        <a:latin typeface="Times New Roman" charset="0"/>
-                        <a:ea typeface="宋体" charset="-122"/>
-                      </a:endParaRPr>
-                    </a:p>
-                  </a:txBody>
-                  <a:tcPr marL="68580" marR="68580" marT="0" marB="0" anchor="ctr"/>
-                </a:tc>
-                <a:tc>
-                  <a:txBody>
-                    <a:bodyPr/>
-                    <a:lstStyle/>
-                    <a:p>
-                      <a:pPr algn="ctr">
-                        <a:spcAft>
-                          <a:spcPts val="0"/>
-                        </a:spcAft>
-                      </a:pPr>
-                      <a:r>
-                        <a:rPr lang="zh-CN" sz="1600" kern="0">
-                          <a:solidFill>
-                            <a:schemeClr val="tx1"/>
-                          </a:solidFill>
-                          <a:effectLst/>
-                        </a:rPr>
-                        <a:t>数据</a:t>
-                      </a:r>
-                      <a:r>
-                        <a:rPr lang="en-US" sz="1600" kern="0">
-                          <a:solidFill>
-                            <a:schemeClr val="tx1"/>
-                          </a:solidFill>
-                          <a:effectLst/>
-                        </a:rPr>
-                        <a:t>6</a:t>
-                      </a:r>
-                      <a:endParaRPr lang="zh-CN" sz="2400" kern="100">
-                        <a:solidFill>
-                          <a:schemeClr val="tx1"/>
-                        </a:solidFill>
-                        <a:effectLst/>
-                        <a:latin typeface="DengXian" charset="-122"/>
-                        <a:ea typeface="DengXian" charset="-122"/>
-                        <a:cs typeface="Times New Roman" charset="0"/>
-                      </a:endParaRPr>
-                    </a:p>
-                  </a:txBody>
-                  <a:tcPr marL="68580" marR="68580" marT="0" marB="0" anchor="ctr"/>
-                </a:tc>
-                <a:tc>
-                  <a:txBody>
-                    <a:bodyPr/>
-                    <a:lstStyle/>
-                    <a:p>
-                      <a:pPr algn="ctr">
-                        <a:spcAft>
-                          <a:spcPts val="0"/>
-                        </a:spcAft>
-                      </a:pPr>
-                      <a:r>
-                        <a:rPr lang="zh-CN" sz="1600" kern="0">
-                          <a:solidFill>
-                            <a:schemeClr val="tx1"/>
-                          </a:solidFill>
-                          <a:effectLst/>
-                        </a:rPr>
-                        <a:t>输入数据</a:t>
-                      </a:r>
-                      <a:r>
-                        <a:rPr lang="en-US" sz="1600" kern="0">
-                          <a:solidFill>
-                            <a:schemeClr val="tx1"/>
-                          </a:solidFill>
-                          <a:effectLst/>
-                        </a:rPr>
-                        <a:t>6</a:t>
-                      </a:r>
-                      <a:r>
-                        <a:rPr lang="zh-CN" sz="1600" kern="0">
-                          <a:solidFill>
-                            <a:schemeClr val="tx1"/>
-                          </a:solidFill>
-                          <a:effectLst/>
-                        </a:rPr>
-                        <a:t>数据，点击登陆</a:t>
-                      </a:r>
-                      <a:endParaRPr lang="zh-CN" sz="2400" kern="100">
-                        <a:solidFill>
-                          <a:schemeClr val="tx1"/>
-                        </a:solidFill>
-                        <a:effectLst/>
-                        <a:latin typeface="DengXian" charset="-122"/>
-                        <a:ea typeface="DengXian" charset="-122"/>
-                        <a:cs typeface="Times New Roman" charset="0"/>
-                      </a:endParaRPr>
-                    </a:p>
-                  </a:txBody>
-                  <a:tcPr marL="68580" marR="68580" marT="0" marB="0" anchor="ctr"/>
-                </a:tc>
-                <a:tc>
-                  <a:txBody>
-                    <a:bodyPr/>
-                    <a:lstStyle/>
-                    <a:p>
-                      <a:pPr algn="ctr">
-                        <a:spcAft>
-                          <a:spcPts val="0"/>
-                        </a:spcAft>
-                      </a:pPr>
-                      <a:r>
-                        <a:rPr lang="zh-CN" sz="1600" kern="0" dirty="0">
-                          <a:solidFill>
-                            <a:schemeClr val="tx1"/>
-                          </a:solidFill>
-                          <a:effectLst/>
-                        </a:rPr>
-                        <a:t>提示，数据格式错误</a:t>
-                      </a:r>
-                      <a:endParaRPr lang="zh-CN" sz="2400" kern="100" dirty="0">
-                        <a:solidFill>
-                          <a:schemeClr val="tx1"/>
-                        </a:solidFill>
-                        <a:effectLst/>
-                        <a:latin typeface="DengXian" charset="-122"/>
-                        <a:ea typeface="DengXian" charset="-122"/>
-                        <a:cs typeface="Times New Roman" charset="0"/>
-                      </a:endParaRPr>
-                    </a:p>
-                  </a:txBody>
-                  <a:tcPr marL="68580" marR="68580" marT="0" marB="0" anchor="ctr"/>
-                </a:tc>
-                <a:extLst>
-                  <a:ext uri="{0D108BD9-81ED-4DB2-BD59-A6C34878D82A}">
-                    <a16:rowId xmlns:a16="http://schemas.microsoft.com/office/drawing/2014/main" xmlns="" val="10006"/>
-                  </a:ext>
-                </a:extLst>
               </a:tr>
             </a:tbl>
           </a:graphicData>
@@ -16913,7 +17368,7 @@
 </p:sld>
 </file>
 
-<file path=ppt/slides/slide22.xml><?xml version="1.0" encoding="utf-8"?>
+<file path=ppt/slides/slide25.xml><?xml version="1.0" encoding="utf-8"?>
 <p:sld xmlns:a="http://schemas.openxmlformats.org/drawingml/2006/main" xmlns:r="http://schemas.openxmlformats.org/officeDocument/2006/relationships" xmlns:p="http://schemas.openxmlformats.org/presentationml/2006/main">
   <p:cSld>
     <p:spTree>
@@ -17110,7 +17565,7 @@
 </p:sld>
 </file>
 
-<file path=ppt/slides/slide23.xml><?xml version="1.0" encoding="utf-8"?>
+<file path=ppt/slides/slide26.xml><?xml version="1.0" encoding="utf-8"?>
 <p:sld xmlns:a="http://schemas.openxmlformats.org/drawingml/2006/main" xmlns:r="http://schemas.openxmlformats.org/officeDocument/2006/relationships" xmlns:p="http://schemas.openxmlformats.org/presentationml/2006/main">
   <p:cSld>
     <p:bg>
@@ -17429,7 +17884,7 @@
 </p:sld>
 </file>
 
-<file path=ppt/slides/slide24.xml><?xml version="1.0" encoding="utf-8"?>
+<file path=ppt/slides/slide27.xml><?xml version="1.0" encoding="utf-8"?>
 <p:sld xmlns:a="http://schemas.openxmlformats.org/drawingml/2006/main" xmlns:r="http://schemas.openxmlformats.org/officeDocument/2006/relationships" xmlns:p="http://schemas.openxmlformats.org/presentationml/2006/main">
   <p:cSld>
     <p:spTree>
@@ -17534,7 +17989,7 @@
         </p:nvSpPr>
         <p:spPr>
           <a:xfrm>
-            <a:off x="1203767" y="1944547"/>
+            <a:off x="1110083" y="3130328"/>
             <a:ext cx="6341328" cy="369332"/>
           </a:xfrm>
           <a:prstGeom prst="rect">
@@ -17549,12 +18004,16 @@
           <a:lstStyle/>
           <a:p>
             <a:r>
-              <a:rPr kumimoji="1" lang="en-US" altLang="zh-CN" dirty="0" smtClean="0"/>
-              <a:t>1</a:t>
+              <a:rPr kumimoji="1" lang="en-US" altLang="zh-CN" dirty="0"/>
+              <a:t>2</a:t>
             </a:r>
             <a:r>
               <a:rPr kumimoji="1" lang="zh-CN" altLang="en-US" dirty="0" smtClean="0"/>
-              <a:t>：百度云测试工具。在不同机型进行压力测试以及</a:t>
+              <a:t>：</a:t>
+            </a:r>
+            <a:r>
+              <a:rPr kumimoji="1" lang="zh-CN" altLang="en-US" dirty="0" smtClean="0"/>
+              <a:t>百度云测试工具。在不同机型进行压力测试以及</a:t>
             </a:r>
             <a:r>
               <a:rPr kumimoji="1" lang="en-US" altLang="zh-CN" dirty="0" err="1" smtClean="0"/>
@@ -17576,7 +18035,7 @@
         </p:nvSpPr>
         <p:spPr>
           <a:xfrm>
-            <a:off x="1203767" y="2898305"/>
+            <a:off x="1110083" y="4287268"/>
             <a:ext cx="6341328" cy="369332"/>
           </a:xfrm>
           <a:prstGeom prst="rect">
@@ -17592,11 +18051,61 @@
           <a:p>
             <a:r>
               <a:rPr kumimoji="1" lang="en-US" altLang="zh-CN" dirty="0"/>
-              <a:t>2</a:t>
+              <a:t>3</a:t>
             </a:r>
             <a:r>
               <a:rPr kumimoji="1" lang="zh-CN" altLang="en-US" dirty="0" smtClean="0"/>
-              <a:t>：进行实机黑盒功能测试</a:t>
+              <a:t>：</a:t>
+            </a:r>
+            <a:r>
+              <a:rPr kumimoji="1" lang="zh-CN" altLang="en-US" dirty="0" smtClean="0"/>
+              <a:t>进行实机黑盒功能测试</a:t>
+            </a:r>
+            <a:endParaRPr kumimoji="1" lang="zh-CN" altLang="en-US" dirty="0"/>
+          </a:p>
+        </p:txBody>
+      </p:sp>
+      <p:sp>
+        <p:nvSpPr>
+          <p:cNvPr id="9" name="文本框 8"/>
+          <p:cNvSpPr txBox="1"/>
+          <p:nvPr/>
+        </p:nvSpPr>
+        <p:spPr>
+          <a:xfrm>
+            <a:off x="1110083" y="2114766"/>
+            <a:ext cx="6341328" cy="369332"/>
+          </a:xfrm>
+          <a:prstGeom prst="rect">
+            <a:avLst/>
+          </a:prstGeom>
+          <a:noFill/>
+        </p:spPr>
+        <p:txBody>
+          <a:bodyPr wrap="square" rtlCol="0">
+            <a:spAutoFit/>
+          </a:bodyPr>
+          <a:lstStyle/>
+          <a:p>
+            <a:r>
+              <a:rPr kumimoji="1" lang="en-US" altLang="zh-CN" dirty="0" smtClean="0"/>
+              <a:t>1</a:t>
+            </a:r>
+            <a:r>
+              <a:rPr kumimoji="1" lang="zh-CN" altLang="en-US" dirty="0" smtClean="0"/>
+              <a:t>：</a:t>
+            </a:r>
+            <a:r>
+              <a:rPr kumimoji="1" lang="en-US" altLang="zh-CN" dirty="0" smtClean="0"/>
+              <a:t>Android</a:t>
+            </a:r>
+            <a:r>
+              <a:rPr kumimoji="1" lang="zh-CN" altLang="en-US" dirty="0" smtClean="0"/>
+              <a:t> 自带命令行测试工具</a:t>
+            </a:r>
+            <a:r>
+              <a:rPr kumimoji="1" lang="en-US" altLang="zh-CN" dirty="0" smtClean="0"/>
+              <a:t>Monkey</a:t>
             </a:r>
             <a:endParaRPr kumimoji="1" lang="zh-CN" altLang="en-US" dirty="0"/>
           </a:p>
@@ -17634,7 +18143,616 @@
 </p:sld>
 </file>
 
-<file path=ppt/slides/slide25.xml><?xml version="1.0" encoding="utf-8"?>
+<file path=ppt/slides/slide28.xml><?xml version="1.0" encoding="utf-8"?>
+<p:sld xmlns:a="http://schemas.openxmlformats.org/drawingml/2006/main" xmlns:r="http://schemas.openxmlformats.org/officeDocument/2006/relationships" xmlns:p="http://schemas.openxmlformats.org/presentationml/2006/main">
+  <p:cSld>
+    <p:spTree>
+      <p:nvGrpSpPr>
+        <p:cNvPr id="1" name=""/>
+        <p:cNvGrpSpPr/>
+        <p:nvPr/>
+      </p:nvGrpSpPr>
+      <p:grpSpPr>
+        <a:xfrm>
+          <a:off x="0" y="0"/>
+          <a:ext cx="0" cy="0"/>
+          <a:chOff x="0" y="0"/>
+          <a:chExt cx="0" cy="0"/>
+        </a:xfrm>
+      </p:grpSpPr>
+      <p:sp>
+        <p:nvSpPr>
+          <p:cNvPr id="2" name="文本占位符 1"/>
+          <p:cNvSpPr>
+            <a:spLocks noGrp="1"/>
+          </p:cNvSpPr>
+          <p:nvPr>
+            <p:ph type="body" sz="quarter" idx="12"/>
+          </p:nvPr>
+        </p:nvSpPr>
+        <p:spPr/>
+        <p:txBody>
+          <a:bodyPr/>
+          <a:lstStyle/>
+          <a:p>
+            <a:r>
+              <a:rPr kumimoji="1" lang="en-US" altLang="zh-CN" dirty="0" smtClean="0"/>
+              <a:t>05</a:t>
+            </a:r>
+            <a:endParaRPr kumimoji="1" lang="zh-CN" altLang="en-US" dirty="0"/>
+          </a:p>
+        </p:txBody>
+      </p:sp>
+      <p:sp>
+        <p:nvSpPr>
+          <p:cNvPr id="3" name="文本占位符 2"/>
+          <p:cNvSpPr>
+            <a:spLocks noGrp="1"/>
+          </p:cNvSpPr>
+          <p:nvPr>
+            <p:ph type="body" sz="quarter" idx="13"/>
+          </p:nvPr>
+        </p:nvSpPr>
+        <p:spPr/>
+        <p:txBody>
+          <a:bodyPr/>
+          <a:lstStyle/>
+          <a:p>
+            <a:r>
+              <a:rPr kumimoji="1" lang="en-US" altLang="zh-CN" dirty="0" smtClean="0"/>
+              <a:t>Monkey——</a:t>
+            </a:r>
+            <a:r>
+              <a:rPr kumimoji="1" lang="zh-CN" altLang="en-US" dirty="0" smtClean="0"/>
+              <a:t>详见</a:t>
+            </a:r>
+            <a:r>
+              <a:rPr kumimoji="1" lang="en-US" altLang="zh-CN" dirty="0" smtClean="0"/>
+              <a:t>Log</a:t>
+            </a:r>
+            <a:endParaRPr kumimoji="1" lang="zh-CN" altLang="en-US" dirty="0"/>
+          </a:p>
+        </p:txBody>
+      </p:sp>
+      <p:sp>
+        <p:nvSpPr>
+          <p:cNvPr id="4" name="矩形 3"/>
+          <p:cNvSpPr/>
+          <p:nvPr/>
+        </p:nvSpPr>
+        <p:spPr>
+          <a:xfrm>
+            <a:off x="1110083" y="787983"/>
+            <a:ext cx="10914927" cy="5355312"/>
+          </a:xfrm>
+          <a:prstGeom prst="rect">
+            <a:avLst/>
+          </a:prstGeom>
+        </p:spPr>
+        <p:txBody>
+          <a:bodyPr wrap="square">
+            <a:spAutoFit/>
+          </a:bodyPr>
+          <a:lstStyle/>
+          <a:p>
+            <a:pPr algn="just">
+              <a:spcAft>
+                <a:spcPts val="0"/>
+              </a:spcAft>
+            </a:pPr>
+            <a:r>
+              <a:rPr lang="en-US" altLang="zh-CN" kern="100" dirty="0">
+                <a:latin typeface="DengXian" charset="-122"/>
+                <a:ea typeface="DengXian" charset="-122"/>
+                <a:cs typeface="Times New Roman" charset="0"/>
+              </a:rPr>
+              <a:t>127|generic_x86:/ $ monkey -p </a:t>
+            </a:r>
+            <a:r>
+              <a:rPr lang="en-US" altLang="zh-CN" kern="100" dirty="0" err="1">
+                <a:latin typeface="DengXian" charset="-122"/>
+                <a:ea typeface="DengXian" charset="-122"/>
+                <a:cs typeface="Times New Roman" charset="0"/>
+              </a:rPr>
+              <a:t>com.example.admin.campaigo</a:t>
+            </a:r>
+            <a:r>
+              <a:rPr lang="en-US" altLang="zh-CN" kern="100" dirty="0">
+                <a:latin typeface="DengXian" charset="-122"/>
+                <a:ea typeface="DengXian" charset="-122"/>
+                <a:cs typeface="Times New Roman" charset="0"/>
+              </a:rPr>
+              <a:t> -v 1000</a:t>
+            </a:r>
+            <a:endParaRPr lang="zh-CN" altLang="zh-CN" kern="100" dirty="0">
+              <a:latin typeface="DengXian" charset="-122"/>
+              <a:ea typeface="DengXian" charset="-122"/>
+              <a:cs typeface="Times New Roman" charset="0"/>
+            </a:endParaRPr>
+          </a:p>
+          <a:p>
+            <a:pPr algn="just">
+              <a:spcAft>
+                <a:spcPts val="0"/>
+              </a:spcAft>
+            </a:pPr>
+            <a:r>
+              <a:rPr lang="en-US" altLang="zh-CN" kern="100" dirty="0">
+                <a:latin typeface="DengXian" charset="-122"/>
+                <a:ea typeface="DengXian" charset="-122"/>
+                <a:cs typeface="Times New Roman" charset="0"/>
+              </a:rPr>
+              <a:t>:Monkey: seed=1515231943126 count=1000</a:t>
+            </a:r>
+            <a:endParaRPr lang="zh-CN" altLang="zh-CN" kern="100" dirty="0">
+              <a:latin typeface="DengXian" charset="-122"/>
+              <a:ea typeface="DengXian" charset="-122"/>
+              <a:cs typeface="Times New Roman" charset="0"/>
+            </a:endParaRPr>
+          </a:p>
+          <a:p>
+            <a:pPr algn="just">
+              <a:spcAft>
+                <a:spcPts val="0"/>
+              </a:spcAft>
+            </a:pPr>
+            <a:r>
+              <a:rPr lang="en-US" altLang="zh-CN" kern="100" dirty="0">
+                <a:latin typeface="DengXian" charset="-122"/>
+                <a:ea typeface="DengXian" charset="-122"/>
+                <a:cs typeface="Times New Roman" charset="0"/>
+              </a:rPr>
+              <a:t>:</a:t>
+            </a:r>
+            <a:r>
+              <a:rPr lang="en-US" altLang="zh-CN" kern="100" dirty="0" err="1">
+                <a:latin typeface="DengXian" charset="-122"/>
+                <a:ea typeface="DengXian" charset="-122"/>
+                <a:cs typeface="Times New Roman" charset="0"/>
+              </a:rPr>
+              <a:t>AllowPackage</a:t>
+            </a:r>
+            <a:r>
+              <a:rPr lang="en-US" altLang="zh-CN" kern="100" dirty="0">
+                <a:latin typeface="DengXian" charset="-122"/>
+                <a:ea typeface="DengXian" charset="-122"/>
+                <a:cs typeface="Times New Roman" charset="0"/>
+              </a:rPr>
+              <a:t>: </a:t>
+            </a:r>
+            <a:r>
+              <a:rPr lang="en-US" altLang="zh-CN" kern="100" dirty="0" err="1">
+                <a:latin typeface="DengXian" charset="-122"/>
+                <a:ea typeface="DengXian" charset="-122"/>
+                <a:cs typeface="Times New Roman" charset="0"/>
+              </a:rPr>
+              <a:t>com.example.admin.campaigo</a:t>
+            </a:r>
+            <a:endParaRPr lang="zh-CN" altLang="zh-CN" kern="100" dirty="0">
+              <a:latin typeface="DengXian" charset="-122"/>
+              <a:ea typeface="DengXian" charset="-122"/>
+              <a:cs typeface="Times New Roman" charset="0"/>
+            </a:endParaRPr>
+          </a:p>
+          <a:p>
+            <a:pPr algn="just">
+              <a:spcAft>
+                <a:spcPts val="0"/>
+              </a:spcAft>
+            </a:pPr>
+            <a:r>
+              <a:rPr lang="en-US" altLang="zh-CN" kern="100" dirty="0">
+                <a:latin typeface="DengXian" charset="-122"/>
+                <a:ea typeface="DengXian" charset="-122"/>
+                <a:cs typeface="Times New Roman" charset="0"/>
+              </a:rPr>
+              <a:t>:</a:t>
+            </a:r>
+            <a:r>
+              <a:rPr lang="en-US" altLang="zh-CN" kern="100" dirty="0" err="1">
+                <a:latin typeface="DengXian" charset="-122"/>
+                <a:ea typeface="DengXian" charset="-122"/>
+                <a:cs typeface="Times New Roman" charset="0"/>
+              </a:rPr>
+              <a:t>IncludeCategory</a:t>
+            </a:r>
+            <a:r>
+              <a:rPr lang="en-US" altLang="zh-CN" kern="100" dirty="0">
+                <a:latin typeface="DengXian" charset="-122"/>
+                <a:ea typeface="DengXian" charset="-122"/>
+                <a:cs typeface="Times New Roman" charset="0"/>
+              </a:rPr>
+              <a:t>: </a:t>
+            </a:r>
+            <a:r>
+              <a:rPr lang="en-US" altLang="zh-CN" kern="100" dirty="0" err="1">
+                <a:latin typeface="DengXian" charset="-122"/>
+                <a:ea typeface="DengXian" charset="-122"/>
+                <a:cs typeface="Times New Roman" charset="0"/>
+              </a:rPr>
+              <a:t>android.intent.category.LAUNCHER</a:t>
+            </a:r>
+            <a:endParaRPr lang="zh-CN" altLang="zh-CN" kern="100" dirty="0">
+              <a:latin typeface="DengXian" charset="-122"/>
+              <a:ea typeface="DengXian" charset="-122"/>
+              <a:cs typeface="Times New Roman" charset="0"/>
+            </a:endParaRPr>
+          </a:p>
+          <a:p>
+            <a:pPr algn="just">
+              <a:spcAft>
+                <a:spcPts val="0"/>
+              </a:spcAft>
+            </a:pPr>
+            <a:r>
+              <a:rPr lang="en-US" altLang="zh-CN" kern="100" dirty="0">
+                <a:latin typeface="DengXian" charset="-122"/>
+                <a:ea typeface="DengXian" charset="-122"/>
+                <a:cs typeface="Times New Roman" charset="0"/>
+              </a:rPr>
+              <a:t>:</a:t>
+            </a:r>
+            <a:r>
+              <a:rPr lang="en-US" altLang="zh-CN" kern="100" dirty="0" err="1">
+                <a:latin typeface="DengXian" charset="-122"/>
+                <a:ea typeface="DengXian" charset="-122"/>
+                <a:cs typeface="Times New Roman" charset="0"/>
+              </a:rPr>
+              <a:t>IncludeCategory</a:t>
+            </a:r>
+            <a:r>
+              <a:rPr lang="en-US" altLang="zh-CN" kern="100" dirty="0">
+                <a:latin typeface="DengXian" charset="-122"/>
+                <a:ea typeface="DengXian" charset="-122"/>
+                <a:cs typeface="Times New Roman" charset="0"/>
+              </a:rPr>
+              <a:t>: </a:t>
+            </a:r>
+            <a:r>
+              <a:rPr lang="en-US" altLang="zh-CN" kern="100" dirty="0" err="1">
+                <a:latin typeface="DengXian" charset="-122"/>
+                <a:ea typeface="DengXian" charset="-122"/>
+                <a:cs typeface="Times New Roman" charset="0"/>
+              </a:rPr>
+              <a:t>android.intent.category.MONKEY</a:t>
+            </a:r>
+            <a:endParaRPr lang="zh-CN" altLang="zh-CN" kern="100" dirty="0">
+              <a:latin typeface="DengXian" charset="-122"/>
+              <a:ea typeface="DengXian" charset="-122"/>
+              <a:cs typeface="Times New Roman" charset="0"/>
+            </a:endParaRPr>
+          </a:p>
+          <a:p>
+            <a:pPr algn="just">
+              <a:spcAft>
+                <a:spcPts val="0"/>
+              </a:spcAft>
+            </a:pPr>
+            <a:r>
+              <a:rPr lang="en-US" altLang="zh-CN" kern="100" dirty="0">
+                <a:latin typeface="DengXian" charset="-122"/>
+                <a:ea typeface="DengXian" charset="-122"/>
+                <a:cs typeface="Times New Roman" charset="0"/>
+              </a:rPr>
+              <a:t>// Event percentages:</a:t>
+            </a:r>
+            <a:endParaRPr lang="zh-CN" altLang="zh-CN" kern="100" dirty="0">
+              <a:latin typeface="DengXian" charset="-122"/>
+              <a:ea typeface="DengXian" charset="-122"/>
+              <a:cs typeface="Times New Roman" charset="0"/>
+            </a:endParaRPr>
+          </a:p>
+          <a:p>
+            <a:pPr algn="just">
+              <a:spcAft>
+                <a:spcPts val="0"/>
+              </a:spcAft>
+            </a:pPr>
+            <a:r>
+              <a:rPr lang="en-US" altLang="zh-CN" kern="100" dirty="0">
+                <a:latin typeface="DengXian" charset="-122"/>
+                <a:ea typeface="DengXian" charset="-122"/>
+                <a:cs typeface="Times New Roman" charset="0"/>
+              </a:rPr>
+              <a:t>//   0: 15.0%</a:t>
+            </a:r>
+            <a:endParaRPr lang="zh-CN" altLang="zh-CN" kern="100" dirty="0">
+              <a:latin typeface="DengXian" charset="-122"/>
+              <a:ea typeface="DengXian" charset="-122"/>
+              <a:cs typeface="Times New Roman" charset="0"/>
+            </a:endParaRPr>
+          </a:p>
+          <a:p>
+            <a:pPr algn="just">
+              <a:spcAft>
+                <a:spcPts val="0"/>
+              </a:spcAft>
+            </a:pPr>
+            <a:r>
+              <a:rPr lang="en-US" altLang="zh-CN" kern="100" dirty="0">
+                <a:latin typeface="DengXian" charset="-122"/>
+                <a:ea typeface="DengXian" charset="-122"/>
+                <a:cs typeface="Times New Roman" charset="0"/>
+              </a:rPr>
+              <a:t>//   1: 10.0%</a:t>
+            </a:r>
+            <a:endParaRPr lang="zh-CN" altLang="zh-CN" kern="100" dirty="0">
+              <a:latin typeface="DengXian" charset="-122"/>
+              <a:ea typeface="DengXian" charset="-122"/>
+              <a:cs typeface="Times New Roman" charset="0"/>
+            </a:endParaRPr>
+          </a:p>
+          <a:p>
+            <a:pPr algn="just">
+              <a:spcAft>
+                <a:spcPts val="0"/>
+              </a:spcAft>
+            </a:pPr>
+            <a:r>
+              <a:rPr lang="en-US" altLang="zh-CN" kern="100" dirty="0">
+                <a:latin typeface="DengXian" charset="-122"/>
+                <a:ea typeface="DengXian" charset="-122"/>
+                <a:cs typeface="Times New Roman" charset="0"/>
+              </a:rPr>
+              <a:t>//   2: 2.0%</a:t>
+            </a:r>
+            <a:endParaRPr lang="zh-CN" altLang="zh-CN" kern="100" dirty="0">
+              <a:latin typeface="DengXian" charset="-122"/>
+              <a:ea typeface="DengXian" charset="-122"/>
+              <a:cs typeface="Times New Roman" charset="0"/>
+            </a:endParaRPr>
+          </a:p>
+          <a:p>
+            <a:pPr algn="just">
+              <a:spcAft>
+                <a:spcPts val="0"/>
+              </a:spcAft>
+            </a:pPr>
+            <a:r>
+              <a:rPr lang="en-US" altLang="zh-CN" kern="100" dirty="0">
+                <a:latin typeface="DengXian" charset="-122"/>
+                <a:ea typeface="DengXian" charset="-122"/>
+                <a:cs typeface="Times New Roman" charset="0"/>
+              </a:rPr>
+              <a:t>//   3: 15.0%</a:t>
+            </a:r>
+            <a:endParaRPr lang="zh-CN" altLang="zh-CN" kern="100" dirty="0">
+              <a:latin typeface="DengXian" charset="-122"/>
+              <a:ea typeface="DengXian" charset="-122"/>
+              <a:cs typeface="Times New Roman" charset="0"/>
+            </a:endParaRPr>
+          </a:p>
+          <a:p>
+            <a:pPr algn="just">
+              <a:spcAft>
+                <a:spcPts val="0"/>
+              </a:spcAft>
+            </a:pPr>
+            <a:r>
+              <a:rPr lang="en-US" altLang="zh-CN" kern="100" dirty="0">
+                <a:latin typeface="DengXian" charset="-122"/>
+                <a:ea typeface="DengXian" charset="-122"/>
+                <a:cs typeface="Times New Roman" charset="0"/>
+              </a:rPr>
+              <a:t>//   4: -0.0%</a:t>
+            </a:r>
+            <a:endParaRPr lang="zh-CN" altLang="zh-CN" kern="100" dirty="0">
+              <a:latin typeface="DengXian" charset="-122"/>
+              <a:ea typeface="DengXian" charset="-122"/>
+              <a:cs typeface="Times New Roman" charset="0"/>
+            </a:endParaRPr>
+          </a:p>
+          <a:p>
+            <a:pPr algn="just">
+              <a:spcAft>
+                <a:spcPts val="0"/>
+              </a:spcAft>
+            </a:pPr>
+            <a:r>
+              <a:rPr lang="en-US" altLang="zh-CN" kern="100" dirty="0">
+                <a:latin typeface="DengXian" charset="-122"/>
+                <a:ea typeface="DengXian" charset="-122"/>
+                <a:cs typeface="Times New Roman" charset="0"/>
+              </a:rPr>
+              <a:t>//   5: -0.0%</a:t>
+            </a:r>
+            <a:endParaRPr lang="zh-CN" altLang="zh-CN" kern="100" dirty="0">
+              <a:latin typeface="DengXian" charset="-122"/>
+              <a:ea typeface="DengXian" charset="-122"/>
+              <a:cs typeface="Times New Roman" charset="0"/>
+            </a:endParaRPr>
+          </a:p>
+          <a:p>
+            <a:pPr algn="just">
+              <a:spcAft>
+                <a:spcPts val="0"/>
+              </a:spcAft>
+            </a:pPr>
+            <a:r>
+              <a:rPr lang="en-US" altLang="zh-CN" kern="100" dirty="0">
+                <a:latin typeface="DengXian" charset="-122"/>
+                <a:ea typeface="DengXian" charset="-122"/>
+                <a:cs typeface="Times New Roman" charset="0"/>
+              </a:rPr>
+              <a:t>//   6: 25.0%</a:t>
+            </a:r>
+            <a:endParaRPr lang="zh-CN" altLang="zh-CN" kern="100" dirty="0">
+              <a:latin typeface="DengXian" charset="-122"/>
+              <a:ea typeface="DengXian" charset="-122"/>
+              <a:cs typeface="Times New Roman" charset="0"/>
+            </a:endParaRPr>
+          </a:p>
+          <a:p>
+            <a:pPr algn="just">
+              <a:spcAft>
+                <a:spcPts val="0"/>
+              </a:spcAft>
+            </a:pPr>
+            <a:r>
+              <a:rPr lang="en-US" altLang="zh-CN" kern="100" dirty="0">
+                <a:latin typeface="DengXian" charset="-122"/>
+                <a:ea typeface="DengXian" charset="-122"/>
+                <a:cs typeface="Times New Roman" charset="0"/>
+              </a:rPr>
+              <a:t>//   7: 15.0%</a:t>
+            </a:r>
+            <a:endParaRPr lang="zh-CN" altLang="zh-CN" kern="100" dirty="0">
+              <a:latin typeface="DengXian" charset="-122"/>
+              <a:ea typeface="DengXian" charset="-122"/>
+              <a:cs typeface="Times New Roman" charset="0"/>
+            </a:endParaRPr>
+          </a:p>
+          <a:p>
+            <a:pPr algn="just">
+              <a:spcAft>
+                <a:spcPts val="0"/>
+              </a:spcAft>
+            </a:pPr>
+            <a:r>
+              <a:rPr lang="en-US" altLang="zh-CN" kern="100" dirty="0">
+                <a:latin typeface="DengXian" charset="-122"/>
+                <a:ea typeface="DengXian" charset="-122"/>
+                <a:cs typeface="Times New Roman" charset="0"/>
+              </a:rPr>
+              <a:t>//   8: 2.0%</a:t>
+            </a:r>
+            <a:endParaRPr lang="zh-CN" altLang="zh-CN" kern="100" dirty="0">
+              <a:latin typeface="DengXian" charset="-122"/>
+              <a:ea typeface="DengXian" charset="-122"/>
+              <a:cs typeface="Times New Roman" charset="0"/>
+            </a:endParaRPr>
+          </a:p>
+          <a:p>
+            <a:pPr algn="just">
+              <a:spcAft>
+                <a:spcPts val="0"/>
+              </a:spcAft>
+            </a:pPr>
+            <a:r>
+              <a:rPr lang="en-US" altLang="zh-CN" kern="100" dirty="0">
+                <a:latin typeface="DengXian" charset="-122"/>
+                <a:ea typeface="DengXian" charset="-122"/>
+                <a:cs typeface="Times New Roman" charset="0"/>
+              </a:rPr>
+              <a:t>//   9: 2.0%</a:t>
+            </a:r>
+            <a:endParaRPr lang="zh-CN" altLang="zh-CN" kern="100" dirty="0">
+              <a:latin typeface="DengXian" charset="-122"/>
+              <a:ea typeface="DengXian" charset="-122"/>
+              <a:cs typeface="Times New Roman" charset="0"/>
+            </a:endParaRPr>
+          </a:p>
+          <a:p>
+            <a:pPr algn="just">
+              <a:spcAft>
+                <a:spcPts val="0"/>
+              </a:spcAft>
+            </a:pPr>
+            <a:r>
+              <a:rPr lang="en-US" altLang="zh-CN" kern="100" dirty="0">
+                <a:latin typeface="DengXian" charset="-122"/>
+                <a:ea typeface="DengXian" charset="-122"/>
+                <a:cs typeface="Times New Roman" charset="0"/>
+              </a:rPr>
+              <a:t>//   10: 1.0%</a:t>
+            </a:r>
+            <a:endParaRPr lang="zh-CN" altLang="zh-CN" kern="100" dirty="0">
+              <a:latin typeface="DengXian" charset="-122"/>
+              <a:ea typeface="DengXian" charset="-122"/>
+              <a:cs typeface="Times New Roman" charset="0"/>
+            </a:endParaRPr>
+          </a:p>
+          <a:p>
+            <a:pPr algn="just">
+              <a:spcAft>
+                <a:spcPts val="0"/>
+              </a:spcAft>
+            </a:pPr>
+            <a:r>
+              <a:rPr lang="en-US" altLang="zh-CN" kern="100" dirty="0">
+                <a:latin typeface="DengXian" charset="-122"/>
+                <a:ea typeface="DengXian" charset="-122"/>
+                <a:cs typeface="Times New Roman" charset="0"/>
+              </a:rPr>
+              <a:t>//   11: 13.0</a:t>
+            </a:r>
+            <a:r>
+              <a:rPr lang="en-US" altLang="zh-CN" kern="100" dirty="0" smtClean="0">
+                <a:latin typeface="DengXian" charset="-122"/>
+                <a:ea typeface="DengXian" charset="-122"/>
+                <a:cs typeface="Times New Roman" charset="0"/>
+              </a:rPr>
+              <a:t>%</a:t>
+            </a:r>
+          </a:p>
+          <a:p>
+            <a:pPr algn="just">
+              <a:spcAft>
+                <a:spcPts val="0"/>
+              </a:spcAft>
+            </a:pPr>
+            <a:r>
+              <a:rPr lang="zh-CN" altLang="en-US" kern="100" dirty="0" smtClean="0">
+                <a:latin typeface="DengXian" charset="-122"/>
+                <a:ea typeface="DengXian" charset="-122"/>
+                <a:cs typeface="Times New Roman" charset="0"/>
+              </a:rPr>
+              <a:t>根据</a:t>
+            </a:r>
+            <a:r>
+              <a:rPr lang="en-US" altLang="zh-CN" kern="100" dirty="0" smtClean="0">
+                <a:latin typeface="DengXian" charset="-122"/>
+                <a:ea typeface="DengXian" charset="-122"/>
+                <a:cs typeface="Times New Roman" charset="0"/>
+              </a:rPr>
+              <a:t>monkey</a:t>
+            </a:r>
+            <a:r>
+              <a:rPr lang="zh-CN" altLang="en-US" kern="100" dirty="0" smtClean="0">
+                <a:latin typeface="DengXian" charset="-122"/>
+                <a:ea typeface="DengXian" charset="-122"/>
+                <a:cs typeface="Times New Roman" charset="0"/>
+              </a:rPr>
+              <a:t>测试结果，没有</a:t>
+            </a:r>
+            <a:r>
+              <a:rPr lang="en-US" altLang="zh-CN" kern="100" dirty="0" smtClean="0">
+                <a:latin typeface="DengXian" charset="-122"/>
+                <a:ea typeface="DengXian" charset="-122"/>
+                <a:cs typeface="Times New Roman" charset="0"/>
+              </a:rPr>
+              <a:t>Crash</a:t>
+            </a:r>
+            <a:r>
+              <a:rPr lang="zh-CN" altLang="en-US" kern="100" dirty="0" smtClean="0">
+                <a:latin typeface="DengXian" charset="-122"/>
+                <a:ea typeface="DengXian" charset="-122"/>
+                <a:cs typeface="Times New Roman" charset="0"/>
+              </a:rPr>
+              <a:t>事件</a:t>
+            </a:r>
+            <a:endParaRPr lang="zh-CN" altLang="zh-CN" kern="100" dirty="0">
+              <a:latin typeface="DengXian" charset="-122"/>
+              <a:ea typeface="DengXian" charset="-122"/>
+              <a:cs typeface="Times New Roman" charset="0"/>
+            </a:endParaRPr>
+          </a:p>
+        </p:txBody>
+      </p:sp>
+    </p:spTree>
+    <p:extLst>
+      <p:ext uri="{BB962C8B-B14F-4D97-AF65-F5344CB8AC3E}">
+        <p14:creationId xmlns:p14="http://schemas.microsoft.com/office/powerpoint/2010/main" val="546388284"/>
+      </p:ext>
+    </p:extLst>
+  </p:cSld>
+  <p:clrMapOvr>
+    <a:masterClrMapping/>
+  </p:clrMapOvr>
+</p:sld>
+</file>
+
+<file path=ppt/slides/slide29.xml><?xml version="1.0" encoding="utf-8"?>
 <p:sld xmlns:a="http://schemas.openxmlformats.org/drawingml/2006/main" xmlns:r="http://schemas.openxmlformats.org/officeDocument/2006/relationships" xmlns:p="http://schemas.openxmlformats.org/presentationml/2006/main">
   <p:cSld>
     <p:spTree>
@@ -17824,1173 +18942,6 @@
     <p:extLst>
       <p:ext uri="{BB962C8B-B14F-4D97-AF65-F5344CB8AC3E}">
         <p14:creationId xmlns:p14="http://schemas.microsoft.com/office/powerpoint/2010/main" val="1254461713"/>
-      </p:ext>
-    </p:extLst>
-  </p:cSld>
-  <p:clrMapOvr>
-    <a:masterClrMapping/>
-  </p:clrMapOvr>
-  <mc:AlternateContent xmlns:mc="http://schemas.openxmlformats.org/markup-compatibility/2006" xmlns:p14="http://schemas.microsoft.com/office/powerpoint/2010/main">
-    <mc:Choice Requires="p14">
-      <p:transition spd="med" p14:dur="700">
-        <p:fade/>
-      </p:transition>
-    </mc:Choice>
-    <mc:Fallback xmlns="">
-      <p:transition spd="med">
-        <p:fade/>
-      </p:transition>
-    </mc:Fallback>
-  </mc:AlternateContent>
-  <p:timing>
-    <p:tnLst>
-      <p:par>
-        <p:cTn id="1" dur="indefinite" restart="never" nodeType="tmRoot"/>
-      </p:par>
-    </p:tnLst>
-  </p:timing>
-</p:sld>
-</file>
-
-<file path=ppt/slides/slide26.xml><?xml version="1.0" encoding="utf-8"?>
-<p:sld xmlns:a="http://schemas.openxmlformats.org/drawingml/2006/main" xmlns:r="http://schemas.openxmlformats.org/officeDocument/2006/relationships" xmlns:p="http://schemas.openxmlformats.org/presentationml/2006/main">
-  <p:cSld>
-    <p:spTree>
-      <p:nvGrpSpPr>
-        <p:cNvPr id="1" name=""/>
-        <p:cNvGrpSpPr/>
-        <p:nvPr/>
-      </p:nvGrpSpPr>
-      <p:grpSpPr>
-        <a:xfrm>
-          <a:off x="0" y="0"/>
-          <a:ext cx="0" cy="0"/>
-          <a:chOff x="0" y="0"/>
-          <a:chExt cx="0" cy="0"/>
-        </a:xfrm>
-      </p:grpSpPr>
-      <p:sp>
-        <p:nvSpPr>
-          <p:cNvPr id="2" name="文本占位符 1"/>
-          <p:cNvSpPr>
-            <a:spLocks noGrp="1"/>
-          </p:cNvSpPr>
-          <p:nvPr>
-            <p:ph type="body" sz="quarter" idx="12"/>
-          </p:nvPr>
-        </p:nvSpPr>
-        <p:spPr/>
-        <p:txBody>
-          <a:bodyPr/>
-          <a:lstStyle/>
-          <a:p>
-            <a:r>
-              <a:rPr kumimoji="1" lang="en-US" altLang="zh-CN" smtClean="0"/>
-              <a:t>05</a:t>
-            </a:r>
-            <a:endParaRPr kumimoji="1" lang="zh-CN" altLang="en-US" dirty="0"/>
-          </a:p>
-        </p:txBody>
-      </p:sp>
-      <p:sp>
-        <p:nvSpPr>
-          <p:cNvPr id="3" name="文本占位符 2"/>
-          <p:cNvSpPr>
-            <a:spLocks noGrp="1"/>
-          </p:cNvSpPr>
-          <p:nvPr>
-            <p:ph type="body" sz="quarter" idx="13"/>
-          </p:nvPr>
-        </p:nvSpPr>
-        <p:spPr/>
-        <p:txBody>
-          <a:bodyPr/>
-          <a:lstStyle/>
-          <a:p>
-            <a:r>
-              <a:rPr kumimoji="1" lang="zh-CN" altLang="en-US" dirty="0" smtClean="0"/>
-              <a:t>测试结果</a:t>
-            </a:r>
-            <a:endParaRPr kumimoji="1" lang="zh-CN" altLang="en-US" dirty="0">
-              <a:solidFill>
-                <a:srgbClr val="FF0000"/>
-              </a:solidFill>
-            </a:endParaRPr>
-          </a:p>
-        </p:txBody>
-      </p:sp>
-      <p:pic>
-        <p:nvPicPr>
-          <p:cNvPr id="8" name="图片 7"/>
-          <p:cNvPicPr>
-            <a:picLocks noChangeAspect="1"/>
-          </p:cNvPicPr>
-          <p:nvPr/>
-        </p:nvPicPr>
-        <p:blipFill>
-          <a:blip r:embed="rId2">
-            <a:extLst>
-              <a:ext uri="{28A0092B-C50C-407E-A947-70E740481C1C}">
-                <a14:useLocalDpi xmlns:a14="http://schemas.microsoft.com/office/drawing/2010/main" val="0"/>
-              </a:ext>
-            </a:extLst>
-          </a:blip>
-          <a:stretch>
-            <a:fillRect/>
-          </a:stretch>
-        </p:blipFill>
-        <p:spPr>
-          <a:xfrm>
-            <a:off x="9657864" y="288560"/>
-            <a:ext cx="2244436" cy="713763"/>
-          </a:xfrm>
-          <a:prstGeom prst="rect">
-            <a:avLst/>
-          </a:prstGeom>
-        </p:spPr>
-      </p:pic>
-      <p:sp>
-        <p:nvSpPr>
-          <p:cNvPr id="5" name="文本框 4"/>
-          <p:cNvSpPr txBox="1"/>
-          <p:nvPr/>
-        </p:nvSpPr>
-        <p:spPr>
-          <a:xfrm>
-            <a:off x="1215343" y="1002323"/>
-            <a:ext cx="7222602" cy="369332"/>
-          </a:xfrm>
-          <a:prstGeom prst="rect">
-            <a:avLst/>
-          </a:prstGeom>
-          <a:noFill/>
-        </p:spPr>
-        <p:txBody>
-          <a:bodyPr wrap="square" rtlCol="0">
-            <a:spAutoFit/>
-          </a:bodyPr>
-          <a:lstStyle/>
-          <a:p>
-            <a:r>
-              <a:rPr kumimoji="1" lang="zh-CN" altLang="en-US" dirty="0" smtClean="0"/>
-              <a:t>本次</a:t>
-            </a:r>
-            <a:r>
-              <a:rPr kumimoji="1" lang="en-US" altLang="zh-CN" dirty="0" err="1" smtClean="0"/>
-              <a:t>Ui</a:t>
-            </a:r>
-            <a:r>
-              <a:rPr kumimoji="1" lang="zh-CN" altLang="en-US" dirty="0" smtClean="0"/>
-              <a:t>测试结果详见报告</a:t>
-            </a:r>
-            <a:endParaRPr kumimoji="1" lang="zh-CN" altLang="en-US" dirty="0"/>
-          </a:p>
-        </p:txBody>
-      </p:sp>
-      <p:pic>
-        <p:nvPicPr>
-          <p:cNvPr id="6" name="图片 5"/>
-          <p:cNvPicPr>
-            <a:picLocks noChangeAspect="1"/>
-          </p:cNvPicPr>
-          <p:nvPr/>
-        </p:nvPicPr>
-        <p:blipFill>
-          <a:blip r:embed="rId3">
-            <a:extLst>
-              <a:ext uri="{28A0092B-C50C-407E-A947-70E740481C1C}">
-                <a14:useLocalDpi xmlns:a14="http://schemas.microsoft.com/office/drawing/2010/main" val="0"/>
-              </a:ext>
-            </a:extLst>
-          </a:blip>
-          <a:stretch>
-            <a:fillRect/>
-          </a:stretch>
-        </p:blipFill>
-        <p:spPr>
-          <a:xfrm>
-            <a:off x="970383" y="1371655"/>
-            <a:ext cx="10058400" cy="4884536"/>
-          </a:xfrm>
-          <a:prstGeom prst="rect">
-            <a:avLst/>
-          </a:prstGeom>
-        </p:spPr>
-      </p:pic>
-    </p:spTree>
-    <p:extLst>
-      <p:ext uri="{BB962C8B-B14F-4D97-AF65-F5344CB8AC3E}">
-        <p14:creationId xmlns:p14="http://schemas.microsoft.com/office/powerpoint/2010/main" val="634751748"/>
-      </p:ext>
-    </p:extLst>
-  </p:cSld>
-  <p:clrMapOvr>
-    <a:masterClrMapping/>
-  </p:clrMapOvr>
-  <mc:AlternateContent xmlns:mc="http://schemas.openxmlformats.org/markup-compatibility/2006" xmlns:p14="http://schemas.microsoft.com/office/powerpoint/2010/main">
-    <mc:Choice Requires="p14">
-      <p:transition spd="med" p14:dur="700">
-        <p:fade/>
-      </p:transition>
-    </mc:Choice>
-    <mc:Fallback xmlns="">
-      <p:transition spd="med">
-        <p:fade/>
-      </p:transition>
-    </mc:Fallback>
-  </mc:AlternateContent>
-  <p:timing>
-    <p:tnLst>
-      <p:par>
-        <p:cTn id="1" dur="indefinite" restart="never" nodeType="tmRoot"/>
-      </p:par>
-    </p:tnLst>
-  </p:timing>
-</p:sld>
-</file>
-
-<file path=ppt/slides/slide27.xml><?xml version="1.0" encoding="utf-8"?>
-<p:sld xmlns:a="http://schemas.openxmlformats.org/drawingml/2006/main" xmlns:r="http://schemas.openxmlformats.org/officeDocument/2006/relationships" xmlns:p="http://schemas.openxmlformats.org/presentationml/2006/main">
-  <p:cSld>
-    <p:spTree>
-      <p:nvGrpSpPr>
-        <p:cNvPr id="1" name=""/>
-        <p:cNvGrpSpPr/>
-        <p:nvPr/>
-      </p:nvGrpSpPr>
-      <p:grpSpPr>
-        <a:xfrm>
-          <a:off x="0" y="0"/>
-          <a:ext cx="0" cy="0"/>
-          <a:chOff x="0" y="0"/>
-          <a:chExt cx="0" cy="0"/>
-        </a:xfrm>
-      </p:grpSpPr>
-      <p:sp>
-        <p:nvSpPr>
-          <p:cNvPr id="2" name="文本占位符 1"/>
-          <p:cNvSpPr>
-            <a:spLocks noGrp="1"/>
-          </p:cNvSpPr>
-          <p:nvPr>
-            <p:ph type="body" sz="quarter" idx="12"/>
-          </p:nvPr>
-        </p:nvSpPr>
-        <p:spPr/>
-        <p:txBody>
-          <a:bodyPr/>
-          <a:lstStyle/>
-          <a:p>
-            <a:r>
-              <a:rPr kumimoji="1" lang="en-US" altLang="zh-CN" dirty="0" smtClean="0"/>
-              <a:t>6</a:t>
-            </a:r>
-            <a:endParaRPr kumimoji="1" lang="zh-CN" altLang="en-US" dirty="0"/>
-          </a:p>
-        </p:txBody>
-      </p:sp>
-      <p:sp>
-        <p:nvSpPr>
-          <p:cNvPr id="3" name="文本占位符 2"/>
-          <p:cNvSpPr>
-            <a:spLocks noGrp="1"/>
-          </p:cNvSpPr>
-          <p:nvPr>
-            <p:ph type="body" sz="quarter" idx="13"/>
-          </p:nvPr>
-        </p:nvSpPr>
-        <p:spPr>
-          <a:xfrm>
-            <a:off x="4966996" y="1474235"/>
-            <a:ext cx="5380771" cy="1735309"/>
-          </a:xfrm>
-        </p:spPr>
-        <p:txBody>
-          <a:bodyPr/>
-          <a:lstStyle/>
-          <a:p>
-            <a:r>
-              <a:rPr kumimoji="1" lang="zh-CN" altLang="en-US" sz="6600" dirty="0" smtClean="0"/>
-              <a:t>集成测试</a:t>
-            </a:r>
-            <a:r>
-              <a:rPr kumimoji="1" lang="en-US" altLang="zh-CN" sz="6600" dirty="0" smtClean="0"/>
-              <a:t>——</a:t>
-            </a:r>
-            <a:r>
-              <a:rPr kumimoji="1" lang="zh-CN" altLang="en-US" sz="6600" dirty="0" smtClean="0"/>
-              <a:t>用户</a:t>
-            </a:r>
-            <a:r>
-              <a:rPr kumimoji="1" lang="zh-CN" altLang="en-US" sz="6600" dirty="0" smtClean="0"/>
-              <a:t>测试</a:t>
-            </a:r>
-            <a:endParaRPr kumimoji="1" lang="zh-CN" altLang="en-US" sz="6600" dirty="0"/>
-          </a:p>
-        </p:txBody>
-      </p:sp>
-      <p:pic>
-        <p:nvPicPr>
-          <p:cNvPr id="5" name="图片 4"/>
-          <p:cNvPicPr>
-            <a:picLocks noChangeAspect="1"/>
-          </p:cNvPicPr>
-          <p:nvPr/>
-        </p:nvPicPr>
-        <p:blipFill>
-          <a:blip r:embed="rId2">
-            <a:extLst>
-              <a:ext uri="{28A0092B-C50C-407E-A947-70E740481C1C}">
-                <a14:useLocalDpi xmlns:a14="http://schemas.microsoft.com/office/drawing/2010/main" val="0"/>
-              </a:ext>
-            </a:extLst>
-          </a:blip>
-          <a:stretch>
-            <a:fillRect/>
-          </a:stretch>
-        </p:blipFill>
-        <p:spPr>
-          <a:xfrm>
-            <a:off x="4470402" y="6144237"/>
-            <a:ext cx="2244436" cy="713763"/>
-          </a:xfrm>
-          <a:prstGeom prst="rect">
-            <a:avLst/>
-          </a:prstGeom>
-        </p:spPr>
-      </p:pic>
-      <p:sp>
-        <p:nvSpPr>
-          <p:cNvPr id="7" name="文本框 6"/>
-          <p:cNvSpPr txBox="1"/>
-          <p:nvPr/>
-        </p:nvSpPr>
-        <p:spPr>
-          <a:xfrm>
-            <a:off x="4966996" y="3664452"/>
-            <a:ext cx="4828032" cy="646331"/>
-          </a:xfrm>
-          <a:prstGeom prst="rect">
-            <a:avLst/>
-          </a:prstGeom>
-          <a:noFill/>
-        </p:spPr>
-        <p:txBody>
-          <a:bodyPr wrap="square" rtlCol="0">
-            <a:spAutoFit/>
-          </a:bodyPr>
-          <a:lstStyle/>
-          <a:p>
-            <a:r>
-              <a:rPr lang="en-US" altLang="zh-CN" dirty="0" smtClean="0"/>
-              <a:t>6.1 </a:t>
-            </a:r>
-            <a:r>
-              <a:rPr lang="zh-CN" altLang="en-US" dirty="0" smtClean="0"/>
-              <a:t>测试范围</a:t>
-            </a:r>
-            <a:endParaRPr lang="en-US" altLang="zh-CN" dirty="0" smtClean="0"/>
-          </a:p>
-          <a:p>
-            <a:r>
-              <a:rPr lang="en-US" altLang="zh-CN" dirty="0" smtClean="0"/>
-              <a:t>6.2 </a:t>
-            </a:r>
-            <a:r>
-              <a:rPr lang="zh-CN" altLang="en-US" dirty="0" smtClean="0"/>
-              <a:t>测试结果</a:t>
-            </a:r>
-            <a:endParaRPr lang="zh-CN" altLang="en-US" dirty="0"/>
-          </a:p>
-        </p:txBody>
-      </p:sp>
-    </p:spTree>
-    <p:extLst>
-      <p:ext uri="{BB962C8B-B14F-4D97-AF65-F5344CB8AC3E}">
-        <p14:creationId xmlns:p14="http://schemas.microsoft.com/office/powerpoint/2010/main" val="2111675710"/>
-      </p:ext>
-    </p:extLst>
-  </p:cSld>
-  <p:clrMapOvr>
-    <a:masterClrMapping/>
-  </p:clrMapOvr>
-  <mc:AlternateContent xmlns:mc="http://schemas.openxmlformats.org/markup-compatibility/2006" xmlns:p14="http://schemas.microsoft.com/office/powerpoint/2010/main">
-    <mc:Choice Requires="p14">
-      <p:transition spd="slow" p14:dur="1200">
-        <p14:prism/>
-      </p:transition>
-    </mc:Choice>
-    <mc:Fallback xmlns="">
-      <p:transition spd="slow">
-        <p:fade/>
-      </p:transition>
-    </mc:Fallback>
-  </mc:AlternateContent>
-  <p:timing>
-    <p:tnLst>
-      <p:par>
-        <p:cTn id="1" dur="indefinite" restart="never" nodeType="tmRoot"/>
-      </p:par>
-    </p:tnLst>
-  </p:timing>
-</p:sld>
-</file>
-
-<file path=ppt/slides/slide28.xml><?xml version="1.0" encoding="utf-8"?>
-<p:sld xmlns:a="http://schemas.openxmlformats.org/drawingml/2006/main" xmlns:r="http://schemas.openxmlformats.org/officeDocument/2006/relationships" xmlns:p="http://schemas.openxmlformats.org/presentationml/2006/main">
-  <p:cSld>
-    <p:spTree>
-      <p:nvGrpSpPr>
-        <p:cNvPr id="1" name=""/>
-        <p:cNvGrpSpPr/>
-        <p:nvPr/>
-      </p:nvGrpSpPr>
-      <p:grpSpPr>
-        <a:xfrm>
-          <a:off x="0" y="0"/>
-          <a:ext cx="0" cy="0"/>
-          <a:chOff x="0" y="0"/>
-          <a:chExt cx="0" cy="0"/>
-        </a:xfrm>
-      </p:grpSpPr>
-      <p:sp>
-        <p:nvSpPr>
-          <p:cNvPr id="2" name="文本占位符 1"/>
-          <p:cNvSpPr>
-            <a:spLocks noGrp="1"/>
-          </p:cNvSpPr>
-          <p:nvPr>
-            <p:ph type="body" sz="quarter" idx="12"/>
-          </p:nvPr>
-        </p:nvSpPr>
-        <p:spPr/>
-        <p:txBody>
-          <a:bodyPr/>
-          <a:lstStyle/>
-          <a:p>
-            <a:r>
-              <a:rPr kumimoji="1" lang="en-US" altLang="zh-CN" dirty="0" smtClean="0"/>
-              <a:t>06</a:t>
-            </a:r>
-            <a:endParaRPr kumimoji="1" lang="zh-CN" altLang="en-US" dirty="0"/>
-          </a:p>
-        </p:txBody>
-      </p:sp>
-      <p:sp>
-        <p:nvSpPr>
-          <p:cNvPr id="3" name="文本占位符 2"/>
-          <p:cNvSpPr>
-            <a:spLocks noGrp="1"/>
-          </p:cNvSpPr>
-          <p:nvPr>
-            <p:ph type="body" sz="quarter" idx="13"/>
-          </p:nvPr>
-        </p:nvSpPr>
-        <p:spPr/>
-        <p:txBody>
-          <a:bodyPr/>
-          <a:lstStyle/>
-          <a:p>
-            <a:r>
-              <a:rPr kumimoji="1" lang="zh-CN" altLang="en-US" dirty="0" smtClean="0"/>
-              <a:t>测试范围</a:t>
-            </a:r>
-            <a:endParaRPr kumimoji="1" lang="zh-CN" altLang="en-US" dirty="0"/>
-          </a:p>
-        </p:txBody>
-      </p:sp>
-      <p:pic>
-        <p:nvPicPr>
-          <p:cNvPr id="21" name="图片 20"/>
-          <p:cNvPicPr>
-            <a:picLocks noChangeAspect="1"/>
-          </p:cNvPicPr>
-          <p:nvPr/>
-        </p:nvPicPr>
-        <p:blipFill>
-          <a:blip r:embed="rId3">
-            <a:extLst>
-              <a:ext uri="{28A0092B-C50C-407E-A947-70E740481C1C}">
-                <a14:useLocalDpi xmlns:a14="http://schemas.microsoft.com/office/drawing/2010/main" val="0"/>
-              </a:ext>
-            </a:extLst>
-          </a:blip>
-          <a:stretch>
-            <a:fillRect/>
-          </a:stretch>
-        </p:blipFill>
-        <p:spPr>
-          <a:xfrm>
-            <a:off x="9781311" y="162538"/>
-            <a:ext cx="2244436" cy="713763"/>
-          </a:xfrm>
-          <a:prstGeom prst="rect">
-            <a:avLst/>
-          </a:prstGeom>
-        </p:spPr>
-      </p:pic>
-      <p:sp>
-        <p:nvSpPr>
-          <p:cNvPr id="7" name="AutoShape 2" descr="https://timgsa.baidu.com/timg?image&amp;quality=80&amp;size=b9999_10000&amp;sec=1508644358879&amp;di=ad8dab2c14263e092edb301109512333&amp;imgtype=0&amp;src=http%3A%2F%2Fkjwy.5any.com%2FRjgc%2Fcontent%2Fimages%2F01%2Frjgc-tp-0111.jpg"/>
-          <p:cNvSpPr>
-            <a:spLocks noChangeAspect="1" noChangeArrowheads="1"/>
-          </p:cNvSpPr>
-          <p:nvPr/>
-        </p:nvSpPr>
-        <p:spPr bwMode="auto">
-          <a:xfrm>
-            <a:off x="155575" y="-144463"/>
-            <a:ext cx="304800" cy="304801"/>
-          </a:xfrm>
-          <a:prstGeom prst="rect">
-            <a:avLst/>
-          </a:prstGeom>
-          <a:noFill/>
-          <a:extLst>
-            <a:ext uri="{909E8E84-426E-40DD-AFC4-6F175D3DCCD1}">
-              <a14:hiddenFill xmlns:a14="http://schemas.microsoft.com/office/drawing/2010/main">
-                <a:solidFill>
-                  <a:srgbClr val="FFFFFF"/>
-                </a:solidFill>
-              </a14:hiddenFill>
-            </a:ext>
-          </a:extLst>
-        </p:spPr>
-        <p:txBody>
-          <a:bodyPr vert="horz" wrap="square" lIns="91440" tIns="45720" rIns="91440" bIns="45720" numCol="1" anchor="t" anchorCtr="0" compatLnSpc="1">
-            <a:prstTxWarp prst="textNoShape">
-              <a:avLst/>
-            </a:prstTxWarp>
-          </a:bodyPr>
-          <a:lstStyle/>
-          <a:p>
-            <a:endParaRPr lang="zh-CN" altLang="en-US"/>
-          </a:p>
-        </p:txBody>
-      </p:sp>
-      <p:sp>
-        <p:nvSpPr>
-          <p:cNvPr id="4" name="文本框 3"/>
-          <p:cNvSpPr txBox="1"/>
-          <p:nvPr/>
-        </p:nvSpPr>
-        <p:spPr>
-          <a:xfrm>
-            <a:off x="970383" y="1477651"/>
-            <a:ext cx="6726782" cy="3970318"/>
-          </a:xfrm>
-          <a:prstGeom prst="rect">
-            <a:avLst/>
-          </a:prstGeom>
-          <a:noFill/>
-        </p:spPr>
-        <p:txBody>
-          <a:bodyPr wrap="square" rtlCol="0">
-            <a:spAutoFit/>
-          </a:bodyPr>
-          <a:lstStyle/>
-          <a:p>
-            <a:r>
-              <a:rPr lang="en-US" altLang="zh-CN" b="1" kern="100" dirty="0" smtClean="0">
-                <a:latin typeface="DengXian Light" charset="-122"/>
-                <a:ea typeface="DengXian Light" charset="-122"/>
-                <a:cs typeface="Times New Roman" charset="0"/>
-              </a:rPr>
-              <a:t>1</a:t>
-            </a:r>
-            <a:r>
-              <a:rPr lang="zh-CN" altLang="en-US" b="1" kern="100" dirty="0" smtClean="0">
-                <a:latin typeface="DengXian Light" charset="-122"/>
-                <a:ea typeface="DengXian Light" charset="-122"/>
-                <a:cs typeface="Times New Roman" charset="0"/>
-              </a:rPr>
-              <a:t>子系统范围</a:t>
-            </a:r>
-            <a:endParaRPr lang="en-US" altLang="zh-CN" b="1" kern="100" dirty="0" smtClean="0">
-              <a:latin typeface="DengXian Light" charset="-122"/>
-              <a:ea typeface="DengXian Light" charset="-122"/>
-              <a:cs typeface="Times New Roman" charset="0"/>
-            </a:endParaRPr>
-          </a:p>
-          <a:p>
-            <a:r>
-              <a:rPr kumimoji="1" lang="zh-CN" altLang="en-US" b="1" kern="100" dirty="0" smtClean="0">
-                <a:latin typeface="DengXian Light" charset="-122"/>
-                <a:ea typeface="DengXian Light" charset="-122"/>
-                <a:cs typeface="Times New Roman" charset="0"/>
-              </a:rPr>
-              <a:t>活动浏览系统：</a:t>
-            </a:r>
-            <a:endParaRPr kumimoji="1" lang="en-US" altLang="zh-CN" b="1" kern="100" dirty="0" smtClean="0">
-              <a:latin typeface="DengXian Light" charset="-122"/>
-              <a:ea typeface="DengXian Light" charset="-122"/>
-              <a:cs typeface="Times New Roman" charset="0"/>
-            </a:endParaRPr>
-          </a:p>
-          <a:p>
-            <a:r>
-              <a:rPr kumimoji="1" lang="en-US" altLang="zh-CN" b="1" kern="100" dirty="0" smtClean="0">
-                <a:latin typeface="DengXian Light" charset="-122"/>
-                <a:ea typeface="DengXian Light" charset="-122"/>
-                <a:cs typeface="Times New Roman" charset="0"/>
-              </a:rPr>
-              <a:t>1:</a:t>
-            </a:r>
-            <a:r>
-              <a:rPr kumimoji="1" lang="zh-CN" altLang="en-US" b="1" kern="100" dirty="0" smtClean="0">
-                <a:latin typeface="DengXian Light" charset="-122"/>
-                <a:ea typeface="DengXian Light" charset="-122"/>
-                <a:cs typeface="Times New Roman" charset="0"/>
-              </a:rPr>
-              <a:t>活动详情浏览系统</a:t>
-            </a:r>
-            <a:endParaRPr kumimoji="1" lang="en-US" altLang="zh-CN" b="1" kern="100" dirty="0" smtClean="0">
-              <a:latin typeface="DengXian Light" charset="-122"/>
-              <a:ea typeface="DengXian Light" charset="-122"/>
-              <a:cs typeface="Times New Roman" charset="0"/>
-            </a:endParaRPr>
-          </a:p>
-          <a:p>
-            <a:r>
-              <a:rPr kumimoji="1" lang="en-US" altLang="zh-CN" b="1" kern="100" dirty="0" smtClean="0">
-                <a:latin typeface="DengXian Light" charset="-122"/>
-                <a:ea typeface="DengXian Light" charset="-122"/>
-                <a:cs typeface="Times New Roman" charset="0"/>
-              </a:rPr>
-              <a:t>2</a:t>
-            </a:r>
-            <a:r>
-              <a:rPr kumimoji="1" lang="zh-CN" altLang="en-US" b="1" kern="100" dirty="0" smtClean="0">
-                <a:latin typeface="DengXian Light" charset="-122"/>
-                <a:ea typeface="DengXian Light" charset="-122"/>
-                <a:cs typeface="Times New Roman" charset="0"/>
-              </a:rPr>
-              <a:t>活动搜索系统</a:t>
-            </a:r>
-            <a:endParaRPr kumimoji="1" lang="en-US" altLang="zh-CN" b="1" kern="100" dirty="0" smtClean="0">
-              <a:latin typeface="DengXian Light" charset="-122"/>
-              <a:ea typeface="DengXian Light" charset="-122"/>
-              <a:cs typeface="Times New Roman" charset="0"/>
-            </a:endParaRPr>
-          </a:p>
-          <a:p>
-            <a:r>
-              <a:rPr kumimoji="1" lang="en-US" altLang="zh-CN" b="1" kern="100" dirty="0" smtClean="0">
-                <a:latin typeface="DengXian Light" charset="-122"/>
-                <a:ea typeface="DengXian Light" charset="-122"/>
-                <a:cs typeface="Times New Roman" charset="0"/>
-              </a:rPr>
-              <a:t>3</a:t>
-            </a:r>
-            <a:r>
-              <a:rPr kumimoji="1" lang="zh-CN" altLang="en-US" b="1" kern="100" dirty="0" smtClean="0">
-                <a:latin typeface="DengXian Light" charset="-122"/>
-                <a:ea typeface="DengXian Light" charset="-122"/>
-                <a:cs typeface="Times New Roman" charset="0"/>
-              </a:rPr>
-              <a:t>活动参与系统</a:t>
-            </a:r>
-            <a:endParaRPr kumimoji="1" lang="en-US" altLang="zh-CN" b="1" kern="100" dirty="0" smtClean="0">
-              <a:latin typeface="DengXian Light" charset="-122"/>
-              <a:ea typeface="DengXian Light" charset="-122"/>
-              <a:cs typeface="Times New Roman" charset="0"/>
-            </a:endParaRPr>
-          </a:p>
-          <a:p>
-            <a:r>
-              <a:rPr kumimoji="1" lang="zh-CN" altLang="en-US" b="1" kern="100" dirty="0" smtClean="0">
-                <a:latin typeface="DengXian Light" charset="-122"/>
-                <a:ea typeface="DengXian Light" charset="-122"/>
-                <a:cs typeface="Times New Roman" charset="0"/>
-              </a:rPr>
-              <a:t>个人活动系统</a:t>
-            </a:r>
-            <a:endParaRPr kumimoji="1" lang="en-US" altLang="zh-CN" b="1" kern="100" dirty="0" smtClean="0">
-              <a:latin typeface="DengXian Light" charset="-122"/>
-              <a:ea typeface="DengXian Light" charset="-122"/>
-              <a:cs typeface="Times New Roman" charset="0"/>
-            </a:endParaRPr>
-          </a:p>
-          <a:p>
-            <a:r>
-              <a:rPr kumimoji="1" lang="en-US" altLang="zh-CN" b="1" kern="100" dirty="0" smtClean="0">
-                <a:latin typeface="DengXian Light" charset="-122"/>
-                <a:ea typeface="DengXian Light" charset="-122"/>
-                <a:cs typeface="Times New Roman" charset="0"/>
-              </a:rPr>
-              <a:t>1:</a:t>
-            </a:r>
-            <a:r>
-              <a:rPr kumimoji="1" lang="zh-CN" altLang="en-US" b="1" kern="100" dirty="0" smtClean="0">
-                <a:latin typeface="DengXian Light" charset="-122"/>
-                <a:ea typeface="DengXian Light" charset="-122"/>
-                <a:cs typeface="Times New Roman" charset="0"/>
-              </a:rPr>
-              <a:t>个人分时活动系统</a:t>
-            </a:r>
-            <a:endParaRPr kumimoji="1" lang="en-US" altLang="zh-CN" b="1" kern="100" dirty="0" smtClean="0">
-              <a:latin typeface="DengXian Light" charset="-122"/>
-              <a:ea typeface="DengXian Light" charset="-122"/>
-              <a:cs typeface="Times New Roman" charset="0"/>
-            </a:endParaRPr>
-          </a:p>
-          <a:p>
-            <a:r>
-              <a:rPr kumimoji="1" lang="en-US" altLang="zh-CN" b="1" kern="100" dirty="0" smtClean="0">
-                <a:latin typeface="DengXian Light" charset="-122"/>
-                <a:ea typeface="DengXian Light" charset="-122"/>
-                <a:cs typeface="Times New Roman" charset="0"/>
-              </a:rPr>
-              <a:t>2:</a:t>
-            </a:r>
-            <a:r>
-              <a:rPr kumimoji="1" lang="zh-CN" altLang="en-US" b="1" kern="100" dirty="0" smtClean="0">
-                <a:latin typeface="DengXian Light" charset="-122"/>
-                <a:ea typeface="DengXian Light" charset="-122"/>
-                <a:cs typeface="Times New Roman" charset="0"/>
-              </a:rPr>
-              <a:t>活动详情浏览系统</a:t>
-            </a:r>
-            <a:endParaRPr kumimoji="1" lang="en-US" altLang="zh-CN" b="1" kern="100" dirty="0" smtClean="0">
-              <a:latin typeface="DengXian Light" charset="-122"/>
-              <a:ea typeface="DengXian Light" charset="-122"/>
-              <a:cs typeface="Times New Roman" charset="0"/>
-            </a:endParaRPr>
-          </a:p>
-          <a:p>
-            <a:r>
-              <a:rPr kumimoji="1" lang="zh-CN" altLang="en-US" b="1" kern="100" dirty="0" smtClean="0">
-                <a:latin typeface="DengXian Light" charset="-122"/>
-                <a:ea typeface="DengXian Light" charset="-122"/>
-                <a:cs typeface="Times New Roman" charset="0"/>
-              </a:rPr>
-              <a:t>活动处理系统</a:t>
-            </a:r>
-            <a:endParaRPr kumimoji="1" lang="en-US" altLang="zh-CN" b="1" kern="100" dirty="0" smtClean="0">
-              <a:latin typeface="DengXian Light" charset="-122"/>
-              <a:ea typeface="DengXian Light" charset="-122"/>
-              <a:cs typeface="Times New Roman" charset="0"/>
-            </a:endParaRPr>
-          </a:p>
-          <a:p>
-            <a:r>
-              <a:rPr kumimoji="1" lang="en-US" altLang="zh-CN" b="1" kern="100" dirty="0" smtClean="0">
-                <a:latin typeface="DengXian Light" charset="-122"/>
-                <a:ea typeface="DengXian Light" charset="-122"/>
-                <a:cs typeface="Times New Roman" charset="0"/>
-              </a:rPr>
-              <a:t>1:</a:t>
-            </a:r>
-            <a:r>
-              <a:rPr kumimoji="1" lang="zh-CN" altLang="en-US" b="1" kern="100" dirty="0" smtClean="0">
-                <a:latin typeface="DengXian Light" charset="-122"/>
-                <a:ea typeface="DengXian Light" charset="-122"/>
-                <a:cs typeface="Times New Roman" charset="0"/>
-              </a:rPr>
-              <a:t>活动发布系统</a:t>
-            </a:r>
-            <a:endParaRPr kumimoji="1" lang="en-US" altLang="zh-CN" b="1" kern="100" dirty="0" smtClean="0">
-              <a:latin typeface="DengXian Light" charset="-122"/>
-              <a:ea typeface="DengXian Light" charset="-122"/>
-              <a:cs typeface="Times New Roman" charset="0"/>
-            </a:endParaRPr>
-          </a:p>
-          <a:p>
-            <a:r>
-              <a:rPr kumimoji="1" lang="en-US" altLang="zh-CN" b="1" kern="100" dirty="0" smtClean="0">
-                <a:latin typeface="DengXian Light" charset="-122"/>
-                <a:ea typeface="DengXian Light" charset="-122"/>
-                <a:cs typeface="Times New Roman" charset="0"/>
-              </a:rPr>
-              <a:t>2:</a:t>
-            </a:r>
-            <a:r>
-              <a:rPr kumimoji="1" lang="zh-CN" altLang="en-US" b="1" kern="100" dirty="0" smtClean="0">
-                <a:latin typeface="DengXian Light" charset="-122"/>
-                <a:ea typeface="DengXian Light" charset="-122"/>
-                <a:cs typeface="Times New Roman" charset="0"/>
-              </a:rPr>
-              <a:t>活动通过系统</a:t>
-            </a:r>
-            <a:endParaRPr kumimoji="1" lang="en-US" altLang="zh-CN" b="1" kern="100" dirty="0" smtClean="0">
-              <a:latin typeface="DengXian Light" charset="-122"/>
-              <a:ea typeface="DengXian Light" charset="-122"/>
-              <a:cs typeface="Times New Roman" charset="0"/>
-            </a:endParaRPr>
-          </a:p>
-          <a:p>
-            <a:r>
-              <a:rPr kumimoji="1" lang="zh-CN" altLang="en-US" b="1" kern="100" dirty="0" smtClean="0">
-                <a:latin typeface="DengXian Light" charset="-122"/>
-                <a:ea typeface="DengXian Light" charset="-122"/>
-                <a:cs typeface="Times New Roman" charset="0"/>
-              </a:rPr>
-              <a:t>个人系统</a:t>
-            </a:r>
-            <a:endParaRPr kumimoji="1" lang="en-US" altLang="zh-CN" b="1" kern="100" dirty="0" smtClean="0">
-              <a:latin typeface="DengXian Light" charset="-122"/>
-              <a:ea typeface="DengXian Light" charset="-122"/>
-              <a:cs typeface="Times New Roman" charset="0"/>
-            </a:endParaRPr>
-          </a:p>
-          <a:p>
-            <a:r>
-              <a:rPr kumimoji="1" lang="en-US" altLang="zh-CN" b="1" kern="100" dirty="0" smtClean="0">
-                <a:latin typeface="DengXian Light" charset="-122"/>
-                <a:ea typeface="DengXian Light" charset="-122"/>
-                <a:cs typeface="Times New Roman" charset="0"/>
-              </a:rPr>
-              <a:t>1:</a:t>
-            </a:r>
-            <a:r>
-              <a:rPr kumimoji="1" lang="zh-CN" altLang="en-US" b="1" kern="100" dirty="0" smtClean="0">
-                <a:latin typeface="DengXian Light" charset="-122"/>
-                <a:ea typeface="DengXian Light" charset="-122"/>
-                <a:cs typeface="Times New Roman" charset="0"/>
-              </a:rPr>
-              <a:t>登陆系统</a:t>
-            </a:r>
-            <a:endParaRPr kumimoji="1" lang="en-US" altLang="zh-CN" b="1" kern="100" dirty="0" smtClean="0">
-              <a:latin typeface="DengXian Light" charset="-122"/>
-              <a:ea typeface="DengXian Light" charset="-122"/>
-              <a:cs typeface="Times New Roman" charset="0"/>
-            </a:endParaRPr>
-          </a:p>
-          <a:p>
-            <a:r>
-              <a:rPr kumimoji="1" lang="en-US" altLang="zh-CN" b="1" kern="100" dirty="0" smtClean="0">
-                <a:latin typeface="DengXian Light" charset="-122"/>
-                <a:ea typeface="DengXian Light" charset="-122"/>
-                <a:cs typeface="Times New Roman" charset="0"/>
-              </a:rPr>
-              <a:t>2:</a:t>
-            </a:r>
-            <a:r>
-              <a:rPr kumimoji="1" lang="zh-CN" altLang="en-US" b="1" kern="100" dirty="0" smtClean="0">
-                <a:latin typeface="DengXian Light" charset="-122"/>
-                <a:ea typeface="DengXian Light" charset="-122"/>
-                <a:cs typeface="Times New Roman" charset="0"/>
-              </a:rPr>
-              <a:t>登出系统</a:t>
-            </a:r>
-            <a:endParaRPr kumimoji="1" lang="zh-CN" altLang="en-US" dirty="0"/>
-          </a:p>
-        </p:txBody>
-      </p:sp>
-    </p:spTree>
-    <p:extLst>
-      <p:ext uri="{BB962C8B-B14F-4D97-AF65-F5344CB8AC3E}">
-        <p14:creationId xmlns:p14="http://schemas.microsoft.com/office/powerpoint/2010/main" val="920990441"/>
-      </p:ext>
-    </p:extLst>
-  </p:cSld>
-  <p:clrMapOvr>
-    <a:masterClrMapping/>
-  </p:clrMapOvr>
-  <mc:AlternateContent xmlns:mc="http://schemas.openxmlformats.org/markup-compatibility/2006" xmlns:p14="http://schemas.microsoft.com/office/powerpoint/2010/main">
-    <mc:Choice Requires="p14">
-      <p:transition spd="med" p14:dur="700">
-        <p:fade/>
-      </p:transition>
-    </mc:Choice>
-    <mc:Fallback xmlns="">
-      <p:transition spd="med">
-        <p:fade/>
-      </p:transition>
-    </mc:Fallback>
-  </mc:AlternateContent>
-  <p:timing>
-    <p:tnLst>
-      <p:par>
-        <p:cTn id="1" dur="indefinite" restart="never" nodeType="tmRoot"/>
-      </p:par>
-    </p:tnLst>
-  </p:timing>
-</p:sld>
-</file>
-
-<file path=ppt/slides/slide29.xml><?xml version="1.0" encoding="utf-8"?>
-<p:sld xmlns:a="http://schemas.openxmlformats.org/drawingml/2006/main" xmlns:r="http://schemas.openxmlformats.org/officeDocument/2006/relationships" xmlns:p="http://schemas.openxmlformats.org/presentationml/2006/main">
-  <p:cSld>
-    <p:spTree>
-      <p:nvGrpSpPr>
-        <p:cNvPr id="1" name=""/>
-        <p:cNvGrpSpPr/>
-        <p:nvPr/>
-      </p:nvGrpSpPr>
-      <p:grpSpPr>
-        <a:xfrm>
-          <a:off x="0" y="0"/>
-          <a:ext cx="0" cy="0"/>
-          <a:chOff x="0" y="0"/>
-          <a:chExt cx="0" cy="0"/>
-        </a:xfrm>
-      </p:grpSpPr>
-      <p:sp>
-        <p:nvSpPr>
-          <p:cNvPr id="2" name="文本占位符 1"/>
-          <p:cNvSpPr>
-            <a:spLocks noGrp="1"/>
-          </p:cNvSpPr>
-          <p:nvPr>
-            <p:ph type="body" sz="quarter" idx="12"/>
-          </p:nvPr>
-        </p:nvSpPr>
-        <p:spPr/>
-        <p:txBody>
-          <a:bodyPr/>
-          <a:lstStyle/>
-          <a:p>
-            <a:r>
-              <a:rPr kumimoji="1" lang="en-US" altLang="zh-CN" dirty="0" smtClean="0"/>
-              <a:t>06</a:t>
-            </a:r>
-            <a:endParaRPr kumimoji="1" lang="zh-CN" altLang="en-US" dirty="0"/>
-          </a:p>
-        </p:txBody>
-      </p:sp>
-      <p:sp>
-        <p:nvSpPr>
-          <p:cNvPr id="3" name="文本占位符 2"/>
-          <p:cNvSpPr>
-            <a:spLocks noGrp="1"/>
-          </p:cNvSpPr>
-          <p:nvPr>
-            <p:ph type="body" sz="quarter" idx="13"/>
-          </p:nvPr>
-        </p:nvSpPr>
-        <p:spPr/>
-        <p:txBody>
-          <a:bodyPr/>
-          <a:lstStyle/>
-          <a:p>
-            <a:r>
-              <a:rPr kumimoji="1" lang="zh-CN" altLang="en-US" dirty="0" smtClean="0"/>
-              <a:t>测试</a:t>
-            </a:r>
-            <a:r>
-              <a:rPr kumimoji="1" lang="zh-CN" altLang="en-US" dirty="0"/>
-              <a:t>结果</a:t>
-            </a:r>
-          </a:p>
-        </p:txBody>
-      </p:sp>
-      <p:pic>
-        <p:nvPicPr>
-          <p:cNvPr id="21" name="图片 20"/>
-          <p:cNvPicPr>
-            <a:picLocks noChangeAspect="1"/>
-          </p:cNvPicPr>
-          <p:nvPr/>
-        </p:nvPicPr>
-        <p:blipFill>
-          <a:blip r:embed="rId3">
-            <a:extLst>
-              <a:ext uri="{28A0092B-C50C-407E-A947-70E740481C1C}">
-                <a14:useLocalDpi xmlns:a14="http://schemas.microsoft.com/office/drawing/2010/main" val="0"/>
-              </a:ext>
-            </a:extLst>
-          </a:blip>
-          <a:stretch>
-            <a:fillRect/>
-          </a:stretch>
-        </p:blipFill>
-        <p:spPr>
-          <a:xfrm>
-            <a:off x="9781311" y="162538"/>
-            <a:ext cx="2244436" cy="713763"/>
-          </a:xfrm>
-          <a:prstGeom prst="rect">
-            <a:avLst/>
-          </a:prstGeom>
-        </p:spPr>
-      </p:pic>
-      <p:sp>
-        <p:nvSpPr>
-          <p:cNvPr id="7" name="AutoShape 2" descr="https://timgsa.baidu.com/timg?image&amp;quality=80&amp;size=b9999_10000&amp;sec=1508644358879&amp;di=ad8dab2c14263e092edb301109512333&amp;imgtype=0&amp;src=http%3A%2F%2Fkjwy.5any.com%2FRjgc%2Fcontent%2Fimages%2F01%2Frjgc-tp-0111.jpg"/>
-          <p:cNvSpPr>
-            <a:spLocks noChangeAspect="1" noChangeArrowheads="1"/>
-          </p:cNvSpPr>
-          <p:nvPr/>
-        </p:nvSpPr>
-        <p:spPr bwMode="auto">
-          <a:xfrm>
-            <a:off x="155575" y="-144463"/>
-            <a:ext cx="304800" cy="304801"/>
-          </a:xfrm>
-          <a:prstGeom prst="rect">
-            <a:avLst/>
-          </a:prstGeom>
-          <a:noFill/>
-          <a:extLst>
-            <a:ext uri="{909E8E84-426E-40DD-AFC4-6F175D3DCCD1}">
-              <a14:hiddenFill xmlns:a14="http://schemas.microsoft.com/office/drawing/2010/main">
-                <a:solidFill>
-                  <a:srgbClr val="FFFFFF"/>
-                </a:solidFill>
-              </a14:hiddenFill>
-            </a:ext>
-          </a:extLst>
-        </p:spPr>
-        <p:txBody>
-          <a:bodyPr vert="horz" wrap="square" lIns="91440" tIns="45720" rIns="91440" bIns="45720" numCol="1" anchor="t" anchorCtr="0" compatLnSpc="1">
-            <a:prstTxWarp prst="textNoShape">
-              <a:avLst/>
-            </a:prstTxWarp>
-          </a:bodyPr>
-          <a:lstStyle/>
-          <a:p>
-            <a:endParaRPr lang="zh-CN" altLang="en-US"/>
-          </a:p>
-        </p:txBody>
-      </p:sp>
-      <p:pic>
-        <p:nvPicPr>
-          <p:cNvPr id="5" name="图片 4"/>
-          <p:cNvPicPr>
-            <a:picLocks noChangeAspect="1"/>
-          </p:cNvPicPr>
-          <p:nvPr/>
-        </p:nvPicPr>
-        <p:blipFill>
-          <a:blip r:embed="rId4"/>
-          <a:stretch>
-            <a:fillRect/>
-          </a:stretch>
-        </p:blipFill>
-        <p:spPr>
-          <a:xfrm>
-            <a:off x="379535" y="1239716"/>
-            <a:ext cx="3437379" cy="2450912"/>
-          </a:xfrm>
-          <a:prstGeom prst="rect">
-            <a:avLst/>
-          </a:prstGeom>
-        </p:spPr>
-      </p:pic>
-      <p:pic>
-        <p:nvPicPr>
-          <p:cNvPr id="6" name="图片 5"/>
-          <p:cNvPicPr>
-            <a:picLocks noChangeAspect="1"/>
-          </p:cNvPicPr>
-          <p:nvPr/>
-        </p:nvPicPr>
-        <p:blipFill>
-          <a:blip r:embed="rId5"/>
-          <a:stretch>
-            <a:fillRect/>
-          </a:stretch>
-        </p:blipFill>
-        <p:spPr>
-          <a:xfrm>
-            <a:off x="4098989" y="1002323"/>
-            <a:ext cx="3657423" cy="2688305"/>
-          </a:xfrm>
-          <a:prstGeom prst="rect">
-            <a:avLst/>
-          </a:prstGeom>
-        </p:spPr>
-      </p:pic>
-      <p:pic>
-        <p:nvPicPr>
-          <p:cNvPr id="8" name="图片 7"/>
-          <p:cNvPicPr>
-            <a:picLocks noChangeAspect="1"/>
-          </p:cNvPicPr>
-          <p:nvPr/>
-        </p:nvPicPr>
-        <p:blipFill>
-          <a:blip r:embed="rId6"/>
-          <a:stretch>
-            <a:fillRect/>
-          </a:stretch>
-        </p:blipFill>
-        <p:spPr>
-          <a:xfrm>
-            <a:off x="7785236" y="876301"/>
-            <a:ext cx="4256942" cy="2932077"/>
-          </a:xfrm>
-          <a:prstGeom prst="rect">
-            <a:avLst/>
-          </a:prstGeom>
-        </p:spPr>
-      </p:pic>
-      <p:sp>
-        <p:nvSpPr>
-          <p:cNvPr id="9" name="文本框 8"/>
-          <p:cNvSpPr txBox="1"/>
-          <p:nvPr/>
-        </p:nvSpPr>
-        <p:spPr>
-          <a:xfrm>
-            <a:off x="641838" y="4651131"/>
-            <a:ext cx="5969977" cy="1200329"/>
-          </a:xfrm>
-          <a:prstGeom prst="rect">
-            <a:avLst/>
-          </a:prstGeom>
-          <a:noFill/>
-        </p:spPr>
-        <p:txBody>
-          <a:bodyPr wrap="square" rtlCol="0">
-            <a:spAutoFit/>
-          </a:bodyPr>
-          <a:lstStyle/>
-          <a:p>
-            <a:r>
-              <a:rPr lang="zh-CN" altLang="en-US" dirty="0" smtClean="0"/>
-              <a:t>根据用户反馈，我们将会从以下方面进行改善：</a:t>
-            </a:r>
-            <a:endParaRPr lang="en-US" altLang="zh-CN" dirty="0" smtClean="0"/>
-          </a:p>
-          <a:p>
-            <a:r>
-              <a:rPr lang="en-US" altLang="zh-CN" dirty="0" smtClean="0"/>
-              <a:t>1</a:t>
-            </a:r>
-            <a:r>
-              <a:rPr lang="zh-CN" altLang="en-US" dirty="0" smtClean="0"/>
-              <a:t>、人机交互体验</a:t>
-            </a:r>
-            <a:endParaRPr lang="en-US" altLang="zh-CN" dirty="0" smtClean="0"/>
-          </a:p>
-          <a:p>
-            <a:r>
-              <a:rPr lang="en-US" altLang="zh-CN" dirty="0" smtClean="0"/>
-              <a:t>2</a:t>
-            </a:r>
-            <a:r>
-              <a:rPr lang="zh-CN" altLang="en-US" dirty="0" smtClean="0"/>
-              <a:t>、</a:t>
-            </a:r>
-            <a:r>
-              <a:rPr lang="en-US" altLang="zh-CN" dirty="0" smtClean="0"/>
-              <a:t>Bug </a:t>
-            </a:r>
-            <a:r>
-              <a:rPr lang="zh-CN" altLang="en-US" dirty="0" smtClean="0"/>
-              <a:t>修改</a:t>
-            </a:r>
-            <a:endParaRPr lang="en-US" altLang="zh-CN" dirty="0" smtClean="0"/>
-          </a:p>
-          <a:p>
-            <a:r>
-              <a:rPr lang="en-US" altLang="zh-CN" dirty="0" smtClean="0"/>
-              <a:t>3</a:t>
-            </a:r>
-            <a:r>
-              <a:rPr lang="zh-CN" altLang="en-US" dirty="0" smtClean="0"/>
-              <a:t>、功能完善</a:t>
-            </a:r>
-            <a:endParaRPr lang="en-US" altLang="zh-CN" dirty="0" smtClean="0"/>
-          </a:p>
-        </p:txBody>
-      </p:sp>
-    </p:spTree>
-    <p:extLst>
-      <p:ext uri="{BB962C8B-B14F-4D97-AF65-F5344CB8AC3E}">
-        <p14:creationId xmlns:p14="http://schemas.microsoft.com/office/powerpoint/2010/main" val="2135463887"/>
       </p:ext>
     </p:extLst>
   </p:cSld>
@@ -19176,6 +19127,1169 @@
           <a:lstStyle/>
           <a:p>
             <a:r>
+              <a:rPr kumimoji="1" lang="en-US" altLang="zh-CN" smtClean="0"/>
+              <a:t>05</a:t>
+            </a:r>
+            <a:endParaRPr kumimoji="1" lang="zh-CN" altLang="en-US" dirty="0"/>
+          </a:p>
+        </p:txBody>
+      </p:sp>
+      <p:sp>
+        <p:nvSpPr>
+          <p:cNvPr id="3" name="文本占位符 2"/>
+          <p:cNvSpPr>
+            <a:spLocks noGrp="1"/>
+          </p:cNvSpPr>
+          <p:nvPr>
+            <p:ph type="body" sz="quarter" idx="13"/>
+          </p:nvPr>
+        </p:nvSpPr>
+        <p:spPr/>
+        <p:txBody>
+          <a:bodyPr/>
+          <a:lstStyle/>
+          <a:p>
+            <a:r>
+              <a:rPr kumimoji="1" lang="zh-CN" altLang="en-US" dirty="0" smtClean="0"/>
+              <a:t>测试结果</a:t>
+            </a:r>
+            <a:endParaRPr kumimoji="1" lang="zh-CN" altLang="en-US" dirty="0">
+              <a:solidFill>
+                <a:srgbClr val="FF0000"/>
+              </a:solidFill>
+            </a:endParaRPr>
+          </a:p>
+        </p:txBody>
+      </p:sp>
+      <p:pic>
+        <p:nvPicPr>
+          <p:cNvPr id="8" name="图片 7"/>
+          <p:cNvPicPr>
+            <a:picLocks noChangeAspect="1"/>
+          </p:cNvPicPr>
+          <p:nvPr/>
+        </p:nvPicPr>
+        <p:blipFill>
+          <a:blip r:embed="rId2">
+            <a:extLst>
+              <a:ext uri="{28A0092B-C50C-407E-A947-70E740481C1C}">
+                <a14:useLocalDpi xmlns:a14="http://schemas.microsoft.com/office/drawing/2010/main" val="0"/>
+              </a:ext>
+            </a:extLst>
+          </a:blip>
+          <a:stretch>
+            <a:fillRect/>
+          </a:stretch>
+        </p:blipFill>
+        <p:spPr>
+          <a:xfrm>
+            <a:off x="9657864" y="288560"/>
+            <a:ext cx="2244436" cy="713763"/>
+          </a:xfrm>
+          <a:prstGeom prst="rect">
+            <a:avLst/>
+          </a:prstGeom>
+        </p:spPr>
+      </p:pic>
+      <p:sp>
+        <p:nvSpPr>
+          <p:cNvPr id="5" name="文本框 4"/>
+          <p:cNvSpPr txBox="1"/>
+          <p:nvPr/>
+        </p:nvSpPr>
+        <p:spPr>
+          <a:xfrm>
+            <a:off x="1215343" y="1002323"/>
+            <a:ext cx="7222602" cy="369332"/>
+          </a:xfrm>
+          <a:prstGeom prst="rect">
+            <a:avLst/>
+          </a:prstGeom>
+          <a:noFill/>
+        </p:spPr>
+        <p:txBody>
+          <a:bodyPr wrap="square" rtlCol="0">
+            <a:spAutoFit/>
+          </a:bodyPr>
+          <a:lstStyle/>
+          <a:p>
+            <a:r>
+              <a:rPr kumimoji="1" lang="zh-CN" altLang="en-US" dirty="0" smtClean="0"/>
+              <a:t>本次</a:t>
+            </a:r>
+            <a:r>
+              <a:rPr kumimoji="1" lang="en-US" altLang="zh-CN" dirty="0" err="1" smtClean="0"/>
+              <a:t>Ui</a:t>
+            </a:r>
+            <a:r>
+              <a:rPr kumimoji="1" lang="zh-CN" altLang="en-US" dirty="0" smtClean="0"/>
+              <a:t>测试结果详见报告</a:t>
+            </a:r>
+            <a:endParaRPr kumimoji="1" lang="zh-CN" altLang="en-US" dirty="0"/>
+          </a:p>
+        </p:txBody>
+      </p:sp>
+      <p:pic>
+        <p:nvPicPr>
+          <p:cNvPr id="6" name="图片 5"/>
+          <p:cNvPicPr>
+            <a:picLocks noChangeAspect="1"/>
+          </p:cNvPicPr>
+          <p:nvPr/>
+        </p:nvPicPr>
+        <p:blipFill>
+          <a:blip r:embed="rId3">
+            <a:extLst>
+              <a:ext uri="{28A0092B-C50C-407E-A947-70E740481C1C}">
+                <a14:useLocalDpi xmlns:a14="http://schemas.microsoft.com/office/drawing/2010/main" val="0"/>
+              </a:ext>
+            </a:extLst>
+          </a:blip>
+          <a:stretch>
+            <a:fillRect/>
+          </a:stretch>
+        </p:blipFill>
+        <p:spPr>
+          <a:xfrm>
+            <a:off x="970383" y="1371655"/>
+            <a:ext cx="10058400" cy="4884536"/>
+          </a:xfrm>
+          <a:prstGeom prst="rect">
+            <a:avLst/>
+          </a:prstGeom>
+        </p:spPr>
+      </p:pic>
+    </p:spTree>
+    <p:extLst>
+      <p:ext uri="{BB962C8B-B14F-4D97-AF65-F5344CB8AC3E}">
+        <p14:creationId xmlns:p14="http://schemas.microsoft.com/office/powerpoint/2010/main" val="634751748"/>
+      </p:ext>
+    </p:extLst>
+  </p:cSld>
+  <p:clrMapOvr>
+    <a:masterClrMapping/>
+  </p:clrMapOvr>
+  <mc:AlternateContent xmlns:mc="http://schemas.openxmlformats.org/markup-compatibility/2006" xmlns:p14="http://schemas.microsoft.com/office/powerpoint/2010/main">
+    <mc:Choice Requires="p14">
+      <p:transition spd="med" p14:dur="700">
+        <p:fade/>
+      </p:transition>
+    </mc:Choice>
+    <mc:Fallback xmlns="">
+      <p:transition spd="med">
+        <p:fade/>
+      </p:transition>
+    </mc:Fallback>
+  </mc:AlternateContent>
+  <p:timing>
+    <p:tnLst>
+      <p:par>
+        <p:cTn id="1" dur="indefinite" restart="never" nodeType="tmRoot"/>
+      </p:par>
+    </p:tnLst>
+  </p:timing>
+</p:sld>
+</file>
+
+<file path=ppt/slides/slide31.xml><?xml version="1.0" encoding="utf-8"?>
+<p:sld xmlns:a="http://schemas.openxmlformats.org/drawingml/2006/main" xmlns:r="http://schemas.openxmlformats.org/officeDocument/2006/relationships" xmlns:p="http://schemas.openxmlformats.org/presentationml/2006/main">
+  <p:cSld>
+    <p:spTree>
+      <p:nvGrpSpPr>
+        <p:cNvPr id="1" name=""/>
+        <p:cNvGrpSpPr/>
+        <p:nvPr/>
+      </p:nvGrpSpPr>
+      <p:grpSpPr>
+        <a:xfrm>
+          <a:off x="0" y="0"/>
+          <a:ext cx="0" cy="0"/>
+          <a:chOff x="0" y="0"/>
+          <a:chExt cx="0" cy="0"/>
+        </a:xfrm>
+      </p:grpSpPr>
+      <p:sp>
+        <p:nvSpPr>
+          <p:cNvPr id="2" name="文本占位符 1"/>
+          <p:cNvSpPr>
+            <a:spLocks noGrp="1"/>
+          </p:cNvSpPr>
+          <p:nvPr>
+            <p:ph type="body" sz="quarter" idx="12"/>
+          </p:nvPr>
+        </p:nvSpPr>
+        <p:spPr/>
+        <p:txBody>
+          <a:bodyPr/>
+          <a:lstStyle/>
+          <a:p>
+            <a:r>
+              <a:rPr kumimoji="1" lang="en-US" altLang="zh-CN" dirty="0" smtClean="0"/>
+              <a:t>6</a:t>
+            </a:r>
+            <a:endParaRPr kumimoji="1" lang="zh-CN" altLang="en-US" dirty="0"/>
+          </a:p>
+        </p:txBody>
+      </p:sp>
+      <p:sp>
+        <p:nvSpPr>
+          <p:cNvPr id="3" name="文本占位符 2"/>
+          <p:cNvSpPr>
+            <a:spLocks noGrp="1"/>
+          </p:cNvSpPr>
+          <p:nvPr>
+            <p:ph type="body" sz="quarter" idx="13"/>
+          </p:nvPr>
+        </p:nvSpPr>
+        <p:spPr>
+          <a:xfrm>
+            <a:off x="4966996" y="1474235"/>
+            <a:ext cx="5380771" cy="1735309"/>
+          </a:xfrm>
+        </p:spPr>
+        <p:txBody>
+          <a:bodyPr/>
+          <a:lstStyle/>
+          <a:p>
+            <a:r>
+              <a:rPr kumimoji="1" lang="zh-CN" altLang="en-US" sz="6600" dirty="0" smtClean="0"/>
+              <a:t>集成测试</a:t>
+            </a:r>
+            <a:r>
+              <a:rPr kumimoji="1" lang="en-US" altLang="zh-CN" sz="6600" dirty="0" smtClean="0"/>
+              <a:t>——</a:t>
+            </a:r>
+            <a:r>
+              <a:rPr kumimoji="1" lang="zh-CN" altLang="en-US" sz="6600" dirty="0" smtClean="0"/>
+              <a:t>用户测试</a:t>
+            </a:r>
+            <a:endParaRPr kumimoji="1" lang="zh-CN" altLang="en-US" sz="6600" dirty="0"/>
+          </a:p>
+        </p:txBody>
+      </p:sp>
+      <p:pic>
+        <p:nvPicPr>
+          <p:cNvPr id="5" name="图片 4"/>
+          <p:cNvPicPr>
+            <a:picLocks noChangeAspect="1"/>
+          </p:cNvPicPr>
+          <p:nvPr/>
+        </p:nvPicPr>
+        <p:blipFill>
+          <a:blip r:embed="rId2">
+            <a:extLst>
+              <a:ext uri="{28A0092B-C50C-407E-A947-70E740481C1C}">
+                <a14:useLocalDpi xmlns:a14="http://schemas.microsoft.com/office/drawing/2010/main" val="0"/>
+              </a:ext>
+            </a:extLst>
+          </a:blip>
+          <a:stretch>
+            <a:fillRect/>
+          </a:stretch>
+        </p:blipFill>
+        <p:spPr>
+          <a:xfrm>
+            <a:off x="4470402" y="6144237"/>
+            <a:ext cx="2244436" cy="713763"/>
+          </a:xfrm>
+          <a:prstGeom prst="rect">
+            <a:avLst/>
+          </a:prstGeom>
+        </p:spPr>
+      </p:pic>
+      <p:sp>
+        <p:nvSpPr>
+          <p:cNvPr id="7" name="文本框 6"/>
+          <p:cNvSpPr txBox="1"/>
+          <p:nvPr/>
+        </p:nvSpPr>
+        <p:spPr>
+          <a:xfrm>
+            <a:off x="4966996" y="3664452"/>
+            <a:ext cx="4828032" cy="646331"/>
+          </a:xfrm>
+          <a:prstGeom prst="rect">
+            <a:avLst/>
+          </a:prstGeom>
+          <a:noFill/>
+        </p:spPr>
+        <p:txBody>
+          <a:bodyPr wrap="square" rtlCol="0">
+            <a:spAutoFit/>
+          </a:bodyPr>
+          <a:lstStyle/>
+          <a:p>
+            <a:r>
+              <a:rPr lang="en-US" altLang="zh-CN" dirty="0" smtClean="0"/>
+              <a:t>6.1 </a:t>
+            </a:r>
+            <a:r>
+              <a:rPr lang="zh-CN" altLang="en-US" dirty="0" smtClean="0"/>
+              <a:t>测试范围</a:t>
+            </a:r>
+            <a:endParaRPr lang="en-US" altLang="zh-CN" dirty="0" smtClean="0"/>
+          </a:p>
+          <a:p>
+            <a:r>
+              <a:rPr lang="en-US" altLang="zh-CN" dirty="0" smtClean="0"/>
+              <a:t>6.2 </a:t>
+            </a:r>
+            <a:r>
+              <a:rPr lang="zh-CN" altLang="en-US" dirty="0" smtClean="0"/>
+              <a:t>测试结果</a:t>
+            </a:r>
+            <a:endParaRPr lang="zh-CN" altLang="en-US" dirty="0"/>
+          </a:p>
+        </p:txBody>
+      </p:sp>
+    </p:spTree>
+    <p:extLst>
+      <p:ext uri="{BB962C8B-B14F-4D97-AF65-F5344CB8AC3E}">
+        <p14:creationId xmlns:p14="http://schemas.microsoft.com/office/powerpoint/2010/main" val="2111675710"/>
+      </p:ext>
+    </p:extLst>
+  </p:cSld>
+  <p:clrMapOvr>
+    <a:masterClrMapping/>
+  </p:clrMapOvr>
+  <mc:AlternateContent xmlns:mc="http://schemas.openxmlformats.org/markup-compatibility/2006" xmlns:p14="http://schemas.microsoft.com/office/powerpoint/2010/main">
+    <mc:Choice Requires="p14">
+      <p:transition spd="slow" p14:dur="1200">
+        <p14:prism/>
+      </p:transition>
+    </mc:Choice>
+    <mc:Fallback xmlns="">
+      <p:transition spd="slow">
+        <p:fade/>
+      </p:transition>
+    </mc:Fallback>
+  </mc:AlternateContent>
+  <p:timing>
+    <p:tnLst>
+      <p:par>
+        <p:cTn id="1" dur="indefinite" restart="never" nodeType="tmRoot"/>
+      </p:par>
+    </p:tnLst>
+  </p:timing>
+</p:sld>
+</file>
+
+<file path=ppt/slides/slide32.xml><?xml version="1.0" encoding="utf-8"?>
+<p:sld xmlns:a="http://schemas.openxmlformats.org/drawingml/2006/main" xmlns:r="http://schemas.openxmlformats.org/officeDocument/2006/relationships" xmlns:p="http://schemas.openxmlformats.org/presentationml/2006/main">
+  <p:cSld>
+    <p:spTree>
+      <p:nvGrpSpPr>
+        <p:cNvPr id="1" name=""/>
+        <p:cNvGrpSpPr/>
+        <p:nvPr/>
+      </p:nvGrpSpPr>
+      <p:grpSpPr>
+        <a:xfrm>
+          <a:off x="0" y="0"/>
+          <a:ext cx="0" cy="0"/>
+          <a:chOff x="0" y="0"/>
+          <a:chExt cx="0" cy="0"/>
+        </a:xfrm>
+      </p:grpSpPr>
+      <p:sp>
+        <p:nvSpPr>
+          <p:cNvPr id="2" name="文本占位符 1"/>
+          <p:cNvSpPr>
+            <a:spLocks noGrp="1"/>
+          </p:cNvSpPr>
+          <p:nvPr>
+            <p:ph type="body" sz="quarter" idx="12"/>
+          </p:nvPr>
+        </p:nvSpPr>
+        <p:spPr/>
+        <p:txBody>
+          <a:bodyPr/>
+          <a:lstStyle/>
+          <a:p>
+            <a:r>
+              <a:rPr kumimoji="1" lang="en-US" altLang="zh-CN" dirty="0" smtClean="0"/>
+              <a:t>06</a:t>
+            </a:r>
+            <a:endParaRPr kumimoji="1" lang="zh-CN" altLang="en-US" dirty="0"/>
+          </a:p>
+        </p:txBody>
+      </p:sp>
+      <p:sp>
+        <p:nvSpPr>
+          <p:cNvPr id="3" name="文本占位符 2"/>
+          <p:cNvSpPr>
+            <a:spLocks noGrp="1"/>
+          </p:cNvSpPr>
+          <p:nvPr>
+            <p:ph type="body" sz="quarter" idx="13"/>
+          </p:nvPr>
+        </p:nvSpPr>
+        <p:spPr/>
+        <p:txBody>
+          <a:bodyPr/>
+          <a:lstStyle/>
+          <a:p>
+            <a:r>
+              <a:rPr kumimoji="1" lang="zh-CN" altLang="en-US" dirty="0" smtClean="0"/>
+              <a:t>测试范围</a:t>
+            </a:r>
+            <a:endParaRPr kumimoji="1" lang="zh-CN" altLang="en-US" dirty="0"/>
+          </a:p>
+        </p:txBody>
+      </p:sp>
+      <p:pic>
+        <p:nvPicPr>
+          <p:cNvPr id="21" name="图片 20"/>
+          <p:cNvPicPr>
+            <a:picLocks noChangeAspect="1"/>
+          </p:cNvPicPr>
+          <p:nvPr/>
+        </p:nvPicPr>
+        <p:blipFill>
+          <a:blip r:embed="rId3">
+            <a:extLst>
+              <a:ext uri="{28A0092B-C50C-407E-A947-70E740481C1C}">
+                <a14:useLocalDpi xmlns:a14="http://schemas.microsoft.com/office/drawing/2010/main" val="0"/>
+              </a:ext>
+            </a:extLst>
+          </a:blip>
+          <a:stretch>
+            <a:fillRect/>
+          </a:stretch>
+        </p:blipFill>
+        <p:spPr>
+          <a:xfrm>
+            <a:off x="9781311" y="162538"/>
+            <a:ext cx="2244436" cy="713763"/>
+          </a:xfrm>
+          <a:prstGeom prst="rect">
+            <a:avLst/>
+          </a:prstGeom>
+        </p:spPr>
+      </p:pic>
+      <p:sp>
+        <p:nvSpPr>
+          <p:cNvPr id="7" name="AutoShape 2" descr="https://timgsa.baidu.com/timg?image&amp;quality=80&amp;size=b9999_10000&amp;sec=1508644358879&amp;di=ad8dab2c14263e092edb301109512333&amp;imgtype=0&amp;src=http%3A%2F%2Fkjwy.5any.com%2FRjgc%2Fcontent%2Fimages%2F01%2Frjgc-tp-0111.jpg"/>
+          <p:cNvSpPr>
+            <a:spLocks noChangeAspect="1" noChangeArrowheads="1"/>
+          </p:cNvSpPr>
+          <p:nvPr/>
+        </p:nvSpPr>
+        <p:spPr bwMode="auto">
+          <a:xfrm>
+            <a:off x="155575" y="-144463"/>
+            <a:ext cx="304800" cy="304801"/>
+          </a:xfrm>
+          <a:prstGeom prst="rect">
+            <a:avLst/>
+          </a:prstGeom>
+          <a:noFill/>
+          <a:extLst>
+            <a:ext uri="{909E8E84-426E-40DD-AFC4-6F175D3DCCD1}">
+              <a14:hiddenFill xmlns:a14="http://schemas.microsoft.com/office/drawing/2010/main">
+                <a:solidFill>
+                  <a:srgbClr val="FFFFFF"/>
+                </a:solidFill>
+              </a14:hiddenFill>
+            </a:ext>
+          </a:extLst>
+        </p:spPr>
+        <p:txBody>
+          <a:bodyPr vert="horz" wrap="square" lIns="91440" tIns="45720" rIns="91440" bIns="45720" numCol="1" anchor="t" anchorCtr="0" compatLnSpc="1">
+            <a:prstTxWarp prst="textNoShape">
+              <a:avLst/>
+            </a:prstTxWarp>
+          </a:bodyPr>
+          <a:lstStyle/>
+          <a:p>
+            <a:endParaRPr lang="zh-CN" altLang="en-US"/>
+          </a:p>
+        </p:txBody>
+      </p:sp>
+      <p:sp>
+        <p:nvSpPr>
+          <p:cNvPr id="4" name="文本框 3"/>
+          <p:cNvSpPr txBox="1"/>
+          <p:nvPr/>
+        </p:nvSpPr>
+        <p:spPr>
+          <a:xfrm>
+            <a:off x="970383" y="1477651"/>
+            <a:ext cx="6726782" cy="3970318"/>
+          </a:xfrm>
+          <a:prstGeom prst="rect">
+            <a:avLst/>
+          </a:prstGeom>
+          <a:noFill/>
+        </p:spPr>
+        <p:txBody>
+          <a:bodyPr wrap="square" rtlCol="0">
+            <a:spAutoFit/>
+          </a:bodyPr>
+          <a:lstStyle/>
+          <a:p>
+            <a:r>
+              <a:rPr lang="en-US" altLang="zh-CN" b="1" kern="100" dirty="0" smtClean="0">
+                <a:latin typeface="DengXian Light" charset="-122"/>
+                <a:ea typeface="DengXian Light" charset="-122"/>
+                <a:cs typeface="Times New Roman" charset="0"/>
+              </a:rPr>
+              <a:t>1</a:t>
+            </a:r>
+            <a:r>
+              <a:rPr lang="zh-CN" altLang="en-US" b="1" kern="100" dirty="0" smtClean="0">
+                <a:latin typeface="DengXian Light" charset="-122"/>
+                <a:ea typeface="DengXian Light" charset="-122"/>
+                <a:cs typeface="Times New Roman" charset="0"/>
+              </a:rPr>
+              <a:t>子系统范围</a:t>
+            </a:r>
+            <a:endParaRPr lang="en-US" altLang="zh-CN" b="1" kern="100" dirty="0" smtClean="0">
+              <a:latin typeface="DengXian Light" charset="-122"/>
+              <a:ea typeface="DengXian Light" charset="-122"/>
+              <a:cs typeface="Times New Roman" charset="0"/>
+            </a:endParaRPr>
+          </a:p>
+          <a:p>
+            <a:r>
+              <a:rPr kumimoji="1" lang="zh-CN" altLang="en-US" b="1" kern="100" dirty="0" smtClean="0">
+                <a:latin typeface="DengXian Light" charset="-122"/>
+                <a:ea typeface="DengXian Light" charset="-122"/>
+                <a:cs typeface="Times New Roman" charset="0"/>
+              </a:rPr>
+              <a:t>活动浏览系统：</a:t>
+            </a:r>
+            <a:endParaRPr kumimoji="1" lang="en-US" altLang="zh-CN" b="1" kern="100" dirty="0" smtClean="0">
+              <a:latin typeface="DengXian Light" charset="-122"/>
+              <a:ea typeface="DengXian Light" charset="-122"/>
+              <a:cs typeface="Times New Roman" charset="0"/>
+            </a:endParaRPr>
+          </a:p>
+          <a:p>
+            <a:r>
+              <a:rPr kumimoji="1" lang="en-US" altLang="zh-CN" b="1" kern="100" dirty="0" smtClean="0">
+                <a:latin typeface="DengXian Light" charset="-122"/>
+                <a:ea typeface="DengXian Light" charset="-122"/>
+                <a:cs typeface="Times New Roman" charset="0"/>
+              </a:rPr>
+              <a:t>1:</a:t>
+            </a:r>
+            <a:r>
+              <a:rPr kumimoji="1" lang="zh-CN" altLang="en-US" b="1" kern="100" dirty="0" smtClean="0">
+                <a:latin typeface="DengXian Light" charset="-122"/>
+                <a:ea typeface="DengXian Light" charset="-122"/>
+                <a:cs typeface="Times New Roman" charset="0"/>
+              </a:rPr>
+              <a:t>活动详情浏览系统</a:t>
+            </a:r>
+            <a:endParaRPr kumimoji="1" lang="en-US" altLang="zh-CN" b="1" kern="100" dirty="0" smtClean="0">
+              <a:latin typeface="DengXian Light" charset="-122"/>
+              <a:ea typeface="DengXian Light" charset="-122"/>
+              <a:cs typeface="Times New Roman" charset="0"/>
+            </a:endParaRPr>
+          </a:p>
+          <a:p>
+            <a:r>
+              <a:rPr kumimoji="1" lang="en-US" altLang="zh-CN" b="1" kern="100" dirty="0" smtClean="0">
+                <a:latin typeface="DengXian Light" charset="-122"/>
+                <a:ea typeface="DengXian Light" charset="-122"/>
+                <a:cs typeface="Times New Roman" charset="0"/>
+              </a:rPr>
+              <a:t>2</a:t>
+            </a:r>
+            <a:r>
+              <a:rPr kumimoji="1" lang="zh-CN" altLang="en-US" b="1" kern="100" dirty="0" smtClean="0">
+                <a:latin typeface="DengXian Light" charset="-122"/>
+                <a:ea typeface="DengXian Light" charset="-122"/>
+                <a:cs typeface="Times New Roman" charset="0"/>
+              </a:rPr>
+              <a:t>活动搜索系统</a:t>
+            </a:r>
+            <a:endParaRPr kumimoji="1" lang="en-US" altLang="zh-CN" b="1" kern="100" dirty="0" smtClean="0">
+              <a:latin typeface="DengXian Light" charset="-122"/>
+              <a:ea typeface="DengXian Light" charset="-122"/>
+              <a:cs typeface="Times New Roman" charset="0"/>
+            </a:endParaRPr>
+          </a:p>
+          <a:p>
+            <a:r>
+              <a:rPr kumimoji="1" lang="en-US" altLang="zh-CN" b="1" kern="100" dirty="0" smtClean="0">
+                <a:latin typeface="DengXian Light" charset="-122"/>
+                <a:ea typeface="DengXian Light" charset="-122"/>
+                <a:cs typeface="Times New Roman" charset="0"/>
+              </a:rPr>
+              <a:t>3</a:t>
+            </a:r>
+            <a:r>
+              <a:rPr kumimoji="1" lang="zh-CN" altLang="en-US" b="1" kern="100" dirty="0" smtClean="0">
+                <a:latin typeface="DengXian Light" charset="-122"/>
+                <a:ea typeface="DengXian Light" charset="-122"/>
+                <a:cs typeface="Times New Roman" charset="0"/>
+              </a:rPr>
+              <a:t>活动参与系统</a:t>
+            </a:r>
+            <a:endParaRPr kumimoji="1" lang="en-US" altLang="zh-CN" b="1" kern="100" dirty="0" smtClean="0">
+              <a:latin typeface="DengXian Light" charset="-122"/>
+              <a:ea typeface="DengXian Light" charset="-122"/>
+              <a:cs typeface="Times New Roman" charset="0"/>
+            </a:endParaRPr>
+          </a:p>
+          <a:p>
+            <a:r>
+              <a:rPr kumimoji="1" lang="zh-CN" altLang="en-US" b="1" kern="100" dirty="0" smtClean="0">
+                <a:latin typeface="DengXian Light" charset="-122"/>
+                <a:ea typeface="DengXian Light" charset="-122"/>
+                <a:cs typeface="Times New Roman" charset="0"/>
+              </a:rPr>
+              <a:t>个人活动系统</a:t>
+            </a:r>
+            <a:endParaRPr kumimoji="1" lang="en-US" altLang="zh-CN" b="1" kern="100" dirty="0" smtClean="0">
+              <a:latin typeface="DengXian Light" charset="-122"/>
+              <a:ea typeface="DengXian Light" charset="-122"/>
+              <a:cs typeface="Times New Roman" charset="0"/>
+            </a:endParaRPr>
+          </a:p>
+          <a:p>
+            <a:r>
+              <a:rPr kumimoji="1" lang="en-US" altLang="zh-CN" b="1" kern="100" dirty="0" smtClean="0">
+                <a:latin typeface="DengXian Light" charset="-122"/>
+                <a:ea typeface="DengXian Light" charset="-122"/>
+                <a:cs typeface="Times New Roman" charset="0"/>
+              </a:rPr>
+              <a:t>1:</a:t>
+            </a:r>
+            <a:r>
+              <a:rPr kumimoji="1" lang="zh-CN" altLang="en-US" b="1" kern="100" dirty="0" smtClean="0">
+                <a:latin typeface="DengXian Light" charset="-122"/>
+                <a:ea typeface="DengXian Light" charset="-122"/>
+                <a:cs typeface="Times New Roman" charset="0"/>
+              </a:rPr>
+              <a:t>个人分时活动系统</a:t>
+            </a:r>
+            <a:endParaRPr kumimoji="1" lang="en-US" altLang="zh-CN" b="1" kern="100" dirty="0" smtClean="0">
+              <a:latin typeface="DengXian Light" charset="-122"/>
+              <a:ea typeface="DengXian Light" charset="-122"/>
+              <a:cs typeface="Times New Roman" charset="0"/>
+            </a:endParaRPr>
+          </a:p>
+          <a:p>
+            <a:r>
+              <a:rPr kumimoji="1" lang="en-US" altLang="zh-CN" b="1" kern="100" dirty="0" smtClean="0">
+                <a:latin typeface="DengXian Light" charset="-122"/>
+                <a:ea typeface="DengXian Light" charset="-122"/>
+                <a:cs typeface="Times New Roman" charset="0"/>
+              </a:rPr>
+              <a:t>2:</a:t>
+            </a:r>
+            <a:r>
+              <a:rPr kumimoji="1" lang="zh-CN" altLang="en-US" b="1" kern="100" dirty="0" smtClean="0">
+                <a:latin typeface="DengXian Light" charset="-122"/>
+                <a:ea typeface="DengXian Light" charset="-122"/>
+                <a:cs typeface="Times New Roman" charset="0"/>
+              </a:rPr>
+              <a:t>活动详情浏览系统</a:t>
+            </a:r>
+            <a:endParaRPr kumimoji="1" lang="en-US" altLang="zh-CN" b="1" kern="100" dirty="0" smtClean="0">
+              <a:latin typeface="DengXian Light" charset="-122"/>
+              <a:ea typeface="DengXian Light" charset="-122"/>
+              <a:cs typeface="Times New Roman" charset="0"/>
+            </a:endParaRPr>
+          </a:p>
+          <a:p>
+            <a:r>
+              <a:rPr kumimoji="1" lang="zh-CN" altLang="en-US" b="1" kern="100" dirty="0" smtClean="0">
+                <a:latin typeface="DengXian Light" charset="-122"/>
+                <a:ea typeface="DengXian Light" charset="-122"/>
+                <a:cs typeface="Times New Roman" charset="0"/>
+              </a:rPr>
+              <a:t>活动处理系统</a:t>
+            </a:r>
+            <a:endParaRPr kumimoji="1" lang="en-US" altLang="zh-CN" b="1" kern="100" dirty="0" smtClean="0">
+              <a:latin typeface="DengXian Light" charset="-122"/>
+              <a:ea typeface="DengXian Light" charset="-122"/>
+              <a:cs typeface="Times New Roman" charset="0"/>
+            </a:endParaRPr>
+          </a:p>
+          <a:p>
+            <a:r>
+              <a:rPr kumimoji="1" lang="en-US" altLang="zh-CN" b="1" kern="100" dirty="0" smtClean="0">
+                <a:latin typeface="DengXian Light" charset="-122"/>
+                <a:ea typeface="DengXian Light" charset="-122"/>
+                <a:cs typeface="Times New Roman" charset="0"/>
+              </a:rPr>
+              <a:t>1:</a:t>
+            </a:r>
+            <a:r>
+              <a:rPr kumimoji="1" lang="zh-CN" altLang="en-US" b="1" kern="100" dirty="0" smtClean="0">
+                <a:latin typeface="DengXian Light" charset="-122"/>
+                <a:ea typeface="DengXian Light" charset="-122"/>
+                <a:cs typeface="Times New Roman" charset="0"/>
+              </a:rPr>
+              <a:t>活动发布系统</a:t>
+            </a:r>
+            <a:endParaRPr kumimoji="1" lang="en-US" altLang="zh-CN" b="1" kern="100" dirty="0" smtClean="0">
+              <a:latin typeface="DengXian Light" charset="-122"/>
+              <a:ea typeface="DengXian Light" charset="-122"/>
+              <a:cs typeface="Times New Roman" charset="0"/>
+            </a:endParaRPr>
+          </a:p>
+          <a:p>
+            <a:r>
+              <a:rPr kumimoji="1" lang="en-US" altLang="zh-CN" b="1" kern="100" dirty="0" smtClean="0">
+                <a:latin typeface="DengXian Light" charset="-122"/>
+                <a:ea typeface="DengXian Light" charset="-122"/>
+                <a:cs typeface="Times New Roman" charset="0"/>
+              </a:rPr>
+              <a:t>2:</a:t>
+            </a:r>
+            <a:r>
+              <a:rPr kumimoji="1" lang="zh-CN" altLang="en-US" b="1" kern="100" dirty="0" smtClean="0">
+                <a:latin typeface="DengXian Light" charset="-122"/>
+                <a:ea typeface="DengXian Light" charset="-122"/>
+                <a:cs typeface="Times New Roman" charset="0"/>
+              </a:rPr>
+              <a:t>活动通过系统</a:t>
+            </a:r>
+            <a:endParaRPr kumimoji="1" lang="en-US" altLang="zh-CN" b="1" kern="100" dirty="0" smtClean="0">
+              <a:latin typeface="DengXian Light" charset="-122"/>
+              <a:ea typeface="DengXian Light" charset="-122"/>
+              <a:cs typeface="Times New Roman" charset="0"/>
+            </a:endParaRPr>
+          </a:p>
+          <a:p>
+            <a:r>
+              <a:rPr kumimoji="1" lang="zh-CN" altLang="en-US" b="1" kern="100" dirty="0" smtClean="0">
+                <a:latin typeface="DengXian Light" charset="-122"/>
+                <a:ea typeface="DengXian Light" charset="-122"/>
+                <a:cs typeface="Times New Roman" charset="0"/>
+              </a:rPr>
+              <a:t>个人系统</a:t>
+            </a:r>
+            <a:endParaRPr kumimoji="1" lang="en-US" altLang="zh-CN" b="1" kern="100" dirty="0" smtClean="0">
+              <a:latin typeface="DengXian Light" charset="-122"/>
+              <a:ea typeface="DengXian Light" charset="-122"/>
+              <a:cs typeface="Times New Roman" charset="0"/>
+            </a:endParaRPr>
+          </a:p>
+          <a:p>
+            <a:r>
+              <a:rPr kumimoji="1" lang="en-US" altLang="zh-CN" b="1" kern="100" dirty="0" smtClean="0">
+                <a:latin typeface="DengXian Light" charset="-122"/>
+                <a:ea typeface="DengXian Light" charset="-122"/>
+                <a:cs typeface="Times New Roman" charset="0"/>
+              </a:rPr>
+              <a:t>1:</a:t>
+            </a:r>
+            <a:r>
+              <a:rPr kumimoji="1" lang="zh-CN" altLang="en-US" b="1" kern="100" dirty="0" smtClean="0">
+                <a:latin typeface="DengXian Light" charset="-122"/>
+                <a:ea typeface="DengXian Light" charset="-122"/>
+                <a:cs typeface="Times New Roman" charset="0"/>
+              </a:rPr>
+              <a:t>登陆系统</a:t>
+            </a:r>
+            <a:endParaRPr kumimoji="1" lang="en-US" altLang="zh-CN" b="1" kern="100" dirty="0" smtClean="0">
+              <a:latin typeface="DengXian Light" charset="-122"/>
+              <a:ea typeface="DengXian Light" charset="-122"/>
+              <a:cs typeface="Times New Roman" charset="0"/>
+            </a:endParaRPr>
+          </a:p>
+          <a:p>
+            <a:r>
+              <a:rPr kumimoji="1" lang="en-US" altLang="zh-CN" b="1" kern="100" dirty="0" smtClean="0">
+                <a:latin typeface="DengXian Light" charset="-122"/>
+                <a:ea typeface="DengXian Light" charset="-122"/>
+                <a:cs typeface="Times New Roman" charset="0"/>
+              </a:rPr>
+              <a:t>2:</a:t>
+            </a:r>
+            <a:r>
+              <a:rPr kumimoji="1" lang="zh-CN" altLang="en-US" b="1" kern="100" dirty="0" smtClean="0">
+                <a:latin typeface="DengXian Light" charset="-122"/>
+                <a:ea typeface="DengXian Light" charset="-122"/>
+                <a:cs typeface="Times New Roman" charset="0"/>
+              </a:rPr>
+              <a:t>登出系统</a:t>
+            </a:r>
+            <a:endParaRPr kumimoji="1" lang="zh-CN" altLang="en-US" dirty="0"/>
+          </a:p>
+        </p:txBody>
+      </p:sp>
+    </p:spTree>
+    <p:extLst>
+      <p:ext uri="{BB962C8B-B14F-4D97-AF65-F5344CB8AC3E}">
+        <p14:creationId xmlns:p14="http://schemas.microsoft.com/office/powerpoint/2010/main" val="920990441"/>
+      </p:ext>
+    </p:extLst>
+  </p:cSld>
+  <p:clrMapOvr>
+    <a:masterClrMapping/>
+  </p:clrMapOvr>
+  <mc:AlternateContent xmlns:mc="http://schemas.openxmlformats.org/markup-compatibility/2006" xmlns:p14="http://schemas.microsoft.com/office/powerpoint/2010/main">
+    <mc:Choice Requires="p14">
+      <p:transition spd="med" p14:dur="700">
+        <p:fade/>
+      </p:transition>
+    </mc:Choice>
+    <mc:Fallback xmlns="">
+      <p:transition spd="med">
+        <p:fade/>
+      </p:transition>
+    </mc:Fallback>
+  </mc:AlternateContent>
+  <p:timing>
+    <p:tnLst>
+      <p:par>
+        <p:cTn id="1" dur="indefinite" restart="never" nodeType="tmRoot"/>
+      </p:par>
+    </p:tnLst>
+  </p:timing>
+</p:sld>
+</file>
+
+<file path=ppt/slides/slide33.xml><?xml version="1.0" encoding="utf-8"?>
+<p:sld xmlns:a="http://schemas.openxmlformats.org/drawingml/2006/main" xmlns:r="http://schemas.openxmlformats.org/officeDocument/2006/relationships" xmlns:p="http://schemas.openxmlformats.org/presentationml/2006/main">
+  <p:cSld>
+    <p:spTree>
+      <p:nvGrpSpPr>
+        <p:cNvPr id="1" name=""/>
+        <p:cNvGrpSpPr/>
+        <p:nvPr/>
+      </p:nvGrpSpPr>
+      <p:grpSpPr>
+        <a:xfrm>
+          <a:off x="0" y="0"/>
+          <a:ext cx="0" cy="0"/>
+          <a:chOff x="0" y="0"/>
+          <a:chExt cx="0" cy="0"/>
+        </a:xfrm>
+      </p:grpSpPr>
+      <p:sp>
+        <p:nvSpPr>
+          <p:cNvPr id="2" name="文本占位符 1"/>
+          <p:cNvSpPr>
+            <a:spLocks noGrp="1"/>
+          </p:cNvSpPr>
+          <p:nvPr>
+            <p:ph type="body" sz="quarter" idx="12"/>
+          </p:nvPr>
+        </p:nvSpPr>
+        <p:spPr/>
+        <p:txBody>
+          <a:bodyPr/>
+          <a:lstStyle/>
+          <a:p>
+            <a:r>
+              <a:rPr kumimoji="1" lang="en-US" altLang="zh-CN" dirty="0" smtClean="0"/>
+              <a:t>06</a:t>
+            </a:r>
+            <a:endParaRPr kumimoji="1" lang="zh-CN" altLang="en-US" dirty="0"/>
+          </a:p>
+        </p:txBody>
+      </p:sp>
+      <p:sp>
+        <p:nvSpPr>
+          <p:cNvPr id="3" name="文本占位符 2"/>
+          <p:cNvSpPr>
+            <a:spLocks noGrp="1"/>
+          </p:cNvSpPr>
+          <p:nvPr>
+            <p:ph type="body" sz="quarter" idx="13"/>
+          </p:nvPr>
+        </p:nvSpPr>
+        <p:spPr/>
+        <p:txBody>
+          <a:bodyPr/>
+          <a:lstStyle/>
+          <a:p>
+            <a:r>
+              <a:rPr kumimoji="1" lang="zh-CN" altLang="en-US" dirty="0" smtClean="0"/>
+              <a:t>测试</a:t>
+            </a:r>
+            <a:r>
+              <a:rPr kumimoji="1" lang="zh-CN" altLang="en-US" dirty="0"/>
+              <a:t>结果</a:t>
+            </a:r>
+          </a:p>
+        </p:txBody>
+      </p:sp>
+      <p:pic>
+        <p:nvPicPr>
+          <p:cNvPr id="21" name="图片 20"/>
+          <p:cNvPicPr>
+            <a:picLocks noChangeAspect="1"/>
+          </p:cNvPicPr>
+          <p:nvPr/>
+        </p:nvPicPr>
+        <p:blipFill>
+          <a:blip r:embed="rId3">
+            <a:extLst>
+              <a:ext uri="{28A0092B-C50C-407E-A947-70E740481C1C}">
+                <a14:useLocalDpi xmlns:a14="http://schemas.microsoft.com/office/drawing/2010/main" val="0"/>
+              </a:ext>
+            </a:extLst>
+          </a:blip>
+          <a:stretch>
+            <a:fillRect/>
+          </a:stretch>
+        </p:blipFill>
+        <p:spPr>
+          <a:xfrm>
+            <a:off x="9781311" y="162538"/>
+            <a:ext cx="2244436" cy="713763"/>
+          </a:xfrm>
+          <a:prstGeom prst="rect">
+            <a:avLst/>
+          </a:prstGeom>
+        </p:spPr>
+      </p:pic>
+      <p:sp>
+        <p:nvSpPr>
+          <p:cNvPr id="7" name="AutoShape 2" descr="https://timgsa.baidu.com/timg?image&amp;quality=80&amp;size=b9999_10000&amp;sec=1508644358879&amp;di=ad8dab2c14263e092edb301109512333&amp;imgtype=0&amp;src=http%3A%2F%2Fkjwy.5any.com%2FRjgc%2Fcontent%2Fimages%2F01%2Frjgc-tp-0111.jpg"/>
+          <p:cNvSpPr>
+            <a:spLocks noChangeAspect="1" noChangeArrowheads="1"/>
+          </p:cNvSpPr>
+          <p:nvPr/>
+        </p:nvSpPr>
+        <p:spPr bwMode="auto">
+          <a:xfrm>
+            <a:off x="155575" y="-144463"/>
+            <a:ext cx="304800" cy="304801"/>
+          </a:xfrm>
+          <a:prstGeom prst="rect">
+            <a:avLst/>
+          </a:prstGeom>
+          <a:noFill/>
+          <a:extLst>
+            <a:ext uri="{909E8E84-426E-40DD-AFC4-6F175D3DCCD1}">
+              <a14:hiddenFill xmlns:a14="http://schemas.microsoft.com/office/drawing/2010/main">
+                <a:solidFill>
+                  <a:srgbClr val="FFFFFF"/>
+                </a:solidFill>
+              </a14:hiddenFill>
+            </a:ext>
+          </a:extLst>
+        </p:spPr>
+        <p:txBody>
+          <a:bodyPr vert="horz" wrap="square" lIns="91440" tIns="45720" rIns="91440" bIns="45720" numCol="1" anchor="t" anchorCtr="0" compatLnSpc="1">
+            <a:prstTxWarp prst="textNoShape">
+              <a:avLst/>
+            </a:prstTxWarp>
+          </a:bodyPr>
+          <a:lstStyle/>
+          <a:p>
+            <a:endParaRPr lang="zh-CN" altLang="en-US"/>
+          </a:p>
+        </p:txBody>
+      </p:sp>
+      <p:pic>
+        <p:nvPicPr>
+          <p:cNvPr id="5" name="图片 4"/>
+          <p:cNvPicPr>
+            <a:picLocks noChangeAspect="1"/>
+          </p:cNvPicPr>
+          <p:nvPr/>
+        </p:nvPicPr>
+        <p:blipFill>
+          <a:blip r:embed="rId4"/>
+          <a:stretch>
+            <a:fillRect/>
+          </a:stretch>
+        </p:blipFill>
+        <p:spPr>
+          <a:xfrm>
+            <a:off x="379535" y="1239716"/>
+            <a:ext cx="3437379" cy="2450912"/>
+          </a:xfrm>
+          <a:prstGeom prst="rect">
+            <a:avLst/>
+          </a:prstGeom>
+        </p:spPr>
+      </p:pic>
+      <p:pic>
+        <p:nvPicPr>
+          <p:cNvPr id="6" name="图片 5"/>
+          <p:cNvPicPr>
+            <a:picLocks noChangeAspect="1"/>
+          </p:cNvPicPr>
+          <p:nvPr/>
+        </p:nvPicPr>
+        <p:blipFill>
+          <a:blip r:embed="rId5"/>
+          <a:stretch>
+            <a:fillRect/>
+          </a:stretch>
+        </p:blipFill>
+        <p:spPr>
+          <a:xfrm>
+            <a:off x="4098989" y="1002323"/>
+            <a:ext cx="3657423" cy="2688305"/>
+          </a:xfrm>
+          <a:prstGeom prst="rect">
+            <a:avLst/>
+          </a:prstGeom>
+        </p:spPr>
+      </p:pic>
+      <p:pic>
+        <p:nvPicPr>
+          <p:cNvPr id="8" name="图片 7"/>
+          <p:cNvPicPr>
+            <a:picLocks noChangeAspect="1"/>
+          </p:cNvPicPr>
+          <p:nvPr/>
+        </p:nvPicPr>
+        <p:blipFill>
+          <a:blip r:embed="rId6"/>
+          <a:stretch>
+            <a:fillRect/>
+          </a:stretch>
+        </p:blipFill>
+        <p:spPr>
+          <a:xfrm>
+            <a:off x="7785236" y="876301"/>
+            <a:ext cx="4256942" cy="2932077"/>
+          </a:xfrm>
+          <a:prstGeom prst="rect">
+            <a:avLst/>
+          </a:prstGeom>
+        </p:spPr>
+      </p:pic>
+      <p:sp>
+        <p:nvSpPr>
+          <p:cNvPr id="9" name="文本框 8"/>
+          <p:cNvSpPr txBox="1"/>
+          <p:nvPr/>
+        </p:nvSpPr>
+        <p:spPr>
+          <a:xfrm>
+            <a:off x="641838" y="4651131"/>
+            <a:ext cx="5969977" cy="1200329"/>
+          </a:xfrm>
+          <a:prstGeom prst="rect">
+            <a:avLst/>
+          </a:prstGeom>
+          <a:noFill/>
+        </p:spPr>
+        <p:txBody>
+          <a:bodyPr wrap="square" rtlCol="0">
+            <a:spAutoFit/>
+          </a:bodyPr>
+          <a:lstStyle/>
+          <a:p>
+            <a:r>
+              <a:rPr lang="zh-CN" altLang="en-US" dirty="0" smtClean="0"/>
+              <a:t>根据用户反馈，我们将会从以下方面进行改善：</a:t>
+            </a:r>
+            <a:endParaRPr lang="en-US" altLang="zh-CN" dirty="0" smtClean="0"/>
+          </a:p>
+          <a:p>
+            <a:r>
+              <a:rPr lang="en-US" altLang="zh-CN" dirty="0" smtClean="0"/>
+              <a:t>1</a:t>
+            </a:r>
+            <a:r>
+              <a:rPr lang="zh-CN" altLang="en-US" dirty="0" smtClean="0"/>
+              <a:t>、人机交互体验</a:t>
+            </a:r>
+            <a:endParaRPr lang="en-US" altLang="zh-CN" dirty="0" smtClean="0"/>
+          </a:p>
+          <a:p>
+            <a:r>
+              <a:rPr lang="en-US" altLang="zh-CN" dirty="0" smtClean="0"/>
+              <a:t>2</a:t>
+            </a:r>
+            <a:r>
+              <a:rPr lang="zh-CN" altLang="en-US" dirty="0" smtClean="0"/>
+              <a:t>、</a:t>
+            </a:r>
+            <a:r>
+              <a:rPr lang="en-US" altLang="zh-CN" dirty="0" smtClean="0"/>
+              <a:t>Bug </a:t>
+            </a:r>
+            <a:r>
+              <a:rPr lang="zh-CN" altLang="en-US" dirty="0" smtClean="0"/>
+              <a:t>修改</a:t>
+            </a:r>
+            <a:endParaRPr lang="en-US" altLang="zh-CN" dirty="0" smtClean="0"/>
+          </a:p>
+          <a:p>
+            <a:r>
+              <a:rPr lang="en-US" altLang="zh-CN" dirty="0" smtClean="0"/>
+              <a:t>3</a:t>
+            </a:r>
+            <a:r>
+              <a:rPr lang="zh-CN" altLang="en-US" dirty="0" smtClean="0"/>
+              <a:t>、功能完善</a:t>
+            </a:r>
+            <a:endParaRPr lang="en-US" altLang="zh-CN" dirty="0" smtClean="0"/>
+          </a:p>
+        </p:txBody>
+      </p:sp>
+    </p:spTree>
+    <p:extLst>
+      <p:ext uri="{BB962C8B-B14F-4D97-AF65-F5344CB8AC3E}">
+        <p14:creationId xmlns:p14="http://schemas.microsoft.com/office/powerpoint/2010/main" val="2135463887"/>
+      </p:ext>
+    </p:extLst>
+  </p:cSld>
+  <p:clrMapOvr>
+    <a:masterClrMapping/>
+  </p:clrMapOvr>
+  <mc:AlternateContent xmlns:mc="http://schemas.openxmlformats.org/markup-compatibility/2006" xmlns:p14="http://schemas.microsoft.com/office/powerpoint/2010/main">
+    <mc:Choice Requires="p14">
+      <p:transition spd="med" p14:dur="700">
+        <p:fade/>
+      </p:transition>
+    </mc:Choice>
+    <mc:Fallback xmlns="">
+      <p:transition spd="med">
+        <p:fade/>
+      </p:transition>
+    </mc:Fallback>
+  </mc:AlternateContent>
+  <p:timing>
+    <p:tnLst>
+      <p:par>
+        <p:cTn id="1" dur="indefinite" restart="never" nodeType="tmRoot"/>
+      </p:par>
+    </p:tnLst>
+  </p:timing>
+</p:sld>
+</file>
+
+<file path=ppt/slides/slide34.xml><?xml version="1.0" encoding="utf-8"?>
+<p:sld xmlns:a="http://schemas.openxmlformats.org/drawingml/2006/main" xmlns:r="http://schemas.openxmlformats.org/officeDocument/2006/relationships" xmlns:p="http://schemas.openxmlformats.org/presentationml/2006/main">
+  <p:cSld>
+    <p:spTree>
+      <p:nvGrpSpPr>
+        <p:cNvPr id="1" name=""/>
+        <p:cNvGrpSpPr/>
+        <p:nvPr/>
+      </p:nvGrpSpPr>
+      <p:grpSpPr>
+        <a:xfrm>
+          <a:off x="0" y="0"/>
+          <a:ext cx="0" cy="0"/>
+          <a:chOff x="0" y="0"/>
+          <a:chExt cx="0" cy="0"/>
+        </a:xfrm>
+      </p:grpSpPr>
+      <p:sp>
+        <p:nvSpPr>
+          <p:cNvPr id="2" name="文本占位符 1"/>
+          <p:cNvSpPr>
+            <a:spLocks noGrp="1"/>
+          </p:cNvSpPr>
+          <p:nvPr>
+            <p:ph type="body" sz="quarter" idx="12"/>
+          </p:nvPr>
+        </p:nvSpPr>
+        <p:spPr/>
+        <p:txBody>
+          <a:bodyPr/>
+          <a:lstStyle/>
+          <a:p>
+            <a:r>
               <a:rPr kumimoji="1" lang="en-US" altLang="zh-CN" dirty="0"/>
               <a:t>7</a:t>
             </a:r>
@@ -19363,7 +20477,7 @@
 </p:sld>
 </file>
 
-<file path=ppt/slides/slide31.xml><?xml version="1.0" encoding="utf-8"?>
+<file path=ppt/slides/slide35.xml><?xml version="1.0" encoding="utf-8"?>
 <p:sld xmlns:a="http://schemas.openxmlformats.org/drawingml/2006/main" xmlns:r="http://schemas.openxmlformats.org/officeDocument/2006/relationships" xmlns:p="http://schemas.openxmlformats.org/presentationml/2006/main">
   <p:cSld>
     <p:spTree>
